--- a/LectureSlides/08Design1.pptx
+++ b/LectureSlides/08Design1.pptx
@@ -35,8 +35,26 @@
     <p:sldId id="285" r:id="rId29"/>
     <p:sldId id="287" r:id="rId30"/>
     <p:sldId id="284" r:id="rId31"/>
-    <p:sldId id="260" r:id="rId32"/>
-    <p:sldId id="261" r:id="rId33"/>
+    <p:sldId id="288" r:id="rId32"/>
+    <p:sldId id="289" r:id="rId33"/>
+    <p:sldId id="290" r:id="rId34"/>
+    <p:sldId id="291" r:id="rId35"/>
+    <p:sldId id="292" r:id="rId36"/>
+    <p:sldId id="296" r:id="rId37"/>
+    <p:sldId id="293" r:id="rId38"/>
+    <p:sldId id="294" r:id="rId39"/>
+    <p:sldId id="297" r:id="rId40"/>
+    <p:sldId id="298" r:id="rId41"/>
+    <p:sldId id="299" r:id="rId42"/>
+    <p:sldId id="300" r:id="rId43"/>
+    <p:sldId id="295" r:id="rId44"/>
+    <p:sldId id="260" r:id="rId45"/>
+    <p:sldId id="301" r:id="rId46"/>
+    <p:sldId id="302" r:id="rId47"/>
+    <p:sldId id="305" r:id="rId48"/>
+    <p:sldId id="303" r:id="rId49"/>
+    <p:sldId id="304" r:id="rId50"/>
+    <p:sldId id="261" r:id="rId51"/>
   </p:sldIdLst>
   <p:sldSz cx="12192000" cy="6858000"/>
   <p:notesSz cx="6858000" cy="9144000"/>
@@ -367,7 +385,7 @@
           <a:p>
             <a:fld id="{DF0DA02A-3D36-4521-B995-F6A931B35345}" type="datetimeFigureOut">
               <a:rPr lang="en-US" smtClean="0"/>
-              <a:t>8/23/2023</a:t>
+              <a:t>8/25/2023</a:t>
             </a:fld>
             <a:endParaRPr lang="en-US"/>
           </a:p>
@@ -575,7 +593,7 @@
           <a:p>
             <a:fld id="{DF0DA02A-3D36-4521-B995-F6A931B35345}" type="datetimeFigureOut">
               <a:rPr lang="en-US" smtClean="0"/>
-              <a:t>8/23/2023</a:t>
+              <a:t>8/25/2023</a:t>
             </a:fld>
             <a:endParaRPr lang="en-US"/>
           </a:p>
@@ -831,7 +849,7 @@
           <a:p>
             <a:fld id="{DF0DA02A-3D36-4521-B995-F6A931B35345}" type="datetimeFigureOut">
               <a:rPr lang="en-US" smtClean="0"/>
-              <a:t>8/23/2023</a:t>
+              <a:t>8/25/2023</a:t>
             </a:fld>
             <a:endParaRPr lang="en-US"/>
           </a:p>
@@ -1016,7 +1034,7 @@
           <a:p>
             <a:fld id="{DF0DA02A-3D36-4521-B995-F6A931B35345}" type="datetimeFigureOut">
               <a:rPr lang="en-US" smtClean="0"/>
-              <a:t>8/23/2023</a:t>
+              <a:t>8/25/2023</a:t>
             </a:fld>
             <a:endParaRPr lang="en-US"/>
           </a:p>
@@ -1359,7 +1377,7 @@
           <a:p>
             <a:fld id="{DF0DA02A-3D36-4521-B995-F6A931B35345}" type="datetimeFigureOut">
               <a:rPr lang="en-US" smtClean="0"/>
-              <a:t>8/23/2023</a:t>
+              <a:t>8/25/2023</a:t>
             </a:fld>
             <a:endParaRPr lang="en-US"/>
           </a:p>
@@ -1664,7 +1682,7 @@
           <a:p>
             <a:fld id="{DF0DA02A-3D36-4521-B995-F6A931B35345}" type="datetimeFigureOut">
               <a:rPr lang="en-US" smtClean="0"/>
-              <a:t>8/23/2023</a:t>
+              <a:t>8/25/2023</a:t>
             </a:fld>
             <a:endParaRPr lang="en-US"/>
           </a:p>
@@ -2073,7 +2091,7 @@
           <a:p>
             <a:fld id="{DF0DA02A-3D36-4521-B995-F6A931B35345}" type="datetimeFigureOut">
               <a:rPr lang="en-US" smtClean="0"/>
-              <a:t>8/23/2023</a:t>
+              <a:t>8/25/2023</a:t>
             </a:fld>
             <a:endParaRPr lang="en-US"/>
           </a:p>
@@ -2191,7 +2209,7 @@
           <a:p>
             <a:fld id="{DF0DA02A-3D36-4521-B995-F6A931B35345}" type="datetimeFigureOut">
               <a:rPr lang="en-US" smtClean="0"/>
-              <a:t>8/23/2023</a:t>
+              <a:t>8/25/2023</a:t>
             </a:fld>
             <a:endParaRPr lang="en-US"/>
           </a:p>
@@ -2362,7 +2380,7 @@
           <a:p>
             <a:fld id="{DF0DA02A-3D36-4521-B995-F6A931B35345}" type="datetimeFigureOut">
               <a:rPr lang="en-US" smtClean="0"/>
-              <a:t>8/23/2023</a:t>
+              <a:t>8/25/2023</a:t>
             </a:fld>
             <a:endParaRPr lang="en-US"/>
           </a:p>
@@ -2731,7 +2749,7 @@
           <a:p>
             <a:fld id="{DF0DA02A-3D36-4521-B995-F6A931B35345}" type="datetimeFigureOut">
               <a:rPr lang="en-US" smtClean="0"/>
-              <a:t>8/23/2023</a:t>
+              <a:t>8/25/2023</a:t>
             </a:fld>
             <a:endParaRPr lang="en-US"/>
           </a:p>
@@ -3108,7 +3126,7 @@
           <a:p>
             <a:fld id="{DF0DA02A-3D36-4521-B995-F6A931B35345}" type="datetimeFigureOut">
               <a:rPr lang="en-US" smtClean="0"/>
-              <a:t>8/23/2023</a:t>
+              <a:t>8/25/2023</a:t>
             </a:fld>
             <a:endParaRPr lang="en-US"/>
           </a:p>
@@ -3395,7 +3413,7 @@
           <a:p>
             <a:fld id="{DF0DA02A-3D36-4521-B995-F6A931B35345}" type="datetimeFigureOut">
               <a:rPr lang="en-US" smtClean="0"/>
-              <a:t>8/23/2023</a:t>
+              <a:t>8/25/2023</a:t>
             </a:fld>
             <a:endParaRPr lang="en-US"/>
           </a:p>
@@ -9737,10 +9755,36 @@
         </p:nvSpPr>
         <p:spPr/>
         <p:txBody>
-          <a:bodyPr/>
-          <a:lstStyle/>
-          <a:p>
-            <a:endParaRPr lang="en-US"/>
+          <a:bodyPr>
+            <a:normAutofit fontScale="92500"/>
+          </a:bodyPr>
+          <a:lstStyle/>
+          <a:p>
+            <a:r>
+              <a:rPr lang="en-US" b="1" dirty="0"/>
+              <a:t>Charlie</a:t>
+            </a:r>
+            <a:r>
+              <a:rPr lang="en-US" dirty="0"/>
+              <a:t> is in her late 20s to mid 30s. She has a Bachelor’s degree but not necessarily in IT. She’s a self-taught developer. Her coding is unconventional and she mixes genius lines with simple errors. She seeks to reinvent her software development career but the how is still unclear.</a:t>
+            </a:r>
+          </a:p>
+          <a:p>
+            <a:r>
+              <a:rPr lang="en-US" dirty="0"/>
+              <a:t>Charlie has a family, which makes financial stability and work-life balance essential. She’s new to the industry and thus looks for a company that offers a supportive, people-oriented environment, where she can learn and improve her skills.</a:t>
+            </a:r>
+          </a:p>
+          <a:p>
+            <a:r>
+              <a:rPr lang="en-US" b="1" dirty="0"/>
+              <a:t>Question: </a:t>
+            </a:r>
+            <a:r>
+              <a:rPr lang="en-US" dirty="0"/>
+              <a:t>What aspects of Charlie, as a person, are discussed in this persona but not the Microsoft personas?</a:t>
+            </a:r>
+            <a:endParaRPr lang="en-US" b="1" dirty="0"/>
           </a:p>
         </p:txBody>
       </p:sp>
@@ -9779,7 +9823,7 @@
           <p:cNvPr id="2" name="Title 1">
             <a:extLst>
               <a:ext uri="{FF2B5EF4-FFF2-40B4-BE49-F238E27FC236}">
-                <a16:creationId xmlns:a16="http://schemas.microsoft.com/office/drawing/2014/main" id="{F2868215-7536-F989-B5B7-943198FA5299}"/>
+                <a16:creationId xmlns:a16="http://schemas.microsoft.com/office/drawing/2014/main" id="{FBBF1482-2DBC-52CD-CB46-BDEA23FBE33B}"/>
               </a:ext>
             </a:extLst>
           </p:cNvPr>
@@ -9797,7 +9841,7 @@
           <a:p>
             <a:r>
               <a:rPr lang="en-US" dirty="0"/>
-              <a:t>Section: Methodologies</a:t>
+              <a:t>Example Personas: Charlie + Robin</a:t>
             </a:r>
           </a:p>
         </p:txBody>
@@ -9807,7 +9851,7 @@
           <p:cNvPr id="3" name="Content Placeholder 2">
             <a:extLst>
               <a:ext uri="{FF2B5EF4-FFF2-40B4-BE49-F238E27FC236}">
-                <a16:creationId xmlns:a16="http://schemas.microsoft.com/office/drawing/2014/main" id="{61A84960-1DF6-8E6D-8EF6-E4DE0015B8BC}"/>
+                <a16:creationId xmlns:a16="http://schemas.microsoft.com/office/drawing/2014/main" id="{6EADEFBF-E035-0D47-E6F0-40E165DA1363}"/>
               </a:ext>
             </a:extLst>
           </p:cNvPr>
@@ -9820,17 +9864,32 @@
         </p:nvSpPr>
         <p:spPr/>
         <p:txBody>
-          <a:bodyPr/>
-          <a:lstStyle/>
-          <a:p>
-            <a:endParaRPr lang="en-US"/>
+          <a:bodyPr>
+            <a:normAutofit fontScale="92500"/>
+          </a:bodyPr>
+          <a:lstStyle/>
+          <a:p>
+            <a:r>
+              <a:rPr lang="en-US" dirty="0"/>
+              <a:t>Robin is in his mid 20s and has completed his formal education, such as a Bachelor’s degree in computer science. He is probably on his second or third job but has reached the ceiling in his current job, as in, he has learnt a lot and gained experience but would be keen on taking the next step to further his career. Even though he probably hasn’t taken any steps to find a new job (applied), he is on the lookout for something challenging as well as purposeful. In his current role, he can be found working in a specialized programming area (front-end/back-end/mobile). </a:t>
+            </a:r>
+          </a:p>
+          <a:p>
+            <a:r>
+              <a:rPr lang="en-US" b="1" dirty="0"/>
+              <a:t>Question: </a:t>
+            </a:r>
+            <a:r>
+              <a:rPr lang="en-US" dirty="0"/>
+              <a:t>What aspects of Robin, as a person, are discussed in this persona but not the Microsoft personas?</a:t>
+            </a:r>
           </a:p>
         </p:txBody>
       </p:sp>
     </p:spTree>
     <p:extLst>
       <p:ext uri="{BB962C8B-B14F-4D97-AF65-F5344CB8AC3E}">
-        <p14:creationId xmlns:p14="http://schemas.microsoft.com/office/powerpoint/2010/main" val="3527546795"/>
+        <p14:creationId xmlns:p14="http://schemas.microsoft.com/office/powerpoint/2010/main" val="1734212132"/>
       </p:ext>
     </p:extLst>
   </p:cSld>
@@ -9862,7 +9921,7 @@
           <p:cNvPr id="2" name="Title 1">
             <a:extLst>
               <a:ext uri="{FF2B5EF4-FFF2-40B4-BE49-F238E27FC236}">
-                <a16:creationId xmlns:a16="http://schemas.microsoft.com/office/drawing/2014/main" id="{F117CB5D-A0E3-7BCD-5240-51B4E9440A63}"/>
+                <a16:creationId xmlns:a16="http://schemas.microsoft.com/office/drawing/2014/main" id="{FBBF1482-2DBC-52CD-CB46-BDEA23FBE33B}"/>
               </a:ext>
             </a:extLst>
           </p:cNvPr>
@@ -9880,7 +9939,7 @@
           <a:p>
             <a:r>
               <a:rPr lang="en-US" dirty="0"/>
-              <a:t>Section: Conclusion</a:t>
+              <a:t>Example Personas: Charlie + Robin</a:t>
             </a:r>
           </a:p>
         </p:txBody>
@@ -9890,7 +9949,7 @@
           <p:cNvPr id="3" name="Content Placeholder 2">
             <a:extLst>
               <a:ext uri="{FF2B5EF4-FFF2-40B4-BE49-F238E27FC236}">
-                <a16:creationId xmlns:a16="http://schemas.microsoft.com/office/drawing/2014/main" id="{B2EBBC83-A093-61F8-6CA7-B75D67BF1E7B}"/>
+                <a16:creationId xmlns:a16="http://schemas.microsoft.com/office/drawing/2014/main" id="{6EADEFBF-E035-0D47-E6F0-40E165DA1363}"/>
               </a:ext>
             </a:extLst>
           </p:cNvPr>
@@ -9901,19 +9960,1031 @@
             <p:ph idx="1"/>
           </p:nvPr>
         </p:nvSpPr>
-        <p:spPr/>
-        <p:txBody>
-          <a:bodyPr/>
-          <a:lstStyle/>
-          <a:p>
-            <a:endParaRPr lang="en-US"/>
+        <p:spPr>
+          <a:xfrm>
+            <a:off x="1097279" y="5001066"/>
+            <a:ext cx="10539663" cy="1110976"/>
+          </a:xfrm>
+        </p:spPr>
+        <p:txBody>
+          <a:bodyPr>
+            <a:normAutofit fontScale="85000" lnSpcReduction="20000"/>
+          </a:bodyPr>
+          <a:lstStyle/>
+          <a:p>
+            <a:endParaRPr lang="en-US" dirty="0"/>
+          </a:p>
+          <a:p>
+            <a:r>
+              <a:rPr lang="en-US" b="1" dirty="0"/>
+              <a:t>Question: </a:t>
+            </a:r>
+            <a:r>
+              <a:rPr lang="en-US" dirty="0"/>
+              <a:t>What aspects of Robin, as a person, are discussed in this persona but not the Microsoft personas?</a:t>
+            </a:r>
+          </a:p>
+        </p:txBody>
+      </p:sp>
+      <p:sp>
+        <p:nvSpPr>
+          <p:cNvPr id="5" name="TextBox 4">
+            <a:extLst>
+              <a:ext uri="{FF2B5EF4-FFF2-40B4-BE49-F238E27FC236}">
+                <a16:creationId xmlns:a16="http://schemas.microsoft.com/office/drawing/2014/main" id="{58374D2B-D9D2-A895-C603-AAA21485EDFA}"/>
+              </a:ext>
+            </a:extLst>
+          </p:cNvPr>
+          <p:cNvSpPr txBox="1"/>
+          <p:nvPr/>
+        </p:nvSpPr>
+        <p:spPr>
+          <a:xfrm>
+            <a:off x="4225491" y="1839170"/>
+            <a:ext cx="6506678" cy="3477875"/>
+          </a:xfrm>
+          <a:prstGeom prst="rect">
+            <a:avLst/>
+          </a:prstGeom>
+          <a:noFill/>
+        </p:spPr>
+        <p:txBody>
+          <a:bodyPr wrap="square">
+            <a:spAutoFit/>
+          </a:bodyPr>
+          <a:lstStyle/>
+          <a:p>
+            <a:r>
+              <a:rPr lang="en-US" sz="2200" dirty="0"/>
+              <a:t>On a personal level, he is probably in a relationship, he is also quite introverted and self-aware. He enjoys working on complicated tasks and really wants to be involved and feel a part of the company. He values transparency and is happy working with inspiring leaders. He’s keen to know what is going on and where the company is headed. Salary isn’t his top priority (as long as it is not too far below average). Instead, Robin appreciates non-financial rewards, especially those that make him feel valued for his work.</a:t>
+            </a:r>
+          </a:p>
+        </p:txBody>
+      </p:sp>
+      <p:sp>
+        <p:nvSpPr>
+          <p:cNvPr id="7" name="TextBox 6">
+            <a:extLst>
+              <a:ext uri="{FF2B5EF4-FFF2-40B4-BE49-F238E27FC236}">
+                <a16:creationId xmlns:a16="http://schemas.microsoft.com/office/drawing/2014/main" id="{E1AC3181-D05F-BAD4-196B-CFA69A14FCFC}"/>
+              </a:ext>
+            </a:extLst>
+          </p:cNvPr>
+          <p:cNvSpPr txBox="1"/>
+          <p:nvPr/>
+        </p:nvSpPr>
+        <p:spPr>
+          <a:xfrm>
+            <a:off x="269506" y="1936614"/>
+            <a:ext cx="3955985" cy="3293209"/>
+          </a:xfrm>
+          <a:prstGeom prst="rect">
+            <a:avLst/>
+          </a:prstGeom>
+          <a:noFill/>
+        </p:spPr>
+        <p:txBody>
+          <a:bodyPr wrap="square">
+            <a:spAutoFit/>
+          </a:bodyPr>
+          <a:lstStyle/>
+          <a:p>
+            <a:r>
+              <a:rPr lang="en-US" sz="1600" dirty="0"/>
+              <a:t>Robin is in his mid 20s and has completed his formal education, such as a Bachelor’s degree in computer science. He is probably on his second or third job but has reached the ceiling in his current job, as in, he has learnt a lot and gained experience but would be keen on taking the next step to further his career. Even though he probably hasn’t taken any steps to find a new job (applied), he is on the lookout for something challenging as well as purposeful. In his current role, he can be found working in a specialized programming area (front-end/back-end/mobile). </a:t>
+            </a:r>
           </a:p>
         </p:txBody>
       </p:sp>
     </p:spTree>
     <p:extLst>
       <p:ext uri="{BB962C8B-B14F-4D97-AF65-F5344CB8AC3E}">
-        <p14:creationId xmlns:p14="http://schemas.microsoft.com/office/powerpoint/2010/main" val="1653804879"/>
+        <p14:creationId xmlns:p14="http://schemas.microsoft.com/office/powerpoint/2010/main" val="1418804979"/>
+      </p:ext>
+    </p:extLst>
+  </p:cSld>
+  <p:clrMapOvr>
+    <a:masterClrMapping/>
+  </p:clrMapOvr>
+</p:sld>
+</file>
+
+<file path=ppt/slides/slide33.xml><?xml version="1.0" encoding="utf-8"?>
+<p:sld xmlns:a="http://schemas.openxmlformats.org/drawingml/2006/main" xmlns:r="http://schemas.openxmlformats.org/officeDocument/2006/relationships" xmlns:p="http://schemas.openxmlformats.org/presentationml/2006/main">
+  <p:cSld>
+    <p:spTree>
+      <p:nvGrpSpPr>
+        <p:cNvPr id="1" name=""/>
+        <p:cNvGrpSpPr/>
+        <p:nvPr/>
+      </p:nvGrpSpPr>
+      <p:grpSpPr>
+        <a:xfrm>
+          <a:off x="0" y="0"/>
+          <a:ext cx="0" cy="0"/>
+          <a:chOff x="0" y="0"/>
+          <a:chExt cx="0" cy="0"/>
+        </a:xfrm>
+      </p:grpSpPr>
+      <p:sp>
+        <p:nvSpPr>
+          <p:cNvPr id="2" name="Title 1">
+            <a:extLst>
+              <a:ext uri="{FF2B5EF4-FFF2-40B4-BE49-F238E27FC236}">
+                <a16:creationId xmlns:a16="http://schemas.microsoft.com/office/drawing/2014/main" id="{FBBF1482-2DBC-52CD-CB46-BDEA23FBE33B}"/>
+              </a:ext>
+            </a:extLst>
+          </p:cNvPr>
+          <p:cNvSpPr>
+            <a:spLocks noGrp="1"/>
+          </p:cNvSpPr>
+          <p:nvPr>
+            <p:ph type="title"/>
+          </p:nvPr>
+        </p:nvSpPr>
+        <p:spPr/>
+        <p:txBody>
+          <a:bodyPr/>
+          <a:lstStyle/>
+          <a:p>
+            <a:r>
+              <a:rPr lang="en-US" dirty="0"/>
+              <a:t>Example Personas: Charlie + Robin</a:t>
+            </a:r>
+          </a:p>
+        </p:txBody>
+      </p:sp>
+      <p:sp>
+        <p:nvSpPr>
+          <p:cNvPr id="3" name="Content Placeholder 2">
+            <a:extLst>
+              <a:ext uri="{FF2B5EF4-FFF2-40B4-BE49-F238E27FC236}">
+                <a16:creationId xmlns:a16="http://schemas.microsoft.com/office/drawing/2014/main" id="{6EADEFBF-E035-0D47-E6F0-40E165DA1363}"/>
+              </a:ext>
+            </a:extLst>
+          </p:cNvPr>
+          <p:cNvSpPr>
+            <a:spLocks noGrp="1"/>
+          </p:cNvSpPr>
+          <p:nvPr>
+            <p:ph idx="1"/>
+          </p:nvPr>
+        </p:nvSpPr>
+        <p:spPr>
+          <a:xfrm>
+            <a:off x="1097279" y="5001066"/>
+            <a:ext cx="10539663" cy="1110976"/>
+          </a:xfrm>
+        </p:spPr>
+        <p:txBody>
+          <a:bodyPr>
+            <a:normAutofit/>
+          </a:bodyPr>
+          <a:lstStyle/>
+          <a:p>
+            <a:endParaRPr lang="en-US" dirty="0"/>
+          </a:p>
+          <a:p>
+            <a:r>
+              <a:rPr lang="en-US" b="1" dirty="0"/>
+              <a:t>Answer: </a:t>
+            </a:r>
+            <a:r>
+              <a:rPr lang="en-US" dirty="0"/>
+              <a:t>Gender, Age, Education, Career + Personal Goals</a:t>
+            </a:r>
+          </a:p>
+        </p:txBody>
+      </p:sp>
+      <p:sp>
+        <p:nvSpPr>
+          <p:cNvPr id="5" name="TextBox 4">
+            <a:extLst>
+              <a:ext uri="{FF2B5EF4-FFF2-40B4-BE49-F238E27FC236}">
+                <a16:creationId xmlns:a16="http://schemas.microsoft.com/office/drawing/2014/main" id="{58374D2B-D9D2-A895-C603-AAA21485EDFA}"/>
+              </a:ext>
+            </a:extLst>
+          </p:cNvPr>
+          <p:cNvSpPr txBox="1"/>
+          <p:nvPr/>
+        </p:nvSpPr>
+        <p:spPr>
+          <a:xfrm>
+            <a:off x="4225491" y="1839170"/>
+            <a:ext cx="6506678" cy="3477875"/>
+          </a:xfrm>
+          <a:prstGeom prst="rect">
+            <a:avLst/>
+          </a:prstGeom>
+          <a:noFill/>
+        </p:spPr>
+        <p:txBody>
+          <a:bodyPr wrap="square">
+            <a:spAutoFit/>
+          </a:bodyPr>
+          <a:lstStyle/>
+          <a:p>
+            <a:r>
+              <a:rPr lang="en-US" sz="2200" dirty="0"/>
+              <a:t>On a personal level, he is probably in a relationship, he is also quite introverted and self-aware. He enjoys working on complicated tasks and really wants to be involved and feel a part of the company. He values transparency and is happy working with inspiring leaders. He’s keen to know what is going on and where the company is headed. Salary isn’t his top priority (as long as it is not too far below average). Instead, Robin appreciates non-financial rewards, especially those that make him feel valued for his work.</a:t>
+            </a:r>
+          </a:p>
+        </p:txBody>
+      </p:sp>
+      <p:sp>
+        <p:nvSpPr>
+          <p:cNvPr id="7" name="TextBox 6">
+            <a:extLst>
+              <a:ext uri="{FF2B5EF4-FFF2-40B4-BE49-F238E27FC236}">
+                <a16:creationId xmlns:a16="http://schemas.microsoft.com/office/drawing/2014/main" id="{E1AC3181-D05F-BAD4-196B-CFA69A14FCFC}"/>
+              </a:ext>
+            </a:extLst>
+          </p:cNvPr>
+          <p:cNvSpPr txBox="1"/>
+          <p:nvPr/>
+        </p:nvSpPr>
+        <p:spPr>
+          <a:xfrm>
+            <a:off x="269506" y="1936614"/>
+            <a:ext cx="3955985" cy="3293209"/>
+          </a:xfrm>
+          <a:prstGeom prst="rect">
+            <a:avLst/>
+          </a:prstGeom>
+          <a:noFill/>
+        </p:spPr>
+        <p:txBody>
+          <a:bodyPr wrap="square">
+            <a:spAutoFit/>
+          </a:bodyPr>
+          <a:lstStyle/>
+          <a:p>
+            <a:r>
+              <a:rPr lang="en-US" sz="1600" dirty="0"/>
+              <a:t>Robin is in his mid 20s and has completed his formal education, such as a Bachelor’s degree in computer science. He is probably on his second or third job but has reached the ceiling in his current job, as in, he has learnt a lot and gained experience but would be keen on taking the next step to further his career. Even though he probably hasn’t taken any steps to find a new job (applied), he is on the lookout for something challenging as well as purposeful. In his current role, he can be found working in a specialized programming area (front-end/back-end/mobile). </a:t>
+            </a:r>
+          </a:p>
+        </p:txBody>
+      </p:sp>
+    </p:spTree>
+    <p:extLst>
+      <p:ext uri="{BB962C8B-B14F-4D97-AF65-F5344CB8AC3E}">
+        <p14:creationId xmlns:p14="http://schemas.microsoft.com/office/powerpoint/2010/main" val="1427456217"/>
+      </p:ext>
+    </p:extLst>
+  </p:cSld>
+  <p:clrMapOvr>
+    <a:masterClrMapping/>
+  </p:clrMapOvr>
+</p:sld>
+</file>
+
+<file path=ppt/slides/slide34.xml><?xml version="1.0" encoding="utf-8"?>
+<p:sld xmlns:a="http://schemas.openxmlformats.org/drawingml/2006/main" xmlns:r="http://schemas.openxmlformats.org/officeDocument/2006/relationships" xmlns:p="http://schemas.openxmlformats.org/presentationml/2006/main">
+  <p:cSld>
+    <p:spTree>
+      <p:nvGrpSpPr>
+        <p:cNvPr id="1" name=""/>
+        <p:cNvGrpSpPr/>
+        <p:nvPr/>
+      </p:nvGrpSpPr>
+      <p:grpSpPr>
+        <a:xfrm>
+          <a:off x="0" y="0"/>
+          <a:ext cx="0" cy="0"/>
+          <a:chOff x="0" y="0"/>
+          <a:chExt cx="0" cy="0"/>
+        </a:xfrm>
+      </p:grpSpPr>
+      <p:sp>
+        <p:nvSpPr>
+          <p:cNvPr id="2" name="Title 1">
+            <a:extLst>
+              <a:ext uri="{FF2B5EF4-FFF2-40B4-BE49-F238E27FC236}">
+                <a16:creationId xmlns:a16="http://schemas.microsoft.com/office/drawing/2014/main" id="{B20EA48C-B1BA-86FA-68C1-A92EA771A799}"/>
+              </a:ext>
+            </a:extLst>
+          </p:cNvPr>
+          <p:cNvSpPr>
+            <a:spLocks noGrp="1"/>
+          </p:cNvSpPr>
+          <p:nvPr>
+            <p:ph type="title"/>
+          </p:nvPr>
+        </p:nvSpPr>
+        <p:spPr/>
+        <p:txBody>
+          <a:bodyPr/>
+          <a:lstStyle/>
+          <a:p>
+            <a:r>
+              <a:rPr lang="en-US" dirty="0"/>
+              <a:t>Persona Design Tradeoffs</a:t>
+            </a:r>
+          </a:p>
+        </p:txBody>
+      </p:sp>
+      <p:sp>
+        <p:nvSpPr>
+          <p:cNvPr id="3" name="Content Placeholder 2">
+            <a:extLst>
+              <a:ext uri="{FF2B5EF4-FFF2-40B4-BE49-F238E27FC236}">
+                <a16:creationId xmlns:a16="http://schemas.microsoft.com/office/drawing/2014/main" id="{100F8DED-26D5-68B7-F467-3EFFCE6604F5}"/>
+              </a:ext>
+            </a:extLst>
+          </p:cNvPr>
+          <p:cNvSpPr>
+            <a:spLocks noGrp="1"/>
+          </p:cNvSpPr>
+          <p:nvPr>
+            <p:ph idx="1"/>
+          </p:nvPr>
+        </p:nvSpPr>
+        <p:spPr/>
+        <p:txBody>
+          <a:bodyPr/>
+          <a:lstStyle/>
+          <a:p>
+            <a:r>
+              <a:rPr lang="en-US" dirty="0"/>
+              <a:t>Narrow vs. Broad Personas</a:t>
+            </a:r>
+          </a:p>
+          <a:p>
+            <a:pPr lvl="1"/>
+            <a:r>
+              <a:rPr lang="en-US" dirty="0"/>
+              <a:t>Narrow (MS): Risk tolerance, Knowledge depth, Points of pride</a:t>
+            </a:r>
+          </a:p>
+          <a:p>
+            <a:pPr lvl="1"/>
+            <a:r>
+              <a:rPr lang="en-US" dirty="0"/>
+              <a:t>Broad (C+R): Gender, Age, Education, Career + Personal Goals</a:t>
+            </a:r>
+          </a:p>
+          <a:p>
+            <a:r>
+              <a:rPr lang="en-US" dirty="0"/>
+              <a:t>Narrow persona emphasizes traits directly relevant to programming</a:t>
+            </a:r>
+          </a:p>
+          <a:p>
+            <a:r>
+              <a:rPr lang="en-US" dirty="0"/>
+              <a:t>Broad persona captures traits that may be relevant across specific subgroups of people</a:t>
+            </a:r>
+          </a:p>
+          <a:p>
+            <a:pPr lvl="1"/>
+            <a:r>
+              <a:rPr lang="en-US" dirty="0"/>
+              <a:t>Naively including demographics in personas can activate designer bias</a:t>
+            </a:r>
+          </a:p>
+          <a:p>
+            <a:pPr lvl="1"/>
+            <a:r>
+              <a:rPr lang="en-US" dirty="0"/>
+              <a:t>Methods for reducing that bias are well-studied</a:t>
+            </a:r>
+          </a:p>
+        </p:txBody>
+      </p:sp>
+    </p:spTree>
+    <p:extLst>
+      <p:ext uri="{BB962C8B-B14F-4D97-AF65-F5344CB8AC3E}">
+        <p14:creationId xmlns:p14="http://schemas.microsoft.com/office/powerpoint/2010/main" val="4163882863"/>
+      </p:ext>
+    </p:extLst>
+  </p:cSld>
+  <p:clrMapOvr>
+    <a:masterClrMapping/>
+  </p:clrMapOvr>
+</p:sld>
+</file>
+
+<file path=ppt/slides/slide35.xml><?xml version="1.0" encoding="utf-8"?>
+<p:sld xmlns:a="http://schemas.openxmlformats.org/drawingml/2006/main" xmlns:r="http://schemas.openxmlformats.org/officeDocument/2006/relationships" xmlns:p="http://schemas.openxmlformats.org/presentationml/2006/main">
+  <p:cSld>
+    <p:spTree>
+      <p:nvGrpSpPr>
+        <p:cNvPr id="1" name=""/>
+        <p:cNvGrpSpPr/>
+        <p:nvPr/>
+      </p:nvGrpSpPr>
+      <p:grpSpPr>
+        <a:xfrm>
+          <a:off x="0" y="0"/>
+          <a:ext cx="0" cy="0"/>
+          <a:chOff x="0" y="0"/>
+          <a:chExt cx="0" cy="0"/>
+        </a:xfrm>
+      </p:grpSpPr>
+      <p:sp>
+        <p:nvSpPr>
+          <p:cNvPr id="2" name="Title 1">
+            <a:extLst>
+              <a:ext uri="{FF2B5EF4-FFF2-40B4-BE49-F238E27FC236}">
+                <a16:creationId xmlns:a16="http://schemas.microsoft.com/office/drawing/2014/main" id="{51D385A4-0579-1D6A-813B-1E6B9241194E}"/>
+              </a:ext>
+            </a:extLst>
+          </p:cNvPr>
+          <p:cNvSpPr>
+            <a:spLocks noGrp="1"/>
+          </p:cNvSpPr>
+          <p:nvPr>
+            <p:ph type="title"/>
+          </p:nvPr>
+        </p:nvSpPr>
+        <p:spPr/>
+        <p:txBody>
+          <a:bodyPr/>
+          <a:lstStyle/>
+          <a:p>
+            <a:r>
+              <a:rPr lang="en-US" dirty="0"/>
+              <a:t>Personas vs. Archetypes</a:t>
+            </a:r>
+          </a:p>
+        </p:txBody>
+      </p:sp>
+      <p:sp>
+        <p:nvSpPr>
+          <p:cNvPr id="3" name="Content Placeholder 2">
+            <a:extLst>
+              <a:ext uri="{FF2B5EF4-FFF2-40B4-BE49-F238E27FC236}">
+                <a16:creationId xmlns:a16="http://schemas.microsoft.com/office/drawing/2014/main" id="{E0641F8B-20D1-0BBB-862A-92C1C864F2E5}"/>
+              </a:ext>
+            </a:extLst>
+          </p:cNvPr>
+          <p:cNvSpPr>
+            <a:spLocks noGrp="1"/>
+          </p:cNvSpPr>
+          <p:nvPr>
+            <p:ph idx="1"/>
+          </p:nvPr>
+        </p:nvSpPr>
+        <p:spPr/>
+        <p:txBody>
+          <a:bodyPr/>
+          <a:lstStyle/>
+          <a:p>
+            <a:r>
+              <a:rPr lang="en-US" dirty="0"/>
+              <a:t>Personas are characters</a:t>
+            </a:r>
+          </a:p>
+          <a:p>
+            <a:r>
+              <a:rPr lang="en-US" dirty="0"/>
+              <a:t>HCPL uses characters (archetypes) to show different PL perspectives</a:t>
+            </a:r>
+            <a:br>
+              <a:rPr lang="en-US" dirty="0"/>
+            </a:br>
+            <a:r>
+              <a:rPr lang="en-US" dirty="0"/>
+              <a:t>But the purpose of archetypes is very different</a:t>
+            </a:r>
+          </a:p>
+          <a:p>
+            <a:pPr lvl="1"/>
+            <a:r>
+              <a:rPr lang="en-US" dirty="0"/>
+              <a:t>Sort the chapters / lectures: to do X, read Y</a:t>
+            </a:r>
+          </a:p>
+          <a:p>
+            <a:pPr lvl="1"/>
+            <a:r>
+              <a:rPr lang="en-US" dirty="0"/>
+              <a:t>Identify topics that match personal interests</a:t>
+            </a:r>
+          </a:p>
+          <a:p>
+            <a:pPr lvl="1"/>
+            <a:r>
+              <a:rPr lang="en-US" dirty="0"/>
+              <a:t>Communicate effectively with people from different fields</a:t>
+            </a:r>
+          </a:p>
+        </p:txBody>
+      </p:sp>
+    </p:spTree>
+    <p:extLst>
+      <p:ext uri="{BB962C8B-B14F-4D97-AF65-F5344CB8AC3E}">
+        <p14:creationId xmlns:p14="http://schemas.microsoft.com/office/powerpoint/2010/main" val="2491712267"/>
+      </p:ext>
+    </p:extLst>
+  </p:cSld>
+  <p:clrMapOvr>
+    <a:masterClrMapping/>
+  </p:clrMapOvr>
+</p:sld>
+</file>
+
+<file path=ppt/slides/slide36.xml><?xml version="1.0" encoding="utf-8"?>
+<p:sld xmlns:a="http://schemas.openxmlformats.org/drawingml/2006/main" xmlns:r="http://schemas.openxmlformats.org/officeDocument/2006/relationships" xmlns:p="http://schemas.openxmlformats.org/presentationml/2006/main">
+  <p:cSld>
+    <p:spTree>
+      <p:nvGrpSpPr>
+        <p:cNvPr id="1" name=""/>
+        <p:cNvGrpSpPr/>
+        <p:nvPr/>
+      </p:nvGrpSpPr>
+      <p:grpSpPr>
+        <a:xfrm>
+          <a:off x="0" y="0"/>
+          <a:ext cx="0" cy="0"/>
+          <a:chOff x="0" y="0"/>
+          <a:chExt cx="0" cy="0"/>
+        </a:xfrm>
+      </p:grpSpPr>
+      <p:sp>
+        <p:nvSpPr>
+          <p:cNvPr id="2" name="Title 1">
+            <a:extLst>
+              <a:ext uri="{FF2B5EF4-FFF2-40B4-BE49-F238E27FC236}">
+                <a16:creationId xmlns:a16="http://schemas.microsoft.com/office/drawing/2014/main" id="{51D385A4-0579-1D6A-813B-1E6B9241194E}"/>
+              </a:ext>
+            </a:extLst>
+          </p:cNvPr>
+          <p:cNvSpPr>
+            <a:spLocks noGrp="1"/>
+          </p:cNvSpPr>
+          <p:nvPr>
+            <p:ph type="title"/>
+          </p:nvPr>
+        </p:nvSpPr>
+        <p:spPr/>
+        <p:txBody>
+          <a:bodyPr/>
+          <a:lstStyle/>
+          <a:p>
+            <a:r>
+              <a:rPr lang="en-US" dirty="0"/>
+              <a:t>What Personas are Used For</a:t>
+            </a:r>
+          </a:p>
+        </p:txBody>
+      </p:sp>
+      <p:sp>
+        <p:nvSpPr>
+          <p:cNvPr id="3" name="Content Placeholder 2">
+            <a:extLst>
+              <a:ext uri="{FF2B5EF4-FFF2-40B4-BE49-F238E27FC236}">
+                <a16:creationId xmlns:a16="http://schemas.microsoft.com/office/drawing/2014/main" id="{E0641F8B-20D1-0BBB-862A-92C1C864F2E5}"/>
+              </a:ext>
+            </a:extLst>
+          </p:cNvPr>
+          <p:cNvSpPr>
+            <a:spLocks noGrp="1"/>
+          </p:cNvSpPr>
+          <p:nvPr>
+            <p:ph idx="1"/>
+          </p:nvPr>
+        </p:nvSpPr>
+        <p:spPr/>
+        <p:txBody>
+          <a:bodyPr>
+            <a:normAutofit fontScale="85000" lnSpcReduction="20000"/>
+          </a:bodyPr>
+          <a:lstStyle/>
+          <a:p>
+            <a:r>
+              <a:rPr lang="en-US" dirty="0"/>
+              <a:t>Used to design new things</a:t>
+            </a:r>
+          </a:p>
+          <a:p>
+            <a:pPr marL="514350" indent="-514350">
+              <a:buFont typeface="+mj-lt"/>
+              <a:buAutoNum type="arabicPeriod"/>
+            </a:pPr>
+            <a:r>
+              <a:rPr lang="en-US" dirty="0"/>
+              <a:t>Personas are often used to give structure to design meetings and design documents. When a designer has a concern with a specific part of the design, they can use the persona as a way to explain their concern to others</a:t>
+            </a:r>
+          </a:p>
+          <a:p>
+            <a:pPr marL="514350" indent="-514350">
+              <a:buFont typeface="+mj-lt"/>
+              <a:buAutoNum type="arabicPeriod"/>
+            </a:pPr>
+            <a:r>
+              <a:rPr lang="en-US" dirty="0"/>
+              <a:t>Personas can be used in a formal analysis such as a Cognitive Walkthrough where the designer walks through each step of an interaction one-by-one and explores how the persona would experience it</a:t>
+            </a:r>
+          </a:p>
+          <a:p>
+            <a:pPr marL="514350" indent="-514350">
+              <a:buFont typeface="+mj-lt"/>
+              <a:buAutoNum type="arabicPeriod"/>
+            </a:pPr>
+            <a:r>
+              <a:rPr lang="en-US" dirty="0"/>
+              <a:t>Sets of personas can be used to define the audience of the software. They can both make sure that important groups of users are not forgotten and limit the scope of the audience, enabling designers to make informed design tradeoffs when different people have incompatible needs.</a:t>
+            </a:r>
+          </a:p>
+          <a:p>
+            <a:pPr marL="0" indent="0">
+              <a:buNone/>
+            </a:pPr>
+            <a:r>
+              <a:rPr lang="en-US" b="1" dirty="0"/>
+              <a:t>Core design tool, but no tool is perfect</a:t>
+            </a:r>
+          </a:p>
+          <a:p>
+            <a:pPr marL="514350" indent="-514350">
+              <a:buFont typeface="+mj-lt"/>
+              <a:buAutoNum type="arabicPeriod"/>
+            </a:pPr>
+            <a:endParaRPr lang="en-US" dirty="0"/>
+          </a:p>
+        </p:txBody>
+      </p:sp>
+    </p:spTree>
+    <p:extLst>
+      <p:ext uri="{BB962C8B-B14F-4D97-AF65-F5344CB8AC3E}">
+        <p14:creationId xmlns:p14="http://schemas.microsoft.com/office/powerpoint/2010/main" val="3297529819"/>
+      </p:ext>
+    </p:extLst>
+  </p:cSld>
+  <p:clrMapOvr>
+    <a:masterClrMapping/>
+  </p:clrMapOvr>
+</p:sld>
+</file>
+
+<file path=ppt/slides/slide37.xml><?xml version="1.0" encoding="utf-8"?>
+<p:sld xmlns:a="http://schemas.openxmlformats.org/drawingml/2006/main" xmlns:r="http://schemas.openxmlformats.org/officeDocument/2006/relationships" xmlns:p="http://schemas.openxmlformats.org/presentationml/2006/main">
+  <p:cSld>
+    <p:spTree>
+      <p:nvGrpSpPr>
+        <p:cNvPr id="1" name=""/>
+        <p:cNvGrpSpPr/>
+        <p:nvPr/>
+      </p:nvGrpSpPr>
+      <p:grpSpPr>
+        <a:xfrm>
+          <a:off x="0" y="0"/>
+          <a:ext cx="0" cy="0"/>
+          <a:chOff x="0" y="0"/>
+          <a:chExt cx="0" cy="0"/>
+        </a:xfrm>
+      </p:grpSpPr>
+      <p:sp>
+        <p:nvSpPr>
+          <p:cNvPr id="2" name="Title 1">
+            <a:extLst>
+              <a:ext uri="{FF2B5EF4-FFF2-40B4-BE49-F238E27FC236}">
+                <a16:creationId xmlns:a16="http://schemas.microsoft.com/office/drawing/2014/main" id="{0EEB1026-2E4A-42A6-1DF7-AC4BE530BF7C}"/>
+              </a:ext>
+            </a:extLst>
+          </p:cNvPr>
+          <p:cNvSpPr>
+            <a:spLocks noGrp="1"/>
+          </p:cNvSpPr>
+          <p:nvPr>
+            <p:ph type="title"/>
+          </p:nvPr>
+        </p:nvSpPr>
+        <p:spPr/>
+        <p:txBody>
+          <a:bodyPr/>
+          <a:lstStyle/>
+          <a:p>
+            <a:r>
+              <a:rPr lang="en-US" dirty="0"/>
+              <a:t>Persona Spectrums (Microsoft Research)</a:t>
+            </a:r>
+          </a:p>
+        </p:txBody>
+      </p:sp>
+      <p:sp>
+        <p:nvSpPr>
+          <p:cNvPr id="3" name="Content Placeholder 2">
+            <a:extLst>
+              <a:ext uri="{FF2B5EF4-FFF2-40B4-BE49-F238E27FC236}">
+                <a16:creationId xmlns:a16="http://schemas.microsoft.com/office/drawing/2014/main" id="{2D41FE4E-A6DA-D4FA-F899-1B93AC4627CC}"/>
+              </a:ext>
+            </a:extLst>
+          </p:cNvPr>
+          <p:cNvSpPr>
+            <a:spLocks noGrp="1"/>
+          </p:cNvSpPr>
+          <p:nvPr>
+            <p:ph idx="1"/>
+          </p:nvPr>
+        </p:nvSpPr>
+        <p:spPr/>
+        <p:txBody>
+          <a:bodyPr/>
+          <a:lstStyle/>
+          <a:p>
+            <a:r>
+              <a:rPr lang="en-US" b="1" dirty="0"/>
+              <a:t>Core Idea:</a:t>
+            </a:r>
+            <a:r>
+              <a:rPr lang="en-US" dirty="0"/>
+              <a:t> Average people do not exist</a:t>
+            </a:r>
+            <a:r>
+              <a:rPr lang="en-US" b="1" dirty="0"/>
+              <a:t>, </a:t>
+            </a:r>
+            <a:r>
+              <a:rPr lang="en-US" dirty="0"/>
+              <a:t>design for ranges</a:t>
+            </a:r>
+          </a:p>
+          <a:p>
+            <a:r>
+              <a:rPr lang="en-US" dirty="0"/>
+              <a:t>A persona spectrum defines:</a:t>
+            </a:r>
+          </a:p>
+          <a:p>
+            <a:pPr lvl="1"/>
+            <a:r>
+              <a:rPr lang="en-US" dirty="0"/>
+              <a:t>Motivations: Why does the audience want to do what they want to do?</a:t>
+            </a:r>
+          </a:p>
+          <a:p>
+            <a:pPr lvl="1"/>
+            <a:r>
+              <a:rPr lang="en-US" dirty="0"/>
+              <a:t>Contexts: Where are they physically? Socially?</a:t>
+            </a:r>
+          </a:p>
+          <a:p>
+            <a:pPr lvl="1"/>
+            <a:r>
+              <a:rPr lang="en-US" dirty="0"/>
+              <a:t>Abilities: What abilities, disabilities, and assets do they have?</a:t>
+            </a:r>
+          </a:p>
+          <a:p>
+            <a:pPr lvl="1"/>
+            <a:r>
+              <a:rPr lang="en-US" dirty="0"/>
+              <a:t>Circumstances: What are their societal (e.g. socioeconomic) circumstances?</a:t>
+            </a:r>
+          </a:p>
+          <a:p>
+            <a:r>
+              <a:rPr lang="en-US" dirty="0"/>
+              <a:t>Explore multiple possibilities for each dimension</a:t>
+            </a:r>
+            <a:br>
+              <a:rPr lang="en-US" dirty="0"/>
+            </a:br>
+            <a:r>
+              <a:rPr lang="en-US" dirty="0"/>
+              <a:t>Recognize the potential for change</a:t>
+            </a:r>
+            <a:br>
+              <a:rPr lang="en-US" dirty="0"/>
+            </a:br>
+            <a:r>
+              <a:rPr lang="en-US" dirty="0"/>
+              <a:t>Design for the whole range</a:t>
+            </a:r>
+          </a:p>
+        </p:txBody>
+      </p:sp>
+    </p:spTree>
+    <p:extLst>
+      <p:ext uri="{BB962C8B-B14F-4D97-AF65-F5344CB8AC3E}">
+        <p14:creationId xmlns:p14="http://schemas.microsoft.com/office/powerpoint/2010/main" val="3923225214"/>
+      </p:ext>
+    </p:extLst>
+  </p:cSld>
+  <p:clrMapOvr>
+    <a:masterClrMapping/>
+  </p:clrMapOvr>
+</p:sld>
+</file>
+
+<file path=ppt/slides/slide38.xml><?xml version="1.0" encoding="utf-8"?>
+<p:sld xmlns:a="http://schemas.openxmlformats.org/drawingml/2006/main" xmlns:r="http://schemas.openxmlformats.org/officeDocument/2006/relationships" xmlns:p="http://schemas.openxmlformats.org/presentationml/2006/main">
+  <p:cSld>
+    <p:spTree>
+      <p:nvGrpSpPr>
+        <p:cNvPr id="1" name=""/>
+        <p:cNvGrpSpPr/>
+        <p:nvPr/>
+      </p:nvGrpSpPr>
+      <p:grpSpPr>
+        <a:xfrm>
+          <a:off x="0" y="0"/>
+          <a:ext cx="0" cy="0"/>
+          <a:chOff x="0" y="0"/>
+          <a:chExt cx="0" cy="0"/>
+        </a:xfrm>
+      </p:grpSpPr>
+      <p:sp>
+        <p:nvSpPr>
+          <p:cNvPr id="2" name="Title 1">
+            <a:extLst>
+              <a:ext uri="{FF2B5EF4-FFF2-40B4-BE49-F238E27FC236}">
+                <a16:creationId xmlns:a16="http://schemas.microsoft.com/office/drawing/2014/main" id="{1DF1954B-F70C-9454-17F6-B21FDC00970D}"/>
+              </a:ext>
+            </a:extLst>
+          </p:cNvPr>
+          <p:cNvSpPr>
+            <a:spLocks noGrp="1"/>
+          </p:cNvSpPr>
+          <p:nvPr>
+            <p:ph type="title"/>
+          </p:nvPr>
+        </p:nvSpPr>
+        <p:spPr/>
+        <p:txBody>
+          <a:bodyPr/>
+          <a:lstStyle/>
+          <a:p>
+            <a:r>
+              <a:rPr lang="en-US" dirty="0"/>
+              <a:t>Goal-Setting</a:t>
+            </a:r>
+          </a:p>
+        </p:txBody>
+      </p:sp>
+      <p:sp>
+        <p:nvSpPr>
+          <p:cNvPr id="3" name="Content Placeholder 2">
+            <a:extLst>
+              <a:ext uri="{FF2B5EF4-FFF2-40B4-BE49-F238E27FC236}">
+                <a16:creationId xmlns:a16="http://schemas.microsoft.com/office/drawing/2014/main" id="{09B9CE4E-BDD2-5D92-0DDD-6A8FFA310948}"/>
+              </a:ext>
+            </a:extLst>
+          </p:cNvPr>
+          <p:cNvSpPr>
+            <a:spLocks noGrp="1"/>
+          </p:cNvSpPr>
+          <p:nvPr>
+            <p:ph idx="1"/>
+          </p:nvPr>
+        </p:nvSpPr>
+        <p:spPr/>
+        <p:txBody>
+          <a:bodyPr/>
+          <a:lstStyle/>
+          <a:p>
+            <a:r>
+              <a:rPr lang="en-US" dirty="0"/>
+              <a:t>What are programmers’ goals? </a:t>
+            </a:r>
+            <a:r>
+              <a:rPr lang="en-US" b="1" dirty="0"/>
+              <a:t>Requirements-gathering</a:t>
+            </a:r>
+            <a:r>
+              <a:rPr lang="en-US" dirty="0"/>
+              <a:t> = find out</a:t>
+            </a:r>
+          </a:p>
+          <a:p>
+            <a:r>
+              <a:rPr lang="en-US" dirty="0"/>
+              <a:t>We just scratch surface, focus on different groups of people:</a:t>
+            </a:r>
+          </a:p>
+          <a:p>
+            <a:pPr lvl="1"/>
+            <a:r>
+              <a:rPr lang="en-US" dirty="0"/>
+              <a:t>Professional programmers</a:t>
+            </a:r>
+          </a:p>
+          <a:p>
+            <a:pPr lvl="1"/>
+            <a:r>
+              <a:rPr lang="en-US" dirty="0"/>
+              <a:t>Student programmers</a:t>
+            </a:r>
+          </a:p>
+          <a:p>
+            <a:pPr lvl="1"/>
+            <a:r>
+              <a:rPr lang="en-US" dirty="0"/>
+              <a:t>The language designer</a:t>
+            </a:r>
+          </a:p>
+        </p:txBody>
+      </p:sp>
+    </p:spTree>
+    <p:extLst>
+      <p:ext uri="{BB962C8B-B14F-4D97-AF65-F5344CB8AC3E}">
+        <p14:creationId xmlns:p14="http://schemas.microsoft.com/office/powerpoint/2010/main" val="448983052"/>
+      </p:ext>
+    </p:extLst>
+  </p:cSld>
+  <p:clrMapOvr>
+    <a:masterClrMapping/>
+  </p:clrMapOvr>
+</p:sld>
+</file>
+
+<file path=ppt/slides/slide39.xml><?xml version="1.0" encoding="utf-8"?>
+<p:sld xmlns:a="http://schemas.openxmlformats.org/drawingml/2006/main" xmlns:r="http://schemas.openxmlformats.org/officeDocument/2006/relationships" xmlns:p="http://schemas.openxmlformats.org/presentationml/2006/main">
+  <p:cSld>
+    <p:spTree>
+      <p:nvGrpSpPr>
+        <p:cNvPr id="1" name=""/>
+        <p:cNvGrpSpPr/>
+        <p:nvPr/>
+      </p:nvGrpSpPr>
+      <p:grpSpPr>
+        <a:xfrm>
+          <a:off x="0" y="0"/>
+          <a:ext cx="0" cy="0"/>
+          <a:chOff x="0" y="0"/>
+          <a:chExt cx="0" cy="0"/>
+        </a:xfrm>
+      </p:grpSpPr>
+      <p:sp>
+        <p:nvSpPr>
+          <p:cNvPr id="2" name="Title 1">
+            <a:extLst>
+              <a:ext uri="{FF2B5EF4-FFF2-40B4-BE49-F238E27FC236}">
+                <a16:creationId xmlns:a16="http://schemas.microsoft.com/office/drawing/2014/main" id="{8AE6B460-437F-FFE8-D12C-629D7ACA5445}"/>
+              </a:ext>
+            </a:extLst>
+          </p:cNvPr>
+          <p:cNvSpPr>
+            <a:spLocks noGrp="1"/>
+          </p:cNvSpPr>
+          <p:nvPr>
+            <p:ph type="title"/>
+          </p:nvPr>
+        </p:nvSpPr>
+        <p:spPr/>
+        <p:txBody>
+          <a:bodyPr>
+            <a:normAutofit/>
+          </a:bodyPr>
+          <a:lstStyle/>
+          <a:p>
+            <a:r>
+              <a:rPr lang="en-US" sz="4600" dirty="0"/>
+              <a:t>Goal-Setting for Professional Programmers</a:t>
+            </a:r>
+          </a:p>
+        </p:txBody>
+      </p:sp>
+      <p:sp>
+        <p:nvSpPr>
+          <p:cNvPr id="3" name="Content Placeholder 2">
+            <a:extLst>
+              <a:ext uri="{FF2B5EF4-FFF2-40B4-BE49-F238E27FC236}">
+                <a16:creationId xmlns:a16="http://schemas.microsoft.com/office/drawing/2014/main" id="{F6C37C0A-4044-EE8A-E479-81C643889ADA}"/>
+              </a:ext>
+            </a:extLst>
+          </p:cNvPr>
+          <p:cNvSpPr>
+            <a:spLocks noGrp="1"/>
+          </p:cNvSpPr>
+          <p:nvPr>
+            <p:ph idx="1"/>
+          </p:nvPr>
+        </p:nvSpPr>
+        <p:spPr/>
+        <p:txBody>
+          <a:bodyPr>
+            <a:normAutofit/>
+          </a:bodyPr>
+          <a:lstStyle/>
+          <a:p>
+            <a:r>
+              <a:rPr lang="en-US" dirty="0"/>
+              <a:t>Who: People who program for a living</a:t>
+            </a:r>
+          </a:p>
+          <a:p>
+            <a:r>
+              <a:rPr lang="en-US" dirty="0"/>
+              <a:t>Benefits: Potential for outsized impact, because professionals spend a large fraction of their time programming</a:t>
+            </a:r>
+          </a:p>
+          <a:p>
+            <a:r>
+              <a:rPr lang="en-US" dirty="0"/>
+              <a:t>Limitations: Professionals have significant experience with existing languages and tools. Their stated goals could be biased toward existing technology</a:t>
+            </a:r>
+          </a:p>
+        </p:txBody>
+      </p:sp>
+    </p:spTree>
+    <p:extLst>
+      <p:ext uri="{BB962C8B-B14F-4D97-AF65-F5344CB8AC3E}">
+        <p14:creationId xmlns:p14="http://schemas.microsoft.com/office/powerpoint/2010/main" val="1051214588"/>
       </p:ext>
     </p:extLst>
   </p:cSld>
@@ -10045,6 +11116,1077 @@
 </p:sld>
 </file>
 
+<file path=ppt/slides/slide40.xml><?xml version="1.0" encoding="utf-8"?>
+<p:sld xmlns:a="http://schemas.openxmlformats.org/drawingml/2006/main" xmlns:r="http://schemas.openxmlformats.org/officeDocument/2006/relationships" xmlns:p="http://schemas.openxmlformats.org/presentationml/2006/main">
+  <p:cSld>
+    <p:spTree>
+      <p:nvGrpSpPr>
+        <p:cNvPr id="1" name=""/>
+        <p:cNvGrpSpPr/>
+        <p:nvPr/>
+      </p:nvGrpSpPr>
+      <p:grpSpPr>
+        <a:xfrm>
+          <a:off x="0" y="0"/>
+          <a:ext cx="0" cy="0"/>
+          <a:chOff x="0" y="0"/>
+          <a:chExt cx="0" cy="0"/>
+        </a:xfrm>
+      </p:grpSpPr>
+      <p:sp>
+        <p:nvSpPr>
+          <p:cNvPr id="2" name="Title 1">
+            <a:extLst>
+              <a:ext uri="{FF2B5EF4-FFF2-40B4-BE49-F238E27FC236}">
+                <a16:creationId xmlns:a16="http://schemas.microsoft.com/office/drawing/2014/main" id="{34883BE2-511B-491D-C350-0250C113365F}"/>
+              </a:ext>
+            </a:extLst>
+          </p:cNvPr>
+          <p:cNvSpPr>
+            <a:spLocks noGrp="1"/>
+          </p:cNvSpPr>
+          <p:nvPr>
+            <p:ph type="title"/>
+          </p:nvPr>
+        </p:nvSpPr>
+        <p:spPr/>
+        <p:txBody>
+          <a:bodyPr/>
+          <a:lstStyle/>
+          <a:p>
+            <a:r>
+              <a:rPr lang="en-US" dirty="0"/>
+              <a:t>Goal-Setting for Students</a:t>
+            </a:r>
+          </a:p>
+        </p:txBody>
+      </p:sp>
+      <p:sp>
+        <p:nvSpPr>
+          <p:cNvPr id="3" name="Content Placeholder 2">
+            <a:extLst>
+              <a:ext uri="{FF2B5EF4-FFF2-40B4-BE49-F238E27FC236}">
+                <a16:creationId xmlns:a16="http://schemas.microsoft.com/office/drawing/2014/main" id="{FF692C72-790E-2A77-8777-5B83F70C459C}"/>
+              </a:ext>
+            </a:extLst>
+          </p:cNvPr>
+          <p:cNvSpPr>
+            <a:spLocks noGrp="1"/>
+          </p:cNvSpPr>
+          <p:nvPr>
+            <p:ph idx="1"/>
+          </p:nvPr>
+        </p:nvSpPr>
+        <p:spPr/>
+        <p:txBody>
+          <a:bodyPr/>
+          <a:lstStyle/>
+          <a:p>
+            <a:r>
+              <a:rPr lang="en-US" dirty="0"/>
+              <a:t>Who: Anyone who is studying PLs in a formal educational setting prior to starting full-time permanent employment</a:t>
+            </a:r>
+          </a:p>
+          <a:p>
+            <a:r>
+              <a:rPr lang="en-US" dirty="0"/>
+              <a:t>Strengths: May be more open to creative, radical designs, due to shorter term of experience with previous tools</a:t>
+            </a:r>
+          </a:p>
+          <a:p>
+            <a:r>
+              <a:rPr lang="en-US" dirty="0"/>
+              <a:t>Limitations: Classroom programming emphasizes small programs over large programs, and student experience may over-represent small programs</a:t>
+            </a:r>
+          </a:p>
+        </p:txBody>
+      </p:sp>
+    </p:spTree>
+    <p:extLst>
+      <p:ext uri="{BB962C8B-B14F-4D97-AF65-F5344CB8AC3E}">
+        <p14:creationId xmlns:p14="http://schemas.microsoft.com/office/powerpoint/2010/main" val="1581919216"/>
+      </p:ext>
+    </p:extLst>
+  </p:cSld>
+  <p:clrMapOvr>
+    <a:masterClrMapping/>
+  </p:clrMapOvr>
+</p:sld>
+</file>
+
+<file path=ppt/slides/slide41.xml><?xml version="1.0" encoding="utf-8"?>
+<p:sld xmlns:a="http://schemas.openxmlformats.org/drawingml/2006/main" xmlns:r="http://schemas.openxmlformats.org/officeDocument/2006/relationships" xmlns:p="http://schemas.openxmlformats.org/presentationml/2006/main">
+  <p:cSld>
+    <p:spTree>
+      <p:nvGrpSpPr>
+        <p:cNvPr id="1" name=""/>
+        <p:cNvGrpSpPr/>
+        <p:nvPr/>
+      </p:nvGrpSpPr>
+      <p:grpSpPr>
+        <a:xfrm>
+          <a:off x="0" y="0"/>
+          <a:ext cx="0" cy="0"/>
+          <a:chOff x="0" y="0"/>
+          <a:chExt cx="0" cy="0"/>
+        </a:xfrm>
+      </p:grpSpPr>
+      <p:sp>
+        <p:nvSpPr>
+          <p:cNvPr id="2" name="Title 1">
+            <a:extLst>
+              <a:ext uri="{FF2B5EF4-FFF2-40B4-BE49-F238E27FC236}">
+                <a16:creationId xmlns:a16="http://schemas.microsoft.com/office/drawing/2014/main" id="{4C25DAEC-809F-6EAF-6A42-7CAC6372CCD8}"/>
+              </a:ext>
+            </a:extLst>
+          </p:cNvPr>
+          <p:cNvSpPr>
+            <a:spLocks noGrp="1"/>
+          </p:cNvSpPr>
+          <p:nvPr>
+            <p:ph type="title"/>
+          </p:nvPr>
+        </p:nvSpPr>
+        <p:spPr/>
+        <p:txBody>
+          <a:bodyPr/>
+          <a:lstStyle/>
+          <a:p>
+            <a:r>
+              <a:rPr lang="en-US" dirty="0"/>
+              <a:t>PL Designers Have Personal Goals</a:t>
+            </a:r>
+          </a:p>
+        </p:txBody>
+      </p:sp>
+      <p:sp>
+        <p:nvSpPr>
+          <p:cNvPr id="3" name="Content Placeholder 2">
+            <a:extLst>
+              <a:ext uri="{FF2B5EF4-FFF2-40B4-BE49-F238E27FC236}">
+                <a16:creationId xmlns:a16="http://schemas.microsoft.com/office/drawing/2014/main" id="{43EF282E-046B-59E9-22DE-B28996E35453}"/>
+              </a:ext>
+            </a:extLst>
+          </p:cNvPr>
+          <p:cNvSpPr>
+            <a:spLocks noGrp="1"/>
+          </p:cNvSpPr>
+          <p:nvPr>
+            <p:ph idx="1"/>
+          </p:nvPr>
+        </p:nvSpPr>
+        <p:spPr/>
+        <p:txBody>
+          <a:bodyPr/>
+          <a:lstStyle/>
+          <a:p>
+            <a:r>
+              <a:rPr lang="en-US" dirty="0"/>
+              <a:t>Should PL designers embrace their own personal goals?</a:t>
+            </a:r>
+          </a:p>
+          <a:p>
+            <a:r>
+              <a:rPr lang="en-US" dirty="0"/>
+              <a:t>Who: People who design a PL, for any reason</a:t>
+            </a:r>
+          </a:p>
+          <a:p>
+            <a:r>
+              <a:rPr lang="en-US" dirty="0"/>
+              <a:t>Strengths: Increase designer motivation. Increase variety of proposed designs.</a:t>
+            </a:r>
+          </a:p>
+          <a:p>
+            <a:r>
+              <a:rPr lang="en-US" dirty="0"/>
+              <a:t>Limitations: May significantly limit audience</a:t>
+            </a:r>
+          </a:p>
+        </p:txBody>
+      </p:sp>
+    </p:spTree>
+    <p:extLst>
+      <p:ext uri="{BB962C8B-B14F-4D97-AF65-F5344CB8AC3E}">
+        <p14:creationId xmlns:p14="http://schemas.microsoft.com/office/powerpoint/2010/main" val="419086183"/>
+      </p:ext>
+    </p:extLst>
+  </p:cSld>
+  <p:clrMapOvr>
+    <a:masterClrMapping/>
+  </p:clrMapOvr>
+</p:sld>
+</file>
+
+<file path=ppt/slides/slide42.xml><?xml version="1.0" encoding="utf-8"?>
+<p:sld xmlns:a="http://schemas.openxmlformats.org/drawingml/2006/main" xmlns:r="http://schemas.openxmlformats.org/officeDocument/2006/relationships" xmlns:p="http://schemas.openxmlformats.org/presentationml/2006/main">
+  <p:cSld>
+    <p:spTree>
+      <p:nvGrpSpPr>
+        <p:cNvPr id="1" name=""/>
+        <p:cNvGrpSpPr/>
+        <p:nvPr/>
+      </p:nvGrpSpPr>
+      <p:grpSpPr>
+        <a:xfrm>
+          <a:off x="0" y="0"/>
+          <a:ext cx="0" cy="0"/>
+          <a:chOff x="0" y="0"/>
+          <a:chExt cx="0" cy="0"/>
+        </a:xfrm>
+      </p:grpSpPr>
+      <p:sp>
+        <p:nvSpPr>
+          <p:cNvPr id="2" name="Title 1">
+            <a:extLst>
+              <a:ext uri="{FF2B5EF4-FFF2-40B4-BE49-F238E27FC236}">
+                <a16:creationId xmlns:a16="http://schemas.microsoft.com/office/drawing/2014/main" id="{E3C4C7F6-9062-F49C-2F6A-5CE8D72C87A6}"/>
+              </a:ext>
+            </a:extLst>
+          </p:cNvPr>
+          <p:cNvSpPr>
+            <a:spLocks noGrp="1"/>
+          </p:cNvSpPr>
+          <p:nvPr>
+            <p:ph type="title"/>
+          </p:nvPr>
+        </p:nvSpPr>
+        <p:spPr/>
+        <p:txBody>
+          <a:bodyPr/>
+          <a:lstStyle/>
+          <a:p>
+            <a:r>
+              <a:rPr lang="en-US" dirty="0"/>
+              <a:t>Example Statement of Goals:</a:t>
+            </a:r>
+          </a:p>
+        </p:txBody>
+      </p:sp>
+      <p:sp>
+        <p:nvSpPr>
+          <p:cNvPr id="3" name="Content Placeholder 2">
+            <a:extLst>
+              <a:ext uri="{FF2B5EF4-FFF2-40B4-BE49-F238E27FC236}">
+                <a16:creationId xmlns:a16="http://schemas.microsoft.com/office/drawing/2014/main" id="{85341CF4-1726-EC24-DED8-45C3B85EC611}"/>
+              </a:ext>
+            </a:extLst>
+          </p:cNvPr>
+          <p:cNvSpPr>
+            <a:spLocks noGrp="1"/>
+          </p:cNvSpPr>
+          <p:nvPr>
+            <p:ph idx="1"/>
+          </p:nvPr>
+        </p:nvSpPr>
+        <p:spPr/>
+        <p:txBody>
+          <a:bodyPr>
+            <a:normAutofit fontScale="92500" lnSpcReduction="10000"/>
+          </a:bodyPr>
+          <a:lstStyle/>
+          <a:p>
+            <a:r>
+              <a:rPr lang="en-US" dirty="0"/>
+              <a:t>Who: Professional programmers working on low-level systems software, e.g., software which must interface directly with hardware or operating system functionality</a:t>
+            </a:r>
+          </a:p>
+          <a:p>
+            <a:r>
+              <a:rPr lang="en-US" dirty="0"/>
+              <a:t>Tasks: Eliminate memory errors such as double frees, use-after-frees, and memory leaks from their code</a:t>
+            </a:r>
+          </a:p>
+          <a:p>
+            <a:r>
+              <a:rPr lang="en-US" dirty="0"/>
+              <a:t>Context: The programmers are paid contributors of an open-source programming project with decentralized project planning among a globally-distributed mixture of paid and volunteer programmers of different experience levels</a:t>
+            </a:r>
+          </a:p>
+          <a:p>
+            <a:r>
+              <a:rPr lang="en-US" b="1" dirty="0"/>
+              <a:t>More examples in textbook</a:t>
+            </a:r>
+          </a:p>
+        </p:txBody>
+      </p:sp>
+    </p:spTree>
+    <p:extLst>
+      <p:ext uri="{BB962C8B-B14F-4D97-AF65-F5344CB8AC3E}">
+        <p14:creationId xmlns:p14="http://schemas.microsoft.com/office/powerpoint/2010/main" val="2667541621"/>
+      </p:ext>
+    </p:extLst>
+  </p:cSld>
+  <p:clrMapOvr>
+    <a:masterClrMapping/>
+  </p:clrMapOvr>
+</p:sld>
+</file>
+
+<file path=ppt/slides/slide43.xml><?xml version="1.0" encoding="utf-8"?>
+<p:sld xmlns:a="http://schemas.openxmlformats.org/drawingml/2006/main" xmlns:r="http://schemas.openxmlformats.org/officeDocument/2006/relationships" xmlns:p="http://schemas.openxmlformats.org/presentationml/2006/main">
+  <p:cSld>
+    <p:spTree>
+      <p:nvGrpSpPr>
+        <p:cNvPr id="1" name=""/>
+        <p:cNvGrpSpPr/>
+        <p:nvPr/>
+      </p:nvGrpSpPr>
+      <p:grpSpPr>
+        <a:xfrm>
+          <a:off x="0" y="0"/>
+          <a:ext cx="0" cy="0"/>
+          <a:chOff x="0" y="0"/>
+          <a:chExt cx="0" cy="0"/>
+        </a:xfrm>
+      </p:grpSpPr>
+      <p:sp>
+        <p:nvSpPr>
+          <p:cNvPr id="2" name="Title 1">
+            <a:extLst>
+              <a:ext uri="{FF2B5EF4-FFF2-40B4-BE49-F238E27FC236}">
+                <a16:creationId xmlns:a16="http://schemas.microsoft.com/office/drawing/2014/main" id="{CB0E626F-FADC-4679-6D4A-0EDADD8EE8AE}"/>
+              </a:ext>
+            </a:extLst>
+          </p:cNvPr>
+          <p:cNvSpPr>
+            <a:spLocks noGrp="1"/>
+          </p:cNvSpPr>
+          <p:nvPr>
+            <p:ph type="title"/>
+          </p:nvPr>
+        </p:nvSpPr>
+        <p:spPr/>
+        <p:txBody>
+          <a:bodyPr/>
+          <a:lstStyle/>
+          <a:p>
+            <a:r>
+              <a:rPr lang="en-US" dirty="0"/>
+              <a:t>Satisfaction</a:t>
+            </a:r>
+          </a:p>
+        </p:txBody>
+      </p:sp>
+      <p:sp>
+        <p:nvSpPr>
+          <p:cNvPr id="3" name="Content Placeholder 2">
+            <a:extLst>
+              <a:ext uri="{FF2B5EF4-FFF2-40B4-BE49-F238E27FC236}">
+                <a16:creationId xmlns:a16="http://schemas.microsoft.com/office/drawing/2014/main" id="{D75EAC9D-060E-31FC-FFAC-F46D7CF6EE66}"/>
+              </a:ext>
+            </a:extLst>
+          </p:cNvPr>
+          <p:cNvSpPr>
+            <a:spLocks noGrp="1"/>
+          </p:cNvSpPr>
+          <p:nvPr>
+            <p:ph idx="1"/>
+          </p:nvPr>
+        </p:nvSpPr>
+        <p:spPr/>
+        <p:txBody>
+          <a:bodyPr/>
+          <a:lstStyle/>
+          <a:p>
+            <a:r>
+              <a:rPr lang="en-US" dirty="0"/>
+              <a:t>Satisfaction is a key part of usability – ISO Standard</a:t>
+            </a:r>
+          </a:p>
+          <a:p>
+            <a:r>
+              <a:rPr lang="en-US" dirty="0"/>
+              <a:t>How do we know? We ask people. But this has limitations</a:t>
+            </a:r>
+          </a:p>
+          <a:p>
+            <a:pPr lvl="1"/>
+            <a:r>
+              <a:rPr lang="en-US" dirty="0"/>
+              <a:t>If you ask face-to-face and they think you are the designer, number goes up</a:t>
+            </a:r>
+          </a:p>
+          <a:p>
+            <a:pPr lvl="1"/>
+            <a:r>
+              <a:rPr lang="en-US" dirty="0"/>
+              <a:t>If you ask using an interpreter/translator, number goes up</a:t>
+            </a:r>
+          </a:p>
+          <a:p>
+            <a:r>
+              <a:rPr lang="en-US" dirty="0"/>
+              <a:t>Numeric ratings are limited</a:t>
+            </a:r>
+          </a:p>
+          <a:p>
+            <a:pPr lvl="1"/>
+            <a:r>
+              <a:rPr lang="en-US" dirty="0"/>
+              <a:t>Often used for </a:t>
+            </a:r>
+            <a:r>
+              <a:rPr lang="en-US" b="1" dirty="0"/>
+              <a:t>summative </a:t>
+            </a:r>
+            <a:r>
+              <a:rPr lang="en-US" dirty="0"/>
+              <a:t>feedback (“did we succeed?”)</a:t>
+            </a:r>
+          </a:p>
+          <a:p>
+            <a:pPr lvl="1"/>
+            <a:r>
+              <a:rPr lang="en-US" dirty="0"/>
+              <a:t>Often lacks </a:t>
+            </a:r>
+            <a:r>
+              <a:rPr lang="en-US" b="1" dirty="0"/>
+              <a:t>formative </a:t>
+            </a:r>
+            <a:r>
+              <a:rPr lang="en-US" dirty="0"/>
+              <a:t>feedback (“what should we do?”)</a:t>
+            </a:r>
+          </a:p>
+          <a:p>
+            <a:pPr lvl="1"/>
+            <a:endParaRPr lang="en-US" dirty="0"/>
+          </a:p>
+        </p:txBody>
+      </p:sp>
+    </p:spTree>
+    <p:extLst>
+      <p:ext uri="{BB962C8B-B14F-4D97-AF65-F5344CB8AC3E}">
+        <p14:creationId xmlns:p14="http://schemas.microsoft.com/office/powerpoint/2010/main" val="2541924924"/>
+      </p:ext>
+    </p:extLst>
+  </p:cSld>
+  <p:clrMapOvr>
+    <a:masterClrMapping/>
+  </p:clrMapOvr>
+</p:sld>
+</file>
+
+<file path=ppt/slides/slide44.xml><?xml version="1.0" encoding="utf-8"?>
+<p:sld xmlns:a="http://schemas.openxmlformats.org/drawingml/2006/main" xmlns:r="http://schemas.openxmlformats.org/officeDocument/2006/relationships" xmlns:p="http://schemas.openxmlformats.org/presentationml/2006/main">
+  <p:cSld>
+    <p:spTree>
+      <p:nvGrpSpPr>
+        <p:cNvPr id="1" name=""/>
+        <p:cNvGrpSpPr/>
+        <p:nvPr/>
+      </p:nvGrpSpPr>
+      <p:grpSpPr>
+        <a:xfrm>
+          <a:off x="0" y="0"/>
+          <a:ext cx="0" cy="0"/>
+          <a:chOff x="0" y="0"/>
+          <a:chExt cx="0" cy="0"/>
+        </a:xfrm>
+      </p:grpSpPr>
+      <p:sp>
+        <p:nvSpPr>
+          <p:cNvPr id="2" name="Title 1">
+            <a:extLst>
+              <a:ext uri="{FF2B5EF4-FFF2-40B4-BE49-F238E27FC236}">
+                <a16:creationId xmlns:a16="http://schemas.microsoft.com/office/drawing/2014/main" id="{F2868215-7536-F989-B5B7-943198FA5299}"/>
+              </a:ext>
+            </a:extLst>
+          </p:cNvPr>
+          <p:cNvSpPr>
+            <a:spLocks noGrp="1"/>
+          </p:cNvSpPr>
+          <p:nvPr>
+            <p:ph type="title"/>
+          </p:nvPr>
+        </p:nvSpPr>
+        <p:spPr/>
+        <p:txBody>
+          <a:bodyPr/>
+          <a:lstStyle/>
+          <a:p>
+            <a:r>
+              <a:rPr lang="en-US" dirty="0"/>
+              <a:t>Section: Methodologies + Paradigms</a:t>
+            </a:r>
+          </a:p>
+        </p:txBody>
+      </p:sp>
+      <p:sp>
+        <p:nvSpPr>
+          <p:cNvPr id="3" name="Content Placeholder 2">
+            <a:extLst>
+              <a:ext uri="{FF2B5EF4-FFF2-40B4-BE49-F238E27FC236}">
+                <a16:creationId xmlns:a16="http://schemas.microsoft.com/office/drawing/2014/main" id="{61A84960-1DF6-8E6D-8EF6-E4DE0015B8BC}"/>
+              </a:ext>
+            </a:extLst>
+          </p:cNvPr>
+          <p:cNvSpPr>
+            <a:spLocks noGrp="1"/>
+          </p:cNvSpPr>
+          <p:nvPr>
+            <p:ph idx="1"/>
+          </p:nvPr>
+        </p:nvSpPr>
+        <p:spPr/>
+        <p:txBody>
+          <a:bodyPr/>
+          <a:lstStyle/>
+          <a:p>
+            <a:r>
+              <a:rPr lang="en-US" dirty="0"/>
+              <a:t>Let’s outline major techniques for studying users</a:t>
+            </a:r>
+          </a:p>
+        </p:txBody>
+      </p:sp>
+    </p:spTree>
+    <p:extLst>
+      <p:ext uri="{BB962C8B-B14F-4D97-AF65-F5344CB8AC3E}">
+        <p14:creationId xmlns:p14="http://schemas.microsoft.com/office/powerpoint/2010/main" val="3527546795"/>
+      </p:ext>
+    </p:extLst>
+  </p:cSld>
+  <p:clrMapOvr>
+    <a:masterClrMapping/>
+  </p:clrMapOvr>
+</p:sld>
+</file>
+
+<file path=ppt/slides/slide45.xml><?xml version="1.0" encoding="utf-8"?>
+<p:sld xmlns:a="http://schemas.openxmlformats.org/drawingml/2006/main" xmlns:r="http://schemas.openxmlformats.org/officeDocument/2006/relationships" xmlns:p="http://schemas.openxmlformats.org/presentationml/2006/main">
+  <p:cSld>
+    <p:spTree>
+      <p:nvGrpSpPr>
+        <p:cNvPr id="1" name=""/>
+        <p:cNvGrpSpPr/>
+        <p:nvPr/>
+      </p:nvGrpSpPr>
+      <p:grpSpPr>
+        <a:xfrm>
+          <a:off x="0" y="0"/>
+          <a:ext cx="0" cy="0"/>
+          <a:chOff x="0" y="0"/>
+          <a:chExt cx="0" cy="0"/>
+        </a:xfrm>
+      </p:grpSpPr>
+      <p:sp>
+        <p:nvSpPr>
+          <p:cNvPr id="2" name="Title 1">
+            <a:extLst>
+              <a:ext uri="{FF2B5EF4-FFF2-40B4-BE49-F238E27FC236}">
+                <a16:creationId xmlns:a16="http://schemas.microsoft.com/office/drawing/2014/main" id="{4A9CBD95-7906-C329-33BA-0CAE6F2F907D}"/>
+              </a:ext>
+            </a:extLst>
+          </p:cNvPr>
+          <p:cNvSpPr>
+            <a:spLocks noGrp="1"/>
+          </p:cNvSpPr>
+          <p:nvPr>
+            <p:ph type="title"/>
+          </p:nvPr>
+        </p:nvSpPr>
+        <p:spPr/>
+        <p:txBody>
+          <a:bodyPr/>
+          <a:lstStyle/>
+          <a:p>
+            <a:r>
+              <a:rPr lang="en-US" dirty="0"/>
+              <a:t>Quantitative Paradigm</a:t>
+            </a:r>
+          </a:p>
+        </p:txBody>
+      </p:sp>
+      <p:sp>
+        <p:nvSpPr>
+          <p:cNvPr id="3" name="Content Placeholder 2">
+            <a:extLst>
+              <a:ext uri="{FF2B5EF4-FFF2-40B4-BE49-F238E27FC236}">
+                <a16:creationId xmlns:a16="http://schemas.microsoft.com/office/drawing/2014/main" id="{2300187A-C415-B385-8FA3-CDF591C03964}"/>
+              </a:ext>
+            </a:extLst>
+          </p:cNvPr>
+          <p:cNvSpPr>
+            <a:spLocks noGrp="1"/>
+          </p:cNvSpPr>
+          <p:nvPr>
+            <p:ph idx="1"/>
+          </p:nvPr>
+        </p:nvSpPr>
+        <p:spPr/>
+        <p:txBody>
+          <a:bodyPr/>
+          <a:lstStyle/>
+          <a:p>
+            <a:r>
+              <a:rPr lang="en-US" dirty="0"/>
+              <a:t>Emphasis on numeric (i.e., quantitative data)</a:t>
+            </a:r>
+          </a:p>
+          <a:p>
+            <a:r>
+              <a:rPr lang="en-US" dirty="0"/>
+              <a:t>Uses statistics to interpret data </a:t>
+            </a:r>
+          </a:p>
+          <a:p>
+            <a:r>
+              <a:rPr lang="en-US" dirty="0"/>
+              <a:t>Size and diversity of data samples are emphasized</a:t>
+            </a:r>
+          </a:p>
+          <a:p>
+            <a:r>
+              <a:rPr lang="en-US" dirty="0"/>
+              <a:t>Example methods:</a:t>
+            </a:r>
+          </a:p>
+          <a:p>
+            <a:pPr lvl="1"/>
+            <a:r>
+              <a:rPr lang="en-US" dirty="0"/>
+              <a:t>Numeric questions on surveys</a:t>
+            </a:r>
+          </a:p>
+          <a:p>
+            <a:pPr lvl="1"/>
+            <a:r>
+              <a:rPr lang="en-US" dirty="0"/>
+              <a:t>Count how long tasks take</a:t>
+            </a:r>
+          </a:p>
+          <a:p>
+            <a:pPr lvl="1"/>
+            <a:r>
+              <a:rPr lang="en-US" dirty="0"/>
+              <a:t>Count how many tasks are completely correctly</a:t>
+            </a:r>
+          </a:p>
+        </p:txBody>
+      </p:sp>
+    </p:spTree>
+    <p:extLst>
+      <p:ext uri="{BB962C8B-B14F-4D97-AF65-F5344CB8AC3E}">
+        <p14:creationId xmlns:p14="http://schemas.microsoft.com/office/powerpoint/2010/main" val="2453170968"/>
+      </p:ext>
+    </p:extLst>
+  </p:cSld>
+  <p:clrMapOvr>
+    <a:masterClrMapping/>
+  </p:clrMapOvr>
+</p:sld>
+</file>
+
+<file path=ppt/slides/slide46.xml><?xml version="1.0" encoding="utf-8"?>
+<p:sld xmlns:a="http://schemas.openxmlformats.org/drawingml/2006/main" xmlns:r="http://schemas.openxmlformats.org/officeDocument/2006/relationships" xmlns:p="http://schemas.openxmlformats.org/presentationml/2006/main">
+  <p:cSld>
+    <p:spTree>
+      <p:nvGrpSpPr>
+        <p:cNvPr id="1" name=""/>
+        <p:cNvGrpSpPr/>
+        <p:nvPr/>
+      </p:nvGrpSpPr>
+      <p:grpSpPr>
+        <a:xfrm>
+          <a:off x="0" y="0"/>
+          <a:ext cx="0" cy="0"/>
+          <a:chOff x="0" y="0"/>
+          <a:chExt cx="0" cy="0"/>
+        </a:xfrm>
+      </p:grpSpPr>
+      <p:sp>
+        <p:nvSpPr>
+          <p:cNvPr id="2" name="Title 1">
+            <a:extLst>
+              <a:ext uri="{FF2B5EF4-FFF2-40B4-BE49-F238E27FC236}">
+                <a16:creationId xmlns:a16="http://schemas.microsoft.com/office/drawing/2014/main" id="{62D3163D-7E1A-2934-C990-56B1B11316BE}"/>
+              </a:ext>
+            </a:extLst>
+          </p:cNvPr>
+          <p:cNvSpPr>
+            <a:spLocks noGrp="1"/>
+          </p:cNvSpPr>
+          <p:nvPr>
+            <p:ph type="title"/>
+          </p:nvPr>
+        </p:nvSpPr>
+        <p:spPr/>
+        <p:txBody>
+          <a:bodyPr/>
+          <a:lstStyle/>
+          <a:p>
+            <a:r>
+              <a:rPr lang="en-US" dirty="0"/>
+              <a:t>Qualitative Paradigm</a:t>
+            </a:r>
+          </a:p>
+        </p:txBody>
+      </p:sp>
+      <p:sp>
+        <p:nvSpPr>
+          <p:cNvPr id="3" name="Content Placeholder 2">
+            <a:extLst>
+              <a:ext uri="{FF2B5EF4-FFF2-40B4-BE49-F238E27FC236}">
+                <a16:creationId xmlns:a16="http://schemas.microsoft.com/office/drawing/2014/main" id="{CFAFA70B-EB3B-C523-18CB-446CDA3752F1}"/>
+              </a:ext>
+            </a:extLst>
+          </p:cNvPr>
+          <p:cNvSpPr>
+            <a:spLocks noGrp="1"/>
+          </p:cNvSpPr>
+          <p:nvPr>
+            <p:ph idx="1"/>
+          </p:nvPr>
+        </p:nvSpPr>
+        <p:spPr/>
+        <p:txBody>
+          <a:bodyPr/>
+          <a:lstStyle/>
+          <a:p>
+            <a:r>
+              <a:rPr lang="en-US" dirty="0"/>
+              <a:t>Emphasize the depth and quality of data, often at the expense of quantity of data</a:t>
+            </a:r>
+          </a:p>
+          <a:p>
+            <a:r>
+              <a:rPr lang="en-US" dirty="0"/>
+              <a:t>Often emphasize data which cannot be reduced to numbers</a:t>
+            </a:r>
+          </a:p>
+          <a:p>
+            <a:r>
+              <a:rPr lang="en-US" dirty="0"/>
+              <a:t>Example methods:</a:t>
+            </a:r>
+          </a:p>
+          <a:p>
+            <a:pPr lvl="1"/>
+            <a:r>
+              <a:rPr lang="en-US" dirty="0"/>
+              <a:t>Written survey questions</a:t>
+            </a:r>
+          </a:p>
+          <a:p>
+            <a:pPr lvl="1"/>
+            <a:r>
+              <a:rPr lang="en-US" dirty="0"/>
+              <a:t>Interviews</a:t>
+            </a:r>
+          </a:p>
+          <a:p>
+            <a:pPr lvl="1"/>
+            <a:r>
+              <a:rPr lang="en-US" dirty="0"/>
+              <a:t>Think-aloud exercises</a:t>
+            </a:r>
+          </a:p>
+          <a:p>
+            <a:pPr lvl="1"/>
+            <a:r>
+              <a:rPr lang="en-US" dirty="0"/>
+              <a:t>Focus groups</a:t>
+            </a:r>
+          </a:p>
+          <a:p>
+            <a:pPr lvl="1"/>
+            <a:r>
+              <a:rPr lang="en-US" dirty="0"/>
+              <a:t>Thematic analysis + grounded theory (interpreting qualitative data)</a:t>
+            </a:r>
+          </a:p>
+        </p:txBody>
+      </p:sp>
+    </p:spTree>
+    <p:extLst>
+      <p:ext uri="{BB962C8B-B14F-4D97-AF65-F5344CB8AC3E}">
+        <p14:creationId xmlns:p14="http://schemas.microsoft.com/office/powerpoint/2010/main" val="724045798"/>
+      </p:ext>
+    </p:extLst>
+  </p:cSld>
+  <p:clrMapOvr>
+    <a:masterClrMapping/>
+  </p:clrMapOvr>
+</p:sld>
+</file>
+
+<file path=ppt/slides/slide47.xml><?xml version="1.0" encoding="utf-8"?>
+<p:sld xmlns:a="http://schemas.openxmlformats.org/drawingml/2006/main" xmlns:r="http://schemas.openxmlformats.org/officeDocument/2006/relationships" xmlns:p="http://schemas.openxmlformats.org/presentationml/2006/main">
+  <p:cSld>
+    <p:spTree>
+      <p:nvGrpSpPr>
+        <p:cNvPr id="1" name=""/>
+        <p:cNvGrpSpPr/>
+        <p:nvPr/>
+      </p:nvGrpSpPr>
+      <p:grpSpPr>
+        <a:xfrm>
+          <a:off x="0" y="0"/>
+          <a:ext cx="0" cy="0"/>
+          <a:chOff x="0" y="0"/>
+          <a:chExt cx="0" cy="0"/>
+        </a:xfrm>
+      </p:grpSpPr>
+      <p:sp>
+        <p:nvSpPr>
+          <p:cNvPr id="2" name="Title 1">
+            <a:extLst>
+              <a:ext uri="{FF2B5EF4-FFF2-40B4-BE49-F238E27FC236}">
+                <a16:creationId xmlns:a16="http://schemas.microsoft.com/office/drawing/2014/main" id="{6AE6F19A-C929-8524-0C7D-22C32685BE8C}"/>
+              </a:ext>
+            </a:extLst>
+          </p:cNvPr>
+          <p:cNvSpPr>
+            <a:spLocks noGrp="1"/>
+          </p:cNvSpPr>
+          <p:nvPr>
+            <p:ph type="title"/>
+          </p:nvPr>
+        </p:nvSpPr>
+        <p:spPr/>
+        <p:txBody>
+          <a:bodyPr/>
+          <a:lstStyle/>
+          <a:p>
+            <a:r>
+              <a:rPr lang="en-US" dirty="0"/>
+              <a:t>Qualitative vs. Quantitative?</a:t>
+            </a:r>
+          </a:p>
+        </p:txBody>
+      </p:sp>
+      <p:sp>
+        <p:nvSpPr>
+          <p:cNvPr id="3" name="Content Placeholder 2">
+            <a:extLst>
+              <a:ext uri="{FF2B5EF4-FFF2-40B4-BE49-F238E27FC236}">
+                <a16:creationId xmlns:a16="http://schemas.microsoft.com/office/drawing/2014/main" id="{63BB9B23-0BE1-A309-F43D-12FB1D7902FA}"/>
+              </a:ext>
+            </a:extLst>
+          </p:cNvPr>
+          <p:cNvSpPr>
+            <a:spLocks noGrp="1"/>
+          </p:cNvSpPr>
+          <p:nvPr>
+            <p:ph idx="1"/>
+          </p:nvPr>
+        </p:nvSpPr>
+        <p:spPr/>
+        <p:txBody>
+          <a:bodyPr/>
+          <a:lstStyle/>
+          <a:p>
+            <a:r>
+              <a:rPr lang="en-US" dirty="0"/>
+              <a:t>This course emphasizes qualitative data because of their strength at addressing open-ended questions, e.g.:</a:t>
+            </a:r>
+          </a:p>
+          <a:p>
+            <a:pPr lvl="1"/>
+            <a:r>
+              <a:rPr lang="en-US" dirty="0"/>
+              <a:t>What aspects of a programming language produce the most joy or excitement in the programmers?</a:t>
+            </a:r>
+          </a:p>
+          <a:p>
+            <a:pPr lvl="1"/>
+            <a:r>
+              <a:rPr lang="en-US" dirty="0"/>
+              <a:t>What aspects of a programming language produce the most frustration or discouragement in the programmers?</a:t>
+            </a:r>
+          </a:p>
+          <a:p>
+            <a:pPr lvl="1"/>
+            <a:r>
+              <a:rPr lang="en-US" dirty="0"/>
+              <a:t>How effectively did the design documentation for the programming language communicate the designer’s intentions to the programmers?</a:t>
+            </a:r>
+          </a:p>
+        </p:txBody>
+      </p:sp>
+    </p:spTree>
+    <p:extLst>
+      <p:ext uri="{BB962C8B-B14F-4D97-AF65-F5344CB8AC3E}">
+        <p14:creationId xmlns:p14="http://schemas.microsoft.com/office/powerpoint/2010/main" val="4037779743"/>
+      </p:ext>
+    </p:extLst>
+  </p:cSld>
+  <p:clrMapOvr>
+    <a:masterClrMapping/>
+  </p:clrMapOvr>
+</p:sld>
+</file>
+
+<file path=ppt/slides/slide48.xml><?xml version="1.0" encoding="utf-8"?>
+<p:sld xmlns:a="http://schemas.openxmlformats.org/drawingml/2006/main" xmlns:r="http://schemas.openxmlformats.org/officeDocument/2006/relationships" xmlns:p="http://schemas.openxmlformats.org/presentationml/2006/main">
+  <p:cSld>
+    <p:spTree>
+      <p:nvGrpSpPr>
+        <p:cNvPr id="1" name=""/>
+        <p:cNvGrpSpPr/>
+        <p:nvPr/>
+      </p:nvGrpSpPr>
+      <p:grpSpPr>
+        <a:xfrm>
+          <a:off x="0" y="0"/>
+          <a:ext cx="0" cy="0"/>
+          <a:chOff x="0" y="0"/>
+          <a:chExt cx="0" cy="0"/>
+        </a:xfrm>
+      </p:grpSpPr>
+      <p:sp>
+        <p:nvSpPr>
+          <p:cNvPr id="2" name="Title 1">
+            <a:extLst>
+              <a:ext uri="{FF2B5EF4-FFF2-40B4-BE49-F238E27FC236}">
+                <a16:creationId xmlns:a16="http://schemas.microsoft.com/office/drawing/2014/main" id="{2DCBC40D-C7CB-4B6C-4E66-8C365038AA87}"/>
+              </a:ext>
+            </a:extLst>
+          </p:cNvPr>
+          <p:cNvSpPr>
+            <a:spLocks noGrp="1"/>
+          </p:cNvSpPr>
+          <p:nvPr>
+            <p:ph type="title"/>
+          </p:nvPr>
+        </p:nvSpPr>
+        <p:spPr/>
+        <p:txBody>
+          <a:bodyPr/>
+          <a:lstStyle/>
+          <a:p>
+            <a:r>
+              <a:rPr lang="en-US" dirty="0"/>
+              <a:t>Generalizability</a:t>
+            </a:r>
+          </a:p>
+        </p:txBody>
+      </p:sp>
+      <p:sp>
+        <p:nvSpPr>
+          <p:cNvPr id="3" name="Content Placeholder 2">
+            <a:extLst>
+              <a:ext uri="{FF2B5EF4-FFF2-40B4-BE49-F238E27FC236}">
+                <a16:creationId xmlns:a16="http://schemas.microsoft.com/office/drawing/2014/main" id="{B15A3E89-D15A-D73A-2D58-8641E49A0C1C}"/>
+              </a:ext>
+            </a:extLst>
+          </p:cNvPr>
+          <p:cNvSpPr>
+            <a:spLocks noGrp="1"/>
+          </p:cNvSpPr>
+          <p:nvPr>
+            <p:ph idx="1"/>
+          </p:nvPr>
+        </p:nvSpPr>
+        <p:spPr/>
+        <p:txBody>
+          <a:bodyPr/>
+          <a:lstStyle/>
+          <a:p>
+            <a:endParaRPr lang="en-US"/>
+          </a:p>
+        </p:txBody>
+      </p:sp>
+    </p:spTree>
+    <p:extLst>
+      <p:ext uri="{BB962C8B-B14F-4D97-AF65-F5344CB8AC3E}">
+        <p14:creationId xmlns:p14="http://schemas.microsoft.com/office/powerpoint/2010/main" val="2042440065"/>
+      </p:ext>
+    </p:extLst>
+  </p:cSld>
+  <p:clrMapOvr>
+    <a:masterClrMapping/>
+  </p:clrMapOvr>
+</p:sld>
+</file>
+
+<file path=ppt/slides/slide49.xml><?xml version="1.0" encoding="utf-8"?>
+<p:sld xmlns:a="http://schemas.openxmlformats.org/drawingml/2006/main" xmlns:r="http://schemas.openxmlformats.org/officeDocument/2006/relationships" xmlns:p="http://schemas.openxmlformats.org/presentationml/2006/main">
+  <p:cSld>
+    <p:spTree>
+      <p:nvGrpSpPr>
+        <p:cNvPr id="1" name=""/>
+        <p:cNvGrpSpPr/>
+        <p:nvPr/>
+      </p:nvGrpSpPr>
+      <p:grpSpPr>
+        <a:xfrm>
+          <a:off x="0" y="0"/>
+          <a:ext cx="0" cy="0"/>
+          <a:chOff x="0" y="0"/>
+          <a:chExt cx="0" cy="0"/>
+        </a:xfrm>
+      </p:grpSpPr>
+      <p:sp>
+        <p:nvSpPr>
+          <p:cNvPr id="2" name="Title 1">
+            <a:extLst>
+              <a:ext uri="{FF2B5EF4-FFF2-40B4-BE49-F238E27FC236}">
+                <a16:creationId xmlns:a16="http://schemas.microsoft.com/office/drawing/2014/main" id="{658BB60E-D946-F491-EA03-132B88FD4CB6}"/>
+              </a:ext>
+            </a:extLst>
+          </p:cNvPr>
+          <p:cNvSpPr>
+            <a:spLocks noGrp="1"/>
+          </p:cNvSpPr>
+          <p:nvPr>
+            <p:ph type="title"/>
+          </p:nvPr>
+        </p:nvSpPr>
+        <p:spPr/>
+        <p:txBody>
+          <a:bodyPr/>
+          <a:lstStyle/>
+          <a:p>
+            <a:r>
+              <a:rPr lang="en-US" dirty="0"/>
+              <a:t>Rhetoric + Aesthetics</a:t>
+            </a:r>
+          </a:p>
+        </p:txBody>
+      </p:sp>
+      <p:sp>
+        <p:nvSpPr>
+          <p:cNvPr id="3" name="Content Placeholder 2">
+            <a:extLst>
+              <a:ext uri="{FF2B5EF4-FFF2-40B4-BE49-F238E27FC236}">
+                <a16:creationId xmlns:a16="http://schemas.microsoft.com/office/drawing/2014/main" id="{F2BD1838-C078-6D04-9A64-B7B7CA5B8EE7}"/>
+              </a:ext>
+            </a:extLst>
+          </p:cNvPr>
+          <p:cNvSpPr>
+            <a:spLocks noGrp="1"/>
+          </p:cNvSpPr>
+          <p:nvPr>
+            <p:ph idx="1"/>
+          </p:nvPr>
+        </p:nvSpPr>
+        <p:spPr/>
+        <p:txBody>
+          <a:bodyPr/>
+          <a:lstStyle/>
+          <a:p>
+            <a:endParaRPr lang="en-US"/>
+          </a:p>
+        </p:txBody>
+      </p:sp>
+    </p:spTree>
+    <p:extLst>
+      <p:ext uri="{BB962C8B-B14F-4D97-AF65-F5344CB8AC3E}">
+        <p14:creationId xmlns:p14="http://schemas.microsoft.com/office/powerpoint/2010/main" val="917840777"/>
+      </p:ext>
+    </p:extLst>
+  </p:cSld>
+  <p:clrMapOvr>
+    <a:masterClrMapping/>
+  </p:clrMapOvr>
+</p:sld>
+</file>
+
 <file path=ppt/slides/slide5.xml><?xml version="1.0" encoding="utf-8"?>
 <p:sld xmlns:a="http://schemas.openxmlformats.org/drawingml/2006/main" xmlns:r="http://schemas.openxmlformats.org/officeDocument/2006/relationships" xmlns:p="http://schemas.openxmlformats.org/presentationml/2006/main">
   <p:cSld>
@@ -10171,6 +12313,89 @@
     <p:extLst>
       <p:ext uri="{BB962C8B-B14F-4D97-AF65-F5344CB8AC3E}">
         <p14:creationId xmlns:p14="http://schemas.microsoft.com/office/powerpoint/2010/main" val="3567793729"/>
+      </p:ext>
+    </p:extLst>
+  </p:cSld>
+  <p:clrMapOvr>
+    <a:masterClrMapping/>
+  </p:clrMapOvr>
+</p:sld>
+</file>
+
+<file path=ppt/slides/slide50.xml><?xml version="1.0" encoding="utf-8"?>
+<p:sld xmlns:a="http://schemas.openxmlformats.org/drawingml/2006/main" xmlns:r="http://schemas.openxmlformats.org/officeDocument/2006/relationships" xmlns:p="http://schemas.openxmlformats.org/presentationml/2006/main">
+  <p:cSld>
+    <p:spTree>
+      <p:nvGrpSpPr>
+        <p:cNvPr id="1" name=""/>
+        <p:cNvGrpSpPr/>
+        <p:nvPr/>
+      </p:nvGrpSpPr>
+      <p:grpSpPr>
+        <a:xfrm>
+          <a:off x="0" y="0"/>
+          <a:ext cx="0" cy="0"/>
+          <a:chOff x="0" y="0"/>
+          <a:chExt cx="0" cy="0"/>
+        </a:xfrm>
+      </p:grpSpPr>
+      <p:sp>
+        <p:nvSpPr>
+          <p:cNvPr id="2" name="Title 1">
+            <a:extLst>
+              <a:ext uri="{FF2B5EF4-FFF2-40B4-BE49-F238E27FC236}">
+                <a16:creationId xmlns:a16="http://schemas.microsoft.com/office/drawing/2014/main" id="{F117CB5D-A0E3-7BCD-5240-51B4E9440A63}"/>
+              </a:ext>
+            </a:extLst>
+          </p:cNvPr>
+          <p:cNvSpPr>
+            <a:spLocks noGrp="1"/>
+          </p:cNvSpPr>
+          <p:nvPr>
+            <p:ph type="title"/>
+          </p:nvPr>
+        </p:nvSpPr>
+        <p:spPr/>
+        <p:txBody>
+          <a:bodyPr/>
+          <a:lstStyle/>
+          <a:p>
+            <a:r>
+              <a:rPr lang="en-US" dirty="0"/>
+              <a:t>Section: Conclusion</a:t>
+            </a:r>
+          </a:p>
+        </p:txBody>
+      </p:sp>
+      <p:sp>
+        <p:nvSpPr>
+          <p:cNvPr id="3" name="Content Placeholder 2">
+            <a:extLst>
+              <a:ext uri="{FF2B5EF4-FFF2-40B4-BE49-F238E27FC236}">
+                <a16:creationId xmlns:a16="http://schemas.microsoft.com/office/drawing/2014/main" id="{B2EBBC83-A093-61F8-6CA7-B75D67BF1E7B}"/>
+              </a:ext>
+            </a:extLst>
+          </p:cNvPr>
+          <p:cNvSpPr>
+            <a:spLocks noGrp="1"/>
+          </p:cNvSpPr>
+          <p:nvPr>
+            <p:ph idx="1"/>
+          </p:nvPr>
+        </p:nvSpPr>
+        <p:spPr/>
+        <p:txBody>
+          <a:bodyPr/>
+          <a:lstStyle/>
+          <a:p>
+            <a:endParaRPr lang="en-US"/>
+          </a:p>
+        </p:txBody>
+      </p:sp>
+    </p:spTree>
+    <p:extLst>
+      <p:ext uri="{BB962C8B-B14F-4D97-AF65-F5344CB8AC3E}">
+        <p14:creationId xmlns:p14="http://schemas.microsoft.com/office/powerpoint/2010/main" val="1653804879"/>
       </p:ext>
     </p:extLst>
   </p:cSld>

--- a/LectureSlides/08Design1.pptx
+++ b/LectureSlides/08Design1.pptx
@@ -54,7 +54,14 @@
     <p:sldId id="305" r:id="rId48"/>
     <p:sldId id="303" r:id="rId49"/>
     <p:sldId id="304" r:id="rId50"/>
-    <p:sldId id="261" r:id="rId51"/>
+    <p:sldId id="306" r:id="rId51"/>
+    <p:sldId id="307" r:id="rId52"/>
+    <p:sldId id="308" r:id="rId53"/>
+    <p:sldId id="309" r:id="rId54"/>
+    <p:sldId id="310" r:id="rId55"/>
+    <p:sldId id="261" r:id="rId56"/>
+    <p:sldId id="311" r:id="rId57"/>
+    <p:sldId id="313" r:id="rId58"/>
   </p:sldIdLst>
   <p:sldSz cx="12192000" cy="6858000"/>
   <p:notesSz cx="6858000" cy="9144000"/>
@@ -385,7 +392,7 @@
           <a:p>
             <a:fld id="{DF0DA02A-3D36-4521-B995-F6A931B35345}" type="datetimeFigureOut">
               <a:rPr lang="en-US" smtClean="0"/>
-              <a:t>8/25/2023</a:t>
+              <a:t>8/28/2023</a:t>
             </a:fld>
             <a:endParaRPr lang="en-US"/>
           </a:p>
@@ -593,7 +600,7 @@
           <a:p>
             <a:fld id="{DF0DA02A-3D36-4521-B995-F6A931B35345}" type="datetimeFigureOut">
               <a:rPr lang="en-US" smtClean="0"/>
-              <a:t>8/25/2023</a:t>
+              <a:t>8/28/2023</a:t>
             </a:fld>
             <a:endParaRPr lang="en-US"/>
           </a:p>
@@ -849,7 +856,7 @@
           <a:p>
             <a:fld id="{DF0DA02A-3D36-4521-B995-F6A931B35345}" type="datetimeFigureOut">
               <a:rPr lang="en-US" smtClean="0"/>
-              <a:t>8/25/2023</a:t>
+              <a:t>8/28/2023</a:t>
             </a:fld>
             <a:endParaRPr lang="en-US"/>
           </a:p>
@@ -1034,7 +1041,7 @@
           <a:p>
             <a:fld id="{DF0DA02A-3D36-4521-B995-F6A931B35345}" type="datetimeFigureOut">
               <a:rPr lang="en-US" smtClean="0"/>
-              <a:t>8/25/2023</a:t>
+              <a:t>8/28/2023</a:t>
             </a:fld>
             <a:endParaRPr lang="en-US"/>
           </a:p>
@@ -1377,7 +1384,7 @@
           <a:p>
             <a:fld id="{DF0DA02A-3D36-4521-B995-F6A931B35345}" type="datetimeFigureOut">
               <a:rPr lang="en-US" smtClean="0"/>
-              <a:t>8/25/2023</a:t>
+              <a:t>8/28/2023</a:t>
             </a:fld>
             <a:endParaRPr lang="en-US"/>
           </a:p>
@@ -1682,7 +1689,7 @@
           <a:p>
             <a:fld id="{DF0DA02A-3D36-4521-B995-F6A931B35345}" type="datetimeFigureOut">
               <a:rPr lang="en-US" smtClean="0"/>
-              <a:t>8/25/2023</a:t>
+              <a:t>8/28/2023</a:t>
             </a:fld>
             <a:endParaRPr lang="en-US"/>
           </a:p>
@@ -2091,7 +2098,7 @@
           <a:p>
             <a:fld id="{DF0DA02A-3D36-4521-B995-F6A931B35345}" type="datetimeFigureOut">
               <a:rPr lang="en-US" smtClean="0"/>
-              <a:t>8/25/2023</a:t>
+              <a:t>8/28/2023</a:t>
             </a:fld>
             <a:endParaRPr lang="en-US"/>
           </a:p>
@@ -2209,7 +2216,7 @@
           <a:p>
             <a:fld id="{DF0DA02A-3D36-4521-B995-F6A931B35345}" type="datetimeFigureOut">
               <a:rPr lang="en-US" smtClean="0"/>
-              <a:t>8/25/2023</a:t>
+              <a:t>8/28/2023</a:t>
             </a:fld>
             <a:endParaRPr lang="en-US"/>
           </a:p>
@@ -2380,7 +2387,7 @@
           <a:p>
             <a:fld id="{DF0DA02A-3D36-4521-B995-F6A931B35345}" type="datetimeFigureOut">
               <a:rPr lang="en-US" smtClean="0"/>
-              <a:t>8/25/2023</a:t>
+              <a:t>8/28/2023</a:t>
             </a:fld>
             <a:endParaRPr lang="en-US"/>
           </a:p>
@@ -2749,7 +2756,7 @@
           <a:p>
             <a:fld id="{DF0DA02A-3D36-4521-B995-F6A931B35345}" type="datetimeFigureOut">
               <a:rPr lang="en-US" smtClean="0"/>
-              <a:t>8/25/2023</a:t>
+              <a:t>8/28/2023</a:t>
             </a:fld>
             <a:endParaRPr lang="en-US"/>
           </a:p>
@@ -3126,7 +3133,7 @@
           <a:p>
             <a:fld id="{DF0DA02A-3D36-4521-B995-F6A931B35345}" type="datetimeFigureOut">
               <a:rPr lang="en-US" smtClean="0"/>
-              <a:t>8/25/2023</a:t>
+              <a:t>8/28/2023</a:t>
             </a:fld>
             <a:endParaRPr lang="en-US"/>
           </a:p>
@@ -3413,7 +3420,7 @@
           <a:p>
             <a:fld id="{DF0DA02A-3D36-4521-B995-F6A931B35345}" type="datetimeFigureOut">
               <a:rPr lang="en-US" smtClean="0"/>
-              <a:t>8/25/2023</a:t>
+              <a:t>8/28/2023</a:t>
             </a:fld>
             <a:endParaRPr lang="en-US"/>
           </a:p>
@@ -12084,10 +12091,69 @@
         </p:nvSpPr>
         <p:spPr/>
         <p:txBody>
-          <a:bodyPr/>
-          <a:lstStyle/>
-          <a:p>
-            <a:endParaRPr lang="en-US"/>
+          <a:bodyPr>
+            <a:normAutofit lnSpcReduction="10000"/>
+          </a:bodyPr>
+          <a:lstStyle/>
+          <a:p>
+            <a:r>
+              <a:rPr lang="en-US" dirty="0"/>
+              <a:t>Studies (both qualitative + quantitative) only consider some limited, finite group of people</a:t>
+            </a:r>
+          </a:p>
+          <a:p>
+            <a:r>
+              <a:rPr lang="en-US" dirty="0"/>
+              <a:t>Recognize the challenges of generalizing results to larger group</a:t>
+            </a:r>
+          </a:p>
+          <a:p>
+            <a:r>
+              <a:rPr lang="en-US" dirty="0"/>
+              <a:t>Strategies for dealing with the challenge:</a:t>
+            </a:r>
+          </a:p>
+          <a:p>
+            <a:pPr lvl="1"/>
+            <a:r>
+              <a:rPr lang="en-US" dirty="0"/>
+              <a:t>Don’t claim that results generalize</a:t>
+            </a:r>
+          </a:p>
+          <a:p>
+            <a:pPr lvl="1"/>
+            <a:r>
+              <a:rPr lang="en-US" dirty="0"/>
+              <a:t>Increase the number of people</a:t>
+            </a:r>
+          </a:p>
+          <a:p>
+            <a:pPr lvl="2"/>
+            <a:r>
+              <a:rPr lang="en-US" dirty="0"/>
+              <a:t>Challenging if study is time-consuming</a:t>
+            </a:r>
+          </a:p>
+          <a:p>
+            <a:pPr lvl="1"/>
+            <a:r>
+              <a:rPr lang="en-US" dirty="0"/>
+              <a:t>Ensure the people belong to the population you care about</a:t>
+            </a:r>
+          </a:p>
+          <a:p>
+            <a:pPr lvl="1"/>
+            <a:r>
+              <a:rPr lang="en-US" dirty="0"/>
+              <a:t>Argue that the people are similar to the population you care about</a:t>
+            </a:r>
+          </a:p>
+          <a:p>
+            <a:pPr lvl="2"/>
+            <a:r>
+              <a:rPr lang="en-US" dirty="0"/>
+              <a:t>Risky</a:t>
+            </a:r>
           </a:p>
         </p:txBody>
       </p:sp>
@@ -12144,7 +12210,7 @@
           <a:p>
             <a:r>
               <a:rPr lang="en-US" dirty="0"/>
-              <a:t>Rhetoric + Aesthetics</a:t>
+              <a:t>Section: Rhetoric + Aesthetics</a:t>
             </a:r>
           </a:p>
         </p:txBody>
@@ -12344,6 +12410,637 @@
           <p:cNvPr id="2" name="Title 1">
             <a:extLst>
               <a:ext uri="{FF2B5EF4-FFF2-40B4-BE49-F238E27FC236}">
+                <a16:creationId xmlns:a16="http://schemas.microsoft.com/office/drawing/2014/main" id="{BC3D4786-3F42-1BB8-F596-71FCEC16290F}"/>
+              </a:ext>
+            </a:extLst>
+          </p:cNvPr>
+          <p:cNvSpPr>
+            <a:spLocks noGrp="1"/>
+          </p:cNvSpPr>
+          <p:nvPr>
+            <p:ph type="title"/>
+          </p:nvPr>
+        </p:nvSpPr>
+        <p:spPr/>
+        <p:txBody>
+          <a:bodyPr/>
+          <a:lstStyle/>
+          <a:p>
+            <a:r>
+              <a:rPr lang="en-US" dirty="0" err="1"/>
+              <a:t>Rhetoric+Aesthetics</a:t>
+            </a:r>
+            <a:r>
+              <a:rPr lang="en-US" dirty="0"/>
+              <a:t> in  PL Design</a:t>
+            </a:r>
+          </a:p>
+        </p:txBody>
+      </p:sp>
+      <p:sp>
+        <p:nvSpPr>
+          <p:cNvPr id="3" name="Content Placeholder 2">
+            <a:extLst>
+              <a:ext uri="{FF2B5EF4-FFF2-40B4-BE49-F238E27FC236}">
+                <a16:creationId xmlns:a16="http://schemas.microsoft.com/office/drawing/2014/main" id="{59581848-2CF2-1934-5FCE-E8D870599415}"/>
+              </a:ext>
+            </a:extLst>
+          </p:cNvPr>
+          <p:cNvSpPr>
+            <a:spLocks noGrp="1"/>
+          </p:cNvSpPr>
+          <p:nvPr>
+            <p:ph idx="1"/>
+          </p:nvPr>
+        </p:nvSpPr>
+        <p:spPr/>
+        <p:txBody>
+          <a:bodyPr/>
+          <a:lstStyle/>
+          <a:p>
+            <a:r>
+              <a:rPr lang="en-US" b="1" dirty="0"/>
+              <a:t>Idea:</a:t>
+            </a:r>
+            <a:r>
+              <a:rPr lang="en-US" dirty="0"/>
+              <a:t> Designers (incl. Theorists) have their own tastes and justifications, which are core part of design and discussion</a:t>
+            </a:r>
+          </a:p>
+          <a:p>
+            <a:r>
+              <a:rPr lang="en-US" b="1" dirty="0"/>
+              <a:t>Aesthetics:</a:t>
+            </a:r>
+            <a:r>
+              <a:rPr lang="en-US" dirty="0"/>
+              <a:t> How does a specific designer decide whether a PL is appealing to them?</a:t>
+            </a:r>
+          </a:p>
+          <a:p>
+            <a:r>
+              <a:rPr lang="en-US" b="1" dirty="0"/>
+              <a:t>Rhetoric:</a:t>
+            </a:r>
+            <a:r>
+              <a:rPr lang="en-US" dirty="0"/>
+              <a:t> How does a specific designer argue the merits of a specific PL to a specific audience?</a:t>
+            </a:r>
+            <a:endParaRPr lang="en-US" b="1" dirty="0"/>
+          </a:p>
+        </p:txBody>
+      </p:sp>
+    </p:spTree>
+    <p:extLst>
+      <p:ext uri="{BB962C8B-B14F-4D97-AF65-F5344CB8AC3E}">
+        <p14:creationId xmlns:p14="http://schemas.microsoft.com/office/powerpoint/2010/main" val="3522256982"/>
+      </p:ext>
+    </p:extLst>
+  </p:cSld>
+  <p:clrMapOvr>
+    <a:masterClrMapping/>
+  </p:clrMapOvr>
+</p:sld>
+</file>
+
+<file path=ppt/slides/slide51.xml><?xml version="1.0" encoding="utf-8"?>
+<p:sld xmlns:a="http://schemas.openxmlformats.org/drawingml/2006/main" xmlns:r="http://schemas.openxmlformats.org/officeDocument/2006/relationships" xmlns:p="http://schemas.openxmlformats.org/presentationml/2006/main">
+  <p:cSld>
+    <p:spTree>
+      <p:nvGrpSpPr>
+        <p:cNvPr id="1" name=""/>
+        <p:cNvGrpSpPr/>
+        <p:nvPr/>
+      </p:nvGrpSpPr>
+      <p:grpSpPr>
+        <a:xfrm>
+          <a:off x="0" y="0"/>
+          <a:ext cx="0" cy="0"/>
+          <a:chOff x="0" y="0"/>
+          <a:chExt cx="0" cy="0"/>
+        </a:xfrm>
+      </p:grpSpPr>
+      <p:sp>
+        <p:nvSpPr>
+          <p:cNvPr id="2" name="Title 1">
+            <a:extLst>
+              <a:ext uri="{FF2B5EF4-FFF2-40B4-BE49-F238E27FC236}">
+                <a16:creationId xmlns:a16="http://schemas.microsoft.com/office/drawing/2014/main" id="{8BA56FD6-73AD-04C1-1351-C27ED6E7AC57}"/>
+              </a:ext>
+            </a:extLst>
+          </p:cNvPr>
+          <p:cNvSpPr>
+            <a:spLocks noGrp="1"/>
+          </p:cNvSpPr>
+          <p:nvPr>
+            <p:ph type="title"/>
+          </p:nvPr>
+        </p:nvSpPr>
+        <p:spPr/>
+        <p:txBody>
+          <a:bodyPr/>
+          <a:lstStyle/>
+          <a:p>
+            <a:r>
+              <a:rPr lang="en-US" dirty="0"/>
+              <a:t>Defining Aesthetics</a:t>
+            </a:r>
+          </a:p>
+        </p:txBody>
+      </p:sp>
+      <p:sp>
+        <p:nvSpPr>
+          <p:cNvPr id="3" name="Content Placeholder 2">
+            <a:extLst>
+              <a:ext uri="{FF2B5EF4-FFF2-40B4-BE49-F238E27FC236}">
+                <a16:creationId xmlns:a16="http://schemas.microsoft.com/office/drawing/2014/main" id="{5CA79C92-2036-794B-5396-A47C7C005FA2}"/>
+              </a:ext>
+            </a:extLst>
+          </p:cNvPr>
+          <p:cNvSpPr>
+            <a:spLocks noGrp="1"/>
+          </p:cNvSpPr>
+          <p:nvPr>
+            <p:ph idx="1"/>
+          </p:nvPr>
+        </p:nvSpPr>
+        <p:spPr/>
+        <p:txBody>
+          <a:bodyPr>
+            <a:normAutofit/>
+          </a:bodyPr>
+          <a:lstStyle/>
+          <a:p>
+            <a:r>
+              <a:rPr lang="en-US" i="1" dirty="0"/>
+              <a:t>Aesthetic properties include those that are related to the human-centered aesthetic appeal of a language, formalism or technique but which are not directly concerned with ease of (re)use by others.</a:t>
+            </a:r>
+          </a:p>
+          <a:p>
+            <a:r>
+              <a:rPr lang="en-US" i="1" dirty="0"/>
+              <a:t>Examples include “elegant”, “natural” and “intuitive”, although this category is perhaps better defined in part by the oft-used(in programming language writing) antonym of the above terms, “ad-hoc”.</a:t>
+            </a:r>
+          </a:p>
+          <a:p>
+            <a:pPr lvl="1"/>
+            <a:r>
+              <a:rPr lang="en-US" i="1" dirty="0"/>
+              <a:t>Muller and Ringler, Onward!’2020</a:t>
+            </a:r>
+          </a:p>
+        </p:txBody>
+      </p:sp>
+    </p:spTree>
+    <p:extLst>
+      <p:ext uri="{BB962C8B-B14F-4D97-AF65-F5344CB8AC3E}">
+        <p14:creationId xmlns:p14="http://schemas.microsoft.com/office/powerpoint/2010/main" val="4105386349"/>
+      </p:ext>
+    </p:extLst>
+  </p:cSld>
+  <p:clrMapOvr>
+    <a:masterClrMapping/>
+  </p:clrMapOvr>
+</p:sld>
+</file>
+
+<file path=ppt/slides/slide52.xml><?xml version="1.0" encoding="utf-8"?>
+<p:sld xmlns:a="http://schemas.openxmlformats.org/drawingml/2006/main" xmlns:r="http://schemas.openxmlformats.org/officeDocument/2006/relationships" xmlns:p="http://schemas.openxmlformats.org/presentationml/2006/main">
+  <p:cSld>
+    <p:spTree>
+      <p:nvGrpSpPr>
+        <p:cNvPr id="1" name=""/>
+        <p:cNvGrpSpPr/>
+        <p:nvPr/>
+      </p:nvGrpSpPr>
+      <p:grpSpPr>
+        <a:xfrm>
+          <a:off x="0" y="0"/>
+          <a:ext cx="0" cy="0"/>
+          <a:chOff x="0" y="0"/>
+          <a:chExt cx="0" cy="0"/>
+        </a:xfrm>
+      </p:grpSpPr>
+      <p:sp>
+        <p:nvSpPr>
+          <p:cNvPr id="2" name="Title 1">
+            <a:extLst>
+              <a:ext uri="{FF2B5EF4-FFF2-40B4-BE49-F238E27FC236}">
+                <a16:creationId xmlns:a16="http://schemas.microsoft.com/office/drawing/2014/main" id="{FA462913-0C04-D26B-AA74-6FCD0CB9AA70}"/>
+              </a:ext>
+            </a:extLst>
+          </p:cNvPr>
+          <p:cNvSpPr>
+            <a:spLocks noGrp="1"/>
+          </p:cNvSpPr>
+          <p:nvPr>
+            <p:ph type="title"/>
+          </p:nvPr>
+        </p:nvSpPr>
+        <p:spPr/>
+        <p:txBody>
+          <a:bodyPr/>
+          <a:lstStyle/>
+          <a:p>
+            <a:r>
+              <a:rPr lang="en-US" dirty="0"/>
+              <a:t>Defining Arguments</a:t>
+            </a:r>
+          </a:p>
+        </p:txBody>
+      </p:sp>
+      <p:sp>
+        <p:nvSpPr>
+          <p:cNvPr id="3" name="Content Placeholder 2">
+            <a:extLst>
+              <a:ext uri="{FF2B5EF4-FFF2-40B4-BE49-F238E27FC236}">
+                <a16:creationId xmlns:a16="http://schemas.microsoft.com/office/drawing/2014/main" id="{1DAFCCF9-F9C7-AAD0-E256-AABD61B08456}"/>
+              </a:ext>
+            </a:extLst>
+          </p:cNvPr>
+          <p:cNvSpPr>
+            <a:spLocks noGrp="1"/>
+          </p:cNvSpPr>
+          <p:nvPr>
+            <p:ph idx="1"/>
+          </p:nvPr>
+        </p:nvSpPr>
+        <p:spPr/>
+        <p:txBody>
+          <a:bodyPr/>
+          <a:lstStyle/>
+          <a:p>
+            <a:r>
+              <a:rPr lang="en-US" b="1" dirty="0"/>
+              <a:t>Claim =</a:t>
+            </a:r>
+            <a:r>
+              <a:rPr lang="en-US" dirty="0"/>
+              <a:t> The assertion for which you are arguing</a:t>
+            </a:r>
+          </a:p>
+          <a:p>
+            <a:r>
+              <a:rPr lang="en-US" b="1" dirty="0"/>
+              <a:t>Reason =</a:t>
+            </a:r>
+            <a:r>
+              <a:rPr lang="en-US" dirty="0"/>
+              <a:t> Individual justifications which combine to argue the claim</a:t>
+            </a:r>
+          </a:p>
+          <a:p>
+            <a:r>
+              <a:rPr lang="en-US" b="1" dirty="0"/>
+              <a:t>Evidence</a:t>
+            </a:r>
+            <a:r>
+              <a:rPr lang="en-US" dirty="0"/>
+              <a:t> =</a:t>
+            </a:r>
+            <a:r>
+              <a:rPr lang="en-US" b="1" dirty="0"/>
+              <a:t> </a:t>
+            </a:r>
+            <a:r>
+              <a:rPr lang="en-US" dirty="0"/>
+              <a:t>Facts and other assertions which support a given reason</a:t>
+            </a:r>
+          </a:p>
+          <a:p>
+            <a:r>
+              <a:rPr lang="en-US" b="1" dirty="0"/>
+              <a:t>Audience </a:t>
+            </a:r>
+            <a:r>
+              <a:rPr lang="en-US" dirty="0"/>
+              <a:t>matters: if the audience is less familiar with your reason, then you need to give more evidence</a:t>
+            </a:r>
+            <a:endParaRPr lang="en-US" b="1" dirty="0"/>
+          </a:p>
+        </p:txBody>
+      </p:sp>
+    </p:spTree>
+    <p:extLst>
+      <p:ext uri="{BB962C8B-B14F-4D97-AF65-F5344CB8AC3E}">
+        <p14:creationId xmlns:p14="http://schemas.microsoft.com/office/powerpoint/2010/main" val="3112134687"/>
+      </p:ext>
+    </p:extLst>
+  </p:cSld>
+  <p:clrMapOvr>
+    <a:masterClrMapping/>
+  </p:clrMapOvr>
+</p:sld>
+</file>
+
+<file path=ppt/slides/slide53.xml><?xml version="1.0" encoding="utf-8"?>
+<p:sld xmlns:a="http://schemas.openxmlformats.org/drawingml/2006/main" xmlns:r="http://schemas.openxmlformats.org/officeDocument/2006/relationships" xmlns:p="http://schemas.openxmlformats.org/presentationml/2006/main">
+  <p:cSld>
+    <p:spTree>
+      <p:nvGrpSpPr>
+        <p:cNvPr id="1" name=""/>
+        <p:cNvGrpSpPr/>
+        <p:nvPr/>
+      </p:nvGrpSpPr>
+      <p:grpSpPr>
+        <a:xfrm>
+          <a:off x="0" y="0"/>
+          <a:ext cx="0" cy="0"/>
+          <a:chOff x="0" y="0"/>
+          <a:chExt cx="0" cy="0"/>
+        </a:xfrm>
+      </p:grpSpPr>
+      <p:sp>
+        <p:nvSpPr>
+          <p:cNvPr id="2" name="Title 1">
+            <a:extLst>
+              <a:ext uri="{FF2B5EF4-FFF2-40B4-BE49-F238E27FC236}">
+                <a16:creationId xmlns:a16="http://schemas.microsoft.com/office/drawing/2014/main" id="{B54994FC-83B8-59E0-233B-5BF814B16280}"/>
+              </a:ext>
+            </a:extLst>
+          </p:cNvPr>
+          <p:cNvSpPr>
+            <a:spLocks noGrp="1"/>
+          </p:cNvSpPr>
+          <p:nvPr>
+            <p:ph type="title"/>
+          </p:nvPr>
+        </p:nvSpPr>
+        <p:spPr/>
+        <p:txBody>
+          <a:bodyPr/>
+          <a:lstStyle/>
+          <a:p>
+            <a:r>
+              <a:rPr lang="en-US" dirty="0"/>
+              <a:t>How to Make an Argument</a:t>
+            </a:r>
+          </a:p>
+        </p:txBody>
+      </p:sp>
+      <p:sp>
+        <p:nvSpPr>
+          <p:cNvPr id="3" name="Content Placeholder 2">
+            <a:extLst>
+              <a:ext uri="{FF2B5EF4-FFF2-40B4-BE49-F238E27FC236}">
+                <a16:creationId xmlns:a16="http://schemas.microsoft.com/office/drawing/2014/main" id="{C65999BE-6FEC-F5CD-7CD5-0B47D8A2011C}"/>
+              </a:ext>
+            </a:extLst>
+          </p:cNvPr>
+          <p:cNvSpPr>
+            <a:spLocks noGrp="1"/>
+          </p:cNvSpPr>
+          <p:nvPr>
+            <p:ph idx="1"/>
+          </p:nvPr>
+        </p:nvSpPr>
+        <p:spPr/>
+        <p:txBody>
+          <a:bodyPr/>
+          <a:lstStyle/>
+          <a:p>
+            <a:pPr marL="658368" lvl="1" indent="-457200">
+              <a:buFont typeface="+mj-lt"/>
+              <a:buAutoNum type="arabicPeriod"/>
+            </a:pPr>
+            <a:r>
+              <a:rPr lang="en-US" dirty="0"/>
+              <a:t>Identify the claim you want to make</a:t>
+            </a:r>
+          </a:p>
+          <a:p>
+            <a:pPr marL="658368" lvl="1" indent="-457200">
+              <a:buFont typeface="+mj-lt"/>
+              <a:buAutoNum type="arabicPeriod"/>
+            </a:pPr>
+            <a:r>
+              <a:rPr lang="en-US" dirty="0"/>
+              <a:t>Identify the audience</a:t>
+            </a:r>
+          </a:p>
+          <a:p>
+            <a:pPr marL="658368" lvl="1" indent="-457200">
+              <a:buFont typeface="+mj-lt"/>
+              <a:buAutoNum type="arabicPeriod"/>
+            </a:pPr>
+            <a:r>
+              <a:rPr lang="en-US" dirty="0"/>
+              <a:t>List out reasons that justify the claim</a:t>
+            </a:r>
+          </a:p>
+          <a:p>
+            <a:pPr marL="658368" lvl="1" indent="-457200">
+              <a:buFont typeface="+mj-lt"/>
+              <a:buAutoNum type="arabicPeriod"/>
+            </a:pPr>
+            <a:r>
+              <a:rPr lang="en-US" dirty="0"/>
+              <a:t>Identify which reasons demand additional evidence for this particular audience</a:t>
+            </a:r>
+          </a:p>
+          <a:p>
+            <a:pPr marL="658368" lvl="1" indent="-457200">
+              <a:buFont typeface="+mj-lt"/>
+              <a:buAutoNum type="arabicPeriod"/>
+            </a:pPr>
+            <a:r>
+              <a:rPr lang="en-US" dirty="0"/>
+              <a:t>Provide the evidence</a:t>
+            </a:r>
+          </a:p>
+        </p:txBody>
+      </p:sp>
+    </p:spTree>
+    <p:extLst>
+      <p:ext uri="{BB962C8B-B14F-4D97-AF65-F5344CB8AC3E}">
+        <p14:creationId xmlns:p14="http://schemas.microsoft.com/office/powerpoint/2010/main" val="1087993983"/>
+      </p:ext>
+    </p:extLst>
+  </p:cSld>
+  <p:clrMapOvr>
+    <a:masterClrMapping/>
+  </p:clrMapOvr>
+</p:sld>
+</file>
+
+<file path=ppt/slides/slide54.xml><?xml version="1.0" encoding="utf-8"?>
+<p:sld xmlns:a="http://schemas.openxmlformats.org/drawingml/2006/main" xmlns:r="http://schemas.openxmlformats.org/officeDocument/2006/relationships" xmlns:p="http://schemas.openxmlformats.org/presentationml/2006/main">
+  <p:cSld>
+    <p:spTree>
+      <p:nvGrpSpPr>
+        <p:cNvPr id="1" name=""/>
+        <p:cNvGrpSpPr/>
+        <p:nvPr/>
+      </p:nvGrpSpPr>
+      <p:grpSpPr>
+        <a:xfrm>
+          <a:off x="0" y="0"/>
+          <a:ext cx="0" cy="0"/>
+          <a:chOff x="0" y="0"/>
+          <a:chExt cx="0" cy="0"/>
+        </a:xfrm>
+      </p:grpSpPr>
+      <p:sp>
+        <p:nvSpPr>
+          <p:cNvPr id="2" name="Title 1">
+            <a:extLst>
+              <a:ext uri="{FF2B5EF4-FFF2-40B4-BE49-F238E27FC236}">
+                <a16:creationId xmlns:a16="http://schemas.microsoft.com/office/drawing/2014/main" id="{438C9F55-FDB4-6BF4-69BA-D679773E7440}"/>
+              </a:ext>
+            </a:extLst>
+          </p:cNvPr>
+          <p:cNvSpPr>
+            <a:spLocks noGrp="1"/>
+          </p:cNvSpPr>
+          <p:nvPr>
+            <p:ph type="title"/>
+          </p:nvPr>
+        </p:nvSpPr>
+        <p:spPr/>
+        <p:txBody>
+          <a:bodyPr/>
+          <a:lstStyle/>
+          <a:p>
+            <a:r>
+              <a:rPr lang="en-US" dirty="0"/>
+              <a:t>Example Argument	: Rust </a:t>
+            </a:r>
+          </a:p>
+        </p:txBody>
+      </p:sp>
+      <p:sp>
+        <p:nvSpPr>
+          <p:cNvPr id="3" name="Content Placeholder 2">
+            <a:extLst>
+              <a:ext uri="{FF2B5EF4-FFF2-40B4-BE49-F238E27FC236}">
+                <a16:creationId xmlns:a16="http://schemas.microsoft.com/office/drawing/2014/main" id="{BCCD7D5F-68B7-57CE-4C62-A4678A505E64}"/>
+              </a:ext>
+            </a:extLst>
+          </p:cNvPr>
+          <p:cNvSpPr>
+            <a:spLocks noGrp="1"/>
+          </p:cNvSpPr>
+          <p:nvPr>
+            <p:ph idx="1"/>
+          </p:nvPr>
+        </p:nvSpPr>
+        <p:spPr/>
+        <p:txBody>
+          <a:bodyPr>
+            <a:normAutofit fontScale="92500" lnSpcReduction="10000"/>
+          </a:bodyPr>
+          <a:lstStyle/>
+          <a:p>
+            <a:r>
+              <a:rPr lang="en-US" dirty="0"/>
+              <a:t>“Rust is an elegant language”</a:t>
+            </a:r>
+          </a:p>
+          <a:p>
+            <a:pPr marL="514350" indent="-514350">
+              <a:buFont typeface="+mj-lt"/>
+              <a:buAutoNum type="arabicPeriod"/>
+            </a:pPr>
+            <a:r>
+              <a:rPr lang="en-US" dirty="0"/>
+              <a:t>If a core PL feature supports multiple key design goals, the language is elegant</a:t>
+            </a:r>
+          </a:p>
+          <a:p>
+            <a:pPr marL="514350" indent="-514350">
+              <a:buFont typeface="+mj-lt"/>
+              <a:buAutoNum type="arabicPeriod"/>
+            </a:pPr>
+            <a:r>
+              <a:rPr lang="en-US" dirty="0"/>
+              <a:t>Rust’s core feature is ownership</a:t>
+            </a:r>
+          </a:p>
+          <a:p>
+            <a:pPr marL="292608" lvl="1" indent="0">
+              <a:buNone/>
+            </a:pPr>
+            <a:r>
+              <a:rPr lang="en-US" b="1" dirty="0"/>
+              <a:t>Evidence: </a:t>
+            </a:r>
+            <a:r>
+              <a:rPr lang="en-US" dirty="0"/>
+              <a:t>In research papers about Rust’s theory, ownership is key</a:t>
+            </a:r>
+            <a:endParaRPr lang="en-US" b="1" dirty="0"/>
+          </a:p>
+          <a:p>
+            <a:pPr marL="514350" indent="-514350">
+              <a:buFont typeface="+mj-lt"/>
+              <a:buAutoNum type="arabicPeriod"/>
+            </a:pPr>
+            <a:r>
+              <a:rPr lang="en-US" dirty="0"/>
+              <a:t>Rust’s key design goals include memory safety, deadlock-freedom, and efficient memory management</a:t>
+            </a:r>
+          </a:p>
+          <a:p>
+            <a:pPr marL="292608" lvl="1" indent="0">
+              <a:buNone/>
+            </a:pPr>
+            <a:r>
+              <a:rPr lang="en-US" b="1" dirty="0"/>
+              <a:t>Evidence:</a:t>
+            </a:r>
+            <a:r>
+              <a:rPr lang="en-US" dirty="0"/>
+              <a:t> The Rust book appeals to these goals to motivate readers</a:t>
+            </a:r>
+            <a:endParaRPr lang="en-US" b="1" dirty="0"/>
+          </a:p>
+          <a:p>
+            <a:pPr marL="514350" indent="-514350">
+              <a:buFont typeface="+mj-lt"/>
+              <a:buAutoNum type="arabicPeriod"/>
+            </a:pPr>
+            <a:r>
+              <a:rPr lang="en-US" dirty="0"/>
+              <a:t>Ownership supports the above three goals</a:t>
+            </a:r>
+          </a:p>
+        </p:txBody>
+      </p:sp>
+    </p:spTree>
+    <p:extLst>
+      <p:ext uri="{BB962C8B-B14F-4D97-AF65-F5344CB8AC3E}">
+        <p14:creationId xmlns:p14="http://schemas.microsoft.com/office/powerpoint/2010/main" val="1267619612"/>
+      </p:ext>
+    </p:extLst>
+  </p:cSld>
+  <p:clrMapOvr>
+    <a:masterClrMapping/>
+  </p:clrMapOvr>
+</p:sld>
+</file>
+
+<file path=ppt/slides/slide55.xml><?xml version="1.0" encoding="utf-8"?>
+<p:sld xmlns:a="http://schemas.openxmlformats.org/drawingml/2006/main" xmlns:r="http://schemas.openxmlformats.org/officeDocument/2006/relationships" xmlns:p="http://schemas.openxmlformats.org/presentationml/2006/main">
+  <p:cSld>
+    <p:spTree>
+      <p:nvGrpSpPr>
+        <p:cNvPr id="1" name=""/>
+        <p:cNvGrpSpPr/>
+        <p:nvPr/>
+      </p:nvGrpSpPr>
+      <p:grpSpPr>
+        <a:xfrm>
+          <a:off x="0" y="0"/>
+          <a:ext cx="0" cy="0"/>
+          <a:chOff x="0" y="0"/>
+          <a:chExt cx="0" cy="0"/>
+        </a:xfrm>
+      </p:grpSpPr>
+      <p:sp>
+        <p:nvSpPr>
+          <p:cNvPr id="2" name="Title 1">
+            <a:extLst>
+              <a:ext uri="{FF2B5EF4-FFF2-40B4-BE49-F238E27FC236}">
                 <a16:creationId xmlns:a16="http://schemas.microsoft.com/office/drawing/2014/main" id="{F117CB5D-A0E3-7BCD-5240-51B4E9440A63}"/>
               </a:ext>
             </a:extLst>
@@ -12362,7 +13059,7 @@
           <a:p>
             <a:r>
               <a:rPr lang="en-US" dirty="0"/>
-              <a:t>Section: Conclusion</a:t>
+              <a:t>Conclusion: Why Rhetoric?</a:t>
             </a:r>
           </a:p>
         </p:txBody>
@@ -12385,10 +13082,80 @@
         </p:nvSpPr>
         <p:spPr/>
         <p:txBody>
-          <a:bodyPr/>
-          <a:lstStyle/>
-          <a:p>
-            <a:endParaRPr lang="en-US"/>
+          <a:bodyPr>
+            <a:normAutofit lnSpcReduction="10000"/>
+          </a:bodyPr>
+          <a:lstStyle/>
+          <a:p>
+            <a:r>
+              <a:rPr lang="en-US" dirty="0"/>
+              <a:t>Many people love to argue about programming languages</a:t>
+            </a:r>
+          </a:p>
+          <a:p>
+            <a:r>
+              <a:rPr lang="en-US" b="1" dirty="0"/>
+              <a:t>Don’t want:</a:t>
+            </a:r>
+            <a:r>
+              <a:rPr lang="en-US" dirty="0"/>
+              <a:t> Hostility, personal attacks, untrue justifications</a:t>
+            </a:r>
+          </a:p>
+          <a:p>
+            <a:r>
+              <a:rPr lang="en-US" b="1" dirty="0"/>
+              <a:t>Want:</a:t>
+            </a:r>
+            <a:r>
+              <a:rPr lang="en-US" dirty="0"/>
+              <a:t> Learning, effectively expressing yourself</a:t>
+            </a:r>
+          </a:p>
+          <a:p>
+            <a:r>
+              <a:rPr lang="en-US" dirty="0"/>
+              <a:t>A formal argument is:</a:t>
+            </a:r>
+          </a:p>
+          <a:p>
+            <a:pPr lvl="1"/>
+            <a:r>
+              <a:rPr lang="en-US" b="1" dirty="0"/>
+              <a:t>Not</a:t>
+            </a:r>
+            <a:r>
+              <a:rPr lang="en-US" dirty="0"/>
+              <a:t> a rigorous proof</a:t>
+            </a:r>
+          </a:p>
+          <a:p>
+            <a:pPr lvl="1"/>
+            <a:r>
+              <a:rPr lang="en-US" dirty="0"/>
+              <a:t>A tool for inspecting why we believe what we believe</a:t>
+            </a:r>
+          </a:p>
+          <a:p>
+            <a:pPr lvl="2"/>
+            <a:r>
+              <a:rPr lang="en-US" dirty="0"/>
+              <a:t>Sometimes, convince the other person</a:t>
+            </a:r>
+          </a:p>
+          <a:p>
+            <a:pPr lvl="2"/>
+            <a:r>
+              <a:rPr lang="en-US" dirty="0"/>
+              <a:t>Sometimes, let them argue against your reason</a:t>
+            </a:r>
+          </a:p>
+          <a:p>
+            <a:pPr lvl="2"/>
+            <a:r>
+              <a:rPr lang="en-US" dirty="0"/>
+              <a:t>Sometimes, identify why you agree to disagree</a:t>
+            </a:r>
           </a:p>
         </p:txBody>
       </p:sp>
@@ -12396,6 +13163,398 @@
     <p:extLst>
       <p:ext uri="{BB962C8B-B14F-4D97-AF65-F5344CB8AC3E}">
         <p14:creationId xmlns:p14="http://schemas.microsoft.com/office/powerpoint/2010/main" val="1653804879"/>
+      </p:ext>
+    </p:extLst>
+  </p:cSld>
+  <p:clrMapOvr>
+    <a:masterClrMapping/>
+  </p:clrMapOvr>
+</p:sld>
+</file>
+
+<file path=ppt/slides/slide56.xml><?xml version="1.0" encoding="utf-8"?>
+<p:sld xmlns:a="http://schemas.openxmlformats.org/drawingml/2006/main" xmlns:r="http://schemas.openxmlformats.org/officeDocument/2006/relationships" xmlns:p="http://schemas.openxmlformats.org/presentationml/2006/main">
+  <p:cSld>
+    <p:spTree>
+      <p:nvGrpSpPr>
+        <p:cNvPr id="1" name=""/>
+        <p:cNvGrpSpPr/>
+        <p:nvPr/>
+      </p:nvGrpSpPr>
+      <p:grpSpPr>
+        <a:xfrm>
+          <a:off x="0" y="0"/>
+          <a:ext cx="0" cy="0"/>
+          <a:chOff x="0" y="0"/>
+          <a:chExt cx="0" cy="0"/>
+        </a:xfrm>
+      </p:grpSpPr>
+      <p:sp>
+        <p:nvSpPr>
+          <p:cNvPr id="2" name="Title 1">
+            <a:extLst>
+              <a:ext uri="{FF2B5EF4-FFF2-40B4-BE49-F238E27FC236}">
+                <a16:creationId xmlns:a16="http://schemas.microsoft.com/office/drawing/2014/main" id="{857964A1-B7CB-24EE-2960-5AF614C5CB04}"/>
+              </a:ext>
+            </a:extLst>
+          </p:cNvPr>
+          <p:cNvSpPr>
+            <a:spLocks noGrp="1"/>
+          </p:cNvSpPr>
+          <p:nvPr>
+            <p:ph type="title"/>
+          </p:nvPr>
+        </p:nvSpPr>
+        <p:spPr/>
+        <p:txBody>
+          <a:bodyPr/>
+          <a:lstStyle/>
+          <a:p>
+            <a:r>
+              <a:rPr lang="en-US" dirty="0"/>
+              <a:t>Conclusion: Why Usability + HCI-for-PL?</a:t>
+            </a:r>
+          </a:p>
+        </p:txBody>
+      </p:sp>
+      <p:sp>
+        <p:nvSpPr>
+          <p:cNvPr id="3" name="Content Placeholder 2">
+            <a:extLst>
+              <a:ext uri="{FF2B5EF4-FFF2-40B4-BE49-F238E27FC236}">
+                <a16:creationId xmlns:a16="http://schemas.microsoft.com/office/drawing/2014/main" id="{5740E34E-EF40-38B1-EE41-129EE195919A}"/>
+              </a:ext>
+            </a:extLst>
+          </p:cNvPr>
+          <p:cNvSpPr>
+            <a:spLocks noGrp="1"/>
+          </p:cNvSpPr>
+          <p:nvPr>
+            <p:ph idx="1"/>
+          </p:nvPr>
+        </p:nvSpPr>
+        <p:spPr/>
+        <p:txBody>
+          <a:bodyPr/>
+          <a:lstStyle/>
+          <a:p>
+            <a:r>
+              <a:rPr lang="en-US" dirty="0"/>
+              <a:t>Rhetoric only addresses the perspective of the people arguing</a:t>
+            </a:r>
+          </a:p>
+          <a:p>
+            <a:r>
+              <a:rPr lang="en-US" dirty="0"/>
+              <a:t>As designers, we are often called on to address needs of others</a:t>
+            </a:r>
+          </a:p>
+          <a:p>
+            <a:pPr lvl="1"/>
+            <a:r>
+              <a:rPr lang="en-US" dirty="0"/>
+              <a:t>We are rigorous thinkers, must not use mere guess-work</a:t>
+            </a:r>
+          </a:p>
+          <a:p>
+            <a:pPr lvl="1"/>
+            <a:r>
+              <a:rPr lang="en-US" dirty="0"/>
+              <a:t>HCI, especially using Social Science methods, provides a rigorous framework for addressing the priorities of your programmers (users)</a:t>
+            </a:r>
+          </a:p>
+          <a:p>
+            <a:r>
+              <a:rPr lang="en-US" dirty="0"/>
+              <a:t>For first lecture: identifying the right question is half the battle</a:t>
+            </a:r>
+          </a:p>
+        </p:txBody>
+      </p:sp>
+    </p:spTree>
+    <p:extLst>
+      <p:ext uri="{BB962C8B-B14F-4D97-AF65-F5344CB8AC3E}">
+        <p14:creationId xmlns:p14="http://schemas.microsoft.com/office/powerpoint/2010/main" val="1050353515"/>
+      </p:ext>
+    </p:extLst>
+  </p:cSld>
+  <p:clrMapOvr>
+    <a:masterClrMapping/>
+  </p:clrMapOvr>
+</p:sld>
+</file>
+
+<file path=ppt/slides/slide57.xml><?xml version="1.0" encoding="utf-8"?>
+<p:sld xmlns:a="http://schemas.openxmlformats.org/drawingml/2006/main" xmlns:r="http://schemas.openxmlformats.org/officeDocument/2006/relationships" xmlns:p="http://schemas.openxmlformats.org/presentationml/2006/main">
+  <p:cSld>
+    <p:spTree>
+      <p:nvGrpSpPr>
+        <p:cNvPr id="1" name=""/>
+        <p:cNvGrpSpPr/>
+        <p:nvPr/>
+      </p:nvGrpSpPr>
+      <p:grpSpPr>
+        <a:xfrm>
+          <a:off x="0" y="0"/>
+          <a:ext cx="0" cy="0"/>
+          <a:chOff x="0" y="0"/>
+          <a:chExt cx="0" cy="0"/>
+        </a:xfrm>
+      </p:grpSpPr>
+      <p:sp>
+        <p:nvSpPr>
+          <p:cNvPr id="2" name="Title 1">
+            <a:extLst>
+              <a:ext uri="{FF2B5EF4-FFF2-40B4-BE49-F238E27FC236}">
+                <a16:creationId xmlns:a16="http://schemas.microsoft.com/office/drawing/2014/main" id="{79840214-D367-9524-B6CD-2D125AA907A2}"/>
+              </a:ext>
+            </a:extLst>
+          </p:cNvPr>
+          <p:cNvSpPr>
+            <a:spLocks noGrp="1"/>
+          </p:cNvSpPr>
+          <p:nvPr>
+            <p:ph type="title"/>
+          </p:nvPr>
+        </p:nvSpPr>
+        <p:spPr/>
+        <p:txBody>
+          <a:bodyPr>
+            <a:normAutofit/>
+          </a:bodyPr>
+          <a:lstStyle/>
+          <a:p>
+            <a:r>
+              <a:rPr lang="en-US" sz="4400" dirty="0"/>
+              <a:t>Takeaway: Six Key Usability Questions</a:t>
+            </a:r>
+          </a:p>
+        </p:txBody>
+      </p:sp>
+      <p:sp>
+        <p:nvSpPr>
+          <p:cNvPr id="6" name="TextBox 5">
+            <a:extLst>
+              <a:ext uri="{FF2B5EF4-FFF2-40B4-BE49-F238E27FC236}">
+                <a16:creationId xmlns:a16="http://schemas.microsoft.com/office/drawing/2014/main" id="{030DC38D-8B17-8C45-29B9-B2D88E48A9F8}"/>
+              </a:ext>
+            </a:extLst>
+          </p:cNvPr>
+          <p:cNvSpPr txBox="1"/>
+          <p:nvPr/>
+        </p:nvSpPr>
+        <p:spPr>
+          <a:xfrm>
+            <a:off x="1097278" y="3021569"/>
+            <a:ext cx="8328261" cy="3108543"/>
+          </a:xfrm>
+          <a:prstGeom prst="rect">
+            <a:avLst/>
+          </a:prstGeom>
+          <a:noFill/>
+        </p:spPr>
+        <p:txBody>
+          <a:bodyPr wrap="square">
+            <a:spAutoFit/>
+          </a:bodyPr>
+          <a:lstStyle/>
+          <a:p>
+            <a:pPr marL="457200" indent="-457200">
+              <a:buFont typeface="+mj-lt"/>
+              <a:buAutoNum type="arabicPeriod"/>
+            </a:pPr>
+            <a:r>
+              <a:rPr lang="en-US" sz="2800" dirty="0">
+                <a:latin typeface="+mj-lt"/>
+              </a:rPr>
+              <a:t>Who are the users of the programming language?</a:t>
+            </a:r>
+          </a:p>
+          <a:p>
+            <a:pPr marL="457200" indent="-457200">
+              <a:buFont typeface="+mj-lt"/>
+              <a:buAutoNum type="arabicPeriod"/>
+            </a:pPr>
+            <a:r>
+              <a:rPr lang="en-US" sz="2800" dirty="0">
+                <a:latin typeface="+mj-lt"/>
+              </a:rPr>
+              <a:t>What are the programmers’ goals?</a:t>
+            </a:r>
+          </a:p>
+          <a:p>
+            <a:pPr marL="457200" indent="-457200">
+              <a:buFont typeface="+mj-lt"/>
+              <a:buAutoNum type="arabicPeriod"/>
+            </a:pPr>
+            <a:r>
+              <a:rPr lang="en-US" sz="2800" dirty="0">
+                <a:latin typeface="+mj-lt"/>
+              </a:rPr>
+              <a:t>What is the context of use?</a:t>
+            </a:r>
+          </a:p>
+          <a:p>
+            <a:pPr marL="457200" indent="-457200">
+              <a:buFont typeface="+mj-lt"/>
+              <a:buAutoNum type="arabicPeriod"/>
+            </a:pPr>
+            <a:endParaRPr lang="en-US" sz="2800" dirty="0">
+              <a:latin typeface="+mj-lt"/>
+            </a:endParaRPr>
+          </a:p>
+          <a:p>
+            <a:pPr marL="457200" indent="-457200">
+              <a:buFont typeface="+mj-lt"/>
+              <a:buAutoNum type="arabicPeriod"/>
+            </a:pPr>
+            <a:r>
+              <a:rPr lang="en-US" sz="2800" dirty="0">
+                <a:latin typeface="+mj-lt"/>
+              </a:rPr>
+              <a:t>Effectiveness: Do they eventually achieve goals?</a:t>
+            </a:r>
+          </a:p>
+          <a:p>
+            <a:pPr marL="457200" indent="-457200">
+              <a:buFont typeface="+mj-lt"/>
+              <a:buAutoNum type="arabicPeriod"/>
+            </a:pPr>
+            <a:r>
+              <a:rPr lang="en-US" sz="2800" dirty="0">
+                <a:latin typeface="+mj-lt"/>
+              </a:rPr>
+              <a:t>Efficiency: How many resources used to achieve goal?</a:t>
+            </a:r>
+          </a:p>
+          <a:p>
+            <a:pPr marL="457200" indent="-457200">
+              <a:buFont typeface="+mj-lt"/>
+              <a:buAutoNum type="arabicPeriod"/>
+            </a:pPr>
+            <a:r>
+              <a:rPr lang="en-US" sz="2800" dirty="0">
+                <a:latin typeface="+mj-lt"/>
+              </a:rPr>
+              <a:t>Satisfaction: How do they like it, subjectively?</a:t>
+            </a:r>
+          </a:p>
+        </p:txBody>
+      </p:sp>
+      <p:sp>
+        <p:nvSpPr>
+          <p:cNvPr id="8" name="TextBox 7">
+            <a:extLst>
+              <a:ext uri="{FF2B5EF4-FFF2-40B4-BE49-F238E27FC236}">
+                <a16:creationId xmlns:a16="http://schemas.microsoft.com/office/drawing/2014/main" id="{B4B57708-0D51-111A-F3C3-B99A110923F6}"/>
+              </a:ext>
+            </a:extLst>
+          </p:cNvPr>
+          <p:cNvSpPr txBox="1"/>
+          <p:nvPr/>
+        </p:nvSpPr>
+        <p:spPr>
+          <a:xfrm>
+            <a:off x="1097279" y="1992429"/>
+            <a:ext cx="9997442" cy="461665"/>
+          </a:xfrm>
+          <a:prstGeom prst="rect">
+            <a:avLst/>
+          </a:prstGeom>
+          <a:noFill/>
+        </p:spPr>
+        <p:txBody>
+          <a:bodyPr wrap="square" rtlCol="0">
+            <a:spAutoFit/>
+          </a:bodyPr>
+          <a:lstStyle/>
+          <a:p>
+            <a:r>
+              <a:rPr lang="en-US" sz="2400" b="1" dirty="0"/>
+              <a:t>Design Exercise:</a:t>
+            </a:r>
+            <a:r>
+              <a:rPr lang="en-US" sz="2400" dirty="0"/>
+              <a:t> When designing a PL, answer these six questions</a:t>
+            </a:r>
+            <a:endParaRPr lang="en-US" sz="2400" b="1" dirty="0"/>
+          </a:p>
+        </p:txBody>
+      </p:sp>
+      <p:sp>
+        <p:nvSpPr>
+          <p:cNvPr id="10" name="TextBox 9">
+            <a:extLst>
+              <a:ext uri="{FF2B5EF4-FFF2-40B4-BE49-F238E27FC236}">
+                <a16:creationId xmlns:a16="http://schemas.microsoft.com/office/drawing/2014/main" id="{21DC8035-E53D-152E-98F3-7BC6E6736606}"/>
+              </a:ext>
+            </a:extLst>
+          </p:cNvPr>
+          <p:cNvSpPr txBox="1"/>
+          <p:nvPr/>
+        </p:nvSpPr>
+        <p:spPr>
+          <a:xfrm>
+            <a:off x="1127759" y="2677805"/>
+            <a:ext cx="1815165" cy="461665"/>
+          </a:xfrm>
+          <a:prstGeom prst="rect">
+            <a:avLst/>
+          </a:prstGeom>
+          <a:noFill/>
+        </p:spPr>
+        <p:txBody>
+          <a:bodyPr wrap="square" rtlCol="0">
+            <a:spAutoFit/>
+          </a:bodyPr>
+          <a:lstStyle/>
+          <a:p>
+            <a:r>
+              <a:rPr lang="en-US" sz="2400" b="1" dirty="0"/>
+              <a:t>Specification</a:t>
+            </a:r>
+          </a:p>
+        </p:txBody>
+      </p:sp>
+      <p:sp>
+        <p:nvSpPr>
+          <p:cNvPr id="12" name="TextBox 11">
+            <a:extLst>
+              <a:ext uri="{FF2B5EF4-FFF2-40B4-BE49-F238E27FC236}">
+                <a16:creationId xmlns:a16="http://schemas.microsoft.com/office/drawing/2014/main" id="{6866453F-980B-823A-BEF2-24BB46A385C2}"/>
+              </a:ext>
+            </a:extLst>
+          </p:cNvPr>
+          <p:cNvSpPr txBox="1"/>
+          <p:nvPr/>
+        </p:nvSpPr>
+        <p:spPr>
+          <a:xfrm>
+            <a:off x="1130166" y="4345007"/>
+            <a:ext cx="1815165" cy="461665"/>
+          </a:xfrm>
+          <a:prstGeom prst="rect">
+            <a:avLst/>
+          </a:prstGeom>
+          <a:noFill/>
+        </p:spPr>
+        <p:txBody>
+          <a:bodyPr wrap="square" rtlCol="0">
+            <a:spAutoFit/>
+          </a:bodyPr>
+          <a:lstStyle/>
+          <a:p>
+            <a:r>
+              <a:rPr lang="en-US" sz="2400" b="1" dirty="0"/>
+              <a:t>Assessment</a:t>
+            </a:r>
+          </a:p>
+        </p:txBody>
+      </p:sp>
+    </p:spTree>
+    <p:extLst>
+      <p:ext uri="{BB962C8B-B14F-4D97-AF65-F5344CB8AC3E}">
+        <p14:creationId xmlns:p14="http://schemas.microsoft.com/office/powerpoint/2010/main" val="3121287891"/>
       </p:ext>
     </p:extLst>
   </p:cSld>

--- a/LectureSlides/08Design1.pptx
+++ b/LectureSlides/08Design1.pptx
@@ -9218,7 +9218,7 @@
               <a:rPr lang="en-US" dirty="0">
                 <a:latin typeface="+mj-lt"/>
               </a:rPr>
-              <a:t>Personas are use in role-play exercises to help designers get into character as their users and design from empathy</a:t>
+              <a:t>Personas are used in role-play exercises to help designers get into character as their users and design from empathy</a:t>
             </a:r>
           </a:p>
           <a:p>
@@ -9700,7 +9700,7 @@
           <a:p>
             <a:r>
               <a:rPr lang="en-US" dirty="0"/>
-              <a:t>A substantial body of modern HCI research address this problem</a:t>
+              <a:t>A substantial body of modern HCI research addresses this problem</a:t>
             </a:r>
           </a:p>
           <a:p>

--- a/LectureSlides/08Design1.pptx
+++ b/LectureSlides/08Design1.pptx
@@ -256,7 +256,7 @@
           <a:p>
             <a:fld id="{798376BB-0133-4A1F-AB50-8F7418DC3C7A}" type="datetimeFigureOut">
               <a:rPr lang="en-US" smtClean="0"/>
-              <a:t>9/19/2023</a:t>
+              <a:t>10/22/2023</a:t>
             </a:fld>
             <a:endParaRPr lang="en-US"/>
           </a:p>
@@ -921,7 +921,7 @@
           <a:p>
             <a:fld id="{3B4A0DFC-F603-49B3-92DC-4314F9B70182}" type="datetime1">
               <a:rPr lang="en-US" smtClean="0"/>
-              <a:t>9/19/2023</a:t>
+              <a:t>10/22/2023</a:t>
             </a:fld>
             <a:endParaRPr lang="en-US"/>
           </a:p>
@@ -1129,7 +1129,7 @@
           <a:p>
             <a:fld id="{44E07FCE-B1C6-4B40-8646-92A79898B5AD}" type="datetime1">
               <a:rPr lang="en-US" smtClean="0"/>
-              <a:t>9/19/2023</a:t>
+              <a:t>10/22/2023</a:t>
             </a:fld>
             <a:endParaRPr lang="en-US"/>
           </a:p>
@@ -1385,7 +1385,7 @@
           <a:p>
             <a:fld id="{DF7BA5AD-B0F8-4503-ABE5-3131372F5E41}" type="datetime1">
               <a:rPr lang="en-US" smtClean="0"/>
-              <a:t>9/19/2023</a:t>
+              <a:t>10/22/2023</a:t>
             </a:fld>
             <a:endParaRPr lang="en-US"/>
           </a:p>
@@ -1570,7 +1570,7 @@
           <a:p>
             <a:fld id="{311EB06D-26A6-4C43-8277-99F31CD5B1B5}" type="datetime1">
               <a:rPr lang="en-US" smtClean="0"/>
-              <a:t>9/19/2023</a:t>
+              <a:t>10/22/2023</a:t>
             </a:fld>
             <a:endParaRPr lang="en-US"/>
           </a:p>
@@ -1913,7 +1913,7 @@
           <a:p>
             <a:fld id="{7251C776-B46C-4540-9846-946AC493C078}" type="datetime1">
               <a:rPr lang="en-US" smtClean="0"/>
-              <a:t>9/19/2023</a:t>
+              <a:t>10/22/2023</a:t>
             </a:fld>
             <a:endParaRPr lang="en-US"/>
           </a:p>
@@ -2218,7 +2218,7 @@
           <a:p>
             <a:fld id="{BB782773-779E-4E5F-BE65-5C82215AC1C2}" type="datetime1">
               <a:rPr lang="en-US" smtClean="0"/>
-              <a:t>9/19/2023</a:t>
+              <a:t>10/22/2023</a:t>
             </a:fld>
             <a:endParaRPr lang="en-US"/>
           </a:p>
@@ -2627,7 +2627,7 @@
           <a:p>
             <a:fld id="{8BBF6F25-7BA3-486F-9F1E-3E151C128E18}" type="datetime1">
               <a:rPr lang="en-US" smtClean="0"/>
-              <a:t>9/19/2023</a:t>
+              <a:t>10/22/2023</a:t>
             </a:fld>
             <a:endParaRPr lang="en-US"/>
           </a:p>
@@ -2745,7 +2745,7 @@
           <a:p>
             <a:fld id="{2EDED3F0-DC71-40A6-8BD5-999A523EF1D6}" type="datetime1">
               <a:rPr lang="en-US" smtClean="0"/>
-              <a:t>9/19/2023</a:t>
+              <a:t>10/22/2023</a:t>
             </a:fld>
             <a:endParaRPr lang="en-US"/>
           </a:p>
@@ -2916,7 +2916,7 @@
           <a:p>
             <a:fld id="{ABBC6905-E1EF-4604-BE16-17126F6AF6F5}" type="datetime1">
               <a:rPr lang="en-US" smtClean="0"/>
-              <a:t>9/19/2023</a:t>
+              <a:t>10/22/2023</a:t>
             </a:fld>
             <a:endParaRPr lang="en-US"/>
           </a:p>
@@ -3285,7 +3285,7 @@
           <a:p>
             <a:fld id="{B42FE70B-855B-456C-8055-272A72415E6A}" type="datetime1">
               <a:rPr lang="en-US" smtClean="0"/>
-              <a:t>9/19/2023</a:t>
+              <a:t>10/22/2023</a:t>
             </a:fld>
             <a:endParaRPr lang="en-US"/>
           </a:p>
@@ -3662,7 +3662,7 @@
           <a:p>
             <a:fld id="{6C99EF0D-AE8A-467F-B3AA-2668B4F8126E}" type="datetime1">
               <a:rPr lang="en-US" smtClean="0"/>
-              <a:t>9/19/2023</a:t>
+              <a:t>10/22/2023</a:t>
             </a:fld>
             <a:endParaRPr lang="en-US"/>
           </a:p>
@@ -3949,7 +3949,7 @@
           <a:p>
             <a:fld id="{4CC437C6-6CA9-4A4C-9CAF-87DD1B8E03E5}" type="datetime1">
               <a:rPr lang="en-US" smtClean="0"/>
-              <a:t>9/19/2023</a:t>
+              <a:t>10/22/2023</a:t>
             </a:fld>
             <a:endParaRPr lang="en-US"/>
           </a:p>
@@ -10361,40 +10361,6 @@
       </p:sp>
       <p:sp>
         <p:nvSpPr>
-          <p:cNvPr id="3" name="Content Placeholder 2">
-            <a:extLst>
-              <a:ext uri="{FF2B5EF4-FFF2-40B4-BE49-F238E27FC236}">
-                <a16:creationId xmlns:a16="http://schemas.microsoft.com/office/drawing/2014/main" id="{7DE8641A-258F-FC9A-E6F1-77108D3AA869}"/>
-              </a:ext>
-            </a:extLst>
-          </p:cNvPr>
-          <p:cNvSpPr>
-            <a:spLocks noGrp="1"/>
-          </p:cNvSpPr>
-          <p:nvPr>
-            <p:ph idx="1"/>
-          </p:nvPr>
-        </p:nvSpPr>
-        <p:spPr>
-          <a:xfrm>
-            <a:off x="1097280" y="5712594"/>
-            <a:ext cx="10058400" cy="4023360"/>
-          </a:xfrm>
-        </p:spPr>
-        <p:txBody>
-          <a:bodyPr/>
-          <a:lstStyle/>
-          <a:p>
-            <a:r>
-              <a:rPr lang="en-US" dirty="0" err="1"/>
-              <a:t>aoeuaoeu</a:t>
-            </a:r>
-            <a:endParaRPr lang="en-US" dirty="0"/>
-          </a:p>
-        </p:txBody>
-      </p:sp>
-      <p:sp>
-        <p:nvSpPr>
           <p:cNvPr id="5" name="TextBox 4">
             <a:extLst>
               <a:ext uri="{FF2B5EF4-FFF2-40B4-BE49-F238E27FC236}">
@@ -10628,6 +10594,31 @@
               <a:rPr lang="en-US" smtClean="0"/>
               <a:t>30</a:t>
             </a:fld>
+            <a:endParaRPr lang="en-US"/>
+          </a:p>
+        </p:txBody>
+      </p:sp>
+      <p:sp>
+        <p:nvSpPr>
+          <p:cNvPr id="8" name="Content Placeholder 7">
+            <a:extLst>
+              <a:ext uri="{FF2B5EF4-FFF2-40B4-BE49-F238E27FC236}">
+                <a16:creationId xmlns:a16="http://schemas.microsoft.com/office/drawing/2014/main" id="{5A4BC02E-70FC-5B1A-1C1A-2E2F5A54770F}"/>
+              </a:ext>
+            </a:extLst>
+          </p:cNvPr>
+          <p:cNvSpPr>
+            <a:spLocks noGrp="1"/>
+          </p:cNvSpPr>
+          <p:nvPr>
+            <p:ph idx="1"/>
+          </p:nvPr>
+        </p:nvSpPr>
+        <p:spPr/>
+        <p:txBody>
+          <a:bodyPr/>
+          <a:lstStyle/>
+          <a:p>
             <a:endParaRPr lang="en-US"/>
           </a:p>
         </p:txBody>

--- a/LectureSlides/08Design1.pptx
+++ b/LectureSlides/08Design1.pptx
@@ -5,7 +5,7 @@
     <p:sldMasterId id="2147483696" r:id="rId1"/>
   </p:sldMasterIdLst>
   <p:notesMasterIdLst>
-    <p:notesMasterId r:id="rId62"/>
+    <p:notesMasterId r:id="rId61"/>
   </p:notesMasterIdLst>
   <p:sldIdLst>
     <p:sldId id="256" r:id="rId2"/>
@@ -41,33 +41,32 @@
     <p:sldId id="285" r:id="rId32"/>
     <p:sldId id="287" r:id="rId33"/>
     <p:sldId id="284" r:id="rId34"/>
-    <p:sldId id="288" r:id="rId35"/>
-    <p:sldId id="289" r:id="rId36"/>
-    <p:sldId id="290" r:id="rId37"/>
-    <p:sldId id="291" r:id="rId38"/>
-    <p:sldId id="292" r:id="rId39"/>
-    <p:sldId id="296" r:id="rId40"/>
-    <p:sldId id="293" r:id="rId41"/>
-    <p:sldId id="294" r:id="rId42"/>
-    <p:sldId id="297" r:id="rId43"/>
-    <p:sldId id="298" r:id="rId44"/>
-    <p:sldId id="299" r:id="rId45"/>
-    <p:sldId id="300" r:id="rId46"/>
-    <p:sldId id="295" r:id="rId47"/>
-    <p:sldId id="260" r:id="rId48"/>
-    <p:sldId id="301" r:id="rId49"/>
-    <p:sldId id="302" r:id="rId50"/>
-    <p:sldId id="305" r:id="rId51"/>
-    <p:sldId id="303" r:id="rId52"/>
-    <p:sldId id="304" r:id="rId53"/>
-    <p:sldId id="306" r:id="rId54"/>
-    <p:sldId id="307" r:id="rId55"/>
-    <p:sldId id="308" r:id="rId56"/>
-    <p:sldId id="309" r:id="rId57"/>
-    <p:sldId id="310" r:id="rId58"/>
-    <p:sldId id="261" r:id="rId59"/>
-    <p:sldId id="311" r:id="rId60"/>
-    <p:sldId id="313" r:id="rId61"/>
+    <p:sldId id="289" r:id="rId35"/>
+    <p:sldId id="317" r:id="rId36"/>
+    <p:sldId id="291" r:id="rId37"/>
+    <p:sldId id="292" r:id="rId38"/>
+    <p:sldId id="296" r:id="rId39"/>
+    <p:sldId id="293" r:id="rId40"/>
+    <p:sldId id="294" r:id="rId41"/>
+    <p:sldId id="297" r:id="rId42"/>
+    <p:sldId id="298" r:id="rId43"/>
+    <p:sldId id="299" r:id="rId44"/>
+    <p:sldId id="300" r:id="rId45"/>
+    <p:sldId id="295" r:id="rId46"/>
+    <p:sldId id="260" r:id="rId47"/>
+    <p:sldId id="301" r:id="rId48"/>
+    <p:sldId id="302" r:id="rId49"/>
+    <p:sldId id="305" r:id="rId50"/>
+    <p:sldId id="303" r:id="rId51"/>
+    <p:sldId id="304" r:id="rId52"/>
+    <p:sldId id="306" r:id="rId53"/>
+    <p:sldId id="307" r:id="rId54"/>
+    <p:sldId id="308" r:id="rId55"/>
+    <p:sldId id="309" r:id="rId56"/>
+    <p:sldId id="310" r:id="rId57"/>
+    <p:sldId id="261" r:id="rId58"/>
+    <p:sldId id="311" r:id="rId59"/>
+    <p:sldId id="313" r:id="rId60"/>
   </p:sldIdLst>
   <p:sldSz cx="12192000" cy="6858000"/>
   <p:notesSz cx="6858000" cy="9144000"/>
@@ -256,7 +255,7 @@
           <a:p>
             <a:fld id="{798376BB-0133-4A1F-AB50-8F7418DC3C7A}" type="datetimeFigureOut">
               <a:rPr lang="en-US" smtClean="0"/>
-              <a:t>10/22/2023</a:t>
+              <a:t>10/23/2023</a:t>
             </a:fld>
             <a:endParaRPr lang="en-US"/>
           </a:p>
@@ -678,7 +677,7 @@
           <a:p>
             <a:fld id="{81F5D66A-26E3-4D05-9130-BB2155DE290D}" type="slidenum">
               <a:rPr lang="en-US" smtClean="0"/>
-              <a:t>50</a:t>
+              <a:t>49</a:t>
             </a:fld>
             <a:endParaRPr lang="en-US"/>
           </a:p>
@@ -921,7 +920,7 @@
           <a:p>
             <a:fld id="{3B4A0DFC-F603-49B3-92DC-4314F9B70182}" type="datetime1">
               <a:rPr lang="en-US" smtClean="0"/>
-              <a:t>10/22/2023</a:t>
+              <a:t>10/23/2023</a:t>
             </a:fld>
             <a:endParaRPr lang="en-US"/>
           </a:p>
@@ -1129,7 +1128,7 @@
           <a:p>
             <a:fld id="{44E07FCE-B1C6-4B40-8646-92A79898B5AD}" type="datetime1">
               <a:rPr lang="en-US" smtClean="0"/>
-              <a:t>10/22/2023</a:t>
+              <a:t>10/23/2023</a:t>
             </a:fld>
             <a:endParaRPr lang="en-US"/>
           </a:p>
@@ -1385,7 +1384,7 @@
           <a:p>
             <a:fld id="{DF7BA5AD-B0F8-4503-ABE5-3131372F5E41}" type="datetime1">
               <a:rPr lang="en-US" smtClean="0"/>
-              <a:t>10/22/2023</a:t>
+              <a:t>10/23/2023</a:t>
             </a:fld>
             <a:endParaRPr lang="en-US"/>
           </a:p>
@@ -1570,7 +1569,7 @@
           <a:p>
             <a:fld id="{311EB06D-26A6-4C43-8277-99F31CD5B1B5}" type="datetime1">
               <a:rPr lang="en-US" smtClean="0"/>
-              <a:t>10/22/2023</a:t>
+              <a:t>10/23/2023</a:t>
             </a:fld>
             <a:endParaRPr lang="en-US"/>
           </a:p>
@@ -1913,7 +1912,7 @@
           <a:p>
             <a:fld id="{7251C776-B46C-4540-9846-946AC493C078}" type="datetime1">
               <a:rPr lang="en-US" smtClean="0"/>
-              <a:t>10/22/2023</a:t>
+              <a:t>10/23/2023</a:t>
             </a:fld>
             <a:endParaRPr lang="en-US"/>
           </a:p>
@@ -2218,7 +2217,7 @@
           <a:p>
             <a:fld id="{BB782773-779E-4E5F-BE65-5C82215AC1C2}" type="datetime1">
               <a:rPr lang="en-US" smtClean="0"/>
-              <a:t>10/22/2023</a:t>
+              <a:t>10/23/2023</a:t>
             </a:fld>
             <a:endParaRPr lang="en-US"/>
           </a:p>
@@ -2627,7 +2626,7 @@
           <a:p>
             <a:fld id="{8BBF6F25-7BA3-486F-9F1E-3E151C128E18}" type="datetime1">
               <a:rPr lang="en-US" smtClean="0"/>
-              <a:t>10/22/2023</a:t>
+              <a:t>10/23/2023</a:t>
             </a:fld>
             <a:endParaRPr lang="en-US"/>
           </a:p>
@@ -2745,7 +2744,7 @@
           <a:p>
             <a:fld id="{2EDED3F0-DC71-40A6-8BD5-999A523EF1D6}" type="datetime1">
               <a:rPr lang="en-US" smtClean="0"/>
-              <a:t>10/22/2023</a:t>
+              <a:t>10/23/2023</a:t>
             </a:fld>
             <a:endParaRPr lang="en-US"/>
           </a:p>
@@ -2916,7 +2915,7 @@
           <a:p>
             <a:fld id="{ABBC6905-E1EF-4604-BE16-17126F6AF6F5}" type="datetime1">
               <a:rPr lang="en-US" smtClean="0"/>
-              <a:t>10/22/2023</a:t>
+              <a:t>10/23/2023</a:t>
             </a:fld>
             <a:endParaRPr lang="en-US"/>
           </a:p>
@@ -3285,7 +3284,7 @@
           <a:p>
             <a:fld id="{B42FE70B-855B-456C-8055-272A72415E6A}" type="datetime1">
               <a:rPr lang="en-US" smtClean="0"/>
-              <a:t>10/22/2023</a:t>
+              <a:t>10/23/2023</a:t>
             </a:fld>
             <a:endParaRPr lang="en-US"/>
           </a:p>
@@ -3662,7 +3661,7 @@
           <a:p>
             <a:fld id="{6C99EF0D-AE8A-467F-B3AA-2668B4F8126E}" type="datetime1">
               <a:rPr lang="en-US" smtClean="0"/>
-              <a:t>10/22/2023</a:t>
+              <a:t>10/23/2023</a:t>
             </a:fld>
             <a:endParaRPr lang="en-US"/>
           </a:p>
@@ -3949,7 +3948,7 @@
           <a:p>
             <a:fld id="{4CC437C6-6CA9-4A4C-9CAF-87DD1B8E03E5}" type="datetime1">
               <a:rPr lang="en-US" smtClean="0"/>
-              <a:t>10/22/2023</a:t>
+              <a:t>10/23/2023</a:t>
             </a:fld>
             <a:endParaRPr lang="en-US"/>
           </a:p>
@@ -11425,7 +11424,7 @@
           <a:p>
             <a:r>
               <a:rPr lang="en-US" dirty="0"/>
-              <a:t>Example Personas: Charlie + Robin</a:t>
+              <a:t>Example Personas: Ax + Carlos</a:t>
             </a:r>
           </a:p>
         </p:txBody>
@@ -11446,27 +11445,70 @@
             <p:ph idx="1"/>
           </p:nvPr>
         </p:nvSpPr>
-        <p:spPr/>
+        <p:spPr>
+          <a:xfrm>
+            <a:off x="122663" y="1845733"/>
+            <a:ext cx="12069337" cy="4477007"/>
+          </a:xfrm>
+        </p:spPr>
         <p:txBody>
           <a:bodyPr>
-            <a:normAutofit fontScale="92500"/>
+            <a:normAutofit fontScale="77500" lnSpcReduction="20000"/>
           </a:bodyPr>
           <a:lstStyle/>
           <a:p>
-            <a:r>
-              <a:rPr lang="en-US" b="1" dirty="0"/>
-              <a:t>Charlie</a:t>
-            </a:r>
-            <a:r>
-              <a:rPr lang="en-US" dirty="0"/>
-              <a:t> is in her late 20s to mid 30s. She has a Bachelor’s degree but not necessarily in IT. She’s a self-taught developer. Her coding is unconventional and she mixes genius lines with simple errors. She seeks to reinvent her software development career but the how is still unclear.</a:t>
-            </a:r>
-          </a:p>
-          <a:p>
-            <a:r>
-              <a:rPr lang="en-US" dirty="0"/>
-              <a:t>Charlie has a family, which makes financial stability and work-life balance essential. She’s new to the industry and thus looks for a company that offers a supportive, people-oriented environment, where she can learn and improve her skills.</a:t>
-            </a:r>
+            <a:pPr algn="l"/>
+            <a:r>
+              <a:rPr lang="en-US" b="1" dirty="0" err="1"/>
+              <a:t>C</a:t>
+            </a:r>
+            <a:r>
+              <a:rPr lang="en-US" b="0" i="0" dirty="0" err="1">
+                <a:solidFill>
+                  <a:srgbClr val="000000"/>
+                </a:solidFill>
+                <a:effectLst/>
+                <a:latin typeface="Noto Serif" panose="02020600060500020200" pitchFamily="18" charset="0"/>
+              </a:rPr>
+              <a:t>Ax</a:t>
+            </a:r>
+            <a:r>
+              <a:rPr lang="en-US" b="0" i="0" dirty="0">
+                <a:solidFill>
+                  <a:srgbClr val="000000"/>
+                </a:solidFill>
+                <a:effectLst/>
+                <a:latin typeface="Noto Serif" panose="02020600060500020200" pitchFamily="18" charset="0"/>
+              </a:rPr>
+              <a:t> is highly educated with a PhD in experimental physics. At age 35, they lead a small team of physicists and primarily write software  to interpret experimental data. In this role, they often mentor physicists-in-training on how to write similar code. </a:t>
+            </a:r>
+          </a:p>
+          <a:p>
+            <a:pPr algn="l"/>
+            <a:r>
+              <a:rPr lang="en-US" b="0" i="0" dirty="0">
+                <a:solidFill>
+                  <a:srgbClr val="000000"/>
+                </a:solidFill>
+                <a:effectLst/>
+                <a:latin typeface="Noto Serif" panose="02020600060500020200" pitchFamily="18" charset="0"/>
+              </a:rPr>
+              <a:t>Ax’s approach to programming is likewise experimental. On the one hand, they are always willing to try something out, but care about being able to reproduce it and like to take detailed notes. Ax cares about being able to understand the code well enough to teach it to a mentee, but maintainability doesn’t matter to them at all. In experimental work, code might not last longer than the next research publication deadline.</a:t>
+            </a:r>
+          </a:p>
+          <a:p>
+            <a:pPr algn="l"/>
+            <a:r>
+              <a:rPr lang="en-US" b="0" i="0" dirty="0">
+                <a:solidFill>
+                  <a:srgbClr val="000000"/>
+                </a:solidFill>
+                <a:effectLst/>
+                <a:latin typeface="Noto Serif" panose="02020600060500020200" pitchFamily="18" charset="0"/>
+              </a:rPr>
+              <a:t>Working as a physicist means there’s no real pressure to pick any one specific programming language - there’s a lot of freedom. Ax’s biggest constraint is that they have two kids at home so making good use of time is essential - it would not be acceptable to spend all night debugging a simple error.</a:t>
+            </a:r>
+            <a:endParaRPr lang="en-US" dirty="0"/>
           </a:p>
           <a:p>
             <a:r>
@@ -11475,7 +11517,7 @@
             </a:r>
             <a:r>
               <a:rPr lang="en-US" dirty="0"/>
-              <a:t>What aspects of Charlie, as a person, are discussed in this persona but not the Microsoft personas?</a:t>
+              <a:t>What aspects of Ax, as a person, are discussed in this persona but not the Microsoft personas?</a:t>
             </a:r>
             <a:endParaRPr lang="en-US" b="1" dirty="0"/>
           </a:p>
@@ -11563,7 +11605,7 @@
           <a:p>
             <a:r>
               <a:rPr lang="en-US" dirty="0"/>
-              <a:t>Example Personas: Charlie + Robin</a:t>
+              <a:t>Example Personas: Ax + Carlos</a:t>
             </a:r>
           </a:p>
         </p:txBody>
@@ -11584,17 +11626,19 @@
             <p:ph idx="1"/>
           </p:nvPr>
         </p:nvSpPr>
-        <p:spPr/>
+        <p:spPr>
+          <a:xfrm>
+            <a:off x="826168" y="5478922"/>
+            <a:ext cx="10539663" cy="1110976"/>
+          </a:xfrm>
+        </p:spPr>
         <p:txBody>
           <a:bodyPr>
-            <a:normAutofit fontScale="92500"/>
+            <a:normAutofit fontScale="85000" lnSpcReduction="20000"/>
           </a:bodyPr>
           <a:lstStyle/>
           <a:p>
-            <a:r>
-              <a:rPr lang="en-US" dirty="0"/>
-              <a:t>Robin is in his mid 20s and has completed his formal education, such as a Bachelor’s degree in computer science. He is probably on his second or third job but has reached the ceiling in his current job, as in, he has learnt a lot and gained experience but would be keen on taking the next step to further his career. Even though he probably hasn’t taken any steps to find a new job (applied), he is on the lookout for something challenging as well as purposeful. In his current role, he can be found working in a specialized programming area (front-end/back-end/mobile). </a:t>
-            </a:r>
+            <a:endParaRPr lang="en-US" dirty="0"/>
           </a:p>
           <a:p>
             <a:r>
@@ -11603,7 +11647,75 @@
             </a:r>
             <a:r>
               <a:rPr lang="en-US" dirty="0"/>
-              <a:t>What aspects of Robin, as a person, are discussed in this persona but not the Microsoft personas?</a:t>
+              <a:t>What aspects of Carlos, as a person, are discussed in this persona but not the Microsoft personas?</a:t>
+            </a:r>
+          </a:p>
+        </p:txBody>
+      </p:sp>
+      <p:sp>
+        <p:nvSpPr>
+          <p:cNvPr id="5" name="TextBox 4">
+            <a:extLst>
+              <a:ext uri="{FF2B5EF4-FFF2-40B4-BE49-F238E27FC236}">
+                <a16:creationId xmlns:a16="http://schemas.microsoft.com/office/drawing/2014/main" id="{58374D2B-D9D2-A895-C603-AAA21485EDFA}"/>
+              </a:ext>
+            </a:extLst>
+          </p:cNvPr>
+          <p:cNvSpPr txBox="1"/>
+          <p:nvPr/>
+        </p:nvSpPr>
+        <p:spPr>
+          <a:xfrm>
+            <a:off x="1" y="1839171"/>
+            <a:ext cx="12110224" cy="4093428"/>
+          </a:xfrm>
+          <a:prstGeom prst="rect">
+            <a:avLst/>
+          </a:prstGeom>
+          <a:noFill/>
+        </p:spPr>
+        <p:txBody>
+          <a:bodyPr wrap="square">
+            <a:spAutoFit/>
+          </a:bodyPr>
+          <a:lstStyle/>
+          <a:p>
+            <a:pPr algn="l"/>
+            <a:r>
+              <a:rPr lang="en-US" sz="2000" b="0" i="0" dirty="0">
+                <a:solidFill>
+                  <a:srgbClr val="000000"/>
+                </a:solidFill>
+                <a:effectLst/>
+                <a:latin typeface="Noto Serif" panose="02020600060500020200" pitchFamily="18" charset="0"/>
+              </a:rPr>
+              <a:t>Carlos, age 21, is in the last year of his bachelor’s degree, majoring in Computer Science with a minor in Music. Carlos is a creative at heart: if he could play piano for a living, he would, but he has decided to let his code be his art instead.</a:t>
+            </a:r>
+          </a:p>
+          <a:p>
+            <a:pPr algn="l"/>
+            <a:r>
+              <a:rPr lang="en-US" sz="2000" b="0" i="0" dirty="0">
+                <a:solidFill>
+                  <a:srgbClr val="000000"/>
+                </a:solidFill>
+                <a:effectLst/>
+                <a:latin typeface="Noto Serif" panose="02020600060500020200" pitchFamily="18" charset="0"/>
+              </a:rPr>
+              <a:t>Carlos treats programming like he treats the piano: perfection is essential, and it comes from constant practice. He wants to leave no stone unturned and understand every detail. To him, a good program means each function works together in harmony like the instruments of an orchestra.</a:t>
+            </a:r>
+          </a:p>
+          <a:p>
+            <a:pPr algn="l"/>
+            <a:r>
+              <a:rPr lang="en-US" sz="2000" b="0" i="0" dirty="0">
+                <a:solidFill>
+                  <a:srgbClr val="000000"/>
+                </a:solidFill>
+                <a:effectLst/>
+                <a:latin typeface="Noto Serif" panose="02020600060500020200" pitchFamily="18" charset="0"/>
+              </a:rPr>
+              <a:t>Carlos has no hard constraints on his language choice, only soft constraints. He refused his parents’ offer to help pay for a new laptop, so he needs something that runs well on old hardware. Moreover, he’s still learning what applications he wants to work on, so he prefers a generalist language. For example, his friends invited him to write some automated trading bots as part of a financial technology competition and he enjoyed it, but he also loved his classes on computer graphics and game development.</a:t>
             </a:r>
           </a:p>
         </p:txBody>
@@ -11613,7 +11725,7 @@
           <p:cNvPr id="4" name="Slide Number Placeholder 3">
             <a:extLst>
               <a:ext uri="{FF2B5EF4-FFF2-40B4-BE49-F238E27FC236}">
-                <a16:creationId xmlns:a16="http://schemas.microsoft.com/office/drawing/2014/main" id="{27ADE718-42D6-DFA4-9A2F-60D8E3D54187}"/>
+                <a16:creationId xmlns:a16="http://schemas.microsoft.com/office/drawing/2014/main" id="{044173B8-8CE6-88F0-E92A-B81797092EE8}"/>
               </a:ext>
             </a:extLst>
           </p:cNvPr>
@@ -11640,7 +11752,7 @@
     </p:spTree>
     <p:extLst>
       <p:ext uri="{BB962C8B-B14F-4D97-AF65-F5344CB8AC3E}">
-        <p14:creationId xmlns:p14="http://schemas.microsoft.com/office/powerpoint/2010/main" val="1734212132"/>
+        <p14:creationId xmlns:p14="http://schemas.microsoft.com/office/powerpoint/2010/main" val="1418804979"/>
       </p:ext>
     </p:extLst>
   </p:cSld>
@@ -11690,69 +11802,27 @@
           <a:p>
             <a:r>
               <a:rPr lang="en-US" dirty="0"/>
-              <a:t>Example Personas: Charlie + Robin</a:t>
-            </a:r>
-          </a:p>
-        </p:txBody>
-      </p:sp>
-      <p:sp>
-        <p:nvSpPr>
-          <p:cNvPr id="3" name="Content Placeholder 2">
-            <a:extLst>
-              <a:ext uri="{FF2B5EF4-FFF2-40B4-BE49-F238E27FC236}">
-                <a16:creationId xmlns:a16="http://schemas.microsoft.com/office/drawing/2014/main" id="{6EADEFBF-E035-0D47-E6F0-40E165DA1363}"/>
-              </a:ext>
-            </a:extLst>
-          </p:cNvPr>
-          <p:cNvSpPr>
-            <a:spLocks noGrp="1"/>
-          </p:cNvSpPr>
-          <p:nvPr>
-            <p:ph idx="1"/>
-          </p:nvPr>
+              <a:t>Example Personas: Ax + Carlos</a:t>
+            </a:r>
+          </a:p>
+        </p:txBody>
+      </p:sp>
+      <p:sp>
+        <p:nvSpPr>
+          <p:cNvPr id="5" name="TextBox 4">
+            <a:extLst>
+              <a:ext uri="{FF2B5EF4-FFF2-40B4-BE49-F238E27FC236}">
+                <a16:creationId xmlns:a16="http://schemas.microsoft.com/office/drawing/2014/main" id="{58374D2B-D9D2-A895-C603-AAA21485EDFA}"/>
+              </a:ext>
+            </a:extLst>
+          </p:cNvPr>
+          <p:cNvSpPr txBox="1"/>
+          <p:nvPr/>
         </p:nvSpPr>
         <p:spPr>
           <a:xfrm>
-            <a:off x="1097279" y="5001066"/>
-            <a:ext cx="10539663" cy="1110976"/>
-          </a:xfrm>
-        </p:spPr>
-        <p:txBody>
-          <a:bodyPr>
-            <a:normAutofit fontScale="85000" lnSpcReduction="20000"/>
-          </a:bodyPr>
-          <a:lstStyle/>
-          <a:p>
-            <a:endParaRPr lang="en-US" dirty="0"/>
-          </a:p>
-          <a:p>
-            <a:r>
-              <a:rPr lang="en-US" b="1" dirty="0"/>
-              <a:t>Question: </a:t>
-            </a:r>
-            <a:r>
-              <a:rPr lang="en-US" dirty="0"/>
-              <a:t>What aspects of Robin, as a person, are discussed in this persona but not the Microsoft personas?</a:t>
-            </a:r>
-          </a:p>
-        </p:txBody>
-      </p:sp>
-      <p:sp>
-        <p:nvSpPr>
-          <p:cNvPr id="5" name="TextBox 4">
-            <a:extLst>
-              <a:ext uri="{FF2B5EF4-FFF2-40B4-BE49-F238E27FC236}">
-                <a16:creationId xmlns:a16="http://schemas.microsoft.com/office/drawing/2014/main" id="{58374D2B-D9D2-A895-C603-AAA21485EDFA}"/>
-              </a:ext>
-            </a:extLst>
-          </p:cNvPr>
-          <p:cNvSpPr txBox="1"/>
-          <p:nvPr/>
-        </p:nvSpPr>
-        <p:spPr>
-          <a:xfrm>
-            <a:off x="4225491" y="1839170"/>
-            <a:ext cx="6506678" cy="3477875"/>
+            <a:off x="1" y="1839171"/>
+            <a:ext cx="12110224" cy="4093428"/>
           </a:xfrm>
           <a:prstGeom prst="rect">
             <a:avLst/>
@@ -11765,44 +11835,42 @@
           </a:bodyPr>
           <a:lstStyle/>
           <a:p>
-            <a:r>
-              <a:rPr lang="en-US" sz="2200" dirty="0"/>
-              <a:t>On a personal level, he is probably in a relationship, he is also quite introverted and self-aware. He enjoys working on complicated tasks and really wants to be involved and feel a part of the company. He values transparency and is happy working with inspiring leaders. He’s keen to know what is going on and where the company is headed. Salary isn’t his top priority (as long as it is not too far below average). Instead, Robin appreciates non-financial rewards, especially those that make him feel valued for his work.</a:t>
-            </a:r>
-          </a:p>
-        </p:txBody>
-      </p:sp>
-      <p:sp>
-        <p:nvSpPr>
-          <p:cNvPr id="7" name="TextBox 6">
-            <a:extLst>
-              <a:ext uri="{FF2B5EF4-FFF2-40B4-BE49-F238E27FC236}">
-                <a16:creationId xmlns:a16="http://schemas.microsoft.com/office/drawing/2014/main" id="{E1AC3181-D05F-BAD4-196B-CFA69A14FCFC}"/>
-              </a:ext>
-            </a:extLst>
-          </p:cNvPr>
-          <p:cNvSpPr txBox="1"/>
-          <p:nvPr/>
-        </p:nvSpPr>
-        <p:spPr>
-          <a:xfrm>
-            <a:off x="269506" y="1936614"/>
-            <a:ext cx="3955985" cy="3293209"/>
-          </a:xfrm>
-          <a:prstGeom prst="rect">
-            <a:avLst/>
-          </a:prstGeom>
-          <a:noFill/>
-        </p:spPr>
-        <p:txBody>
-          <a:bodyPr wrap="square">
-            <a:spAutoFit/>
-          </a:bodyPr>
-          <a:lstStyle/>
-          <a:p>
-            <a:r>
-              <a:rPr lang="en-US" sz="1600" dirty="0"/>
-              <a:t>Robin is in his mid 20s and has completed his formal education, such as a Bachelor’s degree in computer science. He is probably on his second or third job but has reached the ceiling in his current job, as in, he has learnt a lot and gained experience but would be keen on taking the next step to further his career. Even though he probably hasn’t taken any steps to find a new job (applied), he is on the lookout for something challenging as well as purposeful. In his current role, he can be found working in a specialized programming area (front-end/back-end/mobile). </a:t>
+            <a:pPr algn="l"/>
+            <a:r>
+              <a:rPr lang="en-US" sz="2000" b="0" i="0" dirty="0">
+                <a:solidFill>
+                  <a:srgbClr val="000000"/>
+                </a:solidFill>
+                <a:effectLst/>
+                <a:latin typeface="Noto Serif" panose="02020600060500020200" pitchFamily="18" charset="0"/>
+              </a:rPr>
+              <a:t>Carlos, age 21, is in the last year of his bachelor’s degree, majoring in Computer Science with a minor in Music. Carlos is a creative at heart: if he could play piano for a living, he would, but he has decided to let his code be his art instead.</a:t>
+            </a:r>
+          </a:p>
+          <a:p>
+            <a:pPr algn="l"/>
+            <a:r>
+              <a:rPr lang="en-US" sz="2000" b="0" i="0" dirty="0">
+                <a:solidFill>
+                  <a:srgbClr val="000000"/>
+                </a:solidFill>
+                <a:effectLst/>
+                <a:latin typeface="Noto Serif" panose="02020600060500020200" pitchFamily="18" charset="0"/>
+              </a:rPr>
+              <a:t>Carlos treats programming like he treats the piano: perfection is essential, and it comes from constant practice. He wants to leave no stone unturned and understand every detail. To him, a good program means each function works together in harmony like the instruments of an orchestra.</a:t>
+            </a:r>
+          </a:p>
+          <a:p>
+            <a:pPr algn="l"/>
+            <a:r>
+              <a:rPr lang="en-US" sz="2000" b="0" i="0" dirty="0">
+                <a:solidFill>
+                  <a:srgbClr val="000000"/>
+                </a:solidFill>
+                <a:effectLst/>
+                <a:latin typeface="Noto Serif" panose="02020600060500020200" pitchFamily="18" charset="0"/>
+              </a:rPr>
+              <a:t>Carlos has no hard constraints on his language choice, only soft constraints. He refused his parents’ offer to help pay for a new laptop, so he needs something that runs well on old hardware. Moreover, he’s still learning what applications he wants to work on, so he prefers a generalist language. For example, his friends invited him to write some automated trading bots as part of a financial technology competition and he enjoyed it, but he also loved his classes on computer graphics and game development.</a:t>
             </a:r>
           </a:p>
         </p:txBody>
@@ -11836,10 +11904,324 @@
           </a:p>
         </p:txBody>
       </p:sp>
+      <p:sp>
+        <p:nvSpPr>
+          <p:cNvPr id="7" name="Content Placeholder 6">
+            <a:extLst>
+              <a:ext uri="{FF2B5EF4-FFF2-40B4-BE49-F238E27FC236}">
+                <a16:creationId xmlns:a16="http://schemas.microsoft.com/office/drawing/2014/main" id="{FE5B7D11-5A8A-7A4D-2802-D2DE3BBDF372}"/>
+              </a:ext>
+            </a:extLst>
+          </p:cNvPr>
+          <p:cNvSpPr>
+            <a:spLocks noGrp="1"/>
+          </p:cNvSpPr>
+          <p:nvPr>
+            <p:ph idx="1"/>
+          </p:nvPr>
+        </p:nvSpPr>
+        <p:spPr/>
+        <p:txBody>
+          <a:bodyPr/>
+          <a:lstStyle/>
+          <a:p>
+            <a:endParaRPr lang="en-US"/>
+          </a:p>
+        </p:txBody>
+      </p:sp>
+      <p:sp>
+        <p:nvSpPr>
+          <p:cNvPr id="8" name="Content Placeholder 2">
+            <a:extLst>
+              <a:ext uri="{FF2B5EF4-FFF2-40B4-BE49-F238E27FC236}">
+                <a16:creationId xmlns:a16="http://schemas.microsoft.com/office/drawing/2014/main" id="{1435DF51-A614-4E74-42B6-1D09F8282527}"/>
+              </a:ext>
+            </a:extLst>
+          </p:cNvPr>
+          <p:cNvSpPr txBox="1">
+            <a:spLocks/>
+          </p:cNvSpPr>
+          <p:nvPr/>
+        </p:nvSpPr>
+        <p:spPr>
+          <a:xfrm>
+            <a:off x="1409513" y="5345359"/>
+            <a:ext cx="10539663" cy="1110976"/>
+          </a:xfrm>
+          <a:prstGeom prst="rect">
+            <a:avLst/>
+          </a:prstGeom>
+        </p:spPr>
+        <p:txBody>
+          <a:bodyPr vert="horz" lIns="0" tIns="45720" rIns="0" bIns="45720" rtlCol="0">
+            <a:normAutofit/>
+          </a:bodyPr>
+          <a:lstStyle>
+            <a:lvl1pPr marL="91440" indent="-91440" algn="l" defTabSz="914400" rtl="0" eaLnBrk="1" latinLnBrk="0" hangingPunct="1">
+              <a:lnSpc>
+                <a:spcPct val="90000"/>
+              </a:lnSpc>
+              <a:spcBef>
+                <a:spcPts val="1200"/>
+              </a:spcBef>
+              <a:spcAft>
+                <a:spcPts val="200"/>
+              </a:spcAft>
+              <a:buClr>
+                <a:schemeClr val="accent1"/>
+              </a:buClr>
+              <a:buSzPct val="100000"/>
+              <a:buFont typeface="Calibri" panose="020F0502020204030204" pitchFamily="34" charset="0"/>
+              <a:buChar char=" "/>
+              <a:defRPr sz="2800" kern="1200">
+                <a:solidFill>
+                  <a:schemeClr val="tx1">
+                    <a:lumMod val="75000"/>
+                    <a:lumOff val="25000"/>
+                  </a:schemeClr>
+                </a:solidFill>
+                <a:latin typeface="+mn-lt"/>
+                <a:ea typeface="+mn-ea"/>
+                <a:cs typeface="+mn-cs"/>
+              </a:defRPr>
+            </a:lvl1pPr>
+            <a:lvl2pPr marL="384048" indent="-182880" algn="l" defTabSz="914400" rtl="0" eaLnBrk="1" latinLnBrk="0" hangingPunct="1">
+              <a:lnSpc>
+                <a:spcPct val="90000"/>
+              </a:lnSpc>
+              <a:spcBef>
+                <a:spcPts val="200"/>
+              </a:spcBef>
+              <a:spcAft>
+                <a:spcPts val="400"/>
+              </a:spcAft>
+              <a:buClr>
+                <a:schemeClr val="accent1"/>
+              </a:buClr>
+              <a:buFont typeface="Calibri" pitchFamily="34" charset="0"/>
+              <a:buChar char="◦"/>
+              <a:defRPr sz="2400" kern="1200">
+                <a:solidFill>
+                  <a:schemeClr val="tx1">
+                    <a:lumMod val="75000"/>
+                    <a:lumOff val="25000"/>
+                  </a:schemeClr>
+                </a:solidFill>
+                <a:latin typeface="+mn-lt"/>
+                <a:ea typeface="+mn-ea"/>
+                <a:cs typeface="+mn-cs"/>
+              </a:defRPr>
+            </a:lvl2pPr>
+            <a:lvl3pPr marL="566928" indent="-182880" algn="l" defTabSz="914400" rtl="0" eaLnBrk="1" latinLnBrk="0" hangingPunct="1">
+              <a:lnSpc>
+                <a:spcPct val="90000"/>
+              </a:lnSpc>
+              <a:spcBef>
+                <a:spcPts val="200"/>
+              </a:spcBef>
+              <a:spcAft>
+                <a:spcPts val="400"/>
+              </a:spcAft>
+              <a:buClr>
+                <a:schemeClr val="accent1"/>
+              </a:buClr>
+              <a:buFont typeface="Calibri" pitchFamily="34" charset="0"/>
+              <a:buChar char="◦"/>
+              <a:defRPr sz="2200" kern="1200">
+                <a:solidFill>
+                  <a:schemeClr val="tx1">
+                    <a:lumMod val="75000"/>
+                    <a:lumOff val="25000"/>
+                  </a:schemeClr>
+                </a:solidFill>
+                <a:latin typeface="+mn-lt"/>
+                <a:ea typeface="+mn-ea"/>
+                <a:cs typeface="+mn-cs"/>
+              </a:defRPr>
+            </a:lvl3pPr>
+            <a:lvl4pPr marL="749808" indent="-182880" algn="l" defTabSz="914400" rtl="0" eaLnBrk="1" latinLnBrk="0" hangingPunct="1">
+              <a:lnSpc>
+                <a:spcPct val="90000"/>
+              </a:lnSpc>
+              <a:spcBef>
+                <a:spcPts val="200"/>
+              </a:spcBef>
+              <a:spcAft>
+                <a:spcPts val="400"/>
+              </a:spcAft>
+              <a:buClr>
+                <a:schemeClr val="accent1"/>
+              </a:buClr>
+              <a:buFont typeface="Calibri" pitchFamily="34" charset="0"/>
+              <a:buChar char="◦"/>
+              <a:defRPr sz="2000" kern="1200">
+                <a:solidFill>
+                  <a:schemeClr val="tx1">
+                    <a:lumMod val="75000"/>
+                    <a:lumOff val="25000"/>
+                  </a:schemeClr>
+                </a:solidFill>
+                <a:latin typeface="+mn-lt"/>
+                <a:ea typeface="+mn-ea"/>
+                <a:cs typeface="+mn-cs"/>
+              </a:defRPr>
+            </a:lvl4pPr>
+            <a:lvl5pPr marL="932688" indent="-182880" algn="l" defTabSz="914400" rtl="0" eaLnBrk="1" latinLnBrk="0" hangingPunct="1">
+              <a:lnSpc>
+                <a:spcPct val="90000"/>
+              </a:lnSpc>
+              <a:spcBef>
+                <a:spcPts val="200"/>
+              </a:spcBef>
+              <a:spcAft>
+                <a:spcPts val="400"/>
+              </a:spcAft>
+              <a:buClr>
+                <a:schemeClr val="accent1"/>
+              </a:buClr>
+              <a:buFont typeface="Calibri" pitchFamily="34" charset="0"/>
+              <a:buChar char="◦"/>
+              <a:defRPr sz="1800" kern="1200">
+                <a:solidFill>
+                  <a:schemeClr val="tx1">
+                    <a:lumMod val="75000"/>
+                    <a:lumOff val="25000"/>
+                  </a:schemeClr>
+                </a:solidFill>
+                <a:latin typeface="+mn-lt"/>
+                <a:ea typeface="+mn-ea"/>
+                <a:cs typeface="+mn-cs"/>
+              </a:defRPr>
+            </a:lvl5pPr>
+            <a:lvl6pPr marL="1100000" indent="-228600" algn="l" defTabSz="914400" rtl="0" eaLnBrk="1" latinLnBrk="0" hangingPunct="1">
+              <a:lnSpc>
+                <a:spcPct val="90000"/>
+              </a:lnSpc>
+              <a:spcBef>
+                <a:spcPts val="200"/>
+              </a:spcBef>
+              <a:spcAft>
+                <a:spcPts val="400"/>
+              </a:spcAft>
+              <a:buClr>
+                <a:schemeClr val="accent1"/>
+              </a:buClr>
+              <a:buFont typeface="Calibri" pitchFamily="34" charset="0"/>
+              <a:buChar char="◦"/>
+              <a:defRPr sz="1400" kern="1200">
+                <a:solidFill>
+                  <a:schemeClr val="tx1">
+                    <a:lumMod val="75000"/>
+                    <a:lumOff val="25000"/>
+                  </a:schemeClr>
+                </a:solidFill>
+                <a:latin typeface="+mn-lt"/>
+                <a:ea typeface="+mn-ea"/>
+                <a:cs typeface="+mn-cs"/>
+              </a:defRPr>
+            </a:lvl6pPr>
+            <a:lvl7pPr marL="1300000" indent="-228600" algn="l" defTabSz="914400" rtl="0" eaLnBrk="1" latinLnBrk="0" hangingPunct="1">
+              <a:lnSpc>
+                <a:spcPct val="90000"/>
+              </a:lnSpc>
+              <a:spcBef>
+                <a:spcPts val="200"/>
+              </a:spcBef>
+              <a:spcAft>
+                <a:spcPts val="400"/>
+              </a:spcAft>
+              <a:buClr>
+                <a:schemeClr val="accent1"/>
+              </a:buClr>
+              <a:buFont typeface="Calibri" pitchFamily="34" charset="0"/>
+              <a:buChar char="◦"/>
+              <a:defRPr sz="1400" kern="1200">
+                <a:solidFill>
+                  <a:schemeClr val="tx1">
+                    <a:lumMod val="75000"/>
+                    <a:lumOff val="25000"/>
+                  </a:schemeClr>
+                </a:solidFill>
+                <a:latin typeface="+mn-lt"/>
+                <a:ea typeface="+mn-ea"/>
+                <a:cs typeface="+mn-cs"/>
+              </a:defRPr>
+            </a:lvl7pPr>
+            <a:lvl8pPr marL="1500000" indent="-228600" algn="l" defTabSz="914400" rtl="0" eaLnBrk="1" latinLnBrk="0" hangingPunct="1">
+              <a:lnSpc>
+                <a:spcPct val="90000"/>
+              </a:lnSpc>
+              <a:spcBef>
+                <a:spcPts val="200"/>
+              </a:spcBef>
+              <a:spcAft>
+                <a:spcPts val="400"/>
+              </a:spcAft>
+              <a:buClr>
+                <a:schemeClr val="accent1"/>
+              </a:buClr>
+              <a:buFont typeface="Calibri" pitchFamily="34" charset="0"/>
+              <a:buChar char="◦"/>
+              <a:defRPr sz="1400" kern="1200">
+                <a:solidFill>
+                  <a:schemeClr val="tx1">
+                    <a:lumMod val="75000"/>
+                    <a:lumOff val="25000"/>
+                  </a:schemeClr>
+                </a:solidFill>
+                <a:latin typeface="+mn-lt"/>
+                <a:ea typeface="+mn-ea"/>
+                <a:cs typeface="+mn-cs"/>
+              </a:defRPr>
+            </a:lvl8pPr>
+            <a:lvl9pPr marL="1700000" indent="-228600" algn="l" defTabSz="914400" rtl="0" eaLnBrk="1" latinLnBrk="0" hangingPunct="1">
+              <a:lnSpc>
+                <a:spcPct val="90000"/>
+              </a:lnSpc>
+              <a:spcBef>
+                <a:spcPts val="200"/>
+              </a:spcBef>
+              <a:spcAft>
+                <a:spcPts val="400"/>
+              </a:spcAft>
+              <a:buClr>
+                <a:schemeClr val="accent1"/>
+              </a:buClr>
+              <a:buFont typeface="Calibri" pitchFamily="34" charset="0"/>
+              <a:buChar char="◦"/>
+              <a:defRPr sz="1400" kern="1200">
+                <a:solidFill>
+                  <a:schemeClr val="tx1">
+                    <a:lumMod val="75000"/>
+                    <a:lumOff val="25000"/>
+                  </a:schemeClr>
+                </a:solidFill>
+                <a:latin typeface="+mn-lt"/>
+                <a:ea typeface="+mn-ea"/>
+                <a:cs typeface="+mn-cs"/>
+              </a:defRPr>
+            </a:lvl9pPr>
+          </a:lstStyle>
+          <a:p>
+            <a:endParaRPr lang="en-US"/>
+          </a:p>
+          <a:p>
+            <a:r>
+              <a:rPr lang="en-US" b="1"/>
+              <a:t>Answer: </a:t>
+            </a:r>
+            <a:r>
+              <a:rPr lang="en-US"/>
+              <a:t>Gender, Age, Education, Career + Personal Goals</a:t>
+            </a:r>
+            <a:endParaRPr lang="en-US" dirty="0"/>
+          </a:p>
+        </p:txBody>
+      </p:sp>
     </p:spTree>
     <p:extLst>
       <p:ext uri="{BB962C8B-B14F-4D97-AF65-F5344CB8AC3E}">
-        <p14:creationId xmlns:p14="http://schemas.microsoft.com/office/powerpoint/2010/main" val="1418804979"/>
+        <p14:creationId xmlns:p14="http://schemas.microsoft.com/office/powerpoint/2010/main" val="1553874713"/>
       </p:ext>
     </p:extLst>
   </p:cSld>
@@ -11871,7 +12253,7 @@
           <p:cNvPr id="2" name="Title 1">
             <a:extLst>
               <a:ext uri="{FF2B5EF4-FFF2-40B4-BE49-F238E27FC236}">
-                <a16:creationId xmlns:a16="http://schemas.microsoft.com/office/drawing/2014/main" id="{FBBF1482-2DBC-52CD-CB46-BDEA23FBE33B}"/>
+                <a16:creationId xmlns:a16="http://schemas.microsoft.com/office/drawing/2014/main" id="{B20EA48C-B1BA-86FA-68C1-A92EA771A799}"/>
               </a:ext>
             </a:extLst>
           </p:cNvPr>
@@ -11889,7 +12271,7 @@
           <a:p>
             <a:r>
               <a:rPr lang="en-US" dirty="0"/>
-              <a:t>Example Personas: Charlie + Robin</a:t>
+              <a:t>Persona Design Tradeoffs</a:t>
             </a:r>
           </a:p>
         </p:txBody>
@@ -11899,7 +12281,7 @@
           <p:cNvPr id="3" name="Content Placeholder 2">
             <a:extLst>
               <a:ext uri="{FF2B5EF4-FFF2-40B4-BE49-F238E27FC236}">
-                <a16:creationId xmlns:a16="http://schemas.microsoft.com/office/drawing/2014/main" id="{6EADEFBF-E035-0D47-E6F0-40E165DA1363}"/>
+                <a16:creationId xmlns:a16="http://schemas.microsoft.com/office/drawing/2014/main" id="{100F8DED-26D5-68B7-F467-3EFFCE6604F5}"/>
               </a:ext>
             </a:extLst>
           </p:cNvPr>
@@ -11910,98 +12292,54 @@
             <p:ph idx="1"/>
           </p:nvPr>
         </p:nvSpPr>
-        <p:spPr>
-          <a:xfrm>
-            <a:off x="1097279" y="5001066"/>
-            <a:ext cx="10539663" cy="1110976"/>
-          </a:xfrm>
-        </p:spPr>
-        <p:txBody>
-          <a:bodyPr>
-            <a:normAutofit/>
-          </a:bodyPr>
-          <a:lstStyle/>
-          <a:p>
-            <a:endParaRPr lang="en-US" dirty="0"/>
-          </a:p>
-          <a:p>
-            <a:r>
-              <a:rPr lang="en-US" b="1" dirty="0"/>
-              <a:t>Answer: </a:t>
-            </a:r>
-            <a:r>
-              <a:rPr lang="en-US" dirty="0"/>
-              <a:t>Gender, Age, Education, Career + Personal Goals</a:t>
-            </a:r>
-          </a:p>
-        </p:txBody>
-      </p:sp>
-      <p:sp>
-        <p:nvSpPr>
-          <p:cNvPr id="5" name="TextBox 4">
-            <a:extLst>
-              <a:ext uri="{FF2B5EF4-FFF2-40B4-BE49-F238E27FC236}">
-                <a16:creationId xmlns:a16="http://schemas.microsoft.com/office/drawing/2014/main" id="{58374D2B-D9D2-A895-C603-AAA21485EDFA}"/>
-              </a:ext>
-            </a:extLst>
-          </p:cNvPr>
-          <p:cNvSpPr txBox="1"/>
-          <p:nvPr/>
-        </p:nvSpPr>
-        <p:spPr>
-          <a:xfrm>
-            <a:off x="4225491" y="1839170"/>
-            <a:ext cx="6506678" cy="3477875"/>
-          </a:xfrm>
-          <a:prstGeom prst="rect">
-            <a:avLst/>
-          </a:prstGeom>
-          <a:noFill/>
-        </p:spPr>
-        <p:txBody>
-          <a:bodyPr wrap="square">
-            <a:spAutoFit/>
-          </a:bodyPr>
-          <a:lstStyle/>
-          <a:p>
-            <a:r>
-              <a:rPr lang="en-US" sz="2200" dirty="0"/>
-              <a:t>On a personal level, he is probably in a relationship, he is also quite introverted and self-aware. He enjoys working on complicated tasks and really wants to be involved and feel a part of the company. He values transparency and is happy working with inspiring leaders. He’s keen to know what is going on and where the company is headed. Salary isn’t his top priority (as long as it is not too far below average). Instead, Robin appreciates non-financial rewards, especially those that make him feel valued for his work.</a:t>
-            </a:r>
-          </a:p>
-        </p:txBody>
-      </p:sp>
-      <p:sp>
-        <p:nvSpPr>
-          <p:cNvPr id="7" name="TextBox 6">
-            <a:extLst>
-              <a:ext uri="{FF2B5EF4-FFF2-40B4-BE49-F238E27FC236}">
-                <a16:creationId xmlns:a16="http://schemas.microsoft.com/office/drawing/2014/main" id="{E1AC3181-D05F-BAD4-196B-CFA69A14FCFC}"/>
-              </a:ext>
-            </a:extLst>
-          </p:cNvPr>
-          <p:cNvSpPr txBox="1"/>
-          <p:nvPr/>
-        </p:nvSpPr>
-        <p:spPr>
-          <a:xfrm>
-            <a:off x="269506" y="1936614"/>
-            <a:ext cx="3955985" cy="3293209"/>
-          </a:xfrm>
-          <a:prstGeom prst="rect">
-            <a:avLst/>
-          </a:prstGeom>
-          <a:noFill/>
-        </p:spPr>
-        <p:txBody>
-          <a:bodyPr wrap="square">
-            <a:spAutoFit/>
-          </a:bodyPr>
-          <a:lstStyle/>
-          <a:p>
-            <a:r>
-              <a:rPr lang="en-US" sz="1600" dirty="0"/>
-              <a:t>Robin is in his mid 20s and has completed his formal education, such as a Bachelor’s degree in computer science. He is probably on his second or third job but has reached the ceiling in his current job, as in, he has learnt a lot and gained experience but would be keen on taking the next step to further his career. Even though he probably hasn’t taken any steps to find a new job (applied), he is on the lookout for something challenging as well as purposeful. In his current role, he can be found working in a specialized programming area (front-end/back-end/mobile). </a:t>
+        <p:spPr/>
+        <p:txBody>
+          <a:bodyPr/>
+          <a:lstStyle/>
+          <a:p>
+            <a:r>
+              <a:rPr lang="en-US" dirty="0"/>
+              <a:t>Narrow vs. Broad Personas</a:t>
+            </a:r>
+          </a:p>
+          <a:p>
+            <a:pPr lvl="1"/>
+            <a:r>
+              <a:rPr lang="en-US" dirty="0"/>
+              <a:t>Narrow (MS): Risk tolerance, Knowledge depth, Points of pride</a:t>
+            </a:r>
+          </a:p>
+          <a:p>
+            <a:pPr lvl="1"/>
+            <a:r>
+              <a:rPr lang="en-US" dirty="0"/>
+              <a:t>Broad (C+R): Gender, Age, Education, Career + Personal Goals</a:t>
+            </a:r>
+          </a:p>
+          <a:p>
+            <a:r>
+              <a:rPr lang="en-US" dirty="0"/>
+              <a:t>Narrow persona emphasizes traits directly relevant to programming</a:t>
+            </a:r>
+          </a:p>
+          <a:p>
+            <a:r>
+              <a:rPr lang="en-US" dirty="0"/>
+              <a:t>Broad persona captures traits that may be relevant across specific subgroups of people</a:t>
+            </a:r>
+          </a:p>
+          <a:p>
+            <a:pPr lvl="1"/>
+            <a:r>
+              <a:rPr lang="en-US" dirty="0"/>
+              <a:t>Naively including demographics in personas can activate designer bias</a:t>
+            </a:r>
+          </a:p>
+          <a:p>
+            <a:pPr lvl="1"/>
+            <a:r>
+              <a:rPr lang="en-US" dirty="0"/>
+              <a:t>Methods for reducing that bias are well-studied</a:t>
             </a:r>
           </a:p>
         </p:txBody>
@@ -12011,7 +12349,7 @@
           <p:cNvPr id="4" name="Slide Number Placeholder 3">
             <a:extLst>
               <a:ext uri="{FF2B5EF4-FFF2-40B4-BE49-F238E27FC236}">
-                <a16:creationId xmlns:a16="http://schemas.microsoft.com/office/drawing/2014/main" id="{6C37D5B7-C9F1-A315-BB60-4BBE1F3D4666}"/>
+                <a16:creationId xmlns:a16="http://schemas.microsoft.com/office/drawing/2014/main" id="{026FF083-9C6B-8CD2-E7A7-2E77CB514599}"/>
               </a:ext>
             </a:extLst>
           </p:cNvPr>
@@ -12038,7 +12376,7 @@
     </p:spTree>
     <p:extLst>
       <p:ext uri="{BB962C8B-B14F-4D97-AF65-F5344CB8AC3E}">
-        <p14:creationId xmlns:p14="http://schemas.microsoft.com/office/powerpoint/2010/main" val="1427456217"/>
+        <p14:creationId xmlns:p14="http://schemas.microsoft.com/office/powerpoint/2010/main" val="4163882863"/>
       </p:ext>
     </p:extLst>
   </p:cSld>
@@ -12070,7 +12408,7 @@
           <p:cNvPr id="2" name="Title 1">
             <a:extLst>
               <a:ext uri="{FF2B5EF4-FFF2-40B4-BE49-F238E27FC236}">
-                <a16:creationId xmlns:a16="http://schemas.microsoft.com/office/drawing/2014/main" id="{B20EA48C-B1BA-86FA-68C1-A92EA771A799}"/>
+                <a16:creationId xmlns:a16="http://schemas.microsoft.com/office/drawing/2014/main" id="{51D385A4-0579-1D6A-813B-1E6B9241194E}"/>
               </a:ext>
             </a:extLst>
           </p:cNvPr>
@@ -12088,7 +12426,7 @@
           <a:p>
             <a:r>
               <a:rPr lang="en-US" dirty="0"/>
-              <a:t>Persona Design Tradeoffs</a:t>
+              <a:t>Personas vs. Archetypes</a:t>
             </a:r>
           </a:p>
         </p:txBody>
@@ -12098,7 +12436,7 @@
           <p:cNvPr id="3" name="Content Placeholder 2">
             <a:extLst>
               <a:ext uri="{FF2B5EF4-FFF2-40B4-BE49-F238E27FC236}">
-                <a16:creationId xmlns:a16="http://schemas.microsoft.com/office/drawing/2014/main" id="{100F8DED-26D5-68B7-F467-3EFFCE6604F5}"/>
+                <a16:creationId xmlns:a16="http://schemas.microsoft.com/office/drawing/2014/main" id="{E0641F8B-20D1-0BBB-862A-92C1C864F2E5}"/>
               </a:ext>
             </a:extLst>
           </p:cNvPr>
@@ -12116,47 +12454,41 @@
           <a:p>
             <a:r>
               <a:rPr lang="en-US" dirty="0"/>
-              <a:t>Narrow vs. Broad Personas</a:t>
+              <a:t>Personas are characters</a:t>
+            </a:r>
+          </a:p>
+          <a:p>
+            <a:r>
+              <a:rPr lang="en-US" dirty="0"/>
+              <a:t>HCPL uses characters (archetypes) to show different PL perspectives</a:t>
+            </a:r>
+            <a:br>
+              <a:rPr lang="en-US" dirty="0"/>
+            </a:br>
+            <a:r>
+              <a:rPr lang="en-US" dirty="0"/>
+              <a:t>But the purpose of archetypes is very different</a:t>
             </a:r>
           </a:p>
           <a:p>
             <a:pPr lvl="1"/>
             <a:r>
               <a:rPr lang="en-US" dirty="0"/>
-              <a:t>Narrow (MS): Risk tolerance, Knowledge depth, Points of pride</a:t>
+              <a:t>Sort the chapters / lectures: to do X, read Y</a:t>
             </a:r>
           </a:p>
           <a:p>
             <a:pPr lvl="1"/>
             <a:r>
               <a:rPr lang="en-US" dirty="0"/>
-              <a:t>Broad (C+R): Gender, Age, Education, Career + Personal Goals</a:t>
-            </a:r>
-          </a:p>
-          <a:p>
-            <a:r>
-              <a:rPr lang="en-US" dirty="0"/>
-              <a:t>Narrow persona emphasizes traits directly relevant to programming</a:t>
-            </a:r>
-          </a:p>
-          <a:p>
-            <a:r>
-              <a:rPr lang="en-US" dirty="0"/>
-              <a:t>Broad persona captures traits that may be relevant across specific subgroups of people</a:t>
+              <a:t>Identify topics that match personal interests</a:t>
             </a:r>
           </a:p>
           <a:p>
             <a:pPr lvl="1"/>
             <a:r>
               <a:rPr lang="en-US" dirty="0"/>
-              <a:t>Naively including demographics in personas can activate designer bias</a:t>
-            </a:r>
-          </a:p>
-          <a:p>
-            <a:pPr lvl="1"/>
-            <a:r>
-              <a:rPr lang="en-US" dirty="0"/>
-              <a:t>Methods for reducing that bias are well-studied</a:t>
+              <a:t>Communicate effectively with people from different fields</a:t>
             </a:r>
           </a:p>
         </p:txBody>
@@ -12166,7 +12498,7 @@
           <p:cNvPr id="4" name="Slide Number Placeholder 3">
             <a:extLst>
               <a:ext uri="{FF2B5EF4-FFF2-40B4-BE49-F238E27FC236}">
-                <a16:creationId xmlns:a16="http://schemas.microsoft.com/office/drawing/2014/main" id="{026FF083-9C6B-8CD2-E7A7-2E77CB514599}"/>
+                <a16:creationId xmlns:a16="http://schemas.microsoft.com/office/drawing/2014/main" id="{A0F7A80D-5641-6A33-E8A1-83696D66DA65}"/>
               </a:ext>
             </a:extLst>
           </p:cNvPr>
@@ -12193,7 +12525,7 @@
     </p:spTree>
     <p:extLst>
       <p:ext uri="{BB962C8B-B14F-4D97-AF65-F5344CB8AC3E}">
-        <p14:creationId xmlns:p14="http://schemas.microsoft.com/office/powerpoint/2010/main" val="4163882863"/>
+        <p14:creationId xmlns:p14="http://schemas.microsoft.com/office/powerpoint/2010/main" val="2491712267"/>
       </p:ext>
     </p:extLst>
   </p:cSld>
@@ -12243,7 +12575,7 @@
           <a:p>
             <a:r>
               <a:rPr lang="en-US" dirty="0"/>
-              <a:t>Personas vs. Archetypes</a:t>
+              <a:t>What Personas are Used For</a:t>
             </a:r>
           </a:p>
         </p:txBody>
@@ -12266,47 +12598,61 @@
         </p:nvSpPr>
         <p:spPr/>
         <p:txBody>
-          <a:bodyPr/>
-          <a:lstStyle/>
-          <a:p>
-            <a:r>
-              <a:rPr lang="en-US" dirty="0"/>
-              <a:t>Personas are characters</a:t>
-            </a:r>
-          </a:p>
-          <a:p>
-            <a:r>
-              <a:rPr lang="en-US" dirty="0"/>
-              <a:t>HCPL uses characters (archetypes) to show different PL perspectives</a:t>
-            </a:r>
-            <a:br>
-              <a:rPr lang="en-US" dirty="0"/>
-            </a:br>
-            <a:r>
-              <a:rPr lang="en-US" dirty="0"/>
-              <a:t>But the purpose of archetypes is very different</a:t>
-            </a:r>
-          </a:p>
-          <a:p>
-            <a:pPr lvl="1"/>
-            <a:r>
-              <a:rPr lang="en-US" dirty="0"/>
-              <a:t>Sort the chapters / lectures: to do X, read Y</a:t>
-            </a:r>
-          </a:p>
-          <a:p>
-            <a:pPr lvl="1"/>
-            <a:r>
-              <a:rPr lang="en-US" dirty="0"/>
-              <a:t>Identify topics that match personal interests</a:t>
-            </a:r>
-          </a:p>
-          <a:p>
-            <a:pPr lvl="1"/>
-            <a:r>
-              <a:rPr lang="en-US" dirty="0"/>
-              <a:t>Communicate effectively with people from different fields</a:t>
-            </a:r>
+          <a:bodyPr>
+            <a:normAutofit fontScale="85000" lnSpcReduction="20000"/>
+          </a:bodyPr>
+          <a:lstStyle/>
+          <a:p>
+            <a:r>
+              <a:rPr lang="en-US" dirty="0"/>
+              <a:t>Used to design new things</a:t>
+            </a:r>
+          </a:p>
+          <a:p>
+            <a:pPr marL="514350" indent="-514350">
+              <a:buFont typeface="+mj-lt"/>
+              <a:buAutoNum type="arabicPeriod"/>
+            </a:pPr>
+            <a:r>
+              <a:rPr lang="en-US" dirty="0"/>
+              <a:t>Personas are often used to give structure to design meetings and design documents. When a designer has a concern with a specific part of the design, they can use the persona as a way to explain their concern to others</a:t>
+            </a:r>
+          </a:p>
+          <a:p>
+            <a:pPr marL="514350" indent="-514350">
+              <a:buFont typeface="+mj-lt"/>
+              <a:buAutoNum type="arabicPeriod"/>
+            </a:pPr>
+            <a:r>
+              <a:rPr lang="en-US" dirty="0"/>
+              <a:t>Personas can be used in a formal analysis such as a Cognitive Walkthrough where the designer walks through each step of an interaction one-by-one and explores how the persona would experience it</a:t>
+            </a:r>
+          </a:p>
+          <a:p>
+            <a:pPr marL="514350" indent="-514350">
+              <a:buFont typeface="+mj-lt"/>
+              <a:buAutoNum type="arabicPeriod"/>
+            </a:pPr>
+            <a:r>
+              <a:rPr lang="en-US" dirty="0"/>
+              <a:t>Sets of personas can be used to define the audience of the software. They can both make sure that important groups of users are not forgotten and limit the scope of the audience, enabling designers to make informed design tradeoffs when different people have incompatible needs.</a:t>
+            </a:r>
+          </a:p>
+          <a:p>
+            <a:pPr marL="0" indent="0">
+              <a:buNone/>
+            </a:pPr>
+            <a:r>
+              <a:rPr lang="en-US" b="1" dirty="0"/>
+              <a:t>Core design tool, but no tool is perfect</a:t>
+            </a:r>
+          </a:p>
+          <a:p>
+            <a:pPr marL="514350" indent="-514350">
+              <a:buFont typeface="+mj-lt"/>
+              <a:buAutoNum type="arabicPeriod"/>
+            </a:pPr>
+            <a:endParaRPr lang="en-US" dirty="0"/>
           </a:p>
         </p:txBody>
       </p:sp>
@@ -12315,7 +12661,7 @@
           <p:cNvPr id="4" name="Slide Number Placeholder 3">
             <a:extLst>
               <a:ext uri="{FF2B5EF4-FFF2-40B4-BE49-F238E27FC236}">
-                <a16:creationId xmlns:a16="http://schemas.microsoft.com/office/drawing/2014/main" id="{A0F7A80D-5641-6A33-E8A1-83696D66DA65}"/>
+                <a16:creationId xmlns:a16="http://schemas.microsoft.com/office/drawing/2014/main" id="{BD218D23-377C-9296-E712-3F09E67EE815}"/>
               </a:ext>
             </a:extLst>
           </p:cNvPr>
@@ -12342,7 +12688,7 @@
     </p:spTree>
     <p:extLst>
       <p:ext uri="{BB962C8B-B14F-4D97-AF65-F5344CB8AC3E}">
-        <p14:creationId xmlns:p14="http://schemas.microsoft.com/office/powerpoint/2010/main" val="2491712267"/>
+        <p14:creationId xmlns:p14="http://schemas.microsoft.com/office/powerpoint/2010/main" val="3297529819"/>
       </p:ext>
     </p:extLst>
   </p:cSld>
@@ -12374,7 +12720,7 @@
           <p:cNvPr id="2" name="Title 1">
             <a:extLst>
               <a:ext uri="{FF2B5EF4-FFF2-40B4-BE49-F238E27FC236}">
-                <a16:creationId xmlns:a16="http://schemas.microsoft.com/office/drawing/2014/main" id="{51D385A4-0579-1D6A-813B-1E6B9241194E}"/>
+                <a16:creationId xmlns:a16="http://schemas.microsoft.com/office/drawing/2014/main" id="{0EEB1026-2E4A-42A6-1DF7-AC4BE530BF7C}"/>
               </a:ext>
             </a:extLst>
           </p:cNvPr>
@@ -12392,7 +12738,7 @@
           <a:p>
             <a:r>
               <a:rPr lang="en-US" dirty="0"/>
-              <a:t>What Personas are Used For</a:t>
+              <a:t>Persona Spectrums (Microsoft Research)</a:t>
             </a:r>
           </a:p>
         </p:txBody>
@@ -12402,7 +12748,7 @@
           <p:cNvPr id="3" name="Content Placeholder 2">
             <a:extLst>
               <a:ext uri="{FF2B5EF4-FFF2-40B4-BE49-F238E27FC236}">
-                <a16:creationId xmlns:a16="http://schemas.microsoft.com/office/drawing/2014/main" id="{E0641F8B-20D1-0BBB-862A-92C1C864F2E5}"/>
+                <a16:creationId xmlns:a16="http://schemas.microsoft.com/office/drawing/2014/main" id="{2D41FE4E-A6DA-D4FA-F899-1B93AC4627CC}"/>
               </a:ext>
             </a:extLst>
           </p:cNvPr>
@@ -12415,61 +12761,79 @@
         </p:nvSpPr>
         <p:spPr/>
         <p:txBody>
-          <a:bodyPr>
-            <a:normAutofit fontScale="85000" lnSpcReduction="20000"/>
-          </a:bodyPr>
-          <a:lstStyle/>
-          <a:p>
-            <a:r>
-              <a:rPr lang="en-US" dirty="0"/>
-              <a:t>Used to design new things</a:t>
-            </a:r>
-          </a:p>
-          <a:p>
-            <a:pPr marL="514350" indent="-514350">
-              <a:buFont typeface="+mj-lt"/>
-              <a:buAutoNum type="arabicPeriod"/>
-            </a:pPr>
-            <a:r>
-              <a:rPr lang="en-US" dirty="0"/>
-              <a:t>Personas are often used to give structure to design meetings and design documents. When a designer has a concern with a specific part of the design, they can use the persona as a way to explain their concern to others</a:t>
-            </a:r>
-          </a:p>
-          <a:p>
-            <a:pPr marL="514350" indent="-514350">
-              <a:buFont typeface="+mj-lt"/>
-              <a:buAutoNum type="arabicPeriod"/>
-            </a:pPr>
-            <a:r>
-              <a:rPr lang="en-US" dirty="0"/>
-              <a:t>Personas can be used in a formal analysis such as a Cognitive Walkthrough where the designer walks through each step of an interaction one-by-one and explores how the persona would experience it</a:t>
-            </a:r>
-          </a:p>
-          <a:p>
-            <a:pPr marL="514350" indent="-514350">
-              <a:buFont typeface="+mj-lt"/>
-              <a:buAutoNum type="arabicPeriod"/>
-            </a:pPr>
-            <a:r>
-              <a:rPr lang="en-US" dirty="0"/>
-              <a:t>Sets of personas can be used to define the audience of the software. They can both make sure that important groups of users are not forgotten and limit the scope of the audience, enabling designers to make informed design tradeoffs when different people have incompatible needs.</a:t>
-            </a:r>
-          </a:p>
-          <a:p>
-            <a:pPr marL="0" indent="0">
-              <a:buNone/>
-            </a:pPr>
+          <a:bodyPr/>
+          <a:lstStyle/>
+          <a:p>
             <a:r>
               <a:rPr lang="en-US" b="1" dirty="0"/>
-              <a:t>Core design tool, but no tool is perfect</a:t>
-            </a:r>
-          </a:p>
-          <a:p>
-            <a:pPr marL="514350" indent="-514350">
-              <a:buFont typeface="+mj-lt"/>
-              <a:buAutoNum type="arabicPeriod"/>
-            </a:pPr>
-            <a:endParaRPr lang="en-US" dirty="0"/>
+              <a:t>Core Idea:</a:t>
+            </a:r>
+            <a:r>
+              <a:rPr lang="en-US" dirty="0"/>
+              <a:t> Average people do not exist</a:t>
+            </a:r>
+            <a:r>
+              <a:rPr lang="en-US" b="1" dirty="0"/>
+              <a:t>, </a:t>
+            </a:r>
+            <a:r>
+              <a:rPr lang="en-US" dirty="0"/>
+              <a:t>design for ranges</a:t>
+            </a:r>
+          </a:p>
+          <a:p>
+            <a:r>
+              <a:rPr lang="en-US" dirty="0"/>
+              <a:t>A persona spectrum defines:</a:t>
+            </a:r>
+          </a:p>
+          <a:p>
+            <a:pPr lvl="1"/>
+            <a:r>
+              <a:rPr lang="en-US" dirty="0"/>
+              <a:t>Motivations: Why does the audience want to do what they want to do?</a:t>
+            </a:r>
+          </a:p>
+          <a:p>
+            <a:pPr lvl="1"/>
+            <a:r>
+              <a:rPr lang="en-US" dirty="0"/>
+              <a:t>Contexts: Where are they physically? Socially?</a:t>
+            </a:r>
+          </a:p>
+          <a:p>
+            <a:pPr lvl="1"/>
+            <a:r>
+              <a:rPr lang="en-US" dirty="0"/>
+              <a:t>Abilities: What abilities, disabilities, and assets do they have?</a:t>
+            </a:r>
+          </a:p>
+          <a:p>
+            <a:pPr lvl="1"/>
+            <a:r>
+              <a:rPr lang="en-US" dirty="0"/>
+              <a:t>Circumstances: What are their societal (e.g. socioeconomic) circumstances?</a:t>
+            </a:r>
+          </a:p>
+          <a:p>
+            <a:r>
+              <a:rPr lang="en-US" dirty="0"/>
+              <a:t>Explore multiple possibilities for each dimension</a:t>
+            </a:r>
+            <a:br>
+              <a:rPr lang="en-US" dirty="0"/>
+            </a:br>
+            <a:r>
+              <a:rPr lang="en-US" dirty="0"/>
+              <a:t>Recognize the potential for change</a:t>
+            </a:r>
+            <a:br>
+              <a:rPr lang="en-US" dirty="0"/>
+            </a:br>
+            <a:r>
+              <a:rPr lang="en-US" dirty="0"/>
+              <a:t>Design for the whole range</a:t>
+            </a:r>
           </a:p>
         </p:txBody>
       </p:sp>
@@ -12478,7 +12842,7 @@
           <p:cNvPr id="4" name="Slide Number Placeholder 3">
             <a:extLst>
               <a:ext uri="{FF2B5EF4-FFF2-40B4-BE49-F238E27FC236}">
-                <a16:creationId xmlns:a16="http://schemas.microsoft.com/office/drawing/2014/main" id="{BD218D23-377C-9296-E712-3F09E67EE815}"/>
+                <a16:creationId xmlns:a16="http://schemas.microsoft.com/office/drawing/2014/main" id="{B2A6E7A2-C6EF-3CAA-D55D-6AD13827B813}"/>
               </a:ext>
             </a:extLst>
           </p:cNvPr>
@@ -12505,7 +12869,7 @@
     </p:spTree>
     <p:extLst>
       <p:ext uri="{BB962C8B-B14F-4D97-AF65-F5344CB8AC3E}">
-        <p14:creationId xmlns:p14="http://schemas.microsoft.com/office/powerpoint/2010/main" val="3297529819"/>
+        <p14:creationId xmlns:p14="http://schemas.microsoft.com/office/powerpoint/2010/main" val="3923225214"/>
       </p:ext>
     </p:extLst>
   </p:cSld>
@@ -12652,7 +13016,7 @@
           <p:cNvPr id="2" name="Title 1">
             <a:extLst>
               <a:ext uri="{FF2B5EF4-FFF2-40B4-BE49-F238E27FC236}">
-                <a16:creationId xmlns:a16="http://schemas.microsoft.com/office/drawing/2014/main" id="{0EEB1026-2E4A-42A6-1DF7-AC4BE530BF7C}"/>
+                <a16:creationId xmlns:a16="http://schemas.microsoft.com/office/drawing/2014/main" id="{1DF1954B-F70C-9454-17F6-B21FDC00970D}"/>
               </a:ext>
             </a:extLst>
           </p:cNvPr>
@@ -12670,7 +13034,7 @@
           <a:p>
             <a:r>
               <a:rPr lang="en-US" dirty="0"/>
-              <a:t>Persona Spectrums (Microsoft Research)</a:t>
+              <a:t>Goal-Setting</a:t>
             </a:r>
           </a:p>
         </p:txBody>
@@ -12680,7 +13044,7 @@
           <p:cNvPr id="3" name="Content Placeholder 2">
             <a:extLst>
               <a:ext uri="{FF2B5EF4-FFF2-40B4-BE49-F238E27FC236}">
-                <a16:creationId xmlns:a16="http://schemas.microsoft.com/office/drawing/2014/main" id="{2D41FE4E-A6DA-D4FA-F899-1B93AC4627CC}"/>
+                <a16:creationId xmlns:a16="http://schemas.microsoft.com/office/drawing/2014/main" id="{09B9CE4E-BDD2-5D92-0DDD-6A8FFA310948}"/>
               </a:ext>
             </a:extLst>
           </p:cNvPr>
@@ -12697,74 +13061,52 @@
           <a:lstStyle/>
           <a:p>
             <a:r>
+              <a:rPr lang="en-US" dirty="0"/>
+              <a:t>What are programmers’ goals? </a:t>
+            </a:r>
+            <a:r>
               <a:rPr lang="en-US" b="1" dirty="0"/>
-              <a:t>Core Idea:</a:t>
-            </a:r>
-            <a:r>
-              <a:rPr lang="en-US" dirty="0"/>
-              <a:t> Average people do not exist</a:t>
-            </a:r>
+              <a:t>Requirements-gathering</a:t>
+            </a:r>
+            <a:r>
+              <a:rPr lang="en-US" dirty="0"/>
+              <a:t> = find out</a:t>
+            </a:r>
+          </a:p>
+          <a:p>
+            <a:r>
+              <a:rPr lang="en-US" dirty="0"/>
+              <a:t>We just scratch surface, focus on one of several groups of people:</a:t>
+            </a:r>
+          </a:p>
+          <a:p>
+            <a:pPr lvl="1"/>
+            <a:r>
+              <a:rPr lang="en-US" dirty="0"/>
+              <a:t>Professional programmers</a:t>
+            </a:r>
+          </a:p>
+          <a:p>
+            <a:pPr lvl="1"/>
+            <a:r>
+              <a:rPr lang="en-US" dirty="0"/>
+              <a:t>Student programmers</a:t>
+            </a:r>
+          </a:p>
+          <a:p>
+            <a:pPr lvl="1"/>
+            <a:r>
+              <a:rPr lang="en-US" dirty="0"/>
+              <a:t>The language designer</a:t>
+            </a:r>
+          </a:p>
+          <a:p>
+            <a:pPr marL="201168" lvl="1" indent="0">
+              <a:buNone/>
+            </a:pPr>
             <a:r>
               <a:rPr lang="en-US" b="1" dirty="0"/>
-              <a:t>, </a:t>
-            </a:r>
-            <a:r>
-              <a:rPr lang="en-US" dirty="0"/>
-              <a:t>design for ranges</a:t>
-            </a:r>
-          </a:p>
-          <a:p>
-            <a:r>
-              <a:rPr lang="en-US" dirty="0"/>
-              <a:t>A persona spectrum defines:</a:t>
-            </a:r>
-          </a:p>
-          <a:p>
-            <a:pPr lvl="1"/>
-            <a:r>
-              <a:rPr lang="en-US" dirty="0"/>
-              <a:t>Motivations: Why does the audience want to do what they want to do?</a:t>
-            </a:r>
-          </a:p>
-          <a:p>
-            <a:pPr lvl="1"/>
-            <a:r>
-              <a:rPr lang="en-US" dirty="0"/>
-              <a:t>Contexts: Where are they physically? Socially?</a:t>
-            </a:r>
-          </a:p>
-          <a:p>
-            <a:pPr lvl="1"/>
-            <a:r>
-              <a:rPr lang="en-US" dirty="0"/>
-              <a:t>Abilities: What abilities, disabilities, and assets do they have?</a:t>
-            </a:r>
-          </a:p>
-          <a:p>
-            <a:pPr lvl="1"/>
-            <a:r>
-              <a:rPr lang="en-US" dirty="0"/>
-              <a:t>Circumstances: What are their societal (e.g. socioeconomic) circumstances?</a:t>
-            </a:r>
-          </a:p>
-          <a:p>
-            <a:r>
-              <a:rPr lang="en-US" dirty="0"/>
-              <a:t>Explore multiple possibilities for each dimension</a:t>
-            </a:r>
-            <a:br>
-              <a:rPr lang="en-US" dirty="0"/>
-            </a:br>
-            <a:r>
-              <a:rPr lang="en-US" dirty="0"/>
-              <a:t>Recognize the potential for change</a:t>
-            </a:r>
-            <a:br>
-              <a:rPr lang="en-US" dirty="0"/>
-            </a:br>
-            <a:r>
-              <a:rPr lang="en-US" dirty="0"/>
-              <a:t>Design for the whole range</a:t>
+              <a:t>What are tradeoffs of focusing on given groups?</a:t>
             </a:r>
           </a:p>
         </p:txBody>
@@ -12774,7 +13116,7 @@
           <p:cNvPr id="4" name="Slide Number Placeholder 3">
             <a:extLst>
               <a:ext uri="{FF2B5EF4-FFF2-40B4-BE49-F238E27FC236}">
-                <a16:creationId xmlns:a16="http://schemas.microsoft.com/office/drawing/2014/main" id="{B2A6E7A2-C6EF-3CAA-D55D-6AD13827B813}"/>
+                <a16:creationId xmlns:a16="http://schemas.microsoft.com/office/drawing/2014/main" id="{FD112396-0092-0CD1-8807-14F4AA11CC86}"/>
               </a:ext>
             </a:extLst>
           </p:cNvPr>
@@ -12801,7 +13143,7 @@
     </p:spTree>
     <p:extLst>
       <p:ext uri="{BB962C8B-B14F-4D97-AF65-F5344CB8AC3E}">
-        <p14:creationId xmlns:p14="http://schemas.microsoft.com/office/powerpoint/2010/main" val="3923225214"/>
+        <p14:creationId xmlns:p14="http://schemas.microsoft.com/office/powerpoint/2010/main" val="448983052"/>
       </p:ext>
     </p:extLst>
   </p:cSld>
@@ -12833,7 +13175,7 @@
           <p:cNvPr id="2" name="Title 1">
             <a:extLst>
               <a:ext uri="{FF2B5EF4-FFF2-40B4-BE49-F238E27FC236}">
-                <a16:creationId xmlns:a16="http://schemas.microsoft.com/office/drawing/2014/main" id="{1DF1954B-F70C-9454-17F6-B21FDC00970D}"/>
+                <a16:creationId xmlns:a16="http://schemas.microsoft.com/office/drawing/2014/main" id="{8AE6B460-437F-FFE8-D12C-629D7ACA5445}"/>
               </a:ext>
             </a:extLst>
           </p:cNvPr>
@@ -12846,12 +13188,14 @@
         </p:nvSpPr>
         <p:spPr/>
         <p:txBody>
-          <a:bodyPr/>
-          <a:lstStyle/>
-          <a:p>
-            <a:r>
-              <a:rPr lang="en-US" dirty="0"/>
-              <a:t>Goal-Setting</a:t>
+          <a:bodyPr>
+            <a:normAutofit/>
+          </a:bodyPr>
+          <a:lstStyle/>
+          <a:p>
+            <a:r>
+              <a:rPr lang="en-US" sz="4600" dirty="0"/>
+              <a:t>Goal-Setting for Professional Programmers</a:t>
             </a:r>
           </a:p>
         </p:txBody>
@@ -12861,7 +13205,7 @@
           <p:cNvPr id="3" name="Content Placeholder 2">
             <a:extLst>
               <a:ext uri="{FF2B5EF4-FFF2-40B4-BE49-F238E27FC236}">
-                <a16:creationId xmlns:a16="http://schemas.microsoft.com/office/drawing/2014/main" id="{09B9CE4E-BDD2-5D92-0DDD-6A8FFA310948}"/>
+                <a16:creationId xmlns:a16="http://schemas.microsoft.com/office/drawing/2014/main" id="{F6C37C0A-4044-EE8A-E479-81C643889ADA}"/>
               </a:ext>
             </a:extLst>
           </p:cNvPr>
@@ -12874,56 +13218,26 @@
         </p:nvSpPr>
         <p:spPr/>
         <p:txBody>
-          <a:bodyPr/>
-          <a:lstStyle/>
-          <a:p>
-            <a:r>
-              <a:rPr lang="en-US" dirty="0"/>
-              <a:t>What are programmers’ goals? </a:t>
-            </a:r>
-            <a:r>
-              <a:rPr lang="en-US" b="1" dirty="0"/>
-              <a:t>Requirements-gathering</a:t>
-            </a:r>
-            <a:r>
-              <a:rPr lang="en-US" dirty="0"/>
-              <a:t> = find out</a:t>
-            </a:r>
-          </a:p>
-          <a:p>
-            <a:r>
-              <a:rPr lang="en-US" dirty="0"/>
-              <a:t>We just scratch surface, focus on one of several groups of people:</a:t>
-            </a:r>
-          </a:p>
-          <a:p>
-            <a:pPr lvl="1"/>
-            <a:r>
-              <a:rPr lang="en-US" dirty="0"/>
-              <a:t>Professional programmers</a:t>
-            </a:r>
-          </a:p>
-          <a:p>
-            <a:pPr lvl="1"/>
-            <a:r>
-              <a:rPr lang="en-US" dirty="0"/>
-              <a:t>Student programmers</a:t>
-            </a:r>
-          </a:p>
-          <a:p>
-            <a:pPr lvl="1"/>
-            <a:r>
-              <a:rPr lang="en-US" dirty="0"/>
-              <a:t>The language designer</a:t>
-            </a:r>
-          </a:p>
-          <a:p>
-            <a:pPr marL="201168" lvl="1" indent="0">
-              <a:buNone/>
-            </a:pPr>
-            <a:r>
-              <a:rPr lang="en-US" b="1" dirty="0"/>
-              <a:t>What are tradeoffs of focusing on given groups?</a:t>
+          <a:bodyPr>
+            <a:normAutofit/>
+          </a:bodyPr>
+          <a:lstStyle/>
+          <a:p>
+            <a:r>
+              <a:rPr lang="en-US" dirty="0"/>
+              <a:t>Who: People who program for a living</a:t>
+            </a:r>
+          </a:p>
+          <a:p>
+            <a:r>
+              <a:rPr lang="en-US" dirty="0"/>
+              <a:t>Benefits: Potential for outsized impact, because professionals spend a large fraction of their time programming</a:t>
+            </a:r>
+          </a:p>
+          <a:p>
+            <a:r>
+              <a:rPr lang="en-US" dirty="0"/>
+              <a:t>Limitations: Professionals have significant experience with existing languages and tools. Their stated goals could be biased toward existing technology</a:t>
             </a:r>
           </a:p>
         </p:txBody>
@@ -12933,7 +13247,7 @@
           <p:cNvPr id="4" name="Slide Number Placeholder 3">
             <a:extLst>
               <a:ext uri="{FF2B5EF4-FFF2-40B4-BE49-F238E27FC236}">
-                <a16:creationId xmlns:a16="http://schemas.microsoft.com/office/drawing/2014/main" id="{FD112396-0092-0CD1-8807-14F4AA11CC86}"/>
+                <a16:creationId xmlns:a16="http://schemas.microsoft.com/office/drawing/2014/main" id="{4E6118E6-F48D-4F18-2A9F-2297871C019D}"/>
               </a:ext>
             </a:extLst>
           </p:cNvPr>
@@ -12960,7 +13274,7 @@
     </p:spTree>
     <p:extLst>
       <p:ext uri="{BB962C8B-B14F-4D97-AF65-F5344CB8AC3E}">
-        <p14:creationId xmlns:p14="http://schemas.microsoft.com/office/powerpoint/2010/main" val="448983052"/>
+        <p14:creationId xmlns:p14="http://schemas.microsoft.com/office/powerpoint/2010/main" val="1051214588"/>
       </p:ext>
     </p:extLst>
   </p:cSld>
@@ -12992,7 +13306,7 @@
           <p:cNvPr id="2" name="Title 1">
             <a:extLst>
               <a:ext uri="{FF2B5EF4-FFF2-40B4-BE49-F238E27FC236}">
-                <a16:creationId xmlns:a16="http://schemas.microsoft.com/office/drawing/2014/main" id="{8AE6B460-437F-FFE8-D12C-629D7ACA5445}"/>
+                <a16:creationId xmlns:a16="http://schemas.microsoft.com/office/drawing/2014/main" id="{34883BE2-511B-491D-C350-0250C113365F}"/>
               </a:ext>
             </a:extLst>
           </p:cNvPr>
@@ -13005,14 +13319,12 @@
         </p:nvSpPr>
         <p:spPr/>
         <p:txBody>
-          <a:bodyPr>
-            <a:normAutofit/>
-          </a:bodyPr>
-          <a:lstStyle/>
-          <a:p>
-            <a:r>
-              <a:rPr lang="en-US" sz="4600" dirty="0"/>
-              <a:t>Goal-Setting for Professional Programmers</a:t>
+          <a:bodyPr/>
+          <a:lstStyle/>
+          <a:p>
+            <a:r>
+              <a:rPr lang="en-US" dirty="0"/>
+              <a:t>Goal-Setting for Students</a:t>
             </a:r>
           </a:p>
         </p:txBody>
@@ -13022,7 +13334,7 @@
           <p:cNvPr id="3" name="Content Placeholder 2">
             <a:extLst>
               <a:ext uri="{FF2B5EF4-FFF2-40B4-BE49-F238E27FC236}">
-                <a16:creationId xmlns:a16="http://schemas.microsoft.com/office/drawing/2014/main" id="{F6C37C0A-4044-EE8A-E479-81C643889ADA}"/>
+                <a16:creationId xmlns:a16="http://schemas.microsoft.com/office/drawing/2014/main" id="{FF692C72-790E-2A77-8777-5B83F70C459C}"/>
               </a:ext>
             </a:extLst>
           </p:cNvPr>
@@ -13035,26 +13347,24 @@
         </p:nvSpPr>
         <p:spPr/>
         <p:txBody>
-          <a:bodyPr>
-            <a:normAutofit/>
-          </a:bodyPr>
-          <a:lstStyle/>
-          <a:p>
-            <a:r>
-              <a:rPr lang="en-US" dirty="0"/>
-              <a:t>Who: People who program for a living</a:t>
-            </a:r>
-          </a:p>
-          <a:p>
-            <a:r>
-              <a:rPr lang="en-US" dirty="0"/>
-              <a:t>Benefits: Potential for outsized impact, because professionals spend a large fraction of their time programming</a:t>
-            </a:r>
-          </a:p>
-          <a:p>
-            <a:r>
-              <a:rPr lang="en-US" dirty="0"/>
-              <a:t>Limitations: Professionals have significant experience with existing languages and tools. Their stated goals could be biased toward existing technology</a:t>
+          <a:bodyPr/>
+          <a:lstStyle/>
+          <a:p>
+            <a:r>
+              <a:rPr lang="en-US" dirty="0"/>
+              <a:t>Who: Anyone who is studying PLs in a formal educational setting prior to starting full-time permanent employment</a:t>
+            </a:r>
+          </a:p>
+          <a:p>
+            <a:r>
+              <a:rPr lang="en-US" dirty="0"/>
+              <a:t>Strengths: May be more open to creative, radical designs, due to shorter term of experience with previous tools</a:t>
+            </a:r>
+          </a:p>
+          <a:p>
+            <a:r>
+              <a:rPr lang="en-US" dirty="0"/>
+              <a:t>Limitations: Classroom programming emphasizes small programs over large programs, and student experience may over-represent small programs</a:t>
             </a:r>
           </a:p>
         </p:txBody>
@@ -13064,7 +13374,7 @@
           <p:cNvPr id="4" name="Slide Number Placeholder 3">
             <a:extLst>
               <a:ext uri="{FF2B5EF4-FFF2-40B4-BE49-F238E27FC236}">
-                <a16:creationId xmlns:a16="http://schemas.microsoft.com/office/drawing/2014/main" id="{4E6118E6-F48D-4F18-2A9F-2297871C019D}"/>
+                <a16:creationId xmlns:a16="http://schemas.microsoft.com/office/drawing/2014/main" id="{4C82B3B4-5546-3F4E-AC69-63726F67FD00}"/>
               </a:ext>
             </a:extLst>
           </p:cNvPr>
@@ -13091,7 +13401,7 @@
     </p:spTree>
     <p:extLst>
       <p:ext uri="{BB962C8B-B14F-4D97-AF65-F5344CB8AC3E}">
-        <p14:creationId xmlns:p14="http://schemas.microsoft.com/office/powerpoint/2010/main" val="1051214588"/>
+        <p14:creationId xmlns:p14="http://schemas.microsoft.com/office/powerpoint/2010/main" val="1581919216"/>
       </p:ext>
     </p:extLst>
   </p:cSld>
@@ -13123,7 +13433,7 @@
           <p:cNvPr id="2" name="Title 1">
             <a:extLst>
               <a:ext uri="{FF2B5EF4-FFF2-40B4-BE49-F238E27FC236}">
-                <a16:creationId xmlns:a16="http://schemas.microsoft.com/office/drawing/2014/main" id="{34883BE2-511B-491D-C350-0250C113365F}"/>
+                <a16:creationId xmlns:a16="http://schemas.microsoft.com/office/drawing/2014/main" id="{4C25DAEC-809F-6EAF-6A42-7CAC6372CCD8}"/>
               </a:ext>
             </a:extLst>
           </p:cNvPr>
@@ -13141,7 +13451,7 @@
           <a:p>
             <a:r>
               <a:rPr lang="en-US" dirty="0"/>
-              <a:t>Goal-Setting for Students</a:t>
+              <a:t>PL Designers Have Personal Goals</a:t>
             </a:r>
           </a:p>
         </p:txBody>
@@ -13151,7 +13461,7 @@
           <p:cNvPr id="3" name="Content Placeholder 2">
             <a:extLst>
               <a:ext uri="{FF2B5EF4-FFF2-40B4-BE49-F238E27FC236}">
-                <a16:creationId xmlns:a16="http://schemas.microsoft.com/office/drawing/2014/main" id="{FF692C72-790E-2A77-8777-5B83F70C459C}"/>
+                <a16:creationId xmlns:a16="http://schemas.microsoft.com/office/drawing/2014/main" id="{43EF282E-046B-59E9-22DE-B28996E35453}"/>
               </a:ext>
             </a:extLst>
           </p:cNvPr>
@@ -13169,19 +13479,25 @@
           <a:p>
             <a:r>
               <a:rPr lang="en-US" dirty="0"/>
-              <a:t>Who: Anyone who is studying PLs in a formal educational setting prior to starting full-time permanent employment</a:t>
-            </a:r>
-          </a:p>
-          <a:p>
-            <a:r>
-              <a:rPr lang="en-US" dirty="0"/>
-              <a:t>Strengths: May be more open to creative, radical designs, due to shorter term of experience with previous tools</a:t>
-            </a:r>
-          </a:p>
-          <a:p>
-            <a:r>
-              <a:rPr lang="en-US" dirty="0"/>
-              <a:t>Limitations: Classroom programming emphasizes small programs over large programs, and student experience may over-represent small programs</a:t>
+              <a:t>Should PL designers embrace their own personal goals?</a:t>
+            </a:r>
+          </a:p>
+          <a:p>
+            <a:r>
+              <a:rPr lang="en-US" dirty="0"/>
+              <a:t>Who: People who design a PL, for any reason</a:t>
+            </a:r>
+          </a:p>
+          <a:p>
+            <a:r>
+              <a:rPr lang="en-US" dirty="0"/>
+              <a:t>Strengths: Increase designer motivation. Increase variety of proposed designs.</a:t>
+            </a:r>
+          </a:p>
+          <a:p>
+            <a:r>
+              <a:rPr lang="en-US" dirty="0"/>
+              <a:t>Limitations: May significantly limit audience</a:t>
             </a:r>
           </a:p>
         </p:txBody>
@@ -13191,7 +13507,7 @@
           <p:cNvPr id="4" name="Slide Number Placeholder 3">
             <a:extLst>
               <a:ext uri="{FF2B5EF4-FFF2-40B4-BE49-F238E27FC236}">
-                <a16:creationId xmlns:a16="http://schemas.microsoft.com/office/drawing/2014/main" id="{4C82B3B4-5546-3F4E-AC69-63726F67FD00}"/>
+                <a16:creationId xmlns:a16="http://schemas.microsoft.com/office/drawing/2014/main" id="{5079360D-C424-C768-0C34-D7DB537B7B77}"/>
               </a:ext>
             </a:extLst>
           </p:cNvPr>
@@ -13218,7 +13534,7 @@
     </p:spTree>
     <p:extLst>
       <p:ext uri="{BB962C8B-B14F-4D97-AF65-F5344CB8AC3E}">
-        <p14:creationId xmlns:p14="http://schemas.microsoft.com/office/powerpoint/2010/main" val="1581919216"/>
+        <p14:creationId xmlns:p14="http://schemas.microsoft.com/office/powerpoint/2010/main" val="419086183"/>
       </p:ext>
     </p:extLst>
   </p:cSld>
@@ -13250,7 +13566,7 @@
           <p:cNvPr id="2" name="Title 1">
             <a:extLst>
               <a:ext uri="{FF2B5EF4-FFF2-40B4-BE49-F238E27FC236}">
-                <a16:creationId xmlns:a16="http://schemas.microsoft.com/office/drawing/2014/main" id="{4C25DAEC-809F-6EAF-6A42-7CAC6372CCD8}"/>
+                <a16:creationId xmlns:a16="http://schemas.microsoft.com/office/drawing/2014/main" id="{E3C4C7F6-9062-F49C-2F6A-5CE8D72C87A6}"/>
               </a:ext>
             </a:extLst>
           </p:cNvPr>
@@ -13268,7 +13584,7 @@
           <a:p>
             <a:r>
               <a:rPr lang="en-US" dirty="0"/>
-              <a:t>PL Designers Have Personal Goals</a:t>
+              <a:t>Example Statement of Goals:</a:t>
             </a:r>
           </a:p>
         </p:txBody>
@@ -13278,7 +13594,7 @@
           <p:cNvPr id="3" name="Content Placeholder 2">
             <a:extLst>
               <a:ext uri="{FF2B5EF4-FFF2-40B4-BE49-F238E27FC236}">
-                <a16:creationId xmlns:a16="http://schemas.microsoft.com/office/drawing/2014/main" id="{43EF282E-046B-59E9-22DE-B28996E35453}"/>
+                <a16:creationId xmlns:a16="http://schemas.microsoft.com/office/drawing/2014/main" id="{85341CF4-1726-EC24-DED8-45C3B85EC611}"/>
               </a:ext>
             </a:extLst>
           </p:cNvPr>
@@ -13291,30 +13607,32 @@
         </p:nvSpPr>
         <p:spPr/>
         <p:txBody>
-          <a:bodyPr/>
-          <a:lstStyle/>
-          <a:p>
-            <a:r>
-              <a:rPr lang="en-US" dirty="0"/>
-              <a:t>Should PL designers embrace their own personal goals?</a:t>
-            </a:r>
-          </a:p>
-          <a:p>
-            <a:r>
-              <a:rPr lang="en-US" dirty="0"/>
-              <a:t>Who: People who design a PL, for any reason</a:t>
-            </a:r>
-          </a:p>
-          <a:p>
-            <a:r>
-              <a:rPr lang="en-US" dirty="0"/>
-              <a:t>Strengths: Increase designer motivation. Increase variety of proposed designs.</a:t>
-            </a:r>
-          </a:p>
-          <a:p>
-            <a:r>
-              <a:rPr lang="en-US" dirty="0"/>
-              <a:t>Limitations: May significantly limit audience</a:t>
+          <a:bodyPr>
+            <a:normAutofit fontScale="92500" lnSpcReduction="10000"/>
+          </a:bodyPr>
+          <a:lstStyle/>
+          <a:p>
+            <a:r>
+              <a:rPr lang="en-US" dirty="0"/>
+              <a:t>Who: Professional programmers working on low-level systems software, e.g., software which must interface directly with hardware or operating system functionality</a:t>
+            </a:r>
+          </a:p>
+          <a:p>
+            <a:r>
+              <a:rPr lang="en-US" dirty="0"/>
+              <a:t>Tasks: Eliminate memory errors such as double frees, use-after-frees, and memory leaks from their code</a:t>
+            </a:r>
+          </a:p>
+          <a:p>
+            <a:r>
+              <a:rPr lang="en-US" dirty="0"/>
+              <a:t>Context: The programmers are paid contributors of an open-source programming project with decentralized project planning among a globally-distributed mixture of paid and volunteer programmers of different experience levels</a:t>
+            </a:r>
+          </a:p>
+          <a:p>
+            <a:r>
+              <a:rPr lang="en-US" b="1" dirty="0"/>
+              <a:t>More examples in textbook</a:t>
             </a:r>
           </a:p>
         </p:txBody>
@@ -13324,7 +13642,7 @@
           <p:cNvPr id="4" name="Slide Number Placeholder 3">
             <a:extLst>
               <a:ext uri="{FF2B5EF4-FFF2-40B4-BE49-F238E27FC236}">
-                <a16:creationId xmlns:a16="http://schemas.microsoft.com/office/drawing/2014/main" id="{5079360D-C424-C768-0C34-D7DB537B7B77}"/>
+                <a16:creationId xmlns:a16="http://schemas.microsoft.com/office/drawing/2014/main" id="{616D00DD-C15F-1A2F-9BC6-0EA1007CF732}"/>
               </a:ext>
             </a:extLst>
           </p:cNvPr>
@@ -13351,7 +13669,7 @@
     </p:spTree>
     <p:extLst>
       <p:ext uri="{BB962C8B-B14F-4D97-AF65-F5344CB8AC3E}">
-        <p14:creationId xmlns:p14="http://schemas.microsoft.com/office/powerpoint/2010/main" val="419086183"/>
+        <p14:creationId xmlns:p14="http://schemas.microsoft.com/office/powerpoint/2010/main" val="2667541621"/>
       </p:ext>
     </p:extLst>
   </p:cSld>
@@ -13383,7 +13701,7 @@
           <p:cNvPr id="2" name="Title 1">
             <a:extLst>
               <a:ext uri="{FF2B5EF4-FFF2-40B4-BE49-F238E27FC236}">
-                <a16:creationId xmlns:a16="http://schemas.microsoft.com/office/drawing/2014/main" id="{E3C4C7F6-9062-F49C-2F6A-5CE8D72C87A6}"/>
+                <a16:creationId xmlns:a16="http://schemas.microsoft.com/office/drawing/2014/main" id="{CB0E626F-FADC-4679-6D4A-0EDADD8EE8AE}"/>
               </a:ext>
             </a:extLst>
           </p:cNvPr>
@@ -13401,7 +13719,7 @@
           <a:p>
             <a:r>
               <a:rPr lang="en-US" dirty="0"/>
-              <a:t>Example Statement of Goals:</a:t>
+              <a:t>Satisfaction</a:t>
             </a:r>
           </a:p>
         </p:txBody>
@@ -13411,7 +13729,7 @@
           <p:cNvPr id="3" name="Content Placeholder 2">
             <a:extLst>
               <a:ext uri="{FF2B5EF4-FFF2-40B4-BE49-F238E27FC236}">
-                <a16:creationId xmlns:a16="http://schemas.microsoft.com/office/drawing/2014/main" id="{85341CF4-1726-EC24-DED8-45C3B85EC611}"/>
+                <a16:creationId xmlns:a16="http://schemas.microsoft.com/office/drawing/2014/main" id="{D75EAC9D-060E-31FC-FFAC-F46D7CF6EE66}"/>
               </a:ext>
             </a:extLst>
           </p:cNvPr>
@@ -13424,33 +13742,73 @@
         </p:nvSpPr>
         <p:spPr/>
         <p:txBody>
-          <a:bodyPr>
-            <a:normAutofit fontScale="92500" lnSpcReduction="10000"/>
-          </a:bodyPr>
-          <a:lstStyle/>
-          <a:p>
-            <a:r>
-              <a:rPr lang="en-US" dirty="0"/>
-              <a:t>Who: Professional programmers working on low-level systems software, e.g., software which must interface directly with hardware or operating system functionality</a:t>
-            </a:r>
-          </a:p>
-          <a:p>
-            <a:r>
-              <a:rPr lang="en-US" dirty="0"/>
-              <a:t>Tasks: Eliminate memory errors such as double frees, use-after-frees, and memory leaks from their code</a:t>
-            </a:r>
-          </a:p>
-          <a:p>
-            <a:r>
-              <a:rPr lang="en-US" dirty="0"/>
-              <a:t>Context: The programmers are paid contributors of an open-source programming project with decentralized project planning among a globally-distributed mixture of paid and volunteer programmers of different experience levels</a:t>
-            </a:r>
-          </a:p>
-          <a:p>
+          <a:bodyPr/>
+          <a:lstStyle/>
+          <a:p>
+            <a:r>
+              <a:rPr lang="en-US" dirty="0"/>
+              <a:t>Satisfaction is a key part of usability – ISO Standard</a:t>
+            </a:r>
+          </a:p>
+          <a:p>
+            <a:r>
+              <a:rPr lang="en-US" dirty="0"/>
+              <a:t>How do we know? We ask people. But this has limitations</a:t>
+            </a:r>
+          </a:p>
+          <a:p>
+            <a:pPr lvl="1"/>
+            <a:r>
+              <a:rPr lang="en-US" dirty="0"/>
+              <a:t>If you ask face-to-face and they think you are the designer, number goes up</a:t>
+            </a:r>
+          </a:p>
+          <a:p>
+            <a:pPr lvl="1"/>
+            <a:r>
+              <a:rPr lang="en-US" dirty="0"/>
+              <a:t>If you ask using an interpreter/translator, number goes up</a:t>
+            </a:r>
+          </a:p>
+          <a:p>
+            <a:r>
+              <a:rPr lang="en-US" dirty="0"/>
+              <a:t>Numeric ratings are limited</a:t>
+            </a:r>
+          </a:p>
+          <a:p>
+            <a:pPr lvl="1"/>
+            <a:r>
+              <a:rPr lang="en-US" dirty="0"/>
+              <a:t>Often used for </a:t>
+            </a:r>
             <a:r>
               <a:rPr lang="en-US" b="1" dirty="0"/>
-              <a:t>More examples in textbook</a:t>
-            </a:r>
+              <a:t>summative </a:t>
+            </a:r>
+            <a:r>
+              <a:rPr lang="en-US" dirty="0"/>
+              <a:t>feedback (“did we succeed?”)</a:t>
+            </a:r>
+          </a:p>
+          <a:p>
+            <a:pPr lvl="1"/>
+            <a:r>
+              <a:rPr lang="en-US" dirty="0"/>
+              <a:t>Often lacks </a:t>
+            </a:r>
+            <a:r>
+              <a:rPr lang="en-US" b="1" dirty="0"/>
+              <a:t>formative </a:t>
+            </a:r>
+            <a:r>
+              <a:rPr lang="en-US" dirty="0"/>
+              <a:t>feedback (“what should we do?”)</a:t>
+            </a:r>
+          </a:p>
+          <a:p>
+            <a:pPr lvl="1"/>
+            <a:endParaRPr lang="en-US" dirty="0"/>
           </a:p>
         </p:txBody>
       </p:sp>
@@ -13459,7 +13817,7 @@
           <p:cNvPr id="4" name="Slide Number Placeholder 3">
             <a:extLst>
               <a:ext uri="{FF2B5EF4-FFF2-40B4-BE49-F238E27FC236}">
-                <a16:creationId xmlns:a16="http://schemas.microsoft.com/office/drawing/2014/main" id="{616D00DD-C15F-1A2F-9BC6-0EA1007CF732}"/>
+                <a16:creationId xmlns:a16="http://schemas.microsoft.com/office/drawing/2014/main" id="{F5F7E5D2-A944-8315-DB3F-F5F1F906F8C8}"/>
               </a:ext>
             </a:extLst>
           </p:cNvPr>
@@ -13486,7 +13844,7 @@
     </p:spTree>
     <p:extLst>
       <p:ext uri="{BB962C8B-B14F-4D97-AF65-F5344CB8AC3E}">
-        <p14:creationId xmlns:p14="http://schemas.microsoft.com/office/powerpoint/2010/main" val="2667541621"/>
+        <p14:creationId xmlns:p14="http://schemas.microsoft.com/office/powerpoint/2010/main" val="2541924924"/>
       </p:ext>
     </p:extLst>
   </p:cSld>
@@ -13518,7 +13876,7 @@
           <p:cNvPr id="2" name="Title 1">
             <a:extLst>
               <a:ext uri="{FF2B5EF4-FFF2-40B4-BE49-F238E27FC236}">
-                <a16:creationId xmlns:a16="http://schemas.microsoft.com/office/drawing/2014/main" id="{CB0E626F-FADC-4679-6D4A-0EDADD8EE8AE}"/>
+                <a16:creationId xmlns:a16="http://schemas.microsoft.com/office/drawing/2014/main" id="{F2868215-7536-F989-B5B7-943198FA5299}"/>
               </a:ext>
             </a:extLst>
           </p:cNvPr>
@@ -13536,7 +13894,7 @@
           <a:p>
             <a:r>
               <a:rPr lang="en-US" dirty="0"/>
-              <a:t>Satisfaction</a:t>
+              <a:t>Section: Methodologies + Paradigms</a:t>
             </a:r>
           </a:p>
         </p:txBody>
@@ -13546,7 +13904,7 @@
           <p:cNvPr id="3" name="Content Placeholder 2">
             <a:extLst>
               <a:ext uri="{FF2B5EF4-FFF2-40B4-BE49-F238E27FC236}">
-                <a16:creationId xmlns:a16="http://schemas.microsoft.com/office/drawing/2014/main" id="{D75EAC9D-060E-31FC-FFAC-F46D7CF6EE66}"/>
+                <a16:creationId xmlns:a16="http://schemas.microsoft.com/office/drawing/2014/main" id="{61A84960-1DF6-8E6D-8EF6-E4DE0015B8BC}"/>
               </a:ext>
             </a:extLst>
           </p:cNvPr>
@@ -13564,68 +13922,8 @@
           <a:p>
             <a:r>
               <a:rPr lang="en-US" dirty="0"/>
-              <a:t>Satisfaction is a key part of usability – ISO Standard</a:t>
-            </a:r>
-          </a:p>
-          <a:p>
-            <a:r>
-              <a:rPr lang="en-US" dirty="0"/>
-              <a:t>How do we know? We ask people. But this has limitations</a:t>
-            </a:r>
-          </a:p>
-          <a:p>
-            <a:pPr lvl="1"/>
-            <a:r>
-              <a:rPr lang="en-US" dirty="0"/>
-              <a:t>If you ask face-to-face and they think you are the designer, number goes up</a:t>
-            </a:r>
-          </a:p>
-          <a:p>
-            <a:pPr lvl="1"/>
-            <a:r>
-              <a:rPr lang="en-US" dirty="0"/>
-              <a:t>If you ask using an interpreter/translator, number goes up</a:t>
-            </a:r>
-          </a:p>
-          <a:p>
-            <a:r>
-              <a:rPr lang="en-US" dirty="0"/>
-              <a:t>Numeric ratings are limited</a:t>
-            </a:r>
-          </a:p>
-          <a:p>
-            <a:pPr lvl="1"/>
-            <a:r>
-              <a:rPr lang="en-US" dirty="0"/>
-              <a:t>Often used for </a:t>
-            </a:r>
-            <a:r>
-              <a:rPr lang="en-US" b="1" dirty="0"/>
-              <a:t>summative </a:t>
-            </a:r>
-            <a:r>
-              <a:rPr lang="en-US" dirty="0"/>
-              <a:t>feedback (“did we succeed?”)</a:t>
-            </a:r>
-          </a:p>
-          <a:p>
-            <a:pPr lvl="1"/>
-            <a:r>
-              <a:rPr lang="en-US" dirty="0"/>
-              <a:t>Often lacks </a:t>
-            </a:r>
-            <a:r>
-              <a:rPr lang="en-US" b="1" dirty="0"/>
-              <a:t>formative </a:t>
-            </a:r>
-            <a:r>
-              <a:rPr lang="en-US" dirty="0"/>
-              <a:t>feedback (“what should we do?”)</a:t>
-            </a:r>
-          </a:p>
-          <a:p>
-            <a:pPr lvl="1"/>
-            <a:endParaRPr lang="en-US" dirty="0"/>
+              <a:t>Let’s outline major techniques for studying users</a:t>
+            </a:r>
           </a:p>
         </p:txBody>
       </p:sp>
@@ -13634,7 +13932,7 @@
           <p:cNvPr id="4" name="Slide Number Placeholder 3">
             <a:extLst>
               <a:ext uri="{FF2B5EF4-FFF2-40B4-BE49-F238E27FC236}">
-                <a16:creationId xmlns:a16="http://schemas.microsoft.com/office/drawing/2014/main" id="{F5F7E5D2-A944-8315-DB3F-F5F1F906F8C8}"/>
+                <a16:creationId xmlns:a16="http://schemas.microsoft.com/office/drawing/2014/main" id="{F85E33CA-C632-6741-617C-8F94E26AA4B1}"/>
               </a:ext>
             </a:extLst>
           </p:cNvPr>
@@ -13661,7 +13959,7 @@
     </p:spTree>
     <p:extLst>
       <p:ext uri="{BB962C8B-B14F-4D97-AF65-F5344CB8AC3E}">
-        <p14:creationId xmlns:p14="http://schemas.microsoft.com/office/powerpoint/2010/main" val="2541924924"/>
+        <p14:creationId xmlns:p14="http://schemas.microsoft.com/office/powerpoint/2010/main" val="3527546795"/>
       </p:ext>
     </p:extLst>
   </p:cSld>
@@ -13693,7 +13991,7 @@
           <p:cNvPr id="2" name="Title 1">
             <a:extLst>
               <a:ext uri="{FF2B5EF4-FFF2-40B4-BE49-F238E27FC236}">
-                <a16:creationId xmlns:a16="http://schemas.microsoft.com/office/drawing/2014/main" id="{F2868215-7536-F989-B5B7-943198FA5299}"/>
+                <a16:creationId xmlns:a16="http://schemas.microsoft.com/office/drawing/2014/main" id="{4A9CBD95-7906-C329-33BA-0CAE6F2F907D}"/>
               </a:ext>
             </a:extLst>
           </p:cNvPr>
@@ -13711,7 +14009,7 @@
           <a:p>
             <a:r>
               <a:rPr lang="en-US" dirty="0"/>
-              <a:t>Section: Methodologies + Paradigms</a:t>
+              <a:t>Quantitative Paradigm</a:t>
             </a:r>
           </a:p>
         </p:txBody>
@@ -13721,7 +14019,7 @@
           <p:cNvPr id="3" name="Content Placeholder 2">
             <a:extLst>
               <a:ext uri="{FF2B5EF4-FFF2-40B4-BE49-F238E27FC236}">
-                <a16:creationId xmlns:a16="http://schemas.microsoft.com/office/drawing/2014/main" id="{61A84960-1DF6-8E6D-8EF6-E4DE0015B8BC}"/>
+                <a16:creationId xmlns:a16="http://schemas.microsoft.com/office/drawing/2014/main" id="{2300187A-C415-B385-8FA3-CDF591C03964}"/>
               </a:ext>
             </a:extLst>
           </p:cNvPr>
@@ -13739,8 +14037,61 @@
           <a:p>
             <a:r>
               <a:rPr lang="en-US" dirty="0"/>
-              <a:t>Let’s outline major techniques for studying users</a:t>
-            </a:r>
+              <a:t>Emphasis on numeric (i.e., quantitative data)</a:t>
+            </a:r>
+          </a:p>
+          <a:p>
+            <a:r>
+              <a:rPr lang="en-US" dirty="0"/>
+              <a:t>Uses statistics to interpret data </a:t>
+            </a:r>
+          </a:p>
+          <a:p>
+            <a:r>
+              <a:rPr lang="en-US" dirty="0"/>
+              <a:t>Size and diversity of data samples are emphasized</a:t>
+            </a:r>
+          </a:p>
+          <a:p>
+            <a:r>
+              <a:rPr lang="en-US" dirty="0"/>
+              <a:t>Example methods:</a:t>
+            </a:r>
+          </a:p>
+          <a:p>
+            <a:pPr lvl="1"/>
+            <a:r>
+              <a:rPr lang="en-US" dirty="0"/>
+              <a:t>Numeric questions on surveys</a:t>
+            </a:r>
+          </a:p>
+          <a:p>
+            <a:pPr lvl="1"/>
+            <a:r>
+              <a:rPr lang="en-US" dirty="0"/>
+              <a:t>Count how long tasks take</a:t>
+            </a:r>
+          </a:p>
+          <a:p>
+            <a:pPr lvl="1"/>
+            <a:r>
+              <a:rPr lang="en-US" dirty="0"/>
+              <a:t>Count how many tasks are completely correctly</a:t>
+            </a:r>
+          </a:p>
+          <a:p>
+            <a:pPr marL="201168" lvl="1" indent="0">
+              <a:buNone/>
+            </a:pPr>
+            <a:r>
+              <a:rPr lang="en-US" b="1" dirty="0"/>
+              <a:t>Question: </a:t>
+            </a:r>
+            <a:r>
+              <a:rPr lang="en-US" dirty="0"/>
+              <a:t>Which of these measures efficiency, which for effectiveness?</a:t>
+            </a:r>
+            <a:endParaRPr lang="en-US" b="1" dirty="0"/>
           </a:p>
         </p:txBody>
       </p:sp>
@@ -13749,7 +14100,7 @@
           <p:cNvPr id="4" name="Slide Number Placeholder 3">
             <a:extLst>
               <a:ext uri="{FF2B5EF4-FFF2-40B4-BE49-F238E27FC236}">
-                <a16:creationId xmlns:a16="http://schemas.microsoft.com/office/drawing/2014/main" id="{F85E33CA-C632-6741-617C-8F94E26AA4B1}"/>
+                <a16:creationId xmlns:a16="http://schemas.microsoft.com/office/drawing/2014/main" id="{4975D96A-94D9-5045-5391-8C3CEE6BC48B}"/>
               </a:ext>
             </a:extLst>
           </p:cNvPr>
@@ -13776,7 +14127,7 @@
     </p:spTree>
     <p:extLst>
       <p:ext uri="{BB962C8B-B14F-4D97-AF65-F5344CB8AC3E}">
-        <p14:creationId xmlns:p14="http://schemas.microsoft.com/office/powerpoint/2010/main" val="3527546795"/>
+        <p14:creationId xmlns:p14="http://schemas.microsoft.com/office/powerpoint/2010/main" val="2453170968"/>
       </p:ext>
     </p:extLst>
   </p:cSld>
@@ -13808,7 +14159,7 @@
           <p:cNvPr id="2" name="Title 1">
             <a:extLst>
               <a:ext uri="{FF2B5EF4-FFF2-40B4-BE49-F238E27FC236}">
-                <a16:creationId xmlns:a16="http://schemas.microsoft.com/office/drawing/2014/main" id="{4A9CBD95-7906-C329-33BA-0CAE6F2F907D}"/>
+                <a16:creationId xmlns:a16="http://schemas.microsoft.com/office/drawing/2014/main" id="{62D3163D-7E1A-2934-C990-56B1B11316BE}"/>
               </a:ext>
             </a:extLst>
           </p:cNvPr>
@@ -13826,7 +14177,7 @@
           <a:p>
             <a:r>
               <a:rPr lang="en-US" dirty="0"/>
-              <a:t>Quantitative Paradigm</a:t>
+              <a:t>Qualitative Paradigm</a:t>
             </a:r>
           </a:p>
         </p:txBody>
@@ -13836,7 +14187,7 @@
           <p:cNvPr id="3" name="Content Placeholder 2">
             <a:extLst>
               <a:ext uri="{FF2B5EF4-FFF2-40B4-BE49-F238E27FC236}">
-                <a16:creationId xmlns:a16="http://schemas.microsoft.com/office/drawing/2014/main" id="{2300187A-C415-B385-8FA3-CDF591C03964}"/>
+                <a16:creationId xmlns:a16="http://schemas.microsoft.com/office/drawing/2014/main" id="{CFAFA70B-EB3B-C523-18CB-446CDA3752F1}"/>
               </a:ext>
             </a:extLst>
           </p:cNvPr>
@@ -13854,19 +14205,13 @@
           <a:p>
             <a:r>
               <a:rPr lang="en-US" dirty="0"/>
-              <a:t>Emphasis on numeric (i.e., quantitative data)</a:t>
-            </a:r>
-          </a:p>
-          <a:p>
-            <a:r>
-              <a:rPr lang="en-US" dirty="0"/>
-              <a:t>Uses statistics to interpret data </a:t>
-            </a:r>
-          </a:p>
-          <a:p>
-            <a:r>
-              <a:rPr lang="en-US" dirty="0"/>
-              <a:t>Size and diversity of data samples are emphasized</a:t>
+              <a:t>Emphasize the depth and quality of data, often at the expense of quantity of data</a:t>
+            </a:r>
+          </a:p>
+          <a:p>
+            <a:r>
+              <a:rPr lang="en-US" dirty="0"/>
+              <a:t>Often emphasize data which cannot be reduced to numbers</a:t>
             </a:r>
           </a:p>
           <a:p>
@@ -13879,36 +14224,36 @@
             <a:pPr lvl="1"/>
             <a:r>
               <a:rPr lang="en-US" dirty="0"/>
-              <a:t>Numeric questions on surveys</a:t>
+              <a:t>Written survey questions</a:t>
             </a:r>
           </a:p>
           <a:p>
             <a:pPr lvl="1"/>
             <a:r>
               <a:rPr lang="en-US" dirty="0"/>
-              <a:t>Count how long tasks take</a:t>
+              <a:t>Interviews</a:t>
             </a:r>
           </a:p>
           <a:p>
             <a:pPr lvl="1"/>
             <a:r>
               <a:rPr lang="en-US" dirty="0"/>
-              <a:t>Count how many tasks are completely correctly</a:t>
-            </a:r>
-          </a:p>
-          <a:p>
-            <a:pPr marL="201168" lvl="1" indent="0">
-              <a:buNone/>
-            </a:pPr>
-            <a:r>
-              <a:rPr lang="en-US" b="1" dirty="0"/>
-              <a:t>Question: </a:t>
-            </a:r>
-            <a:r>
-              <a:rPr lang="en-US" dirty="0"/>
-              <a:t>Which of these measures efficiency, which for effectiveness?</a:t>
-            </a:r>
-            <a:endParaRPr lang="en-US" b="1" dirty="0"/>
+              <a:t>Think-aloud exercises</a:t>
+            </a:r>
+          </a:p>
+          <a:p>
+            <a:pPr lvl="1"/>
+            <a:r>
+              <a:rPr lang="en-US" dirty="0"/>
+              <a:t>Focus groups</a:t>
+            </a:r>
+          </a:p>
+          <a:p>
+            <a:pPr lvl="1"/>
+            <a:r>
+              <a:rPr lang="en-US" dirty="0"/>
+              <a:t>Thematic analysis + grounded theory (interpreting qualitative data)</a:t>
+            </a:r>
           </a:p>
         </p:txBody>
       </p:sp>
@@ -13917,7 +14262,7 @@
           <p:cNvPr id="4" name="Slide Number Placeholder 3">
             <a:extLst>
               <a:ext uri="{FF2B5EF4-FFF2-40B4-BE49-F238E27FC236}">
-                <a16:creationId xmlns:a16="http://schemas.microsoft.com/office/drawing/2014/main" id="{4975D96A-94D9-5045-5391-8C3CEE6BC48B}"/>
+                <a16:creationId xmlns:a16="http://schemas.microsoft.com/office/drawing/2014/main" id="{07A1FF02-DB59-BE3E-56E4-0C628A9A3D28}"/>
               </a:ext>
             </a:extLst>
           </p:cNvPr>
@@ -13944,7 +14289,7 @@
     </p:spTree>
     <p:extLst>
       <p:ext uri="{BB962C8B-B14F-4D97-AF65-F5344CB8AC3E}">
-        <p14:creationId xmlns:p14="http://schemas.microsoft.com/office/powerpoint/2010/main" val="2453170968"/>
+        <p14:creationId xmlns:p14="http://schemas.microsoft.com/office/powerpoint/2010/main" val="724045798"/>
       </p:ext>
     </p:extLst>
   </p:cSld>
@@ -13976,7 +14321,7 @@
           <p:cNvPr id="2" name="Title 1">
             <a:extLst>
               <a:ext uri="{FF2B5EF4-FFF2-40B4-BE49-F238E27FC236}">
-                <a16:creationId xmlns:a16="http://schemas.microsoft.com/office/drawing/2014/main" id="{62D3163D-7E1A-2934-C990-56B1B11316BE}"/>
+                <a16:creationId xmlns:a16="http://schemas.microsoft.com/office/drawing/2014/main" id="{6AE6F19A-C929-8524-0C7D-22C32685BE8C}"/>
               </a:ext>
             </a:extLst>
           </p:cNvPr>
@@ -13994,7 +14339,7 @@
           <a:p>
             <a:r>
               <a:rPr lang="en-US" dirty="0"/>
-              <a:t>Qualitative Paradigm</a:t>
+              <a:t>Qualitative vs. Quantitative?</a:t>
             </a:r>
           </a:p>
         </p:txBody>
@@ -14004,7 +14349,7 @@
           <p:cNvPr id="3" name="Content Placeholder 2">
             <a:extLst>
               <a:ext uri="{FF2B5EF4-FFF2-40B4-BE49-F238E27FC236}">
-                <a16:creationId xmlns:a16="http://schemas.microsoft.com/office/drawing/2014/main" id="{CFAFA70B-EB3B-C523-18CB-446CDA3752F1}"/>
+                <a16:creationId xmlns:a16="http://schemas.microsoft.com/office/drawing/2014/main" id="{63BB9B23-0BE1-A309-F43D-12FB1D7902FA}"/>
               </a:ext>
             </a:extLst>
           </p:cNvPr>
@@ -14022,54 +14367,34 @@
           <a:p>
             <a:r>
               <a:rPr lang="en-US" dirty="0"/>
-              <a:t>Emphasize the depth and quality of data, often at the expense of quantity of data</a:t>
-            </a:r>
-          </a:p>
-          <a:p>
-            <a:r>
-              <a:rPr lang="en-US" dirty="0"/>
-              <a:t>Often emphasize data which cannot be reduced to numbers</a:t>
-            </a:r>
-          </a:p>
-          <a:p>
-            <a:r>
-              <a:rPr lang="en-US" dirty="0"/>
-              <a:t>Example methods:</a:t>
+              <a:t>This course emphasizes qualitative data because of their strength at addressing open-ended questions, e.g.:</a:t>
             </a:r>
           </a:p>
           <a:p>
             <a:pPr lvl="1"/>
             <a:r>
               <a:rPr lang="en-US" dirty="0"/>
-              <a:t>Written survey questions</a:t>
+              <a:t>What aspects of a programming language produce the most joy or excitement in the programmers?</a:t>
             </a:r>
           </a:p>
           <a:p>
             <a:pPr lvl="1"/>
             <a:r>
               <a:rPr lang="en-US" dirty="0"/>
-              <a:t>Interviews</a:t>
+              <a:t>What aspects of a programming language produce the most frustration or discouragement in the programmers?</a:t>
             </a:r>
           </a:p>
           <a:p>
             <a:pPr lvl="1"/>
             <a:r>
               <a:rPr lang="en-US" dirty="0"/>
-              <a:t>Think-aloud exercises</a:t>
-            </a:r>
-          </a:p>
-          <a:p>
-            <a:pPr lvl="1"/>
-            <a:r>
-              <a:rPr lang="en-US" dirty="0"/>
-              <a:t>Focus groups</a:t>
-            </a:r>
-          </a:p>
-          <a:p>
-            <a:pPr lvl="1"/>
-            <a:r>
-              <a:rPr lang="en-US" dirty="0"/>
-              <a:t>Thematic analysis + grounded theory (interpreting qualitative data)</a:t>
+              <a:t>How effectively did the design documentation for the programming language communicate the designer’s intentions to the programmers?</a:t>
+            </a:r>
+          </a:p>
+          <a:p>
+            <a:r>
+              <a:rPr lang="en-US" dirty="0"/>
+              <a:t>These methods are often most helpful during design</a:t>
             </a:r>
           </a:p>
         </p:txBody>
@@ -14079,7 +14404,7 @@
           <p:cNvPr id="4" name="Slide Number Placeholder 3">
             <a:extLst>
               <a:ext uri="{FF2B5EF4-FFF2-40B4-BE49-F238E27FC236}">
-                <a16:creationId xmlns:a16="http://schemas.microsoft.com/office/drawing/2014/main" id="{07A1FF02-DB59-BE3E-56E4-0C628A9A3D28}"/>
+                <a16:creationId xmlns:a16="http://schemas.microsoft.com/office/drawing/2014/main" id="{A7727F3D-91C5-27F4-F654-12570533B4DD}"/>
               </a:ext>
             </a:extLst>
           </p:cNvPr>
@@ -14106,7 +14431,7 @@
     </p:spTree>
     <p:extLst>
       <p:ext uri="{BB962C8B-B14F-4D97-AF65-F5344CB8AC3E}">
-        <p14:creationId xmlns:p14="http://schemas.microsoft.com/office/powerpoint/2010/main" val="724045798"/>
+        <p14:creationId xmlns:p14="http://schemas.microsoft.com/office/powerpoint/2010/main" val="4037779743"/>
       </p:ext>
     </p:extLst>
   </p:cSld>
@@ -14289,7 +14614,7 @@
           <p:cNvPr id="2" name="Title 1">
             <a:extLst>
               <a:ext uri="{FF2B5EF4-FFF2-40B4-BE49-F238E27FC236}">
-                <a16:creationId xmlns:a16="http://schemas.microsoft.com/office/drawing/2014/main" id="{6AE6F19A-C929-8524-0C7D-22C32685BE8C}"/>
+                <a16:creationId xmlns:a16="http://schemas.microsoft.com/office/drawing/2014/main" id="{2DCBC40D-C7CB-4B6C-4E66-8C365038AA87}"/>
               </a:ext>
             </a:extLst>
           </p:cNvPr>
@@ -14307,7 +14632,7 @@
           <a:p>
             <a:r>
               <a:rPr lang="en-US" dirty="0"/>
-              <a:t>Qualitative vs. Quantitative?</a:t>
+              <a:t>Generalizability</a:t>
             </a:r>
           </a:p>
         </p:txBody>
@@ -14317,7 +14642,7 @@
           <p:cNvPr id="3" name="Content Placeholder 2">
             <a:extLst>
               <a:ext uri="{FF2B5EF4-FFF2-40B4-BE49-F238E27FC236}">
-                <a16:creationId xmlns:a16="http://schemas.microsoft.com/office/drawing/2014/main" id="{63BB9B23-0BE1-A309-F43D-12FB1D7902FA}"/>
+                <a16:creationId xmlns:a16="http://schemas.microsoft.com/office/drawing/2014/main" id="{B15A3E89-D15A-D73A-2D58-8641E49A0C1C}"/>
               </a:ext>
             </a:extLst>
           </p:cNvPr>
@@ -14330,39 +14655,68 @@
         </p:nvSpPr>
         <p:spPr/>
         <p:txBody>
-          <a:bodyPr/>
-          <a:lstStyle/>
-          <a:p>
-            <a:r>
-              <a:rPr lang="en-US" dirty="0"/>
-              <a:t>This course emphasizes qualitative data because of their strength at addressing open-ended questions, e.g.:</a:t>
+          <a:bodyPr>
+            <a:normAutofit lnSpcReduction="10000"/>
+          </a:bodyPr>
+          <a:lstStyle/>
+          <a:p>
+            <a:r>
+              <a:rPr lang="en-US" dirty="0"/>
+              <a:t>Studies (both qualitative + quantitative) only consider some limited, finite group of people (e.g. in your homework)</a:t>
+            </a:r>
+          </a:p>
+          <a:p>
+            <a:r>
+              <a:rPr lang="en-US" dirty="0"/>
+              <a:t>Recognize the challenges of generalizing results to larger group</a:t>
+            </a:r>
+          </a:p>
+          <a:p>
+            <a:r>
+              <a:rPr lang="en-US" dirty="0"/>
+              <a:t>Strategies for dealing with the challenge:</a:t>
             </a:r>
           </a:p>
           <a:p>
             <a:pPr lvl="1"/>
             <a:r>
               <a:rPr lang="en-US" dirty="0"/>
-              <a:t>What aspects of a programming language produce the most joy or excitement in the programmers?</a:t>
+              <a:t>Don’t claim that results generalize, unless separate evaluation used</a:t>
             </a:r>
           </a:p>
           <a:p>
             <a:pPr lvl="1"/>
             <a:r>
               <a:rPr lang="en-US" dirty="0"/>
-              <a:t>What aspects of a programming language produce the most frustration or discouragement in the programmers?</a:t>
+              <a:t>Increase the number of people</a:t>
+            </a:r>
+          </a:p>
+          <a:p>
+            <a:pPr lvl="2"/>
+            <a:r>
+              <a:rPr lang="en-US" dirty="0"/>
+              <a:t>Challenging if study is time-consuming</a:t>
             </a:r>
           </a:p>
           <a:p>
             <a:pPr lvl="1"/>
             <a:r>
               <a:rPr lang="en-US" dirty="0"/>
-              <a:t>How effectively did the design documentation for the programming language communicate the designer’s intentions to the programmers?</a:t>
-            </a:r>
-          </a:p>
-          <a:p>
-            <a:r>
-              <a:rPr lang="en-US" dirty="0"/>
-              <a:t>These methods are often most helpful during design</a:t>
+              <a:t>Ensure the people belong to the population you care about</a:t>
+            </a:r>
+          </a:p>
+          <a:p>
+            <a:pPr lvl="1"/>
+            <a:r>
+              <a:rPr lang="en-US" dirty="0"/>
+              <a:t>Argue that the people are similar to the population you care about</a:t>
+            </a:r>
+          </a:p>
+          <a:p>
+            <a:pPr lvl="2"/>
+            <a:r>
+              <a:rPr lang="en-US" dirty="0"/>
+              <a:t>Risky</a:t>
             </a:r>
           </a:p>
         </p:txBody>
@@ -14372,7 +14726,7 @@
           <p:cNvPr id="4" name="Slide Number Placeholder 3">
             <a:extLst>
               <a:ext uri="{FF2B5EF4-FFF2-40B4-BE49-F238E27FC236}">
-                <a16:creationId xmlns:a16="http://schemas.microsoft.com/office/drawing/2014/main" id="{A7727F3D-91C5-27F4-F654-12570533B4DD}"/>
+                <a16:creationId xmlns:a16="http://schemas.microsoft.com/office/drawing/2014/main" id="{8D0DA278-D427-AF38-9281-E367B4CD6EDC}"/>
               </a:ext>
             </a:extLst>
           </p:cNvPr>
@@ -14399,7 +14753,7 @@
     </p:spTree>
     <p:extLst>
       <p:ext uri="{BB962C8B-B14F-4D97-AF65-F5344CB8AC3E}">
-        <p14:creationId xmlns:p14="http://schemas.microsoft.com/office/powerpoint/2010/main" val="4037779743"/>
+        <p14:creationId xmlns:p14="http://schemas.microsoft.com/office/powerpoint/2010/main" val="2042440065"/>
       </p:ext>
     </p:extLst>
   </p:cSld>
@@ -14431,7 +14785,7 @@
           <p:cNvPr id="2" name="Title 1">
             <a:extLst>
               <a:ext uri="{FF2B5EF4-FFF2-40B4-BE49-F238E27FC236}">
-                <a16:creationId xmlns:a16="http://schemas.microsoft.com/office/drawing/2014/main" id="{2DCBC40D-C7CB-4B6C-4E66-8C365038AA87}"/>
+                <a16:creationId xmlns:a16="http://schemas.microsoft.com/office/drawing/2014/main" id="{658BB60E-D946-F491-EA03-132B88FD4CB6}"/>
               </a:ext>
             </a:extLst>
           </p:cNvPr>
@@ -14449,7 +14803,7 @@
           <a:p>
             <a:r>
               <a:rPr lang="en-US" dirty="0"/>
-              <a:t>Generalizability</a:t>
+              <a:t>Section: Rhetoric + Aesthetics</a:t>
             </a:r>
           </a:p>
         </p:txBody>
@@ -14459,7 +14813,7 @@
           <p:cNvPr id="3" name="Content Placeholder 2">
             <a:extLst>
               <a:ext uri="{FF2B5EF4-FFF2-40B4-BE49-F238E27FC236}">
-                <a16:creationId xmlns:a16="http://schemas.microsoft.com/office/drawing/2014/main" id="{B15A3E89-D15A-D73A-2D58-8641E49A0C1C}"/>
+                <a16:creationId xmlns:a16="http://schemas.microsoft.com/office/drawing/2014/main" id="{F2BD1838-C078-6D04-9A64-B7B7CA5B8EE7}"/>
               </a:ext>
             </a:extLst>
           </p:cNvPr>
@@ -14472,69 +14826,10 @@
         </p:nvSpPr>
         <p:spPr/>
         <p:txBody>
-          <a:bodyPr>
-            <a:normAutofit lnSpcReduction="10000"/>
-          </a:bodyPr>
-          <a:lstStyle/>
-          <a:p>
-            <a:r>
-              <a:rPr lang="en-US" dirty="0"/>
-              <a:t>Studies (both qualitative + quantitative) only consider some limited, finite group of people (e.g. in your homework)</a:t>
-            </a:r>
-          </a:p>
-          <a:p>
-            <a:r>
-              <a:rPr lang="en-US" dirty="0"/>
-              <a:t>Recognize the challenges of generalizing results to larger group</a:t>
-            </a:r>
-          </a:p>
-          <a:p>
-            <a:r>
-              <a:rPr lang="en-US" dirty="0"/>
-              <a:t>Strategies for dealing with the challenge:</a:t>
-            </a:r>
-          </a:p>
-          <a:p>
-            <a:pPr lvl="1"/>
-            <a:r>
-              <a:rPr lang="en-US" dirty="0"/>
-              <a:t>Don’t claim that results generalize, unless separate evaluation used</a:t>
-            </a:r>
-          </a:p>
-          <a:p>
-            <a:pPr lvl="1"/>
-            <a:r>
-              <a:rPr lang="en-US" dirty="0"/>
-              <a:t>Increase the number of people</a:t>
-            </a:r>
-          </a:p>
-          <a:p>
-            <a:pPr lvl="2"/>
-            <a:r>
-              <a:rPr lang="en-US" dirty="0"/>
-              <a:t>Challenging if study is time-consuming</a:t>
-            </a:r>
-          </a:p>
-          <a:p>
-            <a:pPr lvl="1"/>
-            <a:r>
-              <a:rPr lang="en-US" dirty="0"/>
-              <a:t>Ensure the people belong to the population you care about</a:t>
-            </a:r>
-          </a:p>
-          <a:p>
-            <a:pPr lvl="1"/>
-            <a:r>
-              <a:rPr lang="en-US" dirty="0"/>
-              <a:t>Argue that the people are similar to the population you care about</a:t>
-            </a:r>
-          </a:p>
-          <a:p>
-            <a:pPr lvl="2"/>
-            <a:r>
-              <a:rPr lang="en-US" dirty="0"/>
-              <a:t>Risky</a:t>
-            </a:r>
+          <a:bodyPr/>
+          <a:lstStyle/>
+          <a:p>
+            <a:endParaRPr lang="en-US"/>
           </a:p>
         </p:txBody>
       </p:sp>
@@ -14543,7 +14838,7 @@
           <p:cNvPr id="4" name="Slide Number Placeholder 3">
             <a:extLst>
               <a:ext uri="{FF2B5EF4-FFF2-40B4-BE49-F238E27FC236}">
-                <a16:creationId xmlns:a16="http://schemas.microsoft.com/office/drawing/2014/main" id="{8D0DA278-D427-AF38-9281-E367B4CD6EDC}"/>
+                <a16:creationId xmlns:a16="http://schemas.microsoft.com/office/drawing/2014/main" id="{784A0908-ADD3-10F9-1A11-CE9A4D0195B9}"/>
               </a:ext>
             </a:extLst>
           </p:cNvPr>
@@ -14570,7 +14865,7 @@
     </p:spTree>
     <p:extLst>
       <p:ext uri="{BB962C8B-B14F-4D97-AF65-F5344CB8AC3E}">
-        <p14:creationId xmlns:p14="http://schemas.microsoft.com/office/powerpoint/2010/main" val="2042440065"/>
+        <p14:creationId xmlns:p14="http://schemas.microsoft.com/office/powerpoint/2010/main" val="917840777"/>
       </p:ext>
     </p:extLst>
   </p:cSld>
@@ -14602,7 +14897,7 @@
           <p:cNvPr id="2" name="Title 1">
             <a:extLst>
               <a:ext uri="{FF2B5EF4-FFF2-40B4-BE49-F238E27FC236}">
-                <a16:creationId xmlns:a16="http://schemas.microsoft.com/office/drawing/2014/main" id="{658BB60E-D946-F491-EA03-132B88FD4CB6}"/>
+                <a16:creationId xmlns:a16="http://schemas.microsoft.com/office/drawing/2014/main" id="{BC3D4786-3F42-1BB8-F596-71FCEC16290F}"/>
               </a:ext>
             </a:extLst>
           </p:cNvPr>
@@ -14619,8 +14914,12 @@
           <a:lstStyle/>
           <a:p>
             <a:r>
-              <a:rPr lang="en-US" dirty="0"/>
-              <a:t>Section: Rhetoric + Aesthetics</a:t>
+              <a:rPr lang="en-US" dirty="0" err="1"/>
+              <a:t>Rhetoric+Aesthetics</a:t>
+            </a:r>
+            <a:r>
+              <a:rPr lang="en-US" dirty="0"/>
+              <a:t> in  PL Design</a:t>
             </a:r>
           </a:p>
         </p:txBody>
@@ -14630,7 +14929,7 @@
           <p:cNvPr id="3" name="Content Placeholder 2">
             <a:extLst>
               <a:ext uri="{FF2B5EF4-FFF2-40B4-BE49-F238E27FC236}">
-                <a16:creationId xmlns:a16="http://schemas.microsoft.com/office/drawing/2014/main" id="{F2BD1838-C078-6D04-9A64-B7B7CA5B8EE7}"/>
+                <a16:creationId xmlns:a16="http://schemas.microsoft.com/office/drawing/2014/main" id="{59581848-2CF2-1934-5FCE-E8D870599415}"/>
               </a:ext>
             </a:extLst>
           </p:cNvPr>
@@ -14646,7 +14945,49 @@
           <a:bodyPr/>
           <a:lstStyle/>
           <a:p>
-            <a:endParaRPr lang="en-US"/>
+            <a:r>
+              <a:rPr lang="en-US" b="1" dirty="0"/>
+              <a:t>Idea:</a:t>
+            </a:r>
+            <a:r>
+              <a:rPr lang="en-US" dirty="0"/>
+              <a:t> Designers (incl. Theorists) have their own tastes and justifications, which are core part of design and discussion</a:t>
+            </a:r>
+          </a:p>
+          <a:p>
+            <a:r>
+              <a:rPr lang="en-US" b="1" dirty="0"/>
+              <a:t>Aesthetics:</a:t>
+            </a:r>
+            <a:r>
+              <a:rPr lang="en-US" dirty="0"/>
+              <a:t> How does a specific designer decide whether a PL is appealing to them?</a:t>
+            </a:r>
+          </a:p>
+          <a:p>
+            <a:r>
+              <a:rPr lang="en-US" b="1" dirty="0"/>
+              <a:t>Rhetoric:</a:t>
+            </a:r>
+            <a:r>
+              <a:rPr lang="en-US" dirty="0"/>
+              <a:t> How does a specific designer argue the merits of a specific PL to a specific audience?</a:t>
+            </a:r>
+          </a:p>
+          <a:p>
+            <a:r>
+              <a:rPr lang="en-US" b="1" dirty="0"/>
+              <a:t>Goal:</a:t>
+            </a:r>
+            <a:r>
+              <a:rPr lang="en-US" dirty="0"/>
+              <a:t> Strengthen </a:t>
+            </a:r>
+            <a:r>
+              <a:rPr lang="en-US"/>
+              <a:t>communication skills</a:t>
+            </a:r>
+            <a:endParaRPr lang="en-US" b="1" dirty="0"/>
           </a:p>
         </p:txBody>
       </p:sp>
@@ -14655,7 +14996,7 @@
           <p:cNvPr id="4" name="Slide Number Placeholder 3">
             <a:extLst>
               <a:ext uri="{FF2B5EF4-FFF2-40B4-BE49-F238E27FC236}">
-                <a16:creationId xmlns:a16="http://schemas.microsoft.com/office/drawing/2014/main" id="{784A0908-ADD3-10F9-1A11-CE9A4D0195B9}"/>
+                <a16:creationId xmlns:a16="http://schemas.microsoft.com/office/drawing/2014/main" id="{E82A1A77-AE60-1DDB-0C21-97225A017EAB}"/>
               </a:ext>
             </a:extLst>
           </p:cNvPr>
@@ -14682,7 +15023,7 @@
     </p:spTree>
     <p:extLst>
       <p:ext uri="{BB962C8B-B14F-4D97-AF65-F5344CB8AC3E}">
-        <p14:creationId xmlns:p14="http://schemas.microsoft.com/office/powerpoint/2010/main" val="917840777"/>
+        <p14:creationId xmlns:p14="http://schemas.microsoft.com/office/powerpoint/2010/main" val="3522256982"/>
       </p:ext>
     </p:extLst>
   </p:cSld>
@@ -14714,7 +15055,7 @@
           <p:cNvPr id="2" name="Title 1">
             <a:extLst>
               <a:ext uri="{FF2B5EF4-FFF2-40B4-BE49-F238E27FC236}">
-                <a16:creationId xmlns:a16="http://schemas.microsoft.com/office/drawing/2014/main" id="{BC3D4786-3F42-1BB8-F596-71FCEC16290F}"/>
+                <a16:creationId xmlns:a16="http://schemas.microsoft.com/office/drawing/2014/main" id="{8BA56FD6-73AD-04C1-1351-C27ED6E7AC57}"/>
               </a:ext>
             </a:extLst>
           </p:cNvPr>
@@ -14731,12 +15072,8 @@
           <a:lstStyle/>
           <a:p>
             <a:r>
-              <a:rPr lang="en-US" dirty="0" err="1"/>
-              <a:t>Rhetoric+Aesthetics</a:t>
-            </a:r>
-            <a:r>
-              <a:rPr lang="en-US" dirty="0"/>
-              <a:t> in  PL Design</a:t>
+              <a:rPr lang="en-US" dirty="0"/>
+              <a:t>Defining Aesthetics</a:t>
             </a:r>
           </a:p>
         </p:txBody>
@@ -14746,7 +15083,7 @@
           <p:cNvPr id="3" name="Content Placeholder 2">
             <a:extLst>
               <a:ext uri="{FF2B5EF4-FFF2-40B4-BE49-F238E27FC236}">
-                <a16:creationId xmlns:a16="http://schemas.microsoft.com/office/drawing/2014/main" id="{59581848-2CF2-1934-5FCE-E8D870599415}"/>
+                <a16:creationId xmlns:a16="http://schemas.microsoft.com/office/drawing/2014/main" id="{5CA79C92-2036-794B-5396-A47C7C005FA2}"/>
               </a:ext>
             </a:extLst>
           </p:cNvPr>
@@ -14759,52 +15096,28 @@
         </p:nvSpPr>
         <p:spPr/>
         <p:txBody>
-          <a:bodyPr/>
-          <a:lstStyle/>
-          <a:p>
-            <a:r>
-              <a:rPr lang="en-US" b="1" dirty="0"/>
-              <a:t>Idea:</a:t>
-            </a:r>
-            <a:r>
-              <a:rPr lang="en-US" dirty="0"/>
-              <a:t> Designers (incl. Theorists) have their own tastes and justifications, which are core part of design and discussion</a:t>
-            </a:r>
-          </a:p>
-          <a:p>
-            <a:r>
-              <a:rPr lang="en-US" b="1" dirty="0"/>
-              <a:t>Aesthetics:</a:t>
-            </a:r>
-            <a:r>
-              <a:rPr lang="en-US" dirty="0"/>
-              <a:t> How does a specific designer decide whether a PL is appealing to them?</a:t>
-            </a:r>
-          </a:p>
-          <a:p>
-            <a:r>
-              <a:rPr lang="en-US" b="1" dirty="0"/>
-              <a:t>Rhetoric:</a:t>
-            </a:r>
-            <a:r>
-              <a:rPr lang="en-US" dirty="0"/>
-              <a:t> How does a specific designer argue the merits of a specific PL to a specific audience?</a:t>
-            </a:r>
-          </a:p>
-          <a:p>
-            <a:r>
-              <a:rPr lang="en-US" b="1" dirty="0"/>
-              <a:t>Goal:</a:t>
-            </a:r>
-            <a:r>
-              <a:rPr lang="en-US" dirty="0"/>
-              <a:t> Strengthen </a:t>
-            </a:r>
-            <a:r>
-              <a:rPr lang="en-US"/>
-              <a:t>communication skills</a:t>
-            </a:r>
-            <a:endParaRPr lang="en-US" b="1" dirty="0"/>
+          <a:bodyPr>
+            <a:normAutofit/>
+          </a:bodyPr>
+          <a:lstStyle/>
+          <a:p>
+            <a:r>
+              <a:rPr lang="en-US" i="1" dirty="0"/>
+              <a:t>Aesthetic properties include those that are related to the human-centered aesthetic appeal of a language, formalism or technique but which are not directly concerned with ease of (re)use by others.</a:t>
+            </a:r>
+          </a:p>
+          <a:p>
+            <a:r>
+              <a:rPr lang="en-US" i="1" dirty="0"/>
+              <a:t>Examples include “elegant”, “natural” and “intuitive”, although this category is perhaps better defined in part by the oft-used(in programming language writing) antonym of the above terms, “ad-hoc”.</a:t>
+            </a:r>
+          </a:p>
+          <a:p>
+            <a:pPr lvl="1"/>
+            <a:r>
+              <a:rPr lang="en-US" i="1" dirty="0"/>
+              <a:t>Muller and Ringler, Onward!’2020</a:t>
+            </a:r>
           </a:p>
         </p:txBody>
       </p:sp>
@@ -14813,7 +15126,7 @@
           <p:cNvPr id="4" name="Slide Number Placeholder 3">
             <a:extLst>
               <a:ext uri="{FF2B5EF4-FFF2-40B4-BE49-F238E27FC236}">
-                <a16:creationId xmlns:a16="http://schemas.microsoft.com/office/drawing/2014/main" id="{E82A1A77-AE60-1DDB-0C21-97225A017EAB}"/>
+                <a16:creationId xmlns:a16="http://schemas.microsoft.com/office/drawing/2014/main" id="{B7ABDB53-3528-D7C4-B4CA-8FF932C44CAF}"/>
               </a:ext>
             </a:extLst>
           </p:cNvPr>
@@ -14840,7 +15153,7 @@
     </p:spTree>
     <p:extLst>
       <p:ext uri="{BB962C8B-B14F-4D97-AF65-F5344CB8AC3E}">
-        <p14:creationId xmlns:p14="http://schemas.microsoft.com/office/powerpoint/2010/main" val="3522256982"/>
+        <p14:creationId xmlns:p14="http://schemas.microsoft.com/office/powerpoint/2010/main" val="4105386349"/>
       </p:ext>
     </p:extLst>
   </p:cSld>
@@ -14872,7 +15185,7 @@
           <p:cNvPr id="2" name="Title 1">
             <a:extLst>
               <a:ext uri="{FF2B5EF4-FFF2-40B4-BE49-F238E27FC236}">
-                <a16:creationId xmlns:a16="http://schemas.microsoft.com/office/drawing/2014/main" id="{8BA56FD6-73AD-04C1-1351-C27ED6E7AC57}"/>
+                <a16:creationId xmlns:a16="http://schemas.microsoft.com/office/drawing/2014/main" id="{FA462913-0C04-D26B-AA74-6FCD0CB9AA70}"/>
               </a:ext>
             </a:extLst>
           </p:cNvPr>
@@ -14890,7 +15203,7 @@
           <a:p>
             <a:r>
               <a:rPr lang="en-US" dirty="0"/>
-              <a:t>Defining Aesthetics</a:t>
+              <a:t>Defining Arguments</a:t>
             </a:r>
           </a:p>
         </p:txBody>
@@ -14900,7 +15213,7 @@
           <p:cNvPr id="3" name="Content Placeholder 2">
             <a:extLst>
               <a:ext uri="{FF2B5EF4-FFF2-40B4-BE49-F238E27FC236}">
-                <a16:creationId xmlns:a16="http://schemas.microsoft.com/office/drawing/2014/main" id="{5CA79C92-2036-794B-5396-A47C7C005FA2}"/>
+                <a16:creationId xmlns:a16="http://schemas.microsoft.com/office/drawing/2014/main" id="{1DAFCCF9-F9C7-AAD0-E256-AABD61B08456}"/>
               </a:ext>
             </a:extLst>
           </p:cNvPr>
@@ -14913,28 +15226,56 @@
         </p:nvSpPr>
         <p:spPr/>
         <p:txBody>
-          <a:bodyPr>
-            <a:normAutofit/>
-          </a:bodyPr>
-          <a:lstStyle/>
-          <a:p>
-            <a:r>
-              <a:rPr lang="en-US" i="1" dirty="0"/>
-              <a:t>Aesthetic properties include those that are related to the human-centered aesthetic appeal of a language, formalism or technique but which are not directly concerned with ease of (re)use by others.</a:t>
-            </a:r>
-          </a:p>
-          <a:p>
-            <a:r>
-              <a:rPr lang="en-US" i="1" dirty="0"/>
-              <a:t>Examples include “elegant”, “natural” and “intuitive”, although this category is perhaps better defined in part by the oft-used(in programming language writing) antonym of the above terms, “ad-hoc”.</a:t>
-            </a:r>
-          </a:p>
-          <a:p>
-            <a:pPr lvl="1"/>
-            <a:r>
-              <a:rPr lang="en-US" i="1" dirty="0"/>
-              <a:t>Muller and Ringler, Onward!’2020</a:t>
-            </a:r>
+          <a:bodyPr/>
+          <a:lstStyle/>
+          <a:p>
+            <a:r>
+              <a:rPr lang="en-US" b="1" dirty="0"/>
+              <a:t>Claim =</a:t>
+            </a:r>
+            <a:r>
+              <a:rPr lang="en-US" dirty="0"/>
+              <a:t> The assertion for which you are arguing</a:t>
+            </a:r>
+          </a:p>
+          <a:p>
+            <a:r>
+              <a:rPr lang="en-US" b="1" dirty="0"/>
+              <a:t>Reason =</a:t>
+            </a:r>
+            <a:r>
+              <a:rPr lang="en-US" dirty="0"/>
+              <a:t> Individual justifications which combine to argue the claim</a:t>
+            </a:r>
+          </a:p>
+          <a:p>
+            <a:r>
+              <a:rPr lang="en-US" b="1" dirty="0"/>
+              <a:t>Evidence</a:t>
+            </a:r>
+            <a:r>
+              <a:rPr lang="en-US" dirty="0"/>
+              <a:t> =</a:t>
+            </a:r>
+            <a:r>
+              <a:rPr lang="en-US" b="1" dirty="0"/>
+              <a:t> </a:t>
+            </a:r>
+            <a:r>
+              <a:rPr lang="en-US" dirty="0"/>
+              <a:t>Facts and other assertions which support a given reason</a:t>
+            </a:r>
+          </a:p>
+          <a:p>
+            <a:r>
+              <a:rPr lang="en-US" b="1" dirty="0"/>
+              <a:t>Audience </a:t>
+            </a:r>
+            <a:r>
+              <a:rPr lang="en-US" dirty="0"/>
+              <a:t>matters: if the audience is less familiar with your reason, then you need to give more evidence</a:t>
+            </a:r>
+            <a:endParaRPr lang="en-US" b="1" dirty="0"/>
           </a:p>
         </p:txBody>
       </p:sp>
@@ -14943,7 +15284,7 @@
           <p:cNvPr id="4" name="Slide Number Placeholder 3">
             <a:extLst>
               <a:ext uri="{FF2B5EF4-FFF2-40B4-BE49-F238E27FC236}">
-                <a16:creationId xmlns:a16="http://schemas.microsoft.com/office/drawing/2014/main" id="{B7ABDB53-3528-D7C4-B4CA-8FF932C44CAF}"/>
+                <a16:creationId xmlns:a16="http://schemas.microsoft.com/office/drawing/2014/main" id="{0F667C0E-28FC-A199-323C-428650F9608A}"/>
               </a:ext>
             </a:extLst>
           </p:cNvPr>
@@ -14970,7 +15311,7 @@
     </p:spTree>
     <p:extLst>
       <p:ext uri="{BB962C8B-B14F-4D97-AF65-F5344CB8AC3E}">
-        <p14:creationId xmlns:p14="http://schemas.microsoft.com/office/powerpoint/2010/main" val="4105386349"/>
+        <p14:creationId xmlns:p14="http://schemas.microsoft.com/office/powerpoint/2010/main" val="3112134687"/>
       </p:ext>
     </p:extLst>
   </p:cSld>
@@ -15002,7 +15343,7 @@
           <p:cNvPr id="2" name="Title 1">
             <a:extLst>
               <a:ext uri="{FF2B5EF4-FFF2-40B4-BE49-F238E27FC236}">
-                <a16:creationId xmlns:a16="http://schemas.microsoft.com/office/drawing/2014/main" id="{FA462913-0C04-D26B-AA74-6FCD0CB9AA70}"/>
+                <a16:creationId xmlns:a16="http://schemas.microsoft.com/office/drawing/2014/main" id="{B54994FC-83B8-59E0-233B-5BF814B16280}"/>
               </a:ext>
             </a:extLst>
           </p:cNvPr>
@@ -15020,7 +15361,7 @@
           <a:p>
             <a:r>
               <a:rPr lang="en-US" dirty="0"/>
-              <a:t>Defining Arguments</a:t>
+              <a:t>How to Make an Argument</a:t>
             </a:r>
           </a:p>
         </p:txBody>
@@ -15030,7 +15371,7 @@
           <p:cNvPr id="3" name="Content Placeholder 2">
             <a:extLst>
               <a:ext uri="{FF2B5EF4-FFF2-40B4-BE49-F238E27FC236}">
-                <a16:creationId xmlns:a16="http://schemas.microsoft.com/office/drawing/2014/main" id="{1DAFCCF9-F9C7-AAD0-E256-AABD61B08456}"/>
+                <a16:creationId xmlns:a16="http://schemas.microsoft.com/office/drawing/2014/main" id="{C65999BE-6FEC-F5CD-7CD5-0B47D8A2011C}"/>
               </a:ext>
             </a:extLst>
           </p:cNvPr>
@@ -15046,53 +15387,54 @@
           <a:bodyPr/>
           <a:lstStyle/>
           <a:p>
-            <a:r>
-              <a:rPr lang="en-US" b="1" dirty="0"/>
-              <a:t>Claim =</a:t>
-            </a:r>
-            <a:r>
-              <a:rPr lang="en-US" dirty="0"/>
-              <a:t> The assertion for which you are arguing</a:t>
-            </a:r>
-          </a:p>
-          <a:p>
-            <a:r>
-              <a:rPr lang="en-US" b="1" dirty="0"/>
-              <a:t>Reason =</a:t>
-            </a:r>
-            <a:r>
-              <a:rPr lang="en-US" dirty="0"/>
-              <a:t> Individual justifications which combine to argue the claim</a:t>
-            </a:r>
-          </a:p>
-          <a:p>
-            <a:r>
-              <a:rPr lang="en-US" b="1" dirty="0"/>
-              <a:t>Evidence</a:t>
-            </a:r>
-            <a:r>
-              <a:rPr lang="en-US" dirty="0"/>
-              <a:t> =</a:t>
-            </a:r>
-            <a:r>
-              <a:rPr lang="en-US" b="1" dirty="0"/>
-              <a:t> </a:t>
-            </a:r>
-            <a:r>
-              <a:rPr lang="en-US" dirty="0"/>
-              <a:t>Facts and other assertions which support a given reason</a:t>
-            </a:r>
-          </a:p>
-          <a:p>
-            <a:r>
-              <a:rPr lang="en-US" b="1" dirty="0"/>
-              <a:t>Audience </a:t>
-            </a:r>
-            <a:r>
-              <a:rPr lang="en-US" dirty="0"/>
-              <a:t>matters: if the audience is less familiar with your reason, then you need to give more evidence</a:t>
-            </a:r>
-            <a:endParaRPr lang="en-US" b="1" dirty="0"/>
+            <a:pPr marL="658368" lvl="1" indent="-457200">
+              <a:buFont typeface="+mj-lt"/>
+              <a:buAutoNum type="arabicPeriod"/>
+            </a:pPr>
+            <a:r>
+              <a:rPr lang="en-US" dirty="0"/>
+              <a:t>Identify the claim you want to make</a:t>
+            </a:r>
+          </a:p>
+          <a:p>
+            <a:pPr marL="658368" lvl="1" indent="-457200">
+              <a:buFont typeface="+mj-lt"/>
+              <a:buAutoNum type="arabicPeriod"/>
+            </a:pPr>
+            <a:r>
+              <a:rPr lang="en-US" dirty="0"/>
+              <a:t>Identify the audience</a:t>
+            </a:r>
+          </a:p>
+          <a:p>
+            <a:pPr marL="658368" lvl="1" indent="-457200">
+              <a:buFont typeface="+mj-lt"/>
+              <a:buAutoNum type="arabicPeriod"/>
+            </a:pPr>
+            <a:r>
+              <a:rPr lang="en-US" dirty="0"/>
+              <a:t>List out reasons that justify the claim</a:t>
+            </a:r>
+          </a:p>
+          <a:p>
+            <a:pPr marL="658368" lvl="1" indent="-457200">
+              <a:buFont typeface="+mj-lt"/>
+              <a:buAutoNum type="arabicPeriod"/>
+            </a:pPr>
+            <a:r>
+              <a:rPr lang="en-US" dirty="0"/>
+              <a:t>Identify which reasons demand additional evidence for this particular audience</a:t>
+            </a:r>
+          </a:p>
+          <a:p>
+            <a:pPr marL="658368" lvl="1" indent="-457200">
+              <a:buFont typeface="+mj-lt"/>
+              <a:buAutoNum type="arabicPeriod"/>
+            </a:pPr>
+            <a:r>
+              <a:rPr lang="en-US" dirty="0"/>
+              <a:t>Provide the evidence</a:t>
+            </a:r>
           </a:p>
         </p:txBody>
       </p:sp>
@@ -15101,7 +15443,7 @@
           <p:cNvPr id="4" name="Slide Number Placeholder 3">
             <a:extLst>
               <a:ext uri="{FF2B5EF4-FFF2-40B4-BE49-F238E27FC236}">
-                <a16:creationId xmlns:a16="http://schemas.microsoft.com/office/drawing/2014/main" id="{0F667C0E-28FC-A199-323C-428650F9608A}"/>
+                <a16:creationId xmlns:a16="http://schemas.microsoft.com/office/drawing/2014/main" id="{975A28CA-AF24-BD7D-A0D3-A23AD3BADB73}"/>
               </a:ext>
             </a:extLst>
           </p:cNvPr>
@@ -15128,7 +15470,7 @@
     </p:spTree>
     <p:extLst>
       <p:ext uri="{BB962C8B-B14F-4D97-AF65-F5344CB8AC3E}">
-        <p14:creationId xmlns:p14="http://schemas.microsoft.com/office/powerpoint/2010/main" val="3112134687"/>
+        <p14:creationId xmlns:p14="http://schemas.microsoft.com/office/powerpoint/2010/main" val="1087993983"/>
       </p:ext>
     </p:extLst>
   </p:cSld>
@@ -15160,7 +15502,7 @@
           <p:cNvPr id="2" name="Title 1">
             <a:extLst>
               <a:ext uri="{FF2B5EF4-FFF2-40B4-BE49-F238E27FC236}">
-                <a16:creationId xmlns:a16="http://schemas.microsoft.com/office/drawing/2014/main" id="{B54994FC-83B8-59E0-233B-5BF814B16280}"/>
+                <a16:creationId xmlns:a16="http://schemas.microsoft.com/office/drawing/2014/main" id="{438C9F55-FDB4-6BF4-69BA-D679773E7440}"/>
               </a:ext>
             </a:extLst>
           </p:cNvPr>
@@ -15178,7 +15520,7 @@
           <a:p>
             <a:r>
               <a:rPr lang="en-US" dirty="0"/>
-              <a:t>How to Make an Argument</a:t>
+              <a:t>Example Argument	: Rust </a:t>
             </a:r>
           </a:p>
         </p:txBody>
@@ -15188,7 +15530,7 @@
           <p:cNvPr id="3" name="Content Placeholder 2">
             <a:extLst>
               <a:ext uri="{FF2B5EF4-FFF2-40B4-BE49-F238E27FC236}">
-                <a16:creationId xmlns:a16="http://schemas.microsoft.com/office/drawing/2014/main" id="{C65999BE-6FEC-F5CD-7CD5-0B47D8A2011C}"/>
+                <a16:creationId xmlns:a16="http://schemas.microsoft.com/office/drawing/2014/main" id="{BCCD7D5F-68B7-57CE-4C62-A4678A505E64}"/>
               </a:ext>
             </a:extLst>
           </p:cNvPr>
@@ -15201,56 +15543,82 @@
         </p:nvSpPr>
         <p:spPr/>
         <p:txBody>
-          <a:bodyPr/>
-          <a:lstStyle/>
-          <a:p>
-            <a:pPr marL="658368" lvl="1" indent="-457200">
+          <a:bodyPr>
+            <a:normAutofit fontScale="92500" lnSpcReduction="10000"/>
+          </a:bodyPr>
+          <a:lstStyle/>
+          <a:p>
+            <a:r>
+              <a:rPr lang="en-US" dirty="0"/>
+              <a:t>“Rust is an elegant language”</a:t>
+            </a:r>
+          </a:p>
+          <a:p>
+            <a:pPr marL="514350" indent="-514350">
               <a:buFont typeface="+mj-lt"/>
               <a:buAutoNum type="arabicPeriod"/>
             </a:pPr>
             <a:r>
               <a:rPr lang="en-US" dirty="0"/>
-              <a:t>Identify the claim you want to make</a:t>
-            </a:r>
-          </a:p>
-          <a:p>
-            <a:pPr marL="658368" lvl="1" indent="-457200">
+              <a:t>If a core PL feature supports multiple key design goals, the language is elegant</a:t>
+            </a:r>
+          </a:p>
+          <a:p>
+            <a:pPr marL="514350" indent="-514350">
               <a:buFont typeface="+mj-lt"/>
               <a:buAutoNum type="arabicPeriod"/>
             </a:pPr>
             <a:r>
               <a:rPr lang="en-US" dirty="0"/>
-              <a:t>Identify the audience</a:t>
-            </a:r>
-          </a:p>
-          <a:p>
-            <a:pPr marL="658368" lvl="1" indent="-457200">
+              <a:t>Rust’s core feature is ownership</a:t>
+            </a:r>
+          </a:p>
+          <a:p>
+            <a:pPr marL="292608" lvl="1" indent="0">
+              <a:buNone/>
+            </a:pPr>
+            <a:r>
+              <a:rPr lang="en-US" b="1" dirty="0"/>
+              <a:t>Evidence: </a:t>
+            </a:r>
+            <a:r>
+              <a:rPr lang="en-US" dirty="0"/>
+              <a:t>In research papers about Rust’s theory, ownership is key</a:t>
+            </a:r>
+            <a:endParaRPr lang="en-US" b="1" dirty="0"/>
+          </a:p>
+          <a:p>
+            <a:pPr marL="514350" indent="-514350">
               <a:buFont typeface="+mj-lt"/>
               <a:buAutoNum type="arabicPeriod"/>
             </a:pPr>
             <a:r>
               <a:rPr lang="en-US" dirty="0"/>
-              <a:t>List out reasons that justify the claim</a:t>
-            </a:r>
-          </a:p>
-          <a:p>
-            <a:pPr marL="658368" lvl="1" indent="-457200">
+              <a:t>Rust’s key design goals include memory safety, deadlock-freedom, and efficient memory management</a:t>
+            </a:r>
+          </a:p>
+          <a:p>
+            <a:pPr marL="292608" lvl="1" indent="0">
+              <a:buNone/>
+            </a:pPr>
+            <a:r>
+              <a:rPr lang="en-US" b="1" dirty="0"/>
+              <a:t>Evidence:</a:t>
+            </a:r>
+            <a:r>
+              <a:rPr lang="en-US" dirty="0"/>
+              <a:t> The Rust book appeals to these goals to motivate readers</a:t>
+            </a:r>
+            <a:endParaRPr lang="en-US" b="1" dirty="0"/>
+          </a:p>
+          <a:p>
+            <a:pPr marL="514350" indent="-514350">
               <a:buFont typeface="+mj-lt"/>
               <a:buAutoNum type="arabicPeriod"/>
             </a:pPr>
             <a:r>
               <a:rPr lang="en-US" dirty="0"/>
-              <a:t>Identify which reasons demand additional evidence for this particular audience</a:t>
-            </a:r>
-          </a:p>
-          <a:p>
-            <a:pPr marL="658368" lvl="1" indent="-457200">
-              <a:buFont typeface="+mj-lt"/>
-              <a:buAutoNum type="arabicPeriod"/>
-            </a:pPr>
-            <a:r>
-              <a:rPr lang="en-US" dirty="0"/>
-              <a:t>Provide the evidence</a:t>
+              <a:t>Ownership supports the above three goals</a:t>
             </a:r>
           </a:p>
         </p:txBody>
@@ -15260,7 +15628,7 @@
           <p:cNvPr id="4" name="Slide Number Placeholder 3">
             <a:extLst>
               <a:ext uri="{FF2B5EF4-FFF2-40B4-BE49-F238E27FC236}">
-                <a16:creationId xmlns:a16="http://schemas.microsoft.com/office/drawing/2014/main" id="{975A28CA-AF24-BD7D-A0D3-A23AD3BADB73}"/>
+                <a16:creationId xmlns:a16="http://schemas.microsoft.com/office/drawing/2014/main" id="{FABC2974-C3C1-86CD-8181-7C4781506492}"/>
               </a:ext>
             </a:extLst>
           </p:cNvPr>
@@ -15287,7 +15655,7 @@
     </p:spTree>
     <p:extLst>
       <p:ext uri="{BB962C8B-B14F-4D97-AF65-F5344CB8AC3E}">
-        <p14:creationId xmlns:p14="http://schemas.microsoft.com/office/powerpoint/2010/main" val="1087993983"/>
+        <p14:creationId xmlns:p14="http://schemas.microsoft.com/office/powerpoint/2010/main" val="1267619612"/>
       </p:ext>
     </p:extLst>
   </p:cSld>
@@ -15319,7 +15687,7 @@
           <p:cNvPr id="2" name="Title 1">
             <a:extLst>
               <a:ext uri="{FF2B5EF4-FFF2-40B4-BE49-F238E27FC236}">
-                <a16:creationId xmlns:a16="http://schemas.microsoft.com/office/drawing/2014/main" id="{438C9F55-FDB4-6BF4-69BA-D679773E7440}"/>
+                <a16:creationId xmlns:a16="http://schemas.microsoft.com/office/drawing/2014/main" id="{F117CB5D-A0E3-7BCD-5240-51B4E9440A63}"/>
               </a:ext>
             </a:extLst>
           </p:cNvPr>
@@ -15337,7 +15705,7 @@
           <a:p>
             <a:r>
               <a:rPr lang="en-US" dirty="0"/>
-              <a:t>Example Argument	: Rust </a:t>
+              <a:t>Conclusion: Why Rhetoric?</a:t>
             </a:r>
           </a:p>
         </p:txBody>
@@ -15347,7 +15715,7 @@
           <p:cNvPr id="3" name="Content Placeholder 2">
             <a:extLst>
               <a:ext uri="{FF2B5EF4-FFF2-40B4-BE49-F238E27FC236}">
-                <a16:creationId xmlns:a16="http://schemas.microsoft.com/office/drawing/2014/main" id="{BCCD7D5F-68B7-57CE-4C62-A4678A505E64}"/>
+                <a16:creationId xmlns:a16="http://schemas.microsoft.com/office/drawing/2014/main" id="{B2EBBC83-A093-61F8-6CA7-B75D67BF1E7B}"/>
               </a:ext>
             </a:extLst>
           </p:cNvPr>
@@ -15361,81 +15729,78 @@
         <p:spPr/>
         <p:txBody>
           <a:bodyPr>
-            <a:normAutofit fontScale="92500" lnSpcReduction="10000"/>
+            <a:normAutofit lnSpcReduction="10000"/>
           </a:bodyPr>
           <a:lstStyle/>
           <a:p>
             <a:r>
               <a:rPr lang="en-US" dirty="0"/>
-              <a:t>“Rust is an elegant language”</a:t>
-            </a:r>
-          </a:p>
-          <a:p>
-            <a:pPr marL="514350" indent="-514350">
-              <a:buFont typeface="+mj-lt"/>
-              <a:buAutoNum type="arabicPeriod"/>
-            </a:pPr>
-            <a:r>
-              <a:rPr lang="en-US" dirty="0"/>
-              <a:t>If a core PL feature supports multiple key design goals, the language is elegant</a:t>
-            </a:r>
-          </a:p>
-          <a:p>
-            <a:pPr marL="514350" indent="-514350">
-              <a:buFont typeface="+mj-lt"/>
-              <a:buAutoNum type="arabicPeriod"/>
-            </a:pPr>
-            <a:r>
-              <a:rPr lang="en-US" dirty="0"/>
-              <a:t>Rust’s core feature is ownership</a:t>
-            </a:r>
-          </a:p>
-          <a:p>
-            <a:pPr marL="292608" lvl="1" indent="0">
-              <a:buNone/>
-            </a:pPr>
+              <a:t>Many people love to argue about programming languages</a:t>
+            </a:r>
+          </a:p>
+          <a:p>
             <a:r>
               <a:rPr lang="en-US" b="1" dirty="0"/>
-              <a:t>Evidence: </a:t>
-            </a:r>
-            <a:r>
-              <a:rPr lang="en-US" dirty="0"/>
-              <a:t>In research papers about Rust’s theory, ownership is key</a:t>
-            </a:r>
-            <a:endParaRPr lang="en-US" b="1" dirty="0"/>
-          </a:p>
-          <a:p>
-            <a:pPr marL="514350" indent="-514350">
-              <a:buFont typeface="+mj-lt"/>
-              <a:buAutoNum type="arabicPeriod"/>
-            </a:pPr>
-            <a:r>
-              <a:rPr lang="en-US" dirty="0"/>
-              <a:t>Rust’s key design goals include memory safety, deadlock-freedom, and efficient memory management</a:t>
-            </a:r>
-          </a:p>
-          <a:p>
-            <a:pPr marL="292608" lvl="1" indent="0">
-              <a:buNone/>
-            </a:pPr>
+              <a:t>Don’t want:</a:t>
+            </a:r>
+            <a:r>
+              <a:rPr lang="en-US" dirty="0"/>
+              <a:t> Hostility, personal attacks, untrue justifications</a:t>
+            </a:r>
+          </a:p>
+          <a:p>
             <a:r>
               <a:rPr lang="en-US" b="1" dirty="0"/>
-              <a:t>Evidence:</a:t>
-            </a:r>
-            <a:r>
-              <a:rPr lang="en-US" dirty="0"/>
-              <a:t> The Rust book appeals to these goals to motivate readers</a:t>
-            </a:r>
-            <a:endParaRPr lang="en-US" b="1" dirty="0"/>
-          </a:p>
-          <a:p>
-            <a:pPr marL="514350" indent="-514350">
-              <a:buFont typeface="+mj-lt"/>
-              <a:buAutoNum type="arabicPeriod"/>
-            </a:pPr>
-            <a:r>
-              <a:rPr lang="en-US" dirty="0"/>
-              <a:t>Ownership supports the above three goals</a:t>
+              <a:t>Want:</a:t>
+            </a:r>
+            <a:r>
+              <a:rPr lang="en-US" dirty="0"/>
+              <a:t> Learning, effectively expressing yourself</a:t>
+            </a:r>
+          </a:p>
+          <a:p>
+            <a:r>
+              <a:rPr lang="en-US" dirty="0"/>
+              <a:t>A formal argument is:</a:t>
+            </a:r>
+          </a:p>
+          <a:p>
+            <a:pPr lvl="1"/>
+            <a:r>
+              <a:rPr lang="en-US" b="1" dirty="0"/>
+              <a:t>Not</a:t>
+            </a:r>
+            <a:r>
+              <a:rPr lang="en-US" dirty="0"/>
+              <a:t> a rigorous proof</a:t>
+            </a:r>
+          </a:p>
+          <a:p>
+            <a:pPr lvl="1"/>
+            <a:r>
+              <a:rPr lang="en-US" dirty="0"/>
+              <a:t>A tool for inspecting why we believe what we believe</a:t>
+            </a:r>
+          </a:p>
+          <a:p>
+            <a:pPr lvl="2"/>
+            <a:r>
+              <a:rPr lang="en-US" dirty="0"/>
+              <a:t>Sometimes, convince the other person</a:t>
+            </a:r>
+          </a:p>
+          <a:p>
+            <a:pPr lvl="2"/>
+            <a:r>
+              <a:rPr lang="en-US" dirty="0"/>
+              <a:t>Sometimes, let them argue against your reason</a:t>
+            </a:r>
+          </a:p>
+          <a:p>
+            <a:pPr lvl="2"/>
+            <a:r>
+              <a:rPr lang="en-US" dirty="0"/>
+              <a:t>Sometimes, identify why you agree to disagree</a:t>
             </a:r>
           </a:p>
         </p:txBody>
@@ -15445,7 +15810,7 @@
           <p:cNvPr id="4" name="Slide Number Placeholder 3">
             <a:extLst>
               <a:ext uri="{FF2B5EF4-FFF2-40B4-BE49-F238E27FC236}">
-                <a16:creationId xmlns:a16="http://schemas.microsoft.com/office/drawing/2014/main" id="{FABC2974-C3C1-86CD-8181-7C4781506492}"/>
+                <a16:creationId xmlns:a16="http://schemas.microsoft.com/office/drawing/2014/main" id="{197ABA96-9618-36BB-F36A-B588B2404B34}"/>
               </a:ext>
             </a:extLst>
           </p:cNvPr>
@@ -15472,7 +15837,7 @@
     </p:spTree>
     <p:extLst>
       <p:ext uri="{BB962C8B-B14F-4D97-AF65-F5344CB8AC3E}">
-        <p14:creationId xmlns:p14="http://schemas.microsoft.com/office/powerpoint/2010/main" val="1267619612"/>
+        <p14:creationId xmlns:p14="http://schemas.microsoft.com/office/powerpoint/2010/main" val="1653804879"/>
       </p:ext>
     </p:extLst>
   </p:cSld>
@@ -15504,7 +15869,7 @@
           <p:cNvPr id="2" name="Title 1">
             <a:extLst>
               <a:ext uri="{FF2B5EF4-FFF2-40B4-BE49-F238E27FC236}">
-                <a16:creationId xmlns:a16="http://schemas.microsoft.com/office/drawing/2014/main" id="{F117CB5D-A0E3-7BCD-5240-51B4E9440A63}"/>
+                <a16:creationId xmlns:a16="http://schemas.microsoft.com/office/drawing/2014/main" id="{857964A1-B7CB-24EE-2960-5AF614C5CB04}"/>
               </a:ext>
             </a:extLst>
           </p:cNvPr>
@@ -15522,7 +15887,7 @@
           <a:p>
             <a:r>
               <a:rPr lang="en-US" dirty="0"/>
-              <a:t>Conclusion: Why Rhetoric?</a:t>
+              <a:t>Conclusion: Why Usability + HCI-for-PL?</a:t>
             </a:r>
           </a:p>
         </p:txBody>
@@ -15532,7 +15897,7 @@
           <p:cNvPr id="3" name="Content Placeholder 2">
             <a:extLst>
               <a:ext uri="{FF2B5EF4-FFF2-40B4-BE49-F238E27FC236}">
-                <a16:creationId xmlns:a16="http://schemas.microsoft.com/office/drawing/2014/main" id="{B2EBBC83-A093-61F8-6CA7-B75D67BF1E7B}"/>
+                <a16:creationId xmlns:a16="http://schemas.microsoft.com/office/drawing/2014/main" id="{5740E34E-EF40-38B1-EE41-129EE195919A}"/>
               </a:ext>
             </a:extLst>
           </p:cNvPr>
@@ -15545,79 +15910,38 @@
         </p:nvSpPr>
         <p:spPr/>
         <p:txBody>
-          <a:bodyPr>
-            <a:normAutofit lnSpcReduction="10000"/>
-          </a:bodyPr>
-          <a:lstStyle/>
-          <a:p>
-            <a:r>
-              <a:rPr lang="en-US" dirty="0"/>
-              <a:t>Many people love to argue about programming languages</a:t>
-            </a:r>
-          </a:p>
-          <a:p>
-            <a:r>
-              <a:rPr lang="en-US" b="1" dirty="0"/>
-              <a:t>Don’t want:</a:t>
-            </a:r>
-            <a:r>
-              <a:rPr lang="en-US" dirty="0"/>
-              <a:t> Hostility, personal attacks, untrue justifications</a:t>
-            </a:r>
-          </a:p>
-          <a:p>
-            <a:r>
-              <a:rPr lang="en-US" b="1" dirty="0"/>
-              <a:t>Want:</a:t>
-            </a:r>
-            <a:r>
-              <a:rPr lang="en-US" dirty="0"/>
-              <a:t> Learning, effectively expressing yourself</a:t>
-            </a:r>
-          </a:p>
-          <a:p>
-            <a:r>
-              <a:rPr lang="en-US" dirty="0"/>
-              <a:t>A formal argument is:</a:t>
+          <a:bodyPr/>
+          <a:lstStyle/>
+          <a:p>
+            <a:r>
+              <a:rPr lang="en-US" dirty="0"/>
+              <a:t>Rhetoric only addresses the perspective of the people arguing</a:t>
+            </a:r>
+          </a:p>
+          <a:p>
+            <a:r>
+              <a:rPr lang="en-US" dirty="0"/>
+              <a:t>As designers, we are often called on to address needs of others</a:t>
             </a:r>
           </a:p>
           <a:p>
             <a:pPr lvl="1"/>
             <a:r>
-              <a:rPr lang="en-US" b="1" dirty="0"/>
-              <a:t>Not</a:t>
-            </a:r>
-            <a:r>
-              <a:rPr lang="en-US" dirty="0"/>
-              <a:t> a rigorous proof</a:t>
+              <a:rPr lang="en-US" dirty="0"/>
+              <a:t>We are rigorous thinkers, must not use mere guess-work</a:t>
             </a:r>
           </a:p>
           <a:p>
             <a:pPr lvl="1"/>
             <a:r>
               <a:rPr lang="en-US" dirty="0"/>
-              <a:t>A tool for inspecting why we believe what we believe</a:t>
-            </a:r>
-          </a:p>
-          <a:p>
-            <a:pPr lvl="2"/>
-            <a:r>
-              <a:rPr lang="en-US" dirty="0"/>
-              <a:t>Sometimes, convince the other person</a:t>
-            </a:r>
-          </a:p>
-          <a:p>
-            <a:pPr lvl="2"/>
-            <a:r>
-              <a:rPr lang="en-US" dirty="0"/>
-              <a:t>Sometimes, let them argue against your reason</a:t>
-            </a:r>
-          </a:p>
-          <a:p>
-            <a:pPr lvl="2"/>
-            <a:r>
-              <a:rPr lang="en-US" dirty="0"/>
-              <a:t>Sometimes, identify why you agree to disagree</a:t>
+              <a:t>HCI, especially using Social Science methods, provides a rigorous framework for addressing the priorities of your programmers (users)</a:t>
+            </a:r>
+          </a:p>
+          <a:p>
+            <a:r>
+              <a:rPr lang="en-US" dirty="0"/>
+              <a:t>For first lecture: identifying the right question is half the battle</a:t>
             </a:r>
           </a:p>
         </p:txBody>
@@ -15627,7 +15951,7 @@
           <p:cNvPr id="4" name="Slide Number Placeholder 3">
             <a:extLst>
               <a:ext uri="{FF2B5EF4-FFF2-40B4-BE49-F238E27FC236}">
-                <a16:creationId xmlns:a16="http://schemas.microsoft.com/office/drawing/2014/main" id="{197ABA96-9618-36BB-F36A-B588B2404B34}"/>
+                <a16:creationId xmlns:a16="http://schemas.microsoft.com/office/drawing/2014/main" id="{5086EA1B-AB11-2CD4-66AF-06F98968259E}"/>
               </a:ext>
             </a:extLst>
           </p:cNvPr>
@@ -15654,7 +15978,7 @@
     </p:spTree>
     <p:extLst>
       <p:ext uri="{BB962C8B-B14F-4D97-AF65-F5344CB8AC3E}">
-        <p14:creationId xmlns:p14="http://schemas.microsoft.com/office/powerpoint/2010/main" val="1653804879"/>
+        <p14:creationId xmlns:p14="http://schemas.microsoft.com/office/powerpoint/2010/main" val="1050353515"/>
       </p:ext>
     </p:extLst>
   </p:cSld>
@@ -15686,7 +16010,7 @@
           <p:cNvPr id="2" name="Title 1">
             <a:extLst>
               <a:ext uri="{FF2B5EF4-FFF2-40B4-BE49-F238E27FC236}">
-                <a16:creationId xmlns:a16="http://schemas.microsoft.com/office/drawing/2014/main" id="{857964A1-B7CB-24EE-2960-5AF614C5CB04}"/>
+                <a16:creationId xmlns:a16="http://schemas.microsoft.com/office/drawing/2014/main" id="{79840214-D367-9524-B6CD-2D125AA907A2}"/>
               </a:ext>
             </a:extLst>
           </p:cNvPr>
@@ -15699,76 +16023,244 @@
         </p:nvSpPr>
         <p:spPr/>
         <p:txBody>
-          <a:bodyPr/>
-          <a:lstStyle/>
-          <a:p>
-            <a:r>
-              <a:rPr lang="en-US" dirty="0"/>
-              <a:t>Conclusion: Why Usability + HCI-for-PL?</a:t>
-            </a:r>
-          </a:p>
-        </p:txBody>
-      </p:sp>
-      <p:sp>
-        <p:nvSpPr>
-          <p:cNvPr id="3" name="Content Placeholder 2">
-            <a:extLst>
-              <a:ext uri="{FF2B5EF4-FFF2-40B4-BE49-F238E27FC236}">
-                <a16:creationId xmlns:a16="http://schemas.microsoft.com/office/drawing/2014/main" id="{5740E34E-EF40-38B1-EE41-129EE195919A}"/>
-              </a:ext>
-            </a:extLst>
-          </p:cNvPr>
-          <p:cNvSpPr>
-            <a:spLocks noGrp="1"/>
-          </p:cNvSpPr>
-          <p:nvPr>
-            <p:ph idx="1"/>
-          </p:nvPr>
-        </p:nvSpPr>
-        <p:spPr/>
-        <p:txBody>
-          <a:bodyPr/>
-          <a:lstStyle/>
-          <a:p>
-            <a:r>
-              <a:rPr lang="en-US" dirty="0"/>
-              <a:t>Rhetoric only addresses the perspective of the people arguing</a:t>
-            </a:r>
-          </a:p>
-          <a:p>
-            <a:r>
-              <a:rPr lang="en-US" dirty="0"/>
-              <a:t>As designers, we are often called on to address needs of others</a:t>
-            </a:r>
-          </a:p>
-          <a:p>
-            <a:pPr lvl="1"/>
-            <a:r>
-              <a:rPr lang="en-US" dirty="0"/>
-              <a:t>We are rigorous thinkers, must not use mere guess-work</a:t>
-            </a:r>
-          </a:p>
-          <a:p>
-            <a:pPr lvl="1"/>
-            <a:r>
-              <a:rPr lang="en-US" dirty="0"/>
-              <a:t>HCI, especially using Social Science methods, provides a rigorous framework for addressing the priorities of your programmers (users)</a:t>
-            </a:r>
-          </a:p>
-          <a:p>
-            <a:r>
-              <a:rPr lang="en-US" dirty="0"/>
-              <a:t>For first lecture: identifying the right question is half the battle</a:t>
-            </a:r>
-          </a:p>
-        </p:txBody>
-      </p:sp>
-      <p:sp>
-        <p:nvSpPr>
-          <p:cNvPr id="4" name="Slide Number Placeholder 3">
-            <a:extLst>
-              <a:ext uri="{FF2B5EF4-FFF2-40B4-BE49-F238E27FC236}">
-                <a16:creationId xmlns:a16="http://schemas.microsoft.com/office/drawing/2014/main" id="{5086EA1B-AB11-2CD4-66AF-06F98968259E}"/>
+          <a:bodyPr>
+            <a:normAutofit/>
+          </a:bodyPr>
+          <a:lstStyle/>
+          <a:p>
+            <a:r>
+              <a:rPr lang="en-US" sz="4400" dirty="0"/>
+              <a:t>Takeaway: Six Key Usability Questions</a:t>
+            </a:r>
+          </a:p>
+        </p:txBody>
+      </p:sp>
+      <p:sp>
+        <p:nvSpPr>
+          <p:cNvPr id="6" name="TextBox 5">
+            <a:extLst>
+              <a:ext uri="{FF2B5EF4-FFF2-40B4-BE49-F238E27FC236}">
+                <a16:creationId xmlns:a16="http://schemas.microsoft.com/office/drawing/2014/main" id="{030DC38D-8B17-8C45-29B9-B2D88E48A9F8}"/>
+              </a:ext>
+            </a:extLst>
+          </p:cNvPr>
+          <p:cNvSpPr txBox="1"/>
+          <p:nvPr/>
+        </p:nvSpPr>
+        <p:spPr>
+          <a:xfrm>
+            <a:off x="1097278" y="3021569"/>
+            <a:ext cx="8328261" cy="3108543"/>
+          </a:xfrm>
+          <a:prstGeom prst="rect">
+            <a:avLst/>
+          </a:prstGeom>
+          <a:noFill/>
+        </p:spPr>
+        <p:txBody>
+          <a:bodyPr wrap="square">
+            <a:spAutoFit/>
+          </a:bodyPr>
+          <a:lstStyle/>
+          <a:p>
+            <a:pPr marL="457200" indent="-457200">
+              <a:buFont typeface="+mj-lt"/>
+              <a:buAutoNum type="arabicPeriod"/>
+            </a:pPr>
+            <a:r>
+              <a:rPr lang="en-US" sz="2800" dirty="0">
+                <a:latin typeface="+mj-lt"/>
+              </a:rPr>
+              <a:t>Who are the users of the programming language?</a:t>
+            </a:r>
+          </a:p>
+          <a:p>
+            <a:pPr marL="457200" indent="-457200">
+              <a:buFont typeface="+mj-lt"/>
+              <a:buAutoNum type="arabicPeriod"/>
+            </a:pPr>
+            <a:r>
+              <a:rPr lang="en-US" sz="2800" dirty="0">
+                <a:latin typeface="+mj-lt"/>
+              </a:rPr>
+              <a:t>What are the programmers’ goals?</a:t>
+            </a:r>
+          </a:p>
+          <a:p>
+            <a:pPr marL="457200" indent="-457200">
+              <a:buFont typeface="+mj-lt"/>
+              <a:buAutoNum type="arabicPeriod"/>
+            </a:pPr>
+            <a:r>
+              <a:rPr lang="en-US" sz="2800" dirty="0">
+                <a:latin typeface="+mj-lt"/>
+              </a:rPr>
+              <a:t>What is the context of use?</a:t>
+            </a:r>
+          </a:p>
+          <a:p>
+            <a:pPr marL="457200" indent="-457200">
+              <a:buFont typeface="+mj-lt"/>
+              <a:buAutoNum type="arabicPeriod"/>
+            </a:pPr>
+            <a:endParaRPr lang="en-US" sz="2800" dirty="0">
+              <a:latin typeface="+mj-lt"/>
+            </a:endParaRPr>
+          </a:p>
+          <a:p>
+            <a:pPr marL="457200" indent="-457200">
+              <a:buFont typeface="+mj-lt"/>
+              <a:buAutoNum type="arabicPeriod"/>
+            </a:pPr>
+            <a:r>
+              <a:rPr lang="en-US" sz="2800" dirty="0">
+                <a:latin typeface="+mj-lt"/>
+              </a:rPr>
+              <a:t>Effectiveness: Do they eventually achieve goals?</a:t>
+            </a:r>
+          </a:p>
+          <a:p>
+            <a:pPr marL="457200" indent="-457200">
+              <a:buFont typeface="+mj-lt"/>
+              <a:buAutoNum type="arabicPeriod"/>
+            </a:pPr>
+            <a:r>
+              <a:rPr lang="en-US" sz="2800" dirty="0">
+                <a:latin typeface="+mj-lt"/>
+              </a:rPr>
+              <a:t>Efficiency: How many resources used to achieve goal?</a:t>
+            </a:r>
+          </a:p>
+          <a:p>
+            <a:pPr marL="457200" indent="-457200">
+              <a:buFont typeface="+mj-lt"/>
+              <a:buAutoNum type="arabicPeriod"/>
+            </a:pPr>
+            <a:r>
+              <a:rPr lang="en-US" sz="2800" dirty="0">
+                <a:latin typeface="+mj-lt"/>
+              </a:rPr>
+              <a:t>Satisfaction: How do they like it, subjectively?</a:t>
+            </a:r>
+          </a:p>
+        </p:txBody>
+      </p:sp>
+      <p:sp>
+        <p:nvSpPr>
+          <p:cNvPr id="8" name="TextBox 7">
+            <a:extLst>
+              <a:ext uri="{FF2B5EF4-FFF2-40B4-BE49-F238E27FC236}">
+                <a16:creationId xmlns:a16="http://schemas.microsoft.com/office/drawing/2014/main" id="{B4B57708-0D51-111A-F3C3-B99A110923F6}"/>
+              </a:ext>
+            </a:extLst>
+          </p:cNvPr>
+          <p:cNvSpPr txBox="1"/>
+          <p:nvPr/>
+        </p:nvSpPr>
+        <p:spPr>
+          <a:xfrm>
+            <a:off x="1097279" y="1992429"/>
+            <a:ext cx="9997442" cy="461665"/>
+          </a:xfrm>
+          <a:prstGeom prst="rect">
+            <a:avLst/>
+          </a:prstGeom>
+          <a:noFill/>
+        </p:spPr>
+        <p:txBody>
+          <a:bodyPr wrap="square" rtlCol="0">
+            <a:spAutoFit/>
+          </a:bodyPr>
+          <a:lstStyle/>
+          <a:p>
+            <a:r>
+              <a:rPr lang="en-US" sz="2400" b="1" dirty="0"/>
+              <a:t>Design Exercise:</a:t>
+            </a:r>
+            <a:r>
+              <a:rPr lang="en-US" sz="2400" dirty="0"/>
+              <a:t> When designing a PL, answer these six questions</a:t>
+            </a:r>
+            <a:endParaRPr lang="en-US" sz="2400" b="1" dirty="0"/>
+          </a:p>
+        </p:txBody>
+      </p:sp>
+      <p:sp>
+        <p:nvSpPr>
+          <p:cNvPr id="10" name="TextBox 9">
+            <a:extLst>
+              <a:ext uri="{FF2B5EF4-FFF2-40B4-BE49-F238E27FC236}">
+                <a16:creationId xmlns:a16="http://schemas.microsoft.com/office/drawing/2014/main" id="{21DC8035-E53D-152E-98F3-7BC6E6736606}"/>
+              </a:ext>
+            </a:extLst>
+          </p:cNvPr>
+          <p:cNvSpPr txBox="1"/>
+          <p:nvPr/>
+        </p:nvSpPr>
+        <p:spPr>
+          <a:xfrm>
+            <a:off x="1127759" y="2677805"/>
+            <a:ext cx="1815165" cy="461665"/>
+          </a:xfrm>
+          <a:prstGeom prst="rect">
+            <a:avLst/>
+          </a:prstGeom>
+          <a:noFill/>
+        </p:spPr>
+        <p:txBody>
+          <a:bodyPr wrap="square" rtlCol="0">
+            <a:spAutoFit/>
+          </a:bodyPr>
+          <a:lstStyle/>
+          <a:p>
+            <a:r>
+              <a:rPr lang="en-US" sz="2400" b="1" dirty="0"/>
+              <a:t>Specification</a:t>
+            </a:r>
+          </a:p>
+        </p:txBody>
+      </p:sp>
+      <p:sp>
+        <p:nvSpPr>
+          <p:cNvPr id="12" name="TextBox 11">
+            <a:extLst>
+              <a:ext uri="{FF2B5EF4-FFF2-40B4-BE49-F238E27FC236}">
+                <a16:creationId xmlns:a16="http://schemas.microsoft.com/office/drawing/2014/main" id="{6866453F-980B-823A-BEF2-24BB46A385C2}"/>
+              </a:ext>
+            </a:extLst>
+          </p:cNvPr>
+          <p:cNvSpPr txBox="1"/>
+          <p:nvPr/>
+        </p:nvSpPr>
+        <p:spPr>
+          <a:xfrm>
+            <a:off x="1130166" y="4345007"/>
+            <a:ext cx="1815165" cy="461665"/>
+          </a:xfrm>
+          <a:prstGeom prst="rect">
+            <a:avLst/>
+          </a:prstGeom>
+          <a:noFill/>
+        </p:spPr>
+        <p:txBody>
+          <a:bodyPr wrap="square" rtlCol="0">
+            <a:spAutoFit/>
+          </a:bodyPr>
+          <a:lstStyle/>
+          <a:p>
+            <a:r>
+              <a:rPr lang="en-US" sz="2400" b="1" dirty="0"/>
+              <a:t>Assessment</a:t>
+            </a:r>
+          </a:p>
+        </p:txBody>
+      </p:sp>
+      <p:sp>
+        <p:nvSpPr>
+          <p:cNvPr id="3" name="Slide Number Placeholder 2">
+            <a:extLst>
+              <a:ext uri="{FF2B5EF4-FFF2-40B4-BE49-F238E27FC236}">
+                <a16:creationId xmlns:a16="http://schemas.microsoft.com/office/drawing/2014/main" id="{890B483F-DDF6-E124-670F-F6A5C959221C}"/>
               </a:ext>
             </a:extLst>
           </p:cNvPr>
@@ -15795,7 +16287,7 @@
     </p:spTree>
     <p:extLst>
       <p:ext uri="{BB962C8B-B14F-4D97-AF65-F5344CB8AC3E}">
-        <p14:creationId xmlns:p14="http://schemas.microsoft.com/office/powerpoint/2010/main" val="1050353515"/>
+        <p14:creationId xmlns:p14="http://schemas.microsoft.com/office/powerpoint/2010/main" val="3121287891"/>
       </p:ext>
     </p:extLst>
   </p:cSld>
@@ -15960,315 +16452,6 @@
     <p:extLst>
       <p:ext uri="{BB962C8B-B14F-4D97-AF65-F5344CB8AC3E}">
         <p14:creationId xmlns:p14="http://schemas.microsoft.com/office/powerpoint/2010/main" val="3567793729"/>
-      </p:ext>
-    </p:extLst>
-  </p:cSld>
-  <p:clrMapOvr>
-    <a:masterClrMapping/>
-  </p:clrMapOvr>
-</p:sld>
-</file>
-
-<file path=ppt/slides/slide60.xml><?xml version="1.0" encoding="utf-8"?>
-<p:sld xmlns:a="http://schemas.openxmlformats.org/drawingml/2006/main" xmlns:r="http://schemas.openxmlformats.org/officeDocument/2006/relationships" xmlns:p="http://schemas.openxmlformats.org/presentationml/2006/main">
-  <p:cSld>
-    <p:spTree>
-      <p:nvGrpSpPr>
-        <p:cNvPr id="1" name=""/>
-        <p:cNvGrpSpPr/>
-        <p:nvPr/>
-      </p:nvGrpSpPr>
-      <p:grpSpPr>
-        <a:xfrm>
-          <a:off x="0" y="0"/>
-          <a:ext cx="0" cy="0"/>
-          <a:chOff x="0" y="0"/>
-          <a:chExt cx="0" cy="0"/>
-        </a:xfrm>
-      </p:grpSpPr>
-      <p:sp>
-        <p:nvSpPr>
-          <p:cNvPr id="2" name="Title 1">
-            <a:extLst>
-              <a:ext uri="{FF2B5EF4-FFF2-40B4-BE49-F238E27FC236}">
-                <a16:creationId xmlns:a16="http://schemas.microsoft.com/office/drawing/2014/main" id="{79840214-D367-9524-B6CD-2D125AA907A2}"/>
-              </a:ext>
-            </a:extLst>
-          </p:cNvPr>
-          <p:cNvSpPr>
-            <a:spLocks noGrp="1"/>
-          </p:cNvSpPr>
-          <p:nvPr>
-            <p:ph type="title"/>
-          </p:nvPr>
-        </p:nvSpPr>
-        <p:spPr/>
-        <p:txBody>
-          <a:bodyPr>
-            <a:normAutofit/>
-          </a:bodyPr>
-          <a:lstStyle/>
-          <a:p>
-            <a:r>
-              <a:rPr lang="en-US" sz="4400" dirty="0"/>
-              <a:t>Takeaway: Six Key Usability Questions</a:t>
-            </a:r>
-          </a:p>
-        </p:txBody>
-      </p:sp>
-      <p:sp>
-        <p:nvSpPr>
-          <p:cNvPr id="6" name="TextBox 5">
-            <a:extLst>
-              <a:ext uri="{FF2B5EF4-FFF2-40B4-BE49-F238E27FC236}">
-                <a16:creationId xmlns:a16="http://schemas.microsoft.com/office/drawing/2014/main" id="{030DC38D-8B17-8C45-29B9-B2D88E48A9F8}"/>
-              </a:ext>
-            </a:extLst>
-          </p:cNvPr>
-          <p:cNvSpPr txBox="1"/>
-          <p:nvPr/>
-        </p:nvSpPr>
-        <p:spPr>
-          <a:xfrm>
-            <a:off x="1097278" y="3021569"/>
-            <a:ext cx="8328261" cy="3108543"/>
-          </a:xfrm>
-          <a:prstGeom prst="rect">
-            <a:avLst/>
-          </a:prstGeom>
-          <a:noFill/>
-        </p:spPr>
-        <p:txBody>
-          <a:bodyPr wrap="square">
-            <a:spAutoFit/>
-          </a:bodyPr>
-          <a:lstStyle/>
-          <a:p>
-            <a:pPr marL="457200" indent="-457200">
-              <a:buFont typeface="+mj-lt"/>
-              <a:buAutoNum type="arabicPeriod"/>
-            </a:pPr>
-            <a:r>
-              <a:rPr lang="en-US" sz="2800" dirty="0">
-                <a:latin typeface="+mj-lt"/>
-              </a:rPr>
-              <a:t>Who are the users of the programming language?</a:t>
-            </a:r>
-          </a:p>
-          <a:p>
-            <a:pPr marL="457200" indent="-457200">
-              <a:buFont typeface="+mj-lt"/>
-              <a:buAutoNum type="arabicPeriod"/>
-            </a:pPr>
-            <a:r>
-              <a:rPr lang="en-US" sz="2800" dirty="0">
-                <a:latin typeface="+mj-lt"/>
-              </a:rPr>
-              <a:t>What are the programmers’ goals?</a:t>
-            </a:r>
-          </a:p>
-          <a:p>
-            <a:pPr marL="457200" indent="-457200">
-              <a:buFont typeface="+mj-lt"/>
-              <a:buAutoNum type="arabicPeriod"/>
-            </a:pPr>
-            <a:r>
-              <a:rPr lang="en-US" sz="2800" dirty="0">
-                <a:latin typeface="+mj-lt"/>
-              </a:rPr>
-              <a:t>What is the context of use?</a:t>
-            </a:r>
-          </a:p>
-          <a:p>
-            <a:pPr marL="457200" indent="-457200">
-              <a:buFont typeface="+mj-lt"/>
-              <a:buAutoNum type="arabicPeriod"/>
-            </a:pPr>
-            <a:endParaRPr lang="en-US" sz="2800" dirty="0">
-              <a:latin typeface="+mj-lt"/>
-            </a:endParaRPr>
-          </a:p>
-          <a:p>
-            <a:pPr marL="457200" indent="-457200">
-              <a:buFont typeface="+mj-lt"/>
-              <a:buAutoNum type="arabicPeriod"/>
-            </a:pPr>
-            <a:r>
-              <a:rPr lang="en-US" sz="2800" dirty="0">
-                <a:latin typeface="+mj-lt"/>
-              </a:rPr>
-              <a:t>Effectiveness: Do they eventually achieve goals?</a:t>
-            </a:r>
-          </a:p>
-          <a:p>
-            <a:pPr marL="457200" indent="-457200">
-              <a:buFont typeface="+mj-lt"/>
-              <a:buAutoNum type="arabicPeriod"/>
-            </a:pPr>
-            <a:r>
-              <a:rPr lang="en-US" sz="2800" dirty="0">
-                <a:latin typeface="+mj-lt"/>
-              </a:rPr>
-              <a:t>Efficiency: How many resources used to achieve goal?</a:t>
-            </a:r>
-          </a:p>
-          <a:p>
-            <a:pPr marL="457200" indent="-457200">
-              <a:buFont typeface="+mj-lt"/>
-              <a:buAutoNum type="arabicPeriod"/>
-            </a:pPr>
-            <a:r>
-              <a:rPr lang="en-US" sz="2800" dirty="0">
-                <a:latin typeface="+mj-lt"/>
-              </a:rPr>
-              <a:t>Satisfaction: How do they like it, subjectively?</a:t>
-            </a:r>
-          </a:p>
-        </p:txBody>
-      </p:sp>
-      <p:sp>
-        <p:nvSpPr>
-          <p:cNvPr id="8" name="TextBox 7">
-            <a:extLst>
-              <a:ext uri="{FF2B5EF4-FFF2-40B4-BE49-F238E27FC236}">
-                <a16:creationId xmlns:a16="http://schemas.microsoft.com/office/drawing/2014/main" id="{B4B57708-0D51-111A-F3C3-B99A110923F6}"/>
-              </a:ext>
-            </a:extLst>
-          </p:cNvPr>
-          <p:cNvSpPr txBox="1"/>
-          <p:nvPr/>
-        </p:nvSpPr>
-        <p:spPr>
-          <a:xfrm>
-            <a:off x="1097279" y="1992429"/>
-            <a:ext cx="9997442" cy="461665"/>
-          </a:xfrm>
-          <a:prstGeom prst="rect">
-            <a:avLst/>
-          </a:prstGeom>
-          <a:noFill/>
-        </p:spPr>
-        <p:txBody>
-          <a:bodyPr wrap="square" rtlCol="0">
-            <a:spAutoFit/>
-          </a:bodyPr>
-          <a:lstStyle/>
-          <a:p>
-            <a:r>
-              <a:rPr lang="en-US" sz="2400" b="1" dirty="0"/>
-              <a:t>Design Exercise:</a:t>
-            </a:r>
-            <a:r>
-              <a:rPr lang="en-US" sz="2400" dirty="0"/>
-              <a:t> When designing a PL, answer these six questions</a:t>
-            </a:r>
-            <a:endParaRPr lang="en-US" sz="2400" b="1" dirty="0"/>
-          </a:p>
-        </p:txBody>
-      </p:sp>
-      <p:sp>
-        <p:nvSpPr>
-          <p:cNvPr id="10" name="TextBox 9">
-            <a:extLst>
-              <a:ext uri="{FF2B5EF4-FFF2-40B4-BE49-F238E27FC236}">
-                <a16:creationId xmlns:a16="http://schemas.microsoft.com/office/drawing/2014/main" id="{21DC8035-E53D-152E-98F3-7BC6E6736606}"/>
-              </a:ext>
-            </a:extLst>
-          </p:cNvPr>
-          <p:cNvSpPr txBox="1"/>
-          <p:nvPr/>
-        </p:nvSpPr>
-        <p:spPr>
-          <a:xfrm>
-            <a:off x="1127759" y="2677805"/>
-            <a:ext cx="1815165" cy="461665"/>
-          </a:xfrm>
-          <a:prstGeom prst="rect">
-            <a:avLst/>
-          </a:prstGeom>
-          <a:noFill/>
-        </p:spPr>
-        <p:txBody>
-          <a:bodyPr wrap="square" rtlCol="0">
-            <a:spAutoFit/>
-          </a:bodyPr>
-          <a:lstStyle/>
-          <a:p>
-            <a:r>
-              <a:rPr lang="en-US" sz="2400" b="1" dirty="0"/>
-              <a:t>Specification</a:t>
-            </a:r>
-          </a:p>
-        </p:txBody>
-      </p:sp>
-      <p:sp>
-        <p:nvSpPr>
-          <p:cNvPr id="12" name="TextBox 11">
-            <a:extLst>
-              <a:ext uri="{FF2B5EF4-FFF2-40B4-BE49-F238E27FC236}">
-                <a16:creationId xmlns:a16="http://schemas.microsoft.com/office/drawing/2014/main" id="{6866453F-980B-823A-BEF2-24BB46A385C2}"/>
-              </a:ext>
-            </a:extLst>
-          </p:cNvPr>
-          <p:cNvSpPr txBox="1"/>
-          <p:nvPr/>
-        </p:nvSpPr>
-        <p:spPr>
-          <a:xfrm>
-            <a:off x="1130166" y="4345007"/>
-            <a:ext cx="1815165" cy="461665"/>
-          </a:xfrm>
-          <a:prstGeom prst="rect">
-            <a:avLst/>
-          </a:prstGeom>
-          <a:noFill/>
-        </p:spPr>
-        <p:txBody>
-          <a:bodyPr wrap="square" rtlCol="0">
-            <a:spAutoFit/>
-          </a:bodyPr>
-          <a:lstStyle/>
-          <a:p>
-            <a:r>
-              <a:rPr lang="en-US" sz="2400" b="1" dirty="0"/>
-              <a:t>Assessment</a:t>
-            </a:r>
-          </a:p>
-        </p:txBody>
-      </p:sp>
-      <p:sp>
-        <p:nvSpPr>
-          <p:cNvPr id="3" name="Slide Number Placeholder 2">
-            <a:extLst>
-              <a:ext uri="{FF2B5EF4-FFF2-40B4-BE49-F238E27FC236}">
-                <a16:creationId xmlns:a16="http://schemas.microsoft.com/office/drawing/2014/main" id="{890B483F-DDF6-E124-670F-F6A5C959221C}"/>
-              </a:ext>
-            </a:extLst>
-          </p:cNvPr>
-          <p:cNvSpPr>
-            <a:spLocks noGrp="1"/>
-          </p:cNvSpPr>
-          <p:nvPr>
-            <p:ph type="sldNum" sz="quarter" idx="12"/>
-          </p:nvPr>
-        </p:nvSpPr>
-        <p:spPr/>
-        <p:txBody>
-          <a:bodyPr/>
-          <a:lstStyle/>
-          <a:p>
-            <a:fld id="{9BF27F29-4B64-4A24-936A-FF41C34C242B}" type="slidenum">
-              <a:rPr lang="en-US" smtClean="0"/>
-              <a:t>60</a:t>
-            </a:fld>
-            <a:endParaRPr lang="en-US"/>
-          </a:p>
-        </p:txBody>
-      </p:sp>
-    </p:spTree>
-    <p:extLst>
-      <p:ext uri="{BB962C8B-B14F-4D97-AF65-F5344CB8AC3E}">
-        <p14:creationId xmlns:p14="http://schemas.microsoft.com/office/powerpoint/2010/main" val="3121287891"/>
       </p:ext>
     </p:extLst>
   </p:cSld>

--- a/LectureSlides/08Design1.pptx
+++ b/LectureSlides/08Design1.pptx
@@ -7663,7 +7663,7 @@
         <p:spPr/>
         <p:txBody>
           <a:bodyPr>
-            <a:normAutofit fontScale="92500" lnSpcReduction="10000"/>
+            <a:normAutofit/>
           </a:bodyPr>
           <a:lstStyle/>
           <a:p>
@@ -7683,25 +7683,24 @@
             <a:pPr lvl="1"/>
             <a:r>
               <a:rPr lang="en-US" dirty="0"/>
-              <a:t>HW is written to match (Exam: I hope to announce plan within 1 week)</a:t>
-            </a:r>
-          </a:p>
-          <a:p>
-            <a:r>
-              <a:rPr lang="en-US" dirty="0"/>
-              <a:t>2. The textbook is slightly less polished for the second half of the term. The slides take precedence over the book and may contain additional material</a:t>
-            </a:r>
-          </a:p>
-          <a:p>
-            <a:r>
-              <a:rPr lang="en-US" dirty="0"/>
-              <a:t>3. CS Wellness Event Friday 2-4pm, FL 311</a:t>
-            </a:r>
-          </a:p>
-          <a:p>
-            <a:r>
-              <a:rPr lang="en-US" dirty="0"/>
-              <a:t>4. User studies: Oct 3, in-class (+ half-lecture)</a:t>
+              <a:t>HW is written to match</a:t>
+            </a:r>
+          </a:p>
+          <a:p>
+            <a:r>
+              <a:rPr lang="en-US" dirty="0"/>
+              <a:t>2. I may continue to edit book + </a:t>
+            </a:r>
+            <a:r>
+              <a:rPr lang="en-US"/>
+              <a:t>slides throughout term</a:t>
+            </a:r>
+            <a:endParaRPr lang="en-US" dirty="0"/>
+          </a:p>
+          <a:p>
+            <a:r>
+              <a:rPr lang="en-US" dirty="0"/>
+              <a:t>3. User studies: Nov 8, in-class (+ half-lecture)</a:t>
             </a:r>
           </a:p>
         </p:txBody>

--- a/LectureSlides/08Design1.pptx
+++ b/LectureSlides/08Design1.pptx
@@ -5,7 +5,7 @@
     <p:sldMasterId id="2147483696" r:id="rId1"/>
   </p:sldMasterIdLst>
   <p:notesMasterIdLst>
-    <p:notesMasterId r:id="rId61"/>
+    <p:notesMasterId r:id="rId60"/>
   </p:notesMasterIdLst>
   <p:sldIdLst>
     <p:sldId id="256" r:id="rId2"/>
@@ -35,38 +35,37 @@
     <p:sldId id="279" r:id="rId26"/>
     <p:sldId id="281" r:id="rId27"/>
     <p:sldId id="282" r:id="rId28"/>
-    <p:sldId id="316" r:id="rId29"/>
-    <p:sldId id="283" r:id="rId30"/>
-    <p:sldId id="286" r:id="rId31"/>
-    <p:sldId id="285" r:id="rId32"/>
-    <p:sldId id="287" r:id="rId33"/>
-    <p:sldId id="284" r:id="rId34"/>
-    <p:sldId id="289" r:id="rId35"/>
-    <p:sldId id="317" r:id="rId36"/>
-    <p:sldId id="291" r:id="rId37"/>
-    <p:sldId id="292" r:id="rId38"/>
-    <p:sldId id="296" r:id="rId39"/>
-    <p:sldId id="293" r:id="rId40"/>
-    <p:sldId id="294" r:id="rId41"/>
-    <p:sldId id="297" r:id="rId42"/>
-    <p:sldId id="298" r:id="rId43"/>
-    <p:sldId id="299" r:id="rId44"/>
-    <p:sldId id="300" r:id="rId45"/>
-    <p:sldId id="295" r:id="rId46"/>
-    <p:sldId id="260" r:id="rId47"/>
-    <p:sldId id="301" r:id="rId48"/>
-    <p:sldId id="302" r:id="rId49"/>
-    <p:sldId id="305" r:id="rId50"/>
-    <p:sldId id="303" r:id="rId51"/>
-    <p:sldId id="304" r:id="rId52"/>
-    <p:sldId id="306" r:id="rId53"/>
-    <p:sldId id="307" r:id="rId54"/>
-    <p:sldId id="308" r:id="rId55"/>
-    <p:sldId id="309" r:id="rId56"/>
-    <p:sldId id="310" r:id="rId57"/>
-    <p:sldId id="261" r:id="rId58"/>
-    <p:sldId id="311" r:id="rId59"/>
-    <p:sldId id="313" r:id="rId60"/>
+    <p:sldId id="283" r:id="rId29"/>
+    <p:sldId id="286" r:id="rId30"/>
+    <p:sldId id="285" r:id="rId31"/>
+    <p:sldId id="287" r:id="rId32"/>
+    <p:sldId id="284" r:id="rId33"/>
+    <p:sldId id="289" r:id="rId34"/>
+    <p:sldId id="317" r:id="rId35"/>
+    <p:sldId id="291" r:id="rId36"/>
+    <p:sldId id="292" r:id="rId37"/>
+    <p:sldId id="296" r:id="rId38"/>
+    <p:sldId id="293" r:id="rId39"/>
+    <p:sldId id="294" r:id="rId40"/>
+    <p:sldId id="297" r:id="rId41"/>
+    <p:sldId id="298" r:id="rId42"/>
+    <p:sldId id="299" r:id="rId43"/>
+    <p:sldId id="300" r:id="rId44"/>
+    <p:sldId id="295" r:id="rId45"/>
+    <p:sldId id="260" r:id="rId46"/>
+    <p:sldId id="301" r:id="rId47"/>
+    <p:sldId id="302" r:id="rId48"/>
+    <p:sldId id="305" r:id="rId49"/>
+    <p:sldId id="303" r:id="rId50"/>
+    <p:sldId id="304" r:id="rId51"/>
+    <p:sldId id="306" r:id="rId52"/>
+    <p:sldId id="307" r:id="rId53"/>
+    <p:sldId id="308" r:id="rId54"/>
+    <p:sldId id="309" r:id="rId55"/>
+    <p:sldId id="310" r:id="rId56"/>
+    <p:sldId id="261" r:id="rId57"/>
+    <p:sldId id="311" r:id="rId58"/>
+    <p:sldId id="313" r:id="rId59"/>
   </p:sldIdLst>
   <p:sldSz cx="12192000" cy="6858000"/>
   <p:notesSz cx="6858000" cy="9144000"/>
@@ -255,7 +254,7 @@
           <a:p>
             <a:fld id="{798376BB-0133-4A1F-AB50-8F7418DC3C7A}" type="datetimeFigureOut">
               <a:rPr lang="en-US" smtClean="0"/>
-              <a:t>10/23/2023</a:t>
+              <a:t>10/25/2023</a:t>
             </a:fld>
             <a:endParaRPr lang="en-US"/>
           </a:p>
@@ -677,7 +676,7 @@
           <a:p>
             <a:fld id="{81F5D66A-26E3-4D05-9130-BB2155DE290D}" type="slidenum">
               <a:rPr lang="en-US" smtClean="0"/>
-              <a:t>49</a:t>
+              <a:t>48</a:t>
             </a:fld>
             <a:endParaRPr lang="en-US"/>
           </a:p>
@@ -920,7 +919,7 @@
           <a:p>
             <a:fld id="{3B4A0DFC-F603-49B3-92DC-4314F9B70182}" type="datetime1">
               <a:rPr lang="en-US" smtClean="0"/>
-              <a:t>10/23/2023</a:t>
+              <a:t>10/25/2023</a:t>
             </a:fld>
             <a:endParaRPr lang="en-US"/>
           </a:p>
@@ -1128,7 +1127,7 @@
           <a:p>
             <a:fld id="{44E07FCE-B1C6-4B40-8646-92A79898B5AD}" type="datetime1">
               <a:rPr lang="en-US" smtClean="0"/>
-              <a:t>10/23/2023</a:t>
+              <a:t>10/25/2023</a:t>
             </a:fld>
             <a:endParaRPr lang="en-US"/>
           </a:p>
@@ -1384,7 +1383,7 @@
           <a:p>
             <a:fld id="{DF7BA5AD-B0F8-4503-ABE5-3131372F5E41}" type="datetime1">
               <a:rPr lang="en-US" smtClean="0"/>
-              <a:t>10/23/2023</a:t>
+              <a:t>10/25/2023</a:t>
             </a:fld>
             <a:endParaRPr lang="en-US"/>
           </a:p>
@@ -1569,7 +1568,7 @@
           <a:p>
             <a:fld id="{311EB06D-26A6-4C43-8277-99F31CD5B1B5}" type="datetime1">
               <a:rPr lang="en-US" smtClean="0"/>
-              <a:t>10/23/2023</a:t>
+              <a:t>10/25/2023</a:t>
             </a:fld>
             <a:endParaRPr lang="en-US"/>
           </a:p>
@@ -1912,7 +1911,7 @@
           <a:p>
             <a:fld id="{7251C776-B46C-4540-9846-946AC493C078}" type="datetime1">
               <a:rPr lang="en-US" smtClean="0"/>
-              <a:t>10/23/2023</a:t>
+              <a:t>10/25/2023</a:t>
             </a:fld>
             <a:endParaRPr lang="en-US"/>
           </a:p>
@@ -2217,7 +2216,7 @@
           <a:p>
             <a:fld id="{BB782773-779E-4E5F-BE65-5C82215AC1C2}" type="datetime1">
               <a:rPr lang="en-US" smtClean="0"/>
-              <a:t>10/23/2023</a:t>
+              <a:t>10/25/2023</a:t>
             </a:fld>
             <a:endParaRPr lang="en-US"/>
           </a:p>
@@ -2626,7 +2625,7 @@
           <a:p>
             <a:fld id="{8BBF6F25-7BA3-486F-9F1E-3E151C128E18}" type="datetime1">
               <a:rPr lang="en-US" smtClean="0"/>
-              <a:t>10/23/2023</a:t>
+              <a:t>10/25/2023</a:t>
             </a:fld>
             <a:endParaRPr lang="en-US"/>
           </a:p>
@@ -2744,7 +2743,7 @@
           <a:p>
             <a:fld id="{2EDED3F0-DC71-40A6-8BD5-999A523EF1D6}" type="datetime1">
               <a:rPr lang="en-US" smtClean="0"/>
-              <a:t>10/23/2023</a:t>
+              <a:t>10/25/2023</a:t>
             </a:fld>
             <a:endParaRPr lang="en-US"/>
           </a:p>
@@ -2915,7 +2914,7 @@
           <a:p>
             <a:fld id="{ABBC6905-E1EF-4604-BE16-17126F6AF6F5}" type="datetime1">
               <a:rPr lang="en-US" smtClean="0"/>
-              <a:t>10/23/2023</a:t>
+              <a:t>10/25/2023</a:t>
             </a:fld>
             <a:endParaRPr lang="en-US"/>
           </a:p>
@@ -3284,7 +3283,7 @@
           <a:p>
             <a:fld id="{B42FE70B-855B-456C-8055-272A72415E6A}" type="datetime1">
               <a:rPr lang="en-US" smtClean="0"/>
-              <a:t>10/23/2023</a:t>
+              <a:t>10/25/2023</a:t>
             </a:fld>
             <a:endParaRPr lang="en-US"/>
           </a:p>
@@ -3661,7 +3660,7 @@
           <a:p>
             <a:fld id="{6C99EF0D-AE8A-467F-B3AA-2668B4F8126E}" type="datetime1">
               <a:rPr lang="en-US" smtClean="0"/>
-              <a:t>10/23/2023</a:t>
+              <a:t>10/25/2023</a:t>
             </a:fld>
             <a:endParaRPr lang="en-US"/>
           </a:p>
@@ -3948,7 +3947,7 @@
           <a:p>
             <a:fld id="{4CC437C6-6CA9-4A4C-9CAF-87DD1B8E03E5}" type="datetime1">
               <a:rPr lang="en-US" smtClean="0"/>
-              <a:t>10/23/2023</a:t>
+              <a:t>10/25/2023</a:t>
             </a:fld>
             <a:endParaRPr lang="en-US"/>
           </a:p>
@@ -7689,13 +7688,8 @@
           <a:p>
             <a:r>
               <a:rPr lang="en-US" dirty="0"/>
-              <a:t>2. I may continue to edit book + </a:t>
-            </a:r>
-            <a:r>
-              <a:rPr lang="en-US"/>
-              <a:t>slides throughout term</a:t>
-            </a:r>
-            <a:endParaRPr lang="en-US" dirty="0"/>
+              <a:t>2. I may continue to edit book + slides throughout term</a:t>
+            </a:r>
           </a:p>
           <a:p>
             <a:r>
@@ -9777,7 +9771,7 @@
           <p:cNvPr id="2" name="Title 1">
             <a:extLst>
               <a:ext uri="{FF2B5EF4-FFF2-40B4-BE49-F238E27FC236}">
-                <a16:creationId xmlns:a16="http://schemas.microsoft.com/office/drawing/2014/main" id="{48D41010-AAA0-7CFB-4364-BAFDA1DEBFBA}"/>
+                <a16:creationId xmlns:a16="http://schemas.microsoft.com/office/drawing/2014/main" id="{CE580938-2BF0-9692-6DC4-39FD1138D970}"/>
               </a:ext>
             </a:extLst>
           </p:cNvPr>
@@ -9795,8 +9789,176 @@
           <a:p>
             <a:r>
               <a:rPr lang="en-US" dirty="0"/>
-              <a:t>5-Minute Break</a:t>
-            </a:r>
+              <a:t>Example Personas: Early Microsoft</a:t>
+            </a:r>
+          </a:p>
+        </p:txBody>
+      </p:sp>
+      <p:sp>
+        <p:nvSpPr>
+          <p:cNvPr id="5" name="TextBox 4">
+            <a:extLst>
+              <a:ext uri="{FF2B5EF4-FFF2-40B4-BE49-F238E27FC236}">
+                <a16:creationId xmlns:a16="http://schemas.microsoft.com/office/drawing/2014/main" id="{B45734A6-9D34-5DA1-D954-9B4998B27B3B}"/>
+              </a:ext>
+            </a:extLst>
+          </p:cNvPr>
+          <p:cNvSpPr txBox="1"/>
+          <p:nvPr/>
+        </p:nvSpPr>
+        <p:spPr>
+          <a:xfrm>
+            <a:off x="866273" y="2019519"/>
+            <a:ext cx="3236495" cy="369332"/>
+          </a:xfrm>
+          <a:prstGeom prst="rect">
+            <a:avLst/>
+          </a:prstGeom>
+          <a:noFill/>
+        </p:spPr>
+        <p:txBody>
+          <a:bodyPr wrap="square">
+            <a:spAutoFit/>
+          </a:bodyPr>
+          <a:lstStyle/>
+          <a:p>
+            <a:r>
+              <a:rPr lang="en-US" b="1" i="0" dirty="0">
+                <a:solidFill>
+                  <a:srgbClr val="000000"/>
+                </a:solidFill>
+                <a:effectLst/>
+                <a:latin typeface="Noto Serif" panose="02020600060500020200" pitchFamily="18" charset="0"/>
+              </a:rPr>
+              <a:t>Systematic Developer</a:t>
+            </a:r>
+            <a:endParaRPr lang="en-US" dirty="0"/>
+          </a:p>
+        </p:txBody>
+      </p:sp>
+      <p:sp>
+        <p:nvSpPr>
+          <p:cNvPr id="7" name="TextBox 6">
+            <a:extLst>
+              <a:ext uri="{FF2B5EF4-FFF2-40B4-BE49-F238E27FC236}">
+                <a16:creationId xmlns:a16="http://schemas.microsoft.com/office/drawing/2014/main" id="{99E928C7-5335-78E1-CA02-466F24BF5178}"/>
+              </a:ext>
+            </a:extLst>
+          </p:cNvPr>
+          <p:cNvSpPr txBox="1"/>
+          <p:nvPr/>
+        </p:nvSpPr>
+        <p:spPr>
+          <a:xfrm>
+            <a:off x="4717985" y="2030930"/>
+            <a:ext cx="2626091" cy="369332"/>
+          </a:xfrm>
+          <a:prstGeom prst="rect">
+            <a:avLst/>
+          </a:prstGeom>
+          <a:noFill/>
+        </p:spPr>
+        <p:txBody>
+          <a:bodyPr wrap="square">
+            <a:spAutoFit/>
+          </a:bodyPr>
+          <a:lstStyle/>
+          <a:p>
+            <a:r>
+              <a:rPr lang="en-US" b="1" i="0" dirty="0">
+                <a:solidFill>
+                  <a:srgbClr val="000000"/>
+                </a:solidFill>
+                <a:effectLst/>
+                <a:latin typeface="Noto Serif" panose="02020600060500020200" pitchFamily="18" charset="0"/>
+              </a:rPr>
+              <a:t>Pragmatic Developer</a:t>
+            </a:r>
+            <a:endParaRPr lang="en-US" dirty="0"/>
+          </a:p>
+        </p:txBody>
+      </p:sp>
+      <p:sp>
+        <p:nvSpPr>
+          <p:cNvPr id="9" name="TextBox 8">
+            <a:extLst>
+              <a:ext uri="{FF2B5EF4-FFF2-40B4-BE49-F238E27FC236}">
+                <a16:creationId xmlns:a16="http://schemas.microsoft.com/office/drawing/2014/main" id="{7F15D051-D526-CD91-3A14-F7A38DB79A67}"/>
+              </a:ext>
+            </a:extLst>
+          </p:cNvPr>
+          <p:cNvSpPr txBox="1"/>
+          <p:nvPr/>
+        </p:nvSpPr>
+        <p:spPr>
+          <a:xfrm>
+            <a:off x="8275319" y="2030930"/>
+            <a:ext cx="3063240" cy="369332"/>
+          </a:xfrm>
+          <a:prstGeom prst="rect">
+            <a:avLst/>
+          </a:prstGeom>
+          <a:noFill/>
+        </p:spPr>
+        <p:txBody>
+          <a:bodyPr wrap="square">
+            <a:spAutoFit/>
+          </a:bodyPr>
+          <a:lstStyle/>
+          <a:p>
+            <a:r>
+              <a:rPr lang="en-US" b="1" i="0" dirty="0">
+                <a:solidFill>
+                  <a:srgbClr val="000000"/>
+                </a:solidFill>
+                <a:effectLst/>
+                <a:latin typeface="Noto Serif" panose="02020600060500020200" pitchFamily="18" charset="0"/>
+              </a:rPr>
+              <a:t>Opportunistic Developer</a:t>
+            </a:r>
+            <a:endParaRPr lang="en-US" dirty="0"/>
+          </a:p>
+        </p:txBody>
+      </p:sp>
+      <p:sp>
+        <p:nvSpPr>
+          <p:cNvPr id="11" name="TextBox 10">
+            <a:extLst>
+              <a:ext uri="{FF2B5EF4-FFF2-40B4-BE49-F238E27FC236}">
+                <a16:creationId xmlns:a16="http://schemas.microsoft.com/office/drawing/2014/main" id="{02E7B79E-36B3-F2D8-6AC5-B28A12A3F389}"/>
+              </a:ext>
+            </a:extLst>
+          </p:cNvPr>
+          <p:cNvSpPr txBox="1"/>
+          <p:nvPr/>
+        </p:nvSpPr>
+        <p:spPr>
+          <a:xfrm>
+            <a:off x="789271" y="2526260"/>
+            <a:ext cx="3388093" cy="2862322"/>
+          </a:xfrm>
+          <a:prstGeom prst="rect">
+            <a:avLst/>
+          </a:prstGeom>
+          <a:noFill/>
+        </p:spPr>
+        <p:txBody>
+          <a:bodyPr wrap="square">
+            <a:spAutoFit/>
+          </a:bodyPr>
+          <a:lstStyle/>
+          <a:p>
+            <a:r>
+              <a:rPr lang="en-US" b="0" i="0" dirty="0">
+                <a:solidFill>
+                  <a:srgbClr val="000000"/>
+                </a:solidFill>
+                <a:effectLst/>
+                <a:latin typeface="Noto Serif" panose="02020600060500020200" pitchFamily="18" charset="0"/>
+              </a:rPr>
+              <a:t>Writes code defensively. Does everything they can to protect their code from unstable and untrustworthy processes running in parallel with their code. Develops a deep understanding of a technology before using it. Prides themselves on building elegant solutions.</a:t>
+            </a:r>
+            <a:endParaRPr lang="en-US" dirty="0"/>
           </a:p>
         </p:txBody>
       </p:sp>
@@ -9805,7 +9967,7 @@
           <p:cNvPr id="4" name="Slide Number Placeholder 3">
             <a:extLst>
               <a:ext uri="{FF2B5EF4-FFF2-40B4-BE49-F238E27FC236}">
-                <a16:creationId xmlns:a16="http://schemas.microsoft.com/office/drawing/2014/main" id="{57576B59-01F6-1050-48B5-9FA72440A53F}"/>
+                <a16:creationId xmlns:a16="http://schemas.microsoft.com/office/drawing/2014/main" id="{11E94065-EF15-8C49-C6F9-E98C70D06253}"/>
               </a:ext>
             </a:extLst>
           </p:cNvPr>
@@ -9829,35 +9991,10 @@
           </a:p>
         </p:txBody>
       </p:sp>
-      <p:sp>
-        <p:nvSpPr>
-          <p:cNvPr id="6" name="Content Placeholder 5">
-            <a:extLst>
-              <a:ext uri="{FF2B5EF4-FFF2-40B4-BE49-F238E27FC236}">
-                <a16:creationId xmlns:a16="http://schemas.microsoft.com/office/drawing/2014/main" id="{81D5D2BF-77CB-0BA9-CE93-F29814CDE0C6}"/>
-              </a:ext>
-            </a:extLst>
-          </p:cNvPr>
-          <p:cNvSpPr>
-            <a:spLocks noGrp="1"/>
-          </p:cNvSpPr>
-          <p:nvPr>
-            <p:ph idx="1"/>
-          </p:nvPr>
-        </p:nvSpPr>
-        <p:spPr/>
-        <p:txBody>
-          <a:bodyPr/>
-          <a:lstStyle/>
-          <a:p>
-            <a:endParaRPr lang="en-US" dirty="0"/>
-          </a:p>
-        </p:txBody>
-      </p:sp>
     </p:spTree>
     <p:extLst>
       <p:ext uri="{BB962C8B-B14F-4D97-AF65-F5344CB8AC3E}">
-        <p14:creationId xmlns:p14="http://schemas.microsoft.com/office/powerpoint/2010/main" val="3282295904"/>
+        <p14:creationId xmlns:p14="http://schemas.microsoft.com/office/powerpoint/2010/main" val="3665274873"/>
       </p:ext>
     </p:extLst>
   </p:cSld>
@@ -10082,10 +10219,52 @@
       </p:sp>
       <p:sp>
         <p:nvSpPr>
+          <p:cNvPr id="13" name="TextBox 12">
+            <a:extLst>
+              <a:ext uri="{FF2B5EF4-FFF2-40B4-BE49-F238E27FC236}">
+                <a16:creationId xmlns:a16="http://schemas.microsoft.com/office/drawing/2014/main" id="{B41B46FA-B81A-228E-F149-CF588BC69186}"/>
+              </a:ext>
+            </a:extLst>
+          </p:cNvPr>
+          <p:cNvSpPr txBox="1"/>
+          <p:nvPr/>
+        </p:nvSpPr>
+        <p:spPr>
+          <a:xfrm>
+            <a:off x="4563980" y="2526260"/>
+            <a:ext cx="3078478" cy="2031325"/>
+          </a:xfrm>
+          <a:prstGeom prst="rect">
+            <a:avLst/>
+          </a:prstGeom>
+          <a:noFill/>
+        </p:spPr>
+        <p:txBody>
+          <a:bodyPr wrap="square">
+            <a:spAutoFit/>
+          </a:bodyPr>
+          <a:lstStyle/>
+          <a:p>
+            <a:r>
+              <a:rPr lang="en-US" b="0" i="0" dirty="0">
+                <a:solidFill>
+                  <a:srgbClr val="000000"/>
+                </a:solidFill>
+                <a:effectLst/>
+                <a:latin typeface="Noto Serif" panose="02020600060500020200" pitchFamily="18" charset="0"/>
+              </a:rPr>
+              <a:t>Writes code methodically. Develops a sufficient understanding of a technology to enable them to use it. Prides themselves on building robust applications.</a:t>
+            </a:r>
+            <a:endParaRPr lang="en-US" dirty="0"/>
+          </a:p>
+        </p:txBody>
+      </p:sp>
+      <p:sp>
+        <p:nvSpPr>
           <p:cNvPr id="4" name="Slide Number Placeholder 3">
             <a:extLst>
               <a:ext uri="{FF2B5EF4-FFF2-40B4-BE49-F238E27FC236}">
-                <a16:creationId xmlns:a16="http://schemas.microsoft.com/office/drawing/2014/main" id="{11E94065-EF15-8C49-C6F9-E98C70D06253}"/>
+                <a16:creationId xmlns:a16="http://schemas.microsoft.com/office/drawing/2014/main" id="{DD44D4D7-9603-EDC7-3F0E-20A677266AB1}"/>
               </a:ext>
             </a:extLst>
           </p:cNvPr>
@@ -10109,35 +10288,10 @@
           </a:p>
         </p:txBody>
       </p:sp>
-      <p:sp>
-        <p:nvSpPr>
-          <p:cNvPr id="8" name="Content Placeholder 7">
-            <a:extLst>
-              <a:ext uri="{FF2B5EF4-FFF2-40B4-BE49-F238E27FC236}">
-                <a16:creationId xmlns:a16="http://schemas.microsoft.com/office/drawing/2014/main" id="{A94DB65B-C4D9-B32C-B01E-CE78A6FBAB4B}"/>
-              </a:ext>
-            </a:extLst>
-          </p:cNvPr>
-          <p:cNvSpPr>
-            <a:spLocks noGrp="1"/>
-          </p:cNvSpPr>
-          <p:nvPr>
-            <p:ph idx="1"/>
-          </p:nvPr>
-        </p:nvSpPr>
-        <p:spPr/>
-        <p:txBody>
-          <a:bodyPr/>
-          <a:lstStyle/>
-          <a:p>
-            <a:endParaRPr lang="en-US"/>
-          </a:p>
-        </p:txBody>
-      </p:sp>
     </p:spTree>
     <p:extLst>
       <p:ext uri="{BB962C8B-B14F-4D97-AF65-F5344CB8AC3E}">
-        <p14:creationId xmlns:p14="http://schemas.microsoft.com/office/powerpoint/2010/main" val="3665274873"/>
+        <p14:creationId xmlns:p14="http://schemas.microsoft.com/office/powerpoint/2010/main" val="675253332"/>
       </p:ext>
     </p:extLst>
   </p:cSld>
@@ -10359,6 +10513,44 @@
       </p:sp>
       <p:sp>
         <p:nvSpPr>
+          <p:cNvPr id="3" name="Content Placeholder 2">
+            <a:extLst>
+              <a:ext uri="{FF2B5EF4-FFF2-40B4-BE49-F238E27FC236}">
+                <a16:creationId xmlns:a16="http://schemas.microsoft.com/office/drawing/2014/main" id="{7DE8641A-258F-FC9A-E6F1-77108D3AA869}"/>
+              </a:ext>
+            </a:extLst>
+          </p:cNvPr>
+          <p:cNvSpPr>
+            <a:spLocks noGrp="1"/>
+          </p:cNvSpPr>
+          <p:nvPr>
+            <p:ph idx="1"/>
+          </p:nvPr>
+        </p:nvSpPr>
+        <p:spPr>
+          <a:xfrm>
+            <a:off x="3667224" y="5698625"/>
+            <a:ext cx="4158840" cy="478857"/>
+          </a:xfrm>
+        </p:spPr>
+        <p:txBody>
+          <a:bodyPr/>
+          <a:lstStyle/>
+          <a:p>
+            <a:r>
+              <a:rPr lang="en-US" b="1" dirty="0"/>
+              <a:t>Describe </a:t>
+            </a:r>
+            <a:r>
+              <a:rPr lang="en-US" dirty="0"/>
+              <a:t>Risk, Depth, Pride</a:t>
+            </a:r>
+            <a:endParaRPr lang="en-US" b="1" dirty="0"/>
+          </a:p>
+        </p:txBody>
+      </p:sp>
+      <p:sp>
+        <p:nvSpPr>
           <p:cNvPr id="5" name="TextBox 4">
             <a:extLst>
               <a:ext uri="{FF2B5EF4-FFF2-40B4-BE49-F238E27FC236}">
@@ -10569,10 +10761,52 @@
       </p:sp>
       <p:sp>
         <p:nvSpPr>
+          <p:cNvPr id="15" name="TextBox 14">
+            <a:extLst>
+              <a:ext uri="{FF2B5EF4-FFF2-40B4-BE49-F238E27FC236}">
+                <a16:creationId xmlns:a16="http://schemas.microsoft.com/office/drawing/2014/main" id="{AE260236-1F8C-5483-F342-CD3B9E783050}"/>
+              </a:ext>
+            </a:extLst>
+          </p:cNvPr>
+          <p:cNvSpPr txBox="1"/>
+          <p:nvPr/>
+        </p:nvSpPr>
+        <p:spPr>
+          <a:xfrm>
+            <a:off x="8092438" y="2535318"/>
+            <a:ext cx="3583005" cy="2031325"/>
+          </a:xfrm>
+          <a:prstGeom prst="rect">
+            <a:avLst/>
+          </a:prstGeom>
+          <a:noFill/>
+        </p:spPr>
+        <p:txBody>
+          <a:bodyPr wrap="square">
+            <a:spAutoFit/>
+          </a:bodyPr>
+          <a:lstStyle/>
+          <a:p>
+            <a:r>
+              <a:rPr lang="en-US" b="0" i="0" dirty="0">
+                <a:solidFill>
+                  <a:srgbClr val="000000"/>
+                </a:solidFill>
+                <a:effectLst/>
+                <a:latin typeface="Noto Serif" panose="02020600060500020200" pitchFamily="18" charset="0"/>
+              </a:rPr>
+              <a:t>Writes code in an exploratory fashion. Develops a sufficient understanding of a technology to understand how it can solve a business problem. Prides themselves on solving business problems.</a:t>
+            </a:r>
+            <a:endParaRPr lang="en-US" dirty="0"/>
+          </a:p>
+        </p:txBody>
+      </p:sp>
+      <p:sp>
+        <p:nvSpPr>
           <p:cNvPr id="4" name="Slide Number Placeholder 3">
             <a:extLst>
               <a:ext uri="{FF2B5EF4-FFF2-40B4-BE49-F238E27FC236}">
-                <a16:creationId xmlns:a16="http://schemas.microsoft.com/office/drawing/2014/main" id="{DD44D4D7-9603-EDC7-3F0E-20A677266AB1}"/>
+                <a16:creationId xmlns:a16="http://schemas.microsoft.com/office/drawing/2014/main" id="{683FF0F8-739D-6479-999B-2A4E68010963}"/>
               </a:ext>
             </a:extLst>
           </p:cNvPr>
@@ -10596,35 +10830,10 @@
           </a:p>
         </p:txBody>
       </p:sp>
-      <p:sp>
-        <p:nvSpPr>
-          <p:cNvPr id="8" name="Content Placeholder 7">
-            <a:extLst>
-              <a:ext uri="{FF2B5EF4-FFF2-40B4-BE49-F238E27FC236}">
-                <a16:creationId xmlns:a16="http://schemas.microsoft.com/office/drawing/2014/main" id="{5A4BC02E-70FC-5B1A-1C1A-2E2F5A54770F}"/>
-              </a:ext>
-            </a:extLst>
-          </p:cNvPr>
-          <p:cNvSpPr>
-            <a:spLocks noGrp="1"/>
-          </p:cNvSpPr>
-          <p:nvPr>
-            <p:ph idx="1"/>
-          </p:nvPr>
-        </p:nvSpPr>
-        <p:spPr/>
-        <p:txBody>
-          <a:bodyPr/>
-          <a:lstStyle/>
-          <a:p>
-            <a:endParaRPr lang="en-US"/>
-          </a:p>
-        </p:txBody>
-      </p:sp>
     </p:spTree>
     <p:extLst>
       <p:ext uri="{BB962C8B-B14F-4D97-AF65-F5344CB8AC3E}">
-        <p14:creationId xmlns:p14="http://schemas.microsoft.com/office/powerpoint/2010/main" val="675253332"/>
+        <p14:creationId xmlns:p14="http://schemas.microsoft.com/office/powerpoint/2010/main" val="2982952832"/>
       </p:ext>
     </p:extLst>
   </p:cSld>
@@ -10697,8 +10906,8 @@
         </p:nvSpPr>
         <p:spPr>
           <a:xfrm>
-            <a:off x="3667224" y="5698625"/>
-            <a:ext cx="4158840" cy="478857"/>
+            <a:off x="5062888" y="5621623"/>
+            <a:ext cx="1925053" cy="478857"/>
           </a:xfrm>
         </p:spPr>
         <p:txBody>
@@ -10707,13 +10916,8 @@
           <a:p>
             <a:r>
               <a:rPr lang="en-US" b="1" dirty="0"/>
-              <a:t>Describe </a:t>
-            </a:r>
-            <a:r>
-              <a:rPr lang="en-US" dirty="0"/>
-              <a:t>Risk, Depth, Pride</a:t>
-            </a:r>
-            <a:endParaRPr lang="en-US" b="1" dirty="0"/>
+              <a:t>Criticism?</a:t>
+            </a:r>
           </a:p>
         </p:txBody>
       </p:sp>
@@ -10974,7 +11178,7 @@
           <p:cNvPr id="4" name="Slide Number Placeholder 3">
             <a:extLst>
               <a:ext uri="{FF2B5EF4-FFF2-40B4-BE49-F238E27FC236}">
-                <a16:creationId xmlns:a16="http://schemas.microsoft.com/office/drawing/2014/main" id="{683FF0F8-739D-6479-999B-2A4E68010963}"/>
+                <a16:creationId xmlns:a16="http://schemas.microsoft.com/office/drawing/2014/main" id="{1BFB0003-1DE9-184F-0800-0AE2FCAC851B}"/>
               </a:ext>
             </a:extLst>
           </p:cNvPr>
@@ -11001,7 +11205,7 @@
     </p:spTree>
     <p:extLst>
       <p:ext uri="{BB962C8B-B14F-4D97-AF65-F5344CB8AC3E}">
-        <p14:creationId xmlns:p14="http://schemas.microsoft.com/office/powerpoint/2010/main" val="2982952832"/>
+        <p14:creationId xmlns:p14="http://schemas.microsoft.com/office/powerpoint/2010/main" val="3320717"/>
       </p:ext>
     </p:extLst>
   </p:cSld>
@@ -11033,7 +11237,7 @@
           <p:cNvPr id="2" name="Title 1">
             <a:extLst>
               <a:ext uri="{FF2B5EF4-FFF2-40B4-BE49-F238E27FC236}">
-                <a16:creationId xmlns:a16="http://schemas.microsoft.com/office/drawing/2014/main" id="{CE580938-2BF0-9692-6DC4-39FD1138D970}"/>
+                <a16:creationId xmlns:a16="http://schemas.microsoft.com/office/drawing/2014/main" id="{FBBF1482-2DBC-52CD-CB46-BDEA23FBE33B}"/>
               </a:ext>
             </a:extLst>
           </p:cNvPr>
@@ -11051,7 +11255,7 @@
           <a:p>
             <a:r>
               <a:rPr lang="en-US" dirty="0"/>
-              <a:t>Example Personas: Early Microsoft</a:t>
+              <a:t>Example Personas: Ax + Carlos</a:t>
             </a:r>
           </a:p>
         </p:txBody>
@@ -11061,7 +11265,7 @@
           <p:cNvPr id="3" name="Content Placeholder 2">
             <a:extLst>
               <a:ext uri="{FF2B5EF4-FFF2-40B4-BE49-F238E27FC236}">
-                <a16:creationId xmlns:a16="http://schemas.microsoft.com/office/drawing/2014/main" id="{7DE8641A-258F-FC9A-E6F1-77108D3AA869}"/>
+                <a16:creationId xmlns:a16="http://schemas.microsoft.com/office/drawing/2014/main" id="{6EADEFBF-E035-0D47-E6F0-40E165DA1363}"/>
               </a:ext>
             </a:extLst>
           </p:cNvPr>
@@ -11074,270 +11278,65 @@
         </p:nvSpPr>
         <p:spPr>
           <a:xfrm>
-            <a:off x="5062888" y="5621623"/>
-            <a:ext cx="1925053" cy="478857"/>
+            <a:off x="122663" y="1845733"/>
+            <a:ext cx="12069337" cy="4477007"/>
           </a:xfrm>
         </p:spPr>
         <p:txBody>
-          <a:bodyPr/>
-          <a:lstStyle/>
+          <a:bodyPr>
+            <a:normAutofit fontScale="77500" lnSpcReduction="20000"/>
+          </a:bodyPr>
+          <a:lstStyle/>
+          <a:p>
+            <a:pPr algn="l"/>
+            <a:r>
+              <a:rPr lang="en-US" b="0" i="0" dirty="0">
+                <a:solidFill>
+                  <a:srgbClr val="000000"/>
+                </a:solidFill>
+                <a:effectLst/>
+                <a:latin typeface="Noto Serif" panose="02020600060500020200" pitchFamily="18" charset="0"/>
+              </a:rPr>
+              <a:t>Ax is highly educated with a PhD in experimental physics. At age 35, they lead a small team of physicists and primarily write software  to interpret experimental data. In this role, they often mentor physicists-in-training on how to write similar code. </a:t>
+            </a:r>
+          </a:p>
+          <a:p>
+            <a:pPr algn="l"/>
+            <a:r>
+              <a:rPr lang="en-US" b="0" i="0" dirty="0">
+                <a:solidFill>
+                  <a:srgbClr val="000000"/>
+                </a:solidFill>
+                <a:effectLst/>
+                <a:latin typeface="Noto Serif" panose="02020600060500020200" pitchFamily="18" charset="0"/>
+              </a:rPr>
+              <a:t>Ax’s approach to programming is likewise experimental. On the one hand, they are always willing to try something out, but care about being able to reproduce it and like to take detailed notes. Ax cares about being able to understand the code well enough to teach it to a mentee, but maintainability doesn’t matter to them at all. In experimental work, code might not last longer than the next research publication deadline.</a:t>
+            </a:r>
+          </a:p>
+          <a:p>
+            <a:pPr algn="l"/>
+            <a:r>
+              <a:rPr lang="en-US" b="0" i="0" dirty="0">
+                <a:solidFill>
+                  <a:srgbClr val="000000"/>
+                </a:solidFill>
+                <a:effectLst/>
+                <a:latin typeface="Noto Serif" panose="02020600060500020200" pitchFamily="18" charset="0"/>
+              </a:rPr>
+              <a:t>Working as a physicist means there’s no real pressure to pick any one specific programming language - there’s a lot of freedom. Ax’s biggest constraint is that they have two kids at home so making good use of time is essential - it would not be acceptable to spend all night debugging a simple error.</a:t>
+            </a:r>
+            <a:endParaRPr lang="en-US" dirty="0"/>
+          </a:p>
           <a:p>
             <a:r>
               <a:rPr lang="en-US" b="1" dirty="0"/>
-              <a:t>Criticism?</a:t>
-            </a:r>
-          </a:p>
-        </p:txBody>
-      </p:sp>
-      <p:sp>
-        <p:nvSpPr>
-          <p:cNvPr id="5" name="TextBox 4">
-            <a:extLst>
-              <a:ext uri="{FF2B5EF4-FFF2-40B4-BE49-F238E27FC236}">
-                <a16:creationId xmlns:a16="http://schemas.microsoft.com/office/drawing/2014/main" id="{B45734A6-9D34-5DA1-D954-9B4998B27B3B}"/>
-              </a:ext>
-            </a:extLst>
-          </p:cNvPr>
-          <p:cNvSpPr txBox="1"/>
-          <p:nvPr/>
-        </p:nvSpPr>
-        <p:spPr>
-          <a:xfrm>
-            <a:off x="866273" y="2019519"/>
-            <a:ext cx="3236495" cy="369332"/>
-          </a:xfrm>
-          <a:prstGeom prst="rect">
-            <a:avLst/>
-          </a:prstGeom>
-          <a:noFill/>
-        </p:spPr>
-        <p:txBody>
-          <a:bodyPr wrap="square">
-            <a:spAutoFit/>
-          </a:bodyPr>
-          <a:lstStyle/>
-          <a:p>
-            <a:r>
-              <a:rPr lang="en-US" b="1" i="0" dirty="0">
-                <a:solidFill>
-                  <a:srgbClr val="000000"/>
-                </a:solidFill>
-                <a:effectLst/>
-                <a:latin typeface="Noto Serif" panose="02020600060500020200" pitchFamily="18" charset="0"/>
-              </a:rPr>
-              <a:t>Systematic Developer</a:t>
-            </a:r>
-            <a:endParaRPr lang="en-US" dirty="0"/>
-          </a:p>
-        </p:txBody>
-      </p:sp>
-      <p:sp>
-        <p:nvSpPr>
-          <p:cNvPr id="7" name="TextBox 6">
-            <a:extLst>
-              <a:ext uri="{FF2B5EF4-FFF2-40B4-BE49-F238E27FC236}">
-                <a16:creationId xmlns:a16="http://schemas.microsoft.com/office/drawing/2014/main" id="{99E928C7-5335-78E1-CA02-466F24BF5178}"/>
-              </a:ext>
-            </a:extLst>
-          </p:cNvPr>
-          <p:cNvSpPr txBox="1"/>
-          <p:nvPr/>
-        </p:nvSpPr>
-        <p:spPr>
-          <a:xfrm>
-            <a:off x="4717985" y="2030930"/>
-            <a:ext cx="2626091" cy="369332"/>
-          </a:xfrm>
-          <a:prstGeom prst="rect">
-            <a:avLst/>
-          </a:prstGeom>
-          <a:noFill/>
-        </p:spPr>
-        <p:txBody>
-          <a:bodyPr wrap="square">
-            <a:spAutoFit/>
-          </a:bodyPr>
-          <a:lstStyle/>
-          <a:p>
-            <a:r>
-              <a:rPr lang="en-US" b="1" i="0" dirty="0">
-                <a:solidFill>
-                  <a:srgbClr val="000000"/>
-                </a:solidFill>
-                <a:effectLst/>
-                <a:latin typeface="Noto Serif" panose="02020600060500020200" pitchFamily="18" charset="0"/>
-              </a:rPr>
-              <a:t>Pragmatic Developer</a:t>
-            </a:r>
-            <a:endParaRPr lang="en-US" dirty="0"/>
-          </a:p>
-        </p:txBody>
-      </p:sp>
-      <p:sp>
-        <p:nvSpPr>
-          <p:cNvPr id="9" name="TextBox 8">
-            <a:extLst>
-              <a:ext uri="{FF2B5EF4-FFF2-40B4-BE49-F238E27FC236}">
-                <a16:creationId xmlns:a16="http://schemas.microsoft.com/office/drawing/2014/main" id="{7F15D051-D526-CD91-3A14-F7A38DB79A67}"/>
-              </a:ext>
-            </a:extLst>
-          </p:cNvPr>
-          <p:cNvSpPr txBox="1"/>
-          <p:nvPr/>
-        </p:nvSpPr>
-        <p:spPr>
-          <a:xfrm>
-            <a:off x="8275319" y="2030930"/>
-            <a:ext cx="3063240" cy="369332"/>
-          </a:xfrm>
-          <a:prstGeom prst="rect">
-            <a:avLst/>
-          </a:prstGeom>
-          <a:noFill/>
-        </p:spPr>
-        <p:txBody>
-          <a:bodyPr wrap="square">
-            <a:spAutoFit/>
-          </a:bodyPr>
-          <a:lstStyle/>
-          <a:p>
-            <a:r>
-              <a:rPr lang="en-US" b="1" i="0" dirty="0">
-                <a:solidFill>
-                  <a:srgbClr val="000000"/>
-                </a:solidFill>
-                <a:effectLst/>
-                <a:latin typeface="Noto Serif" panose="02020600060500020200" pitchFamily="18" charset="0"/>
-              </a:rPr>
-              <a:t>Opportunistic Developer</a:t>
-            </a:r>
-            <a:endParaRPr lang="en-US" dirty="0"/>
-          </a:p>
-        </p:txBody>
-      </p:sp>
-      <p:sp>
-        <p:nvSpPr>
-          <p:cNvPr id="11" name="TextBox 10">
-            <a:extLst>
-              <a:ext uri="{FF2B5EF4-FFF2-40B4-BE49-F238E27FC236}">
-                <a16:creationId xmlns:a16="http://schemas.microsoft.com/office/drawing/2014/main" id="{02E7B79E-36B3-F2D8-6AC5-B28A12A3F389}"/>
-              </a:ext>
-            </a:extLst>
-          </p:cNvPr>
-          <p:cNvSpPr txBox="1"/>
-          <p:nvPr/>
-        </p:nvSpPr>
-        <p:spPr>
-          <a:xfrm>
-            <a:off x="789271" y="2526260"/>
-            <a:ext cx="3388093" cy="2862322"/>
-          </a:xfrm>
-          <a:prstGeom prst="rect">
-            <a:avLst/>
-          </a:prstGeom>
-          <a:noFill/>
-        </p:spPr>
-        <p:txBody>
-          <a:bodyPr wrap="square">
-            <a:spAutoFit/>
-          </a:bodyPr>
-          <a:lstStyle/>
-          <a:p>
-            <a:r>
-              <a:rPr lang="en-US" b="0" i="0" dirty="0">
-                <a:solidFill>
-                  <a:srgbClr val="000000"/>
-                </a:solidFill>
-                <a:effectLst/>
-                <a:latin typeface="Noto Serif" panose="02020600060500020200" pitchFamily="18" charset="0"/>
-              </a:rPr>
-              <a:t>Writes code defensively. Does everything they can to protect their code from unstable and untrustworthy processes running in parallel with their code. Develops a deep understanding of a technology before using it. Prides themselves on building elegant solutions.</a:t>
-            </a:r>
-            <a:endParaRPr lang="en-US" dirty="0"/>
-          </a:p>
-        </p:txBody>
-      </p:sp>
-      <p:sp>
-        <p:nvSpPr>
-          <p:cNvPr id="13" name="TextBox 12">
-            <a:extLst>
-              <a:ext uri="{FF2B5EF4-FFF2-40B4-BE49-F238E27FC236}">
-                <a16:creationId xmlns:a16="http://schemas.microsoft.com/office/drawing/2014/main" id="{B41B46FA-B81A-228E-F149-CF588BC69186}"/>
-              </a:ext>
-            </a:extLst>
-          </p:cNvPr>
-          <p:cNvSpPr txBox="1"/>
-          <p:nvPr/>
-        </p:nvSpPr>
-        <p:spPr>
-          <a:xfrm>
-            <a:off x="4563980" y="2526260"/>
-            <a:ext cx="3078478" cy="2031325"/>
-          </a:xfrm>
-          <a:prstGeom prst="rect">
-            <a:avLst/>
-          </a:prstGeom>
-          <a:noFill/>
-        </p:spPr>
-        <p:txBody>
-          <a:bodyPr wrap="square">
-            <a:spAutoFit/>
-          </a:bodyPr>
-          <a:lstStyle/>
-          <a:p>
-            <a:r>
-              <a:rPr lang="en-US" b="0" i="0" dirty="0">
-                <a:solidFill>
-                  <a:srgbClr val="000000"/>
-                </a:solidFill>
-                <a:effectLst/>
-                <a:latin typeface="Noto Serif" panose="02020600060500020200" pitchFamily="18" charset="0"/>
-              </a:rPr>
-              <a:t>Writes code methodically. Develops a sufficient understanding of a technology to enable them to use it. Prides themselves on building robust applications.</a:t>
-            </a:r>
-            <a:endParaRPr lang="en-US" dirty="0"/>
-          </a:p>
-        </p:txBody>
-      </p:sp>
-      <p:sp>
-        <p:nvSpPr>
-          <p:cNvPr id="15" name="TextBox 14">
-            <a:extLst>
-              <a:ext uri="{FF2B5EF4-FFF2-40B4-BE49-F238E27FC236}">
-                <a16:creationId xmlns:a16="http://schemas.microsoft.com/office/drawing/2014/main" id="{AE260236-1F8C-5483-F342-CD3B9E783050}"/>
-              </a:ext>
-            </a:extLst>
-          </p:cNvPr>
-          <p:cNvSpPr txBox="1"/>
-          <p:nvPr/>
-        </p:nvSpPr>
-        <p:spPr>
-          <a:xfrm>
-            <a:off x="8092438" y="2535318"/>
-            <a:ext cx="3583005" cy="2031325"/>
-          </a:xfrm>
-          <a:prstGeom prst="rect">
-            <a:avLst/>
-          </a:prstGeom>
-          <a:noFill/>
-        </p:spPr>
-        <p:txBody>
-          <a:bodyPr wrap="square">
-            <a:spAutoFit/>
-          </a:bodyPr>
-          <a:lstStyle/>
-          <a:p>
-            <a:r>
-              <a:rPr lang="en-US" b="0" i="0" dirty="0">
-                <a:solidFill>
-                  <a:srgbClr val="000000"/>
-                </a:solidFill>
-                <a:effectLst/>
-                <a:latin typeface="Noto Serif" panose="02020600060500020200" pitchFamily="18" charset="0"/>
-              </a:rPr>
-              <a:t>Writes code in an exploratory fashion. Develops a sufficient understanding of a technology to understand how it can solve a business problem. Prides themselves on solving business problems.</a:t>
-            </a:r>
-            <a:endParaRPr lang="en-US" dirty="0"/>
+              <a:t>Question: </a:t>
+            </a:r>
+            <a:r>
+              <a:rPr lang="en-US" dirty="0"/>
+              <a:t>What aspects of Ax, as a person, are discussed in this persona but not the Microsoft personas?</a:t>
+            </a:r>
+            <a:endParaRPr lang="en-US" b="1" dirty="0"/>
           </a:p>
         </p:txBody>
       </p:sp>
@@ -11346,7 +11345,7 @@
           <p:cNvPr id="4" name="Slide Number Placeholder 3">
             <a:extLst>
               <a:ext uri="{FF2B5EF4-FFF2-40B4-BE49-F238E27FC236}">
-                <a16:creationId xmlns:a16="http://schemas.microsoft.com/office/drawing/2014/main" id="{1BFB0003-1DE9-184F-0800-0AE2FCAC851B}"/>
+                <a16:creationId xmlns:a16="http://schemas.microsoft.com/office/drawing/2014/main" id="{33686CD0-93DD-02E5-58FC-313B11ABC1BD}"/>
               </a:ext>
             </a:extLst>
           </p:cNvPr>
@@ -11373,7 +11372,7 @@
     </p:spTree>
     <p:extLst>
       <p:ext uri="{BB962C8B-B14F-4D97-AF65-F5344CB8AC3E}">
-        <p14:creationId xmlns:p14="http://schemas.microsoft.com/office/powerpoint/2010/main" val="3320717"/>
+        <p14:creationId xmlns:p14="http://schemas.microsoft.com/office/powerpoint/2010/main" val="2217426190"/>
       </p:ext>
     </p:extLst>
   </p:cSld>
@@ -11446,67 +11445,16 @@
         </p:nvSpPr>
         <p:spPr>
           <a:xfrm>
-            <a:off x="122663" y="1845733"/>
-            <a:ext cx="12069337" cy="4477007"/>
+            <a:off x="826168" y="5478922"/>
+            <a:ext cx="10539663" cy="1110976"/>
           </a:xfrm>
         </p:spPr>
         <p:txBody>
           <a:bodyPr>
-            <a:normAutofit fontScale="77500" lnSpcReduction="20000"/>
+            <a:normAutofit fontScale="85000" lnSpcReduction="20000"/>
           </a:bodyPr>
           <a:lstStyle/>
           <a:p>
-            <a:pPr algn="l"/>
-            <a:r>
-              <a:rPr lang="en-US" b="1" dirty="0" err="1"/>
-              <a:t>C</a:t>
-            </a:r>
-            <a:r>
-              <a:rPr lang="en-US" b="0" i="0" dirty="0" err="1">
-                <a:solidFill>
-                  <a:srgbClr val="000000"/>
-                </a:solidFill>
-                <a:effectLst/>
-                <a:latin typeface="Noto Serif" panose="02020600060500020200" pitchFamily="18" charset="0"/>
-              </a:rPr>
-              <a:t>Ax</a:t>
-            </a:r>
-            <a:r>
-              <a:rPr lang="en-US" b="0" i="0" dirty="0">
-                <a:solidFill>
-                  <a:srgbClr val="000000"/>
-                </a:solidFill>
-                <a:effectLst/>
-                <a:latin typeface="Noto Serif" panose="02020600060500020200" pitchFamily="18" charset="0"/>
-              </a:rPr>
-              <a:t> is highly educated with a PhD in experimental physics. At age 35, they lead a small team of physicists and primarily write software  to interpret experimental data. In this role, they often mentor physicists-in-training on how to write similar code. </a:t>
-            </a:r>
-          </a:p>
-          <a:p>
-            <a:pPr algn="l"/>
-            <a:r>
-              <a:rPr lang="en-US" b="0" i="0" dirty="0">
-                <a:solidFill>
-                  <a:srgbClr val="000000"/>
-                </a:solidFill>
-                <a:effectLst/>
-                <a:latin typeface="Noto Serif" panose="02020600060500020200" pitchFamily="18" charset="0"/>
-              </a:rPr>
-              <a:t>Ax’s approach to programming is likewise experimental. On the one hand, they are always willing to try something out, but care about being able to reproduce it and like to take detailed notes. Ax cares about being able to understand the code well enough to teach it to a mentee, but maintainability doesn’t matter to them at all. In experimental work, code might not last longer than the next research publication deadline.</a:t>
-            </a:r>
-          </a:p>
-          <a:p>
-            <a:pPr algn="l"/>
-            <a:r>
-              <a:rPr lang="en-US" b="0" i="0" dirty="0">
-                <a:solidFill>
-                  <a:srgbClr val="000000"/>
-                </a:solidFill>
-                <a:effectLst/>
-                <a:latin typeface="Noto Serif" panose="02020600060500020200" pitchFamily="18" charset="0"/>
-              </a:rPr>
-              <a:t>Working as a physicist means there’s no real pressure to pick any one specific programming language - there’s a lot of freedom. Ax’s biggest constraint is that they have two kids at home so making good use of time is essential - it would not be acceptable to spend all night debugging a simple error.</a:t>
-            </a:r>
             <a:endParaRPr lang="en-US" dirty="0"/>
           </a:p>
           <a:p>
@@ -11516,9 +11464,76 @@
             </a:r>
             <a:r>
               <a:rPr lang="en-US" dirty="0"/>
-              <a:t>What aspects of Ax, as a person, are discussed in this persona but not the Microsoft personas?</a:t>
-            </a:r>
-            <a:endParaRPr lang="en-US" b="1" dirty="0"/>
+              <a:t>What aspects of Carlos, as a person, are discussed in this persona but not the Microsoft personas?</a:t>
+            </a:r>
+          </a:p>
+        </p:txBody>
+      </p:sp>
+      <p:sp>
+        <p:nvSpPr>
+          <p:cNvPr id="5" name="TextBox 4">
+            <a:extLst>
+              <a:ext uri="{FF2B5EF4-FFF2-40B4-BE49-F238E27FC236}">
+                <a16:creationId xmlns:a16="http://schemas.microsoft.com/office/drawing/2014/main" id="{58374D2B-D9D2-A895-C603-AAA21485EDFA}"/>
+              </a:ext>
+            </a:extLst>
+          </p:cNvPr>
+          <p:cNvSpPr txBox="1"/>
+          <p:nvPr/>
+        </p:nvSpPr>
+        <p:spPr>
+          <a:xfrm>
+            <a:off x="1" y="1839171"/>
+            <a:ext cx="12110224" cy="4093428"/>
+          </a:xfrm>
+          <a:prstGeom prst="rect">
+            <a:avLst/>
+          </a:prstGeom>
+          <a:noFill/>
+        </p:spPr>
+        <p:txBody>
+          <a:bodyPr wrap="square">
+            <a:spAutoFit/>
+          </a:bodyPr>
+          <a:lstStyle/>
+          <a:p>
+            <a:pPr algn="l"/>
+            <a:r>
+              <a:rPr lang="en-US" sz="2000" b="0" i="0" dirty="0">
+                <a:solidFill>
+                  <a:srgbClr val="000000"/>
+                </a:solidFill>
+                <a:effectLst/>
+                <a:latin typeface="Noto Serif" panose="02020600060500020200" pitchFamily="18" charset="0"/>
+              </a:rPr>
+              <a:t>Carlos, age 21, is in the last year of his bachelor’s degree, majoring in Computer Science with a minor in Music. Carlos is a creative at heart: if he could play piano for a living, he would, but he has decided to let his code be his art instead.</a:t>
+            </a:r>
+          </a:p>
+          <a:p>
+            <a:pPr algn="l"/>
+            <a:r>
+              <a:rPr lang="en-US" sz="2000" b="0" i="0" dirty="0">
+                <a:solidFill>
+                  <a:srgbClr val="000000"/>
+                </a:solidFill>
+                <a:effectLst/>
+                <a:latin typeface="Noto Serif" panose="02020600060500020200" pitchFamily="18" charset="0"/>
+              </a:rPr>
+              <a:t>Carlos treats programming like he treats the piano: perfection is essential, and it comes from constant practice. He wants to leave no stone unturned and understand every detail. To him, a good program means each function works together in harmony like the instruments of an orchestra.</a:t>
+            </a:r>
+          </a:p>
+          <a:p>
+            <a:pPr algn="l"/>
+            <a:r>
+              <a:rPr lang="en-US" sz="2000" b="0" i="0" dirty="0">
+                <a:solidFill>
+                  <a:srgbClr val="000000"/>
+                </a:solidFill>
+                <a:effectLst/>
+                <a:latin typeface="Noto Serif" panose="02020600060500020200" pitchFamily="18" charset="0"/>
+              </a:rPr>
+              <a:t>Carlos has no hard constraints on his language choice, only soft constraints. He refused his parents’ offer to help pay for a new laptop, so he needs something that runs well on old hardware. Moreover, he’s still learning what applications he wants to work on, so he prefers a generalist language. For example, his friends invited him to write some automated trading bots as part of a financial technology competition and he enjoyed it, but he also loved his classes on computer graphics and game development.</a:t>
+            </a:r>
           </a:p>
         </p:txBody>
       </p:sp>
@@ -11527,7 +11542,7 @@
           <p:cNvPr id="4" name="Slide Number Placeholder 3">
             <a:extLst>
               <a:ext uri="{FF2B5EF4-FFF2-40B4-BE49-F238E27FC236}">
-                <a16:creationId xmlns:a16="http://schemas.microsoft.com/office/drawing/2014/main" id="{33686CD0-93DD-02E5-58FC-313B11ABC1BD}"/>
+                <a16:creationId xmlns:a16="http://schemas.microsoft.com/office/drawing/2014/main" id="{044173B8-8CE6-88F0-E92A-B81797092EE8}"/>
               </a:ext>
             </a:extLst>
           </p:cNvPr>
@@ -11554,7 +11569,7 @@
     </p:spTree>
     <p:extLst>
       <p:ext uri="{BB962C8B-B14F-4D97-AF65-F5344CB8AC3E}">
-        <p14:creationId xmlns:p14="http://schemas.microsoft.com/office/powerpoint/2010/main" val="2217426190"/>
+        <p14:creationId xmlns:p14="http://schemas.microsoft.com/office/powerpoint/2010/main" val="1418804979"/>
       </p:ext>
     </p:extLst>
   </p:cSld>
@@ -11611,48 +11626,6 @@
       </p:sp>
       <p:sp>
         <p:nvSpPr>
-          <p:cNvPr id="3" name="Content Placeholder 2">
-            <a:extLst>
-              <a:ext uri="{FF2B5EF4-FFF2-40B4-BE49-F238E27FC236}">
-                <a16:creationId xmlns:a16="http://schemas.microsoft.com/office/drawing/2014/main" id="{6EADEFBF-E035-0D47-E6F0-40E165DA1363}"/>
-              </a:ext>
-            </a:extLst>
-          </p:cNvPr>
-          <p:cNvSpPr>
-            <a:spLocks noGrp="1"/>
-          </p:cNvSpPr>
-          <p:nvPr>
-            <p:ph idx="1"/>
-          </p:nvPr>
-        </p:nvSpPr>
-        <p:spPr>
-          <a:xfrm>
-            <a:off x="826168" y="5478922"/>
-            <a:ext cx="10539663" cy="1110976"/>
-          </a:xfrm>
-        </p:spPr>
-        <p:txBody>
-          <a:bodyPr>
-            <a:normAutofit fontScale="85000" lnSpcReduction="20000"/>
-          </a:bodyPr>
-          <a:lstStyle/>
-          <a:p>
-            <a:endParaRPr lang="en-US" dirty="0"/>
-          </a:p>
-          <a:p>
-            <a:r>
-              <a:rPr lang="en-US" b="1" dirty="0"/>
-              <a:t>Question: </a:t>
-            </a:r>
-            <a:r>
-              <a:rPr lang="en-US" dirty="0"/>
-              <a:t>What aspects of Carlos, as a person, are discussed in this persona but not the Microsoft personas?</a:t>
-            </a:r>
-          </a:p>
-        </p:txBody>
-      </p:sp>
-      <p:sp>
-        <p:nvSpPr>
           <p:cNvPr id="5" name="TextBox 4">
             <a:extLst>
               <a:ext uri="{FF2B5EF4-FFF2-40B4-BE49-F238E27FC236}">
@@ -11748,10 +11721,299 @@
           </a:p>
         </p:txBody>
       </p:sp>
+      <p:sp>
+        <p:nvSpPr>
+          <p:cNvPr id="8" name="Content Placeholder 2">
+            <a:extLst>
+              <a:ext uri="{FF2B5EF4-FFF2-40B4-BE49-F238E27FC236}">
+                <a16:creationId xmlns:a16="http://schemas.microsoft.com/office/drawing/2014/main" id="{1435DF51-A614-4E74-42B6-1D09F8282527}"/>
+              </a:ext>
+            </a:extLst>
+          </p:cNvPr>
+          <p:cNvSpPr txBox="1">
+            <a:spLocks/>
+          </p:cNvSpPr>
+          <p:nvPr/>
+        </p:nvSpPr>
+        <p:spPr>
+          <a:xfrm>
+            <a:off x="1409513" y="5345359"/>
+            <a:ext cx="10539663" cy="1110976"/>
+          </a:xfrm>
+          <a:prstGeom prst="rect">
+            <a:avLst/>
+          </a:prstGeom>
+        </p:spPr>
+        <p:txBody>
+          <a:bodyPr vert="horz" lIns="0" tIns="45720" rIns="0" bIns="45720" rtlCol="0">
+            <a:normAutofit/>
+          </a:bodyPr>
+          <a:lstStyle>
+            <a:lvl1pPr marL="91440" indent="-91440" algn="l" defTabSz="914400" rtl="0" eaLnBrk="1" latinLnBrk="0" hangingPunct="1">
+              <a:lnSpc>
+                <a:spcPct val="90000"/>
+              </a:lnSpc>
+              <a:spcBef>
+                <a:spcPts val="1200"/>
+              </a:spcBef>
+              <a:spcAft>
+                <a:spcPts val="200"/>
+              </a:spcAft>
+              <a:buClr>
+                <a:schemeClr val="accent1"/>
+              </a:buClr>
+              <a:buSzPct val="100000"/>
+              <a:buFont typeface="Calibri" panose="020F0502020204030204" pitchFamily="34" charset="0"/>
+              <a:buChar char=" "/>
+              <a:defRPr sz="2800" kern="1200">
+                <a:solidFill>
+                  <a:schemeClr val="tx1">
+                    <a:lumMod val="75000"/>
+                    <a:lumOff val="25000"/>
+                  </a:schemeClr>
+                </a:solidFill>
+                <a:latin typeface="+mn-lt"/>
+                <a:ea typeface="+mn-ea"/>
+                <a:cs typeface="+mn-cs"/>
+              </a:defRPr>
+            </a:lvl1pPr>
+            <a:lvl2pPr marL="384048" indent="-182880" algn="l" defTabSz="914400" rtl="0" eaLnBrk="1" latinLnBrk="0" hangingPunct="1">
+              <a:lnSpc>
+                <a:spcPct val="90000"/>
+              </a:lnSpc>
+              <a:spcBef>
+                <a:spcPts val="200"/>
+              </a:spcBef>
+              <a:spcAft>
+                <a:spcPts val="400"/>
+              </a:spcAft>
+              <a:buClr>
+                <a:schemeClr val="accent1"/>
+              </a:buClr>
+              <a:buFont typeface="Calibri" pitchFamily="34" charset="0"/>
+              <a:buChar char="◦"/>
+              <a:defRPr sz="2400" kern="1200">
+                <a:solidFill>
+                  <a:schemeClr val="tx1">
+                    <a:lumMod val="75000"/>
+                    <a:lumOff val="25000"/>
+                  </a:schemeClr>
+                </a:solidFill>
+                <a:latin typeface="+mn-lt"/>
+                <a:ea typeface="+mn-ea"/>
+                <a:cs typeface="+mn-cs"/>
+              </a:defRPr>
+            </a:lvl2pPr>
+            <a:lvl3pPr marL="566928" indent="-182880" algn="l" defTabSz="914400" rtl="0" eaLnBrk="1" latinLnBrk="0" hangingPunct="1">
+              <a:lnSpc>
+                <a:spcPct val="90000"/>
+              </a:lnSpc>
+              <a:spcBef>
+                <a:spcPts val="200"/>
+              </a:spcBef>
+              <a:spcAft>
+                <a:spcPts val="400"/>
+              </a:spcAft>
+              <a:buClr>
+                <a:schemeClr val="accent1"/>
+              </a:buClr>
+              <a:buFont typeface="Calibri" pitchFamily="34" charset="0"/>
+              <a:buChar char="◦"/>
+              <a:defRPr sz="2200" kern="1200">
+                <a:solidFill>
+                  <a:schemeClr val="tx1">
+                    <a:lumMod val="75000"/>
+                    <a:lumOff val="25000"/>
+                  </a:schemeClr>
+                </a:solidFill>
+                <a:latin typeface="+mn-lt"/>
+                <a:ea typeface="+mn-ea"/>
+                <a:cs typeface="+mn-cs"/>
+              </a:defRPr>
+            </a:lvl3pPr>
+            <a:lvl4pPr marL="749808" indent="-182880" algn="l" defTabSz="914400" rtl="0" eaLnBrk="1" latinLnBrk="0" hangingPunct="1">
+              <a:lnSpc>
+                <a:spcPct val="90000"/>
+              </a:lnSpc>
+              <a:spcBef>
+                <a:spcPts val="200"/>
+              </a:spcBef>
+              <a:spcAft>
+                <a:spcPts val="400"/>
+              </a:spcAft>
+              <a:buClr>
+                <a:schemeClr val="accent1"/>
+              </a:buClr>
+              <a:buFont typeface="Calibri" pitchFamily="34" charset="0"/>
+              <a:buChar char="◦"/>
+              <a:defRPr sz="2000" kern="1200">
+                <a:solidFill>
+                  <a:schemeClr val="tx1">
+                    <a:lumMod val="75000"/>
+                    <a:lumOff val="25000"/>
+                  </a:schemeClr>
+                </a:solidFill>
+                <a:latin typeface="+mn-lt"/>
+                <a:ea typeface="+mn-ea"/>
+                <a:cs typeface="+mn-cs"/>
+              </a:defRPr>
+            </a:lvl4pPr>
+            <a:lvl5pPr marL="932688" indent="-182880" algn="l" defTabSz="914400" rtl="0" eaLnBrk="1" latinLnBrk="0" hangingPunct="1">
+              <a:lnSpc>
+                <a:spcPct val="90000"/>
+              </a:lnSpc>
+              <a:spcBef>
+                <a:spcPts val="200"/>
+              </a:spcBef>
+              <a:spcAft>
+                <a:spcPts val="400"/>
+              </a:spcAft>
+              <a:buClr>
+                <a:schemeClr val="accent1"/>
+              </a:buClr>
+              <a:buFont typeface="Calibri" pitchFamily="34" charset="0"/>
+              <a:buChar char="◦"/>
+              <a:defRPr sz="1800" kern="1200">
+                <a:solidFill>
+                  <a:schemeClr val="tx1">
+                    <a:lumMod val="75000"/>
+                    <a:lumOff val="25000"/>
+                  </a:schemeClr>
+                </a:solidFill>
+                <a:latin typeface="+mn-lt"/>
+                <a:ea typeface="+mn-ea"/>
+                <a:cs typeface="+mn-cs"/>
+              </a:defRPr>
+            </a:lvl5pPr>
+            <a:lvl6pPr marL="1100000" indent="-228600" algn="l" defTabSz="914400" rtl="0" eaLnBrk="1" latinLnBrk="0" hangingPunct="1">
+              <a:lnSpc>
+                <a:spcPct val="90000"/>
+              </a:lnSpc>
+              <a:spcBef>
+                <a:spcPts val="200"/>
+              </a:spcBef>
+              <a:spcAft>
+                <a:spcPts val="400"/>
+              </a:spcAft>
+              <a:buClr>
+                <a:schemeClr val="accent1"/>
+              </a:buClr>
+              <a:buFont typeface="Calibri" pitchFamily="34" charset="0"/>
+              <a:buChar char="◦"/>
+              <a:defRPr sz="1400" kern="1200">
+                <a:solidFill>
+                  <a:schemeClr val="tx1">
+                    <a:lumMod val="75000"/>
+                    <a:lumOff val="25000"/>
+                  </a:schemeClr>
+                </a:solidFill>
+                <a:latin typeface="+mn-lt"/>
+                <a:ea typeface="+mn-ea"/>
+                <a:cs typeface="+mn-cs"/>
+              </a:defRPr>
+            </a:lvl6pPr>
+            <a:lvl7pPr marL="1300000" indent="-228600" algn="l" defTabSz="914400" rtl="0" eaLnBrk="1" latinLnBrk="0" hangingPunct="1">
+              <a:lnSpc>
+                <a:spcPct val="90000"/>
+              </a:lnSpc>
+              <a:spcBef>
+                <a:spcPts val="200"/>
+              </a:spcBef>
+              <a:spcAft>
+                <a:spcPts val="400"/>
+              </a:spcAft>
+              <a:buClr>
+                <a:schemeClr val="accent1"/>
+              </a:buClr>
+              <a:buFont typeface="Calibri" pitchFamily="34" charset="0"/>
+              <a:buChar char="◦"/>
+              <a:defRPr sz="1400" kern="1200">
+                <a:solidFill>
+                  <a:schemeClr val="tx1">
+                    <a:lumMod val="75000"/>
+                    <a:lumOff val="25000"/>
+                  </a:schemeClr>
+                </a:solidFill>
+                <a:latin typeface="+mn-lt"/>
+                <a:ea typeface="+mn-ea"/>
+                <a:cs typeface="+mn-cs"/>
+              </a:defRPr>
+            </a:lvl7pPr>
+            <a:lvl8pPr marL="1500000" indent="-228600" algn="l" defTabSz="914400" rtl="0" eaLnBrk="1" latinLnBrk="0" hangingPunct="1">
+              <a:lnSpc>
+                <a:spcPct val="90000"/>
+              </a:lnSpc>
+              <a:spcBef>
+                <a:spcPts val="200"/>
+              </a:spcBef>
+              <a:spcAft>
+                <a:spcPts val="400"/>
+              </a:spcAft>
+              <a:buClr>
+                <a:schemeClr val="accent1"/>
+              </a:buClr>
+              <a:buFont typeface="Calibri" pitchFamily="34" charset="0"/>
+              <a:buChar char="◦"/>
+              <a:defRPr sz="1400" kern="1200">
+                <a:solidFill>
+                  <a:schemeClr val="tx1">
+                    <a:lumMod val="75000"/>
+                    <a:lumOff val="25000"/>
+                  </a:schemeClr>
+                </a:solidFill>
+                <a:latin typeface="+mn-lt"/>
+                <a:ea typeface="+mn-ea"/>
+                <a:cs typeface="+mn-cs"/>
+              </a:defRPr>
+            </a:lvl8pPr>
+            <a:lvl9pPr marL="1700000" indent="-228600" algn="l" defTabSz="914400" rtl="0" eaLnBrk="1" latinLnBrk="0" hangingPunct="1">
+              <a:lnSpc>
+                <a:spcPct val="90000"/>
+              </a:lnSpc>
+              <a:spcBef>
+                <a:spcPts val="200"/>
+              </a:spcBef>
+              <a:spcAft>
+                <a:spcPts val="400"/>
+              </a:spcAft>
+              <a:buClr>
+                <a:schemeClr val="accent1"/>
+              </a:buClr>
+              <a:buFont typeface="Calibri" pitchFamily="34" charset="0"/>
+              <a:buChar char="◦"/>
+              <a:defRPr sz="1400" kern="1200">
+                <a:solidFill>
+                  <a:schemeClr val="tx1">
+                    <a:lumMod val="75000"/>
+                    <a:lumOff val="25000"/>
+                  </a:schemeClr>
+                </a:solidFill>
+                <a:latin typeface="+mn-lt"/>
+                <a:ea typeface="+mn-ea"/>
+                <a:cs typeface="+mn-cs"/>
+              </a:defRPr>
+            </a:lvl9pPr>
+          </a:lstStyle>
+          <a:p>
+            <a:endParaRPr lang="en-US"/>
+          </a:p>
+          <a:p>
+            <a:r>
+              <a:rPr lang="en-US" b="1"/>
+              <a:t>Answer: </a:t>
+            </a:r>
+            <a:r>
+              <a:rPr lang="en-US"/>
+              <a:t>Gender, Age, Education, Career + Personal Goals</a:t>
+            </a:r>
+            <a:endParaRPr lang="en-US" dirty="0"/>
+          </a:p>
+        </p:txBody>
+      </p:sp>
     </p:spTree>
     <p:extLst>
       <p:ext uri="{BB962C8B-B14F-4D97-AF65-F5344CB8AC3E}">
-        <p14:creationId xmlns:p14="http://schemas.microsoft.com/office/powerpoint/2010/main" val="1418804979"/>
+        <p14:creationId xmlns:p14="http://schemas.microsoft.com/office/powerpoint/2010/main" val="1553874713"/>
       </p:ext>
     </p:extLst>
   </p:cSld>
@@ -11783,7 +12045,7 @@
           <p:cNvPr id="2" name="Title 1">
             <a:extLst>
               <a:ext uri="{FF2B5EF4-FFF2-40B4-BE49-F238E27FC236}">
-                <a16:creationId xmlns:a16="http://schemas.microsoft.com/office/drawing/2014/main" id="{FBBF1482-2DBC-52CD-CB46-BDEA23FBE33B}"/>
+                <a16:creationId xmlns:a16="http://schemas.microsoft.com/office/drawing/2014/main" id="{B20EA48C-B1BA-86FA-68C1-A92EA771A799}"/>
               </a:ext>
             </a:extLst>
           </p:cNvPr>
@@ -11801,75 +12063,79 @@
           <a:p>
             <a:r>
               <a:rPr lang="en-US" dirty="0"/>
-              <a:t>Example Personas: Ax + Carlos</a:t>
-            </a:r>
-          </a:p>
-        </p:txBody>
-      </p:sp>
-      <p:sp>
-        <p:nvSpPr>
-          <p:cNvPr id="5" name="TextBox 4">
-            <a:extLst>
-              <a:ext uri="{FF2B5EF4-FFF2-40B4-BE49-F238E27FC236}">
-                <a16:creationId xmlns:a16="http://schemas.microsoft.com/office/drawing/2014/main" id="{58374D2B-D9D2-A895-C603-AAA21485EDFA}"/>
-              </a:ext>
-            </a:extLst>
-          </p:cNvPr>
-          <p:cNvSpPr txBox="1"/>
-          <p:nvPr/>
-        </p:nvSpPr>
-        <p:spPr>
-          <a:xfrm>
-            <a:off x="1" y="1839171"/>
-            <a:ext cx="12110224" cy="4093428"/>
-          </a:xfrm>
-          <a:prstGeom prst="rect">
-            <a:avLst/>
-          </a:prstGeom>
-          <a:noFill/>
-        </p:spPr>
-        <p:txBody>
-          <a:bodyPr wrap="square">
-            <a:spAutoFit/>
-          </a:bodyPr>
-          <a:lstStyle/>
-          <a:p>
-            <a:pPr algn="l"/>
-            <a:r>
-              <a:rPr lang="en-US" sz="2000" b="0" i="0" dirty="0">
-                <a:solidFill>
-                  <a:srgbClr val="000000"/>
-                </a:solidFill>
-                <a:effectLst/>
-                <a:latin typeface="Noto Serif" panose="02020600060500020200" pitchFamily="18" charset="0"/>
-              </a:rPr>
-              <a:t>Carlos, age 21, is in the last year of his bachelor’s degree, majoring in Computer Science with a minor in Music. Carlos is a creative at heart: if he could play piano for a living, he would, but he has decided to let his code be his art instead.</a:t>
-            </a:r>
-          </a:p>
-          <a:p>
-            <a:pPr algn="l"/>
-            <a:r>
-              <a:rPr lang="en-US" sz="2000" b="0" i="0" dirty="0">
-                <a:solidFill>
-                  <a:srgbClr val="000000"/>
-                </a:solidFill>
-                <a:effectLst/>
-                <a:latin typeface="Noto Serif" panose="02020600060500020200" pitchFamily="18" charset="0"/>
-              </a:rPr>
-              <a:t>Carlos treats programming like he treats the piano: perfection is essential, and it comes from constant practice. He wants to leave no stone unturned and understand every detail. To him, a good program means each function works together in harmony like the instruments of an orchestra.</a:t>
-            </a:r>
-          </a:p>
-          <a:p>
-            <a:pPr algn="l"/>
-            <a:r>
-              <a:rPr lang="en-US" sz="2000" b="0" i="0" dirty="0">
-                <a:solidFill>
-                  <a:srgbClr val="000000"/>
-                </a:solidFill>
-                <a:effectLst/>
-                <a:latin typeface="Noto Serif" panose="02020600060500020200" pitchFamily="18" charset="0"/>
-              </a:rPr>
-              <a:t>Carlos has no hard constraints on his language choice, only soft constraints. He refused his parents’ offer to help pay for a new laptop, so he needs something that runs well on old hardware. Moreover, he’s still learning what applications he wants to work on, so he prefers a generalist language. For example, his friends invited him to write some automated trading bots as part of a financial technology competition and he enjoyed it, but he also loved his classes on computer graphics and game development.</a:t>
+              <a:t>Persona Design Tradeoffs</a:t>
+            </a:r>
+          </a:p>
+        </p:txBody>
+      </p:sp>
+      <p:sp>
+        <p:nvSpPr>
+          <p:cNvPr id="3" name="Content Placeholder 2">
+            <a:extLst>
+              <a:ext uri="{FF2B5EF4-FFF2-40B4-BE49-F238E27FC236}">
+                <a16:creationId xmlns:a16="http://schemas.microsoft.com/office/drawing/2014/main" id="{100F8DED-26D5-68B7-F467-3EFFCE6604F5}"/>
+              </a:ext>
+            </a:extLst>
+          </p:cNvPr>
+          <p:cNvSpPr>
+            <a:spLocks noGrp="1"/>
+          </p:cNvSpPr>
+          <p:nvPr>
+            <p:ph idx="1"/>
+          </p:nvPr>
+        </p:nvSpPr>
+        <p:spPr/>
+        <p:txBody>
+          <a:bodyPr/>
+          <a:lstStyle/>
+          <a:p>
+            <a:r>
+              <a:rPr lang="en-US" dirty="0"/>
+              <a:t>Narrow vs. Broad Personas</a:t>
+            </a:r>
+          </a:p>
+          <a:p>
+            <a:pPr lvl="1"/>
+            <a:r>
+              <a:rPr lang="en-US" dirty="0"/>
+              <a:t>Narrow (MS): Risk tolerance, Knowledge depth, Points of pride</a:t>
+            </a:r>
+          </a:p>
+          <a:p>
+            <a:pPr lvl="1"/>
+            <a:r>
+              <a:rPr lang="en-US"/>
+              <a:t>Broad (A+C): </a:t>
+            </a:r>
+            <a:r>
+              <a:rPr lang="en-US" dirty="0"/>
+              <a:t>Gender, Age, Education, Career + Personal Goals</a:t>
+            </a:r>
+          </a:p>
+          <a:p>
+            <a:r>
+              <a:rPr lang="en-US" dirty="0"/>
+              <a:t>Narrow persona emphasizes traits directly relevant to programming</a:t>
+            </a:r>
+          </a:p>
+          <a:p>
+            <a:r>
+              <a:rPr lang="en-US" dirty="0"/>
+              <a:t>Broad persona captures traits that may be relevant across specific subgroups of people</a:t>
+            </a:r>
+          </a:p>
+          <a:p>
+            <a:pPr lvl="1"/>
+            <a:r>
+              <a:rPr lang="en-US" dirty="0"/>
+              <a:t>Naively including demographics in personas can activate designer bias</a:t>
+            </a:r>
+          </a:p>
+          <a:p>
+            <a:pPr lvl="1"/>
+            <a:r>
+              <a:rPr lang="en-US" dirty="0"/>
+              <a:t>Methods for reducing that bias are well-studied</a:t>
             </a:r>
           </a:p>
         </p:txBody>
@@ -11879,7 +12145,7 @@
           <p:cNvPr id="4" name="Slide Number Placeholder 3">
             <a:extLst>
               <a:ext uri="{FF2B5EF4-FFF2-40B4-BE49-F238E27FC236}">
-                <a16:creationId xmlns:a16="http://schemas.microsoft.com/office/drawing/2014/main" id="{044173B8-8CE6-88F0-E92A-B81797092EE8}"/>
+                <a16:creationId xmlns:a16="http://schemas.microsoft.com/office/drawing/2014/main" id="{026FF083-9C6B-8CD2-E7A7-2E77CB514599}"/>
               </a:ext>
             </a:extLst>
           </p:cNvPr>
@@ -11903,324 +12169,10 @@
           </a:p>
         </p:txBody>
       </p:sp>
-      <p:sp>
-        <p:nvSpPr>
-          <p:cNvPr id="7" name="Content Placeholder 6">
-            <a:extLst>
-              <a:ext uri="{FF2B5EF4-FFF2-40B4-BE49-F238E27FC236}">
-                <a16:creationId xmlns:a16="http://schemas.microsoft.com/office/drawing/2014/main" id="{FE5B7D11-5A8A-7A4D-2802-D2DE3BBDF372}"/>
-              </a:ext>
-            </a:extLst>
-          </p:cNvPr>
-          <p:cNvSpPr>
-            <a:spLocks noGrp="1"/>
-          </p:cNvSpPr>
-          <p:nvPr>
-            <p:ph idx="1"/>
-          </p:nvPr>
-        </p:nvSpPr>
-        <p:spPr/>
-        <p:txBody>
-          <a:bodyPr/>
-          <a:lstStyle/>
-          <a:p>
-            <a:endParaRPr lang="en-US"/>
-          </a:p>
-        </p:txBody>
-      </p:sp>
-      <p:sp>
-        <p:nvSpPr>
-          <p:cNvPr id="8" name="Content Placeholder 2">
-            <a:extLst>
-              <a:ext uri="{FF2B5EF4-FFF2-40B4-BE49-F238E27FC236}">
-                <a16:creationId xmlns:a16="http://schemas.microsoft.com/office/drawing/2014/main" id="{1435DF51-A614-4E74-42B6-1D09F8282527}"/>
-              </a:ext>
-            </a:extLst>
-          </p:cNvPr>
-          <p:cNvSpPr txBox="1">
-            <a:spLocks/>
-          </p:cNvSpPr>
-          <p:nvPr/>
-        </p:nvSpPr>
-        <p:spPr>
-          <a:xfrm>
-            <a:off x="1409513" y="5345359"/>
-            <a:ext cx="10539663" cy="1110976"/>
-          </a:xfrm>
-          <a:prstGeom prst="rect">
-            <a:avLst/>
-          </a:prstGeom>
-        </p:spPr>
-        <p:txBody>
-          <a:bodyPr vert="horz" lIns="0" tIns="45720" rIns="0" bIns="45720" rtlCol="0">
-            <a:normAutofit/>
-          </a:bodyPr>
-          <a:lstStyle>
-            <a:lvl1pPr marL="91440" indent="-91440" algn="l" defTabSz="914400" rtl="0" eaLnBrk="1" latinLnBrk="0" hangingPunct="1">
-              <a:lnSpc>
-                <a:spcPct val="90000"/>
-              </a:lnSpc>
-              <a:spcBef>
-                <a:spcPts val="1200"/>
-              </a:spcBef>
-              <a:spcAft>
-                <a:spcPts val="200"/>
-              </a:spcAft>
-              <a:buClr>
-                <a:schemeClr val="accent1"/>
-              </a:buClr>
-              <a:buSzPct val="100000"/>
-              <a:buFont typeface="Calibri" panose="020F0502020204030204" pitchFamily="34" charset="0"/>
-              <a:buChar char=" "/>
-              <a:defRPr sz="2800" kern="1200">
-                <a:solidFill>
-                  <a:schemeClr val="tx1">
-                    <a:lumMod val="75000"/>
-                    <a:lumOff val="25000"/>
-                  </a:schemeClr>
-                </a:solidFill>
-                <a:latin typeface="+mn-lt"/>
-                <a:ea typeface="+mn-ea"/>
-                <a:cs typeface="+mn-cs"/>
-              </a:defRPr>
-            </a:lvl1pPr>
-            <a:lvl2pPr marL="384048" indent="-182880" algn="l" defTabSz="914400" rtl="0" eaLnBrk="1" latinLnBrk="0" hangingPunct="1">
-              <a:lnSpc>
-                <a:spcPct val="90000"/>
-              </a:lnSpc>
-              <a:spcBef>
-                <a:spcPts val="200"/>
-              </a:spcBef>
-              <a:spcAft>
-                <a:spcPts val="400"/>
-              </a:spcAft>
-              <a:buClr>
-                <a:schemeClr val="accent1"/>
-              </a:buClr>
-              <a:buFont typeface="Calibri" pitchFamily="34" charset="0"/>
-              <a:buChar char="◦"/>
-              <a:defRPr sz="2400" kern="1200">
-                <a:solidFill>
-                  <a:schemeClr val="tx1">
-                    <a:lumMod val="75000"/>
-                    <a:lumOff val="25000"/>
-                  </a:schemeClr>
-                </a:solidFill>
-                <a:latin typeface="+mn-lt"/>
-                <a:ea typeface="+mn-ea"/>
-                <a:cs typeface="+mn-cs"/>
-              </a:defRPr>
-            </a:lvl2pPr>
-            <a:lvl3pPr marL="566928" indent="-182880" algn="l" defTabSz="914400" rtl="0" eaLnBrk="1" latinLnBrk="0" hangingPunct="1">
-              <a:lnSpc>
-                <a:spcPct val="90000"/>
-              </a:lnSpc>
-              <a:spcBef>
-                <a:spcPts val="200"/>
-              </a:spcBef>
-              <a:spcAft>
-                <a:spcPts val="400"/>
-              </a:spcAft>
-              <a:buClr>
-                <a:schemeClr val="accent1"/>
-              </a:buClr>
-              <a:buFont typeface="Calibri" pitchFamily="34" charset="0"/>
-              <a:buChar char="◦"/>
-              <a:defRPr sz="2200" kern="1200">
-                <a:solidFill>
-                  <a:schemeClr val="tx1">
-                    <a:lumMod val="75000"/>
-                    <a:lumOff val="25000"/>
-                  </a:schemeClr>
-                </a:solidFill>
-                <a:latin typeface="+mn-lt"/>
-                <a:ea typeface="+mn-ea"/>
-                <a:cs typeface="+mn-cs"/>
-              </a:defRPr>
-            </a:lvl3pPr>
-            <a:lvl4pPr marL="749808" indent="-182880" algn="l" defTabSz="914400" rtl="0" eaLnBrk="1" latinLnBrk="0" hangingPunct="1">
-              <a:lnSpc>
-                <a:spcPct val="90000"/>
-              </a:lnSpc>
-              <a:spcBef>
-                <a:spcPts val="200"/>
-              </a:spcBef>
-              <a:spcAft>
-                <a:spcPts val="400"/>
-              </a:spcAft>
-              <a:buClr>
-                <a:schemeClr val="accent1"/>
-              </a:buClr>
-              <a:buFont typeface="Calibri" pitchFamily="34" charset="0"/>
-              <a:buChar char="◦"/>
-              <a:defRPr sz="2000" kern="1200">
-                <a:solidFill>
-                  <a:schemeClr val="tx1">
-                    <a:lumMod val="75000"/>
-                    <a:lumOff val="25000"/>
-                  </a:schemeClr>
-                </a:solidFill>
-                <a:latin typeface="+mn-lt"/>
-                <a:ea typeface="+mn-ea"/>
-                <a:cs typeface="+mn-cs"/>
-              </a:defRPr>
-            </a:lvl4pPr>
-            <a:lvl5pPr marL="932688" indent="-182880" algn="l" defTabSz="914400" rtl="0" eaLnBrk="1" latinLnBrk="0" hangingPunct="1">
-              <a:lnSpc>
-                <a:spcPct val="90000"/>
-              </a:lnSpc>
-              <a:spcBef>
-                <a:spcPts val="200"/>
-              </a:spcBef>
-              <a:spcAft>
-                <a:spcPts val="400"/>
-              </a:spcAft>
-              <a:buClr>
-                <a:schemeClr val="accent1"/>
-              </a:buClr>
-              <a:buFont typeface="Calibri" pitchFamily="34" charset="0"/>
-              <a:buChar char="◦"/>
-              <a:defRPr sz="1800" kern="1200">
-                <a:solidFill>
-                  <a:schemeClr val="tx1">
-                    <a:lumMod val="75000"/>
-                    <a:lumOff val="25000"/>
-                  </a:schemeClr>
-                </a:solidFill>
-                <a:latin typeface="+mn-lt"/>
-                <a:ea typeface="+mn-ea"/>
-                <a:cs typeface="+mn-cs"/>
-              </a:defRPr>
-            </a:lvl5pPr>
-            <a:lvl6pPr marL="1100000" indent="-228600" algn="l" defTabSz="914400" rtl="0" eaLnBrk="1" latinLnBrk="0" hangingPunct="1">
-              <a:lnSpc>
-                <a:spcPct val="90000"/>
-              </a:lnSpc>
-              <a:spcBef>
-                <a:spcPts val="200"/>
-              </a:spcBef>
-              <a:spcAft>
-                <a:spcPts val="400"/>
-              </a:spcAft>
-              <a:buClr>
-                <a:schemeClr val="accent1"/>
-              </a:buClr>
-              <a:buFont typeface="Calibri" pitchFamily="34" charset="0"/>
-              <a:buChar char="◦"/>
-              <a:defRPr sz="1400" kern="1200">
-                <a:solidFill>
-                  <a:schemeClr val="tx1">
-                    <a:lumMod val="75000"/>
-                    <a:lumOff val="25000"/>
-                  </a:schemeClr>
-                </a:solidFill>
-                <a:latin typeface="+mn-lt"/>
-                <a:ea typeface="+mn-ea"/>
-                <a:cs typeface="+mn-cs"/>
-              </a:defRPr>
-            </a:lvl6pPr>
-            <a:lvl7pPr marL="1300000" indent="-228600" algn="l" defTabSz="914400" rtl="0" eaLnBrk="1" latinLnBrk="0" hangingPunct="1">
-              <a:lnSpc>
-                <a:spcPct val="90000"/>
-              </a:lnSpc>
-              <a:spcBef>
-                <a:spcPts val="200"/>
-              </a:spcBef>
-              <a:spcAft>
-                <a:spcPts val="400"/>
-              </a:spcAft>
-              <a:buClr>
-                <a:schemeClr val="accent1"/>
-              </a:buClr>
-              <a:buFont typeface="Calibri" pitchFamily="34" charset="0"/>
-              <a:buChar char="◦"/>
-              <a:defRPr sz="1400" kern="1200">
-                <a:solidFill>
-                  <a:schemeClr val="tx1">
-                    <a:lumMod val="75000"/>
-                    <a:lumOff val="25000"/>
-                  </a:schemeClr>
-                </a:solidFill>
-                <a:latin typeface="+mn-lt"/>
-                <a:ea typeface="+mn-ea"/>
-                <a:cs typeface="+mn-cs"/>
-              </a:defRPr>
-            </a:lvl7pPr>
-            <a:lvl8pPr marL="1500000" indent="-228600" algn="l" defTabSz="914400" rtl="0" eaLnBrk="1" latinLnBrk="0" hangingPunct="1">
-              <a:lnSpc>
-                <a:spcPct val="90000"/>
-              </a:lnSpc>
-              <a:spcBef>
-                <a:spcPts val="200"/>
-              </a:spcBef>
-              <a:spcAft>
-                <a:spcPts val="400"/>
-              </a:spcAft>
-              <a:buClr>
-                <a:schemeClr val="accent1"/>
-              </a:buClr>
-              <a:buFont typeface="Calibri" pitchFamily="34" charset="0"/>
-              <a:buChar char="◦"/>
-              <a:defRPr sz="1400" kern="1200">
-                <a:solidFill>
-                  <a:schemeClr val="tx1">
-                    <a:lumMod val="75000"/>
-                    <a:lumOff val="25000"/>
-                  </a:schemeClr>
-                </a:solidFill>
-                <a:latin typeface="+mn-lt"/>
-                <a:ea typeface="+mn-ea"/>
-                <a:cs typeface="+mn-cs"/>
-              </a:defRPr>
-            </a:lvl8pPr>
-            <a:lvl9pPr marL="1700000" indent="-228600" algn="l" defTabSz="914400" rtl="0" eaLnBrk="1" latinLnBrk="0" hangingPunct="1">
-              <a:lnSpc>
-                <a:spcPct val="90000"/>
-              </a:lnSpc>
-              <a:spcBef>
-                <a:spcPts val="200"/>
-              </a:spcBef>
-              <a:spcAft>
-                <a:spcPts val="400"/>
-              </a:spcAft>
-              <a:buClr>
-                <a:schemeClr val="accent1"/>
-              </a:buClr>
-              <a:buFont typeface="Calibri" pitchFamily="34" charset="0"/>
-              <a:buChar char="◦"/>
-              <a:defRPr sz="1400" kern="1200">
-                <a:solidFill>
-                  <a:schemeClr val="tx1">
-                    <a:lumMod val="75000"/>
-                    <a:lumOff val="25000"/>
-                  </a:schemeClr>
-                </a:solidFill>
-                <a:latin typeface="+mn-lt"/>
-                <a:ea typeface="+mn-ea"/>
-                <a:cs typeface="+mn-cs"/>
-              </a:defRPr>
-            </a:lvl9pPr>
-          </a:lstStyle>
-          <a:p>
-            <a:endParaRPr lang="en-US"/>
-          </a:p>
-          <a:p>
-            <a:r>
-              <a:rPr lang="en-US" b="1"/>
-              <a:t>Answer: </a:t>
-            </a:r>
-            <a:r>
-              <a:rPr lang="en-US"/>
-              <a:t>Gender, Age, Education, Career + Personal Goals</a:t>
-            </a:r>
-            <a:endParaRPr lang="en-US" dirty="0"/>
-          </a:p>
-        </p:txBody>
-      </p:sp>
     </p:spTree>
     <p:extLst>
       <p:ext uri="{BB962C8B-B14F-4D97-AF65-F5344CB8AC3E}">
-        <p14:creationId xmlns:p14="http://schemas.microsoft.com/office/powerpoint/2010/main" val="1553874713"/>
+        <p14:creationId xmlns:p14="http://schemas.microsoft.com/office/powerpoint/2010/main" val="4163882863"/>
       </p:ext>
     </p:extLst>
   </p:cSld>
@@ -12252,7 +12204,7 @@
           <p:cNvPr id="2" name="Title 1">
             <a:extLst>
               <a:ext uri="{FF2B5EF4-FFF2-40B4-BE49-F238E27FC236}">
-                <a16:creationId xmlns:a16="http://schemas.microsoft.com/office/drawing/2014/main" id="{B20EA48C-B1BA-86FA-68C1-A92EA771A799}"/>
+                <a16:creationId xmlns:a16="http://schemas.microsoft.com/office/drawing/2014/main" id="{51D385A4-0579-1D6A-813B-1E6B9241194E}"/>
               </a:ext>
             </a:extLst>
           </p:cNvPr>
@@ -12270,7 +12222,7 @@
           <a:p>
             <a:r>
               <a:rPr lang="en-US" dirty="0"/>
-              <a:t>Persona Design Tradeoffs</a:t>
+              <a:t>Personas vs. Archetypes</a:t>
             </a:r>
           </a:p>
         </p:txBody>
@@ -12280,7 +12232,7 @@
           <p:cNvPr id="3" name="Content Placeholder 2">
             <a:extLst>
               <a:ext uri="{FF2B5EF4-FFF2-40B4-BE49-F238E27FC236}">
-                <a16:creationId xmlns:a16="http://schemas.microsoft.com/office/drawing/2014/main" id="{100F8DED-26D5-68B7-F467-3EFFCE6604F5}"/>
+                <a16:creationId xmlns:a16="http://schemas.microsoft.com/office/drawing/2014/main" id="{E0641F8B-20D1-0BBB-862A-92C1C864F2E5}"/>
               </a:ext>
             </a:extLst>
           </p:cNvPr>
@@ -12298,47 +12250,41 @@
           <a:p>
             <a:r>
               <a:rPr lang="en-US" dirty="0"/>
-              <a:t>Narrow vs. Broad Personas</a:t>
+              <a:t>Personas are characters</a:t>
+            </a:r>
+          </a:p>
+          <a:p>
+            <a:r>
+              <a:rPr lang="en-US" dirty="0"/>
+              <a:t>HCPL uses characters (archetypes) to show different PL perspectives</a:t>
+            </a:r>
+            <a:br>
+              <a:rPr lang="en-US" dirty="0"/>
+            </a:br>
+            <a:r>
+              <a:rPr lang="en-US" dirty="0"/>
+              <a:t>But the purpose of archetypes is very different</a:t>
             </a:r>
           </a:p>
           <a:p>
             <a:pPr lvl="1"/>
             <a:r>
               <a:rPr lang="en-US" dirty="0"/>
-              <a:t>Narrow (MS): Risk tolerance, Knowledge depth, Points of pride</a:t>
+              <a:t>Sort the chapters / lectures: to do X, read Y</a:t>
             </a:r>
           </a:p>
           <a:p>
             <a:pPr lvl="1"/>
             <a:r>
               <a:rPr lang="en-US" dirty="0"/>
-              <a:t>Broad (C+R): Gender, Age, Education, Career + Personal Goals</a:t>
-            </a:r>
-          </a:p>
-          <a:p>
-            <a:r>
-              <a:rPr lang="en-US" dirty="0"/>
-              <a:t>Narrow persona emphasizes traits directly relevant to programming</a:t>
-            </a:r>
-          </a:p>
-          <a:p>
-            <a:r>
-              <a:rPr lang="en-US" dirty="0"/>
-              <a:t>Broad persona captures traits that may be relevant across specific subgroups of people</a:t>
+              <a:t>Identify topics that match personal interests</a:t>
             </a:r>
           </a:p>
           <a:p>
             <a:pPr lvl="1"/>
             <a:r>
               <a:rPr lang="en-US" dirty="0"/>
-              <a:t>Naively including demographics in personas can activate designer bias</a:t>
-            </a:r>
-          </a:p>
-          <a:p>
-            <a:pPr lvl="1"/>
-            <a:r>
-              <a:rPr lang="en-US" dirty="0"/>
-              <a:t>Methods for reducing that bias are well-studied</a:t>
+              <a:t>Communicate effectively with people from different fields</a:t>
             </a:r>
           </a:p>
         </p:txBody>
@@ -12348,7 +12294,7 @@
           <p:cNvPr id="4" name="Slide Number Placeholder 3">
             <a:extLst>
               <a:ext uri="{FF2B5EF4-FFF2-40B4-BE49-F238E27FC236}">
-                <a16:creationId xmlns:a16="http://schemas.microsoft.com/office/drawing/2014/main" id="{026FF083-9C6B-8CD2-E7A7-2E77CB514599}"/>
+                <a16:creationId xmlns:a16="http://schemas.microsoft.com/office/drawing/2014/main" id="{A0F7A80D-5641-6A33-E8A1-83696D66DA65}"/>
               </a:ext>
             </a:extLst>
           </p:cNvPr>
@@ -12375,7 +12321,7 @@
     </p:spTree>
     <p:extLst>
       <p:ext uri="{BB962C8B-B14F-4D97-AF65-F5344CB8AC3E}">
-        <p14:creationId xmlns:p14="http://schemas.microsoft.com/office/powerpoint/2010/main" val="4163882863"/>
+        <p14:creationId xmlns:p14="http://schemas.microsoft.com/office/powerpoint/2010/main" val="2491712267"/>
       </p:ext>
     </p:extLst>
   </p:cSld>
@@ -12425,7 +12371,7 @@
           <a:p>
             <a:r>
               <a:rPr lang="en-US" dirty="0"/>
-              <a:t>Personas vs. Archetypes</a:t>
+              <a:t>What Personas are Used For</a:t>
             </a:r>
           </a:p>
         </p:txBody>
@@ -12448,47 +12394,61 @@
         </p:nvSpPr>
         <p:spPr/>
         <p:txBody>
-          <a:bodyPr/>
-          <a:lstStyle/>
-          <a:p>
-            <a:r>
-              <a:rPr lang="en-US" dirty="0"/>
-              <a:t>Personas are characters</a:t>
-            </a:r>
-          </a:p>
-          <a:p>
-            <a:r>
-              <a:rPr lang="en-US" dirty="0"/>
-              <a:t>HCPL uses characters (archetypes) to show different PL perspectives</a:t>
-            </a:r>
-            <a:br>
-              <a:rPr lang="en-US" dirty="0"/>
-            </a:br>
-            <a:r>
-              <a:rPr lang="en-US" dirty="0"/>
-              <a:t>But the purpose of archetypes is very different</a:t>
-            </a:r>
-          </a:p>
-          <a:p>
-            <a:pPr lvl="1"/>
-            <a:r>
-              <a:rPr lang="en-US" dirty="0"/>
-              <a:t>Sort the chapters / lectures: to do X, read Y</a:t>
-            </a:r>
-          </a:p>
-          <a:p>
-            <a:pPr lvl="1"/>
-            <a:r>
-              <a:rPr lang="en-US" dirty="0"/>
-              <a:t>Identify topics that match personal interests</a:t>
-            </a:r>
-          </a:p>
-          <a:p>
-            <a:pPr lvl="1"/>
-            <a:r>
-              <a:rPr lang="en-US" dirty="0"/>
-              <a:t>Communicate effectively with people from different fields</a:t>
-            </a:r>
+          <a:bodyPr>
+            <a:normAutofit fontScale="85000" lnSpcReduction="20000"/>
+          </a:bodyPr>
+          <a:lstStyle/>
+          <a:p>
+            <a:r>
+              <a:rPr lang="en-US" dirty="0"/>
+              <a:t>Used to design new things</a:t>
+            </a:r>
+          </a:p>
+          <a:p>
+            <a:pPr marL="514350" indent="-514350">
+              <a:buFont typeface="+mj-lt"/>
+              <a:buAutoNum type="arabicPeriod"/>
+            </a:pPr>
+            <a:r>
+              <a:rPr lang="en-US" dirty="0"/>
+              <a:t>Personas are often used to give structure to design meetings and design documents. When a designer has a concern with a specific part of the design, they can use the persona as a way to explain their concern to others</a:t>
+            </a:r>
+          </a:p>
+          <a:p>
+            <a:pPr marL="514350" indent="-514350">
+              <a:buFont typeface="+mj-lt"/>
+              <a:buAutoNum type="arabicPeriod"/>
+            </a:pPr>
+            <a:r>
+              <a:rPr lang="en-US" dirty="0"/>
+              <a:t>Personas can be used in a formal analysis such as a Cognitive Walkthrough where the designer walks through each step of an interaction one-by-one and explores how the persona would experience it</a:t>
+            </a:r>
+          </a:p>
+          <a:p>
+            <a:pPr marL="514350" indent="-514350">
+              <a:buFont typeface="+mj-lt"/>
+              <a:buAutoNum type="arabicPeriod"/>
+            </a:pPr>
+            <a:r>
+              <a:rPr lang="en-US" dirty="0"/>
+              <a:t>Sets of personas can be used to define the audience of the software. They can both make sure that important groups of users are not forgotten and limit the scope of the audience, enabling designers to make informed design tradeoffs when different people have incompatible needs.</a:t>
+            </a:r>
+          </a:p>
+          <a:p>
+            <a:pPr marL="0" indent="0">
+              <a:buNone/>
+            </a:pPr>
+            <a:r>
+              <a:rPr lang="en-US" b="1" dirty="0"/>
+              <a:t>Core design tool, but no tool is perfect</a:t>
+            </a:r>
+          </a:p>
+          <a:p>
+            <a:pPr marL="514350" indent="-514350">
+              <a:buFont typeface="+mj-lt"/>
+              <a:buAutoNum type="arabicPeriod"/>
+            </a:pPr>
+            <a:endParaRPr lang="en-US" dirty="0"/>
           </a:p>
         </p:txBody>
       </p:sp>
@@ -12497,7 +12457,7 @@
           <p:cNvPr id="4" name="Slide Number Placeholder 3">
             <a:extLst>
               <a:ext uri="{FF2B5EF4-FFF2-40B4-BE49-F238E27FC236}">
-                <a16:creationId xmlns:a16="http://schemas.microsoft.com/office/drawing/2014/main" id="{A0F7A80D-5641-6A33-E8A1-83696D66DA65}"/>
+                <a16:creationId xmlns:a16="http://schemas.microsoft.com/office/drawing/2014/main" id="{BD218D23-377C-9296-E712-3F09E67EE815}"/>
               </a:ext>
             </a:extLst>
           </p:cNvPr>
@@ -12524,7 +12484,7 @@
     </p:spTree>
     <p:extLst>
       <p:ext uri="{BB962C8B-B14F-4D97-AF65-F5344CB8AC3E}">
-        <p14:creationId xmlns:p14="http://schemas.microsoft.com/office/powerpoint/2010/main" val="2491712267"/>
+        <p14:creationId xmlns:p14="http://schemas.microsoft.com/office/powerpoint/2010/main" val="3297529819"/>
       </p:ext>
     </p:extLst>
   </p:cSld>
@@ -12556,7 +12516,7 @@
           <p:cNvPr id="2" name="Title 1">
             <a:extLst>
               <a:ext uri="{FF2B5EF4-FFF2-40B4-BE49-F238E27FC236}">
-                <a16:creationId xmlns:a16="http://schemas.microsoft.com/office/drawing/2014/main" id="{51D385A4-0579-1D6A-813B-1E6B9241194E}"/>
+                <a16:creationId xmlns:a16="http://schemas.microsoft.com/office/drawing/2014/main" id="{0EEB1026-2E4A-42A6-1DF7-AC4BE530BF7C}"/>
               </a:ext>
             </a:extLst>
           </p:cNvPr>
@@ -12574,7 +12534,7 @@
           <a:p>
             <a:r>
               <a:rPr lang="en-US" dirty="0"/>
-              <a:t>What Personas are Used For</a:t>
+              <a:t>Persona Spectrums (Microsoft Research)</a:t>
             </a:r>
           </a:p>
         </p:txBody>
@@ -12584,7 +12544,7 @@
           <p:cNvPr id="3" name="Content Placeholder 2">
             <a:extLst>
               <a:ext uri="{FF2B5EF4-FFF2-40B4-BE49-F238E27FC236}">
-                <a16:creationId xmlns:a16="http://schemas.microsoft.com/office/drawing/2014/main" id="{E0641F8B-20D1-0BBB-862A-92C1C864F2E5}"/>
+                <a16:creationId xmlns:a16="http://schemas.microsoft.com/office/drawing/2014/main" id="{2D41FE4E-A6DA-D4FA-F899-1B93AC4627CC}"/>
               </a:ext>
             </a:extLst>
           </p:cNvPr>
@@ -12597,61 +12557,79 @@
         </p:nvSpPr>
         <p:spPr/>
         <p:txBody>
-          <a:bodyPr>
-            <a:normAutofit fontScale="85000" lnSpcReduction="20000"/>
-          </a:bodyPr>
-          <a:lstStyle/>
-          <a:p>
-            <a:r>
-              <a:rPr lang="en-US" dirty="0"/>
-              <a:t>Used to design new things</a:t>
-            </a:r>
-          </a:p>
-          <a:p>
-            <a:pPr marL="514350" indent="-514350">
-              <a:buFont typeface="+mj-lt"/>
-              <a:buAutoNum type="arabicPeriod"/>
-            </a:pPr>
-            <a:r>
-              <a:rPr lang="en-US" dirty="0"/>
-              <a:t>Personas are often used to give structure to design meetings and design documents. When a designer has a concern with a specific part of the design, they can use the persona as a way to explain their concern to others</a:t>
-            </a:r>
-          </a:p>
-          <a:p>
-            <a:pPr marL="514350" indent="-514350">
-              <a:buFont typeface="+mj-lt"/>
-              <a:buAutoNum type="arabicPeriod"/>
-            </a:pPr>
-            <a:r>
-              <a:rPr lang="en-US" dirty="0"/>
-              <a:t>Personas can be used in a formal analysis such as a Cognitive Walkthrough where the designer walks through each step of an interaction one-by-one and explores how the persona would experience it</a:t>
-            </a:r>
-          </a:p>
-          <a:p>
-            <a:pPr marL="514350" indent="-514350">
-              <a:buFont typeface="+mj-lt"/>
-              <a:buAutoNum type="arabicPeriod"/>
-            </a:pPr>
-            <a:r>
-              <a:rPr lang="en-US" dirty="0"/>
-              <a:t>Sets of personas can be used to define the audience of the software. They can both make sure that important groups of users are not forgotten and limit the scope of the audience, enabling designers to make informed design tradeoffs when different people have incompatible needs.</a:t>
-            </a:r>
-          </a:p>
-          <a:p>
-            <a:pPr marL="0" indent="0">
-              <a:buNone/>
-            </a:pPr>
+          <a:bodyPr/>
+          <a:lstStyle/>
+          <a:p>
             <a:r>
               <a:rPr lang="en-US" b="1" dirty="0"/>
-              <a:t>Core design tool, but no tool is perfect</a:t>
-            </a:r>
-          </a:p>
-          <a:p>
-            <a:pPr marL="514350" indent="-514350">
-              <a:buFont typeface="+mj-lt"/>
-              <a:buAutoNum type="arabicPeriod"/>
-            </a:pPr>
-            <a:endParaRPr lang="en-US" dirty="0"/>
+              <a:t>Core Idea:</a:t>
+            </a:r>
+            <a:r>
+              <a:rPr lang="en-US" dirty="0"/>
+              <a:t> Average people do not exist</a:t>
+            </a:r>
+            <a:r>
+              <a:rPr lang="en-US" b="1" dirty="0"/>
+              <a:t>, </a:t>
+            </a:r>
+            <a:r>
+              <a:rPr lang="en-US" dirty="0"/>
+              <a:t>design for ranges</a:t>
+            </a:r>
+          </a:p>
+          <a:p>
+            <a:r>
+              <a:rPr lang="en-US" dirty="0"/>
+              <a:t>A persona spectrum defines:</a:t>
+            </a:r>
+          </a:p>
+          <a:p>
+            <a:pPr lvl="1"/>
+            <a:r>
+              <a:rPr lang="en-US" dirty="0"/>
+              <a:t>Motivations: Why does the audience want to do what they want to do?</a:t>
+            </a:r>
+          </a:p>
+          <a:p>
+            <a:pPr lvl="1"/>
+            <a:r>
+              <a:rPr lang="en-US" dirty="0"/>
+              <a:t>Contexts: Where are they physically? Socially?</a:t>
+            </a:r>
+          </a:p>
+          <a:p>
+            <a:pPr lvl="1"/>
+            <a:r>
+              <a:rPr lang="en-US" dirty="0"/>
+              <a:t>Abilities: What abilities, disabilities, and assets do they have?</a:t>
+            </a:r>
+          </a:p>
+          <a:p>
+            <a:pPr lvl="1"/>
+            <a:r>
+              <a:rPr lang="en-US" dirty="0"/>
+              <a:t>Circumstances: What are their societal (e.g. socioeconomic) circumstances?</a:t>
+            </a:r>
+          </a:p>
+          <a:p>
+            <a:r>
+              <a:rPr lang="en-US" dirty="0"/>
+              <a:t>Explore multiple possibilities for each dimension</a:t>
+            </a:r>
+            <a:br>
+              <a:rPr lang="en-US" dirty="0"/>
+            </a:br>
+            <a:r>
+              <a:rPr lang="en-US" dirty="0"/>
+              <a:t>Recognize the potential for change</a:t>
+            </a:r>
+            <a:br>
+              <a:rPr lang="en-US" dirty="0"/>
+            </a:br>
+            <a:r>
+              <a:rPr lang="en-US" dirty="0"/>
+              <a:t>Design for the whole range</a:t>
+            </a:r>
           </a:p>
         </p:txBody>
       </p:sp>
@@ -12660,7 +12638,7 @@
           <p:cNvPr id="4" name="Slide Number Placeholder 3">
             <a:extLst>
               <a:ext uri="{FF2B5EF4-FFF2-40B4-BE49-F238E27FC236}">
-                <a16:creationId xmlns:a16="http://schemas.microsoft.com/office/drawing/2014/main" id="{BD218D23-377C-9296-E712-3F09E67EE815}"/>
+                <a16:creationId xmlns:a16="http://schemas.microsoft.com/office/drawing/2014/main" id="{B2A6E7A2-C6EF-3CAA-D55D-6AD13827B813}"/>
               </a:ext>
             </a:extLst>
           </p:cNvPr>
@@ -12687,7 +12665,7 @@
     </p:spTree>
     <p:extLst>
       <p:ext uri="{BB962C8B-B14F-4D97-AF65-F5344CB8AC3E}">
-        <p14:creationId xmlns:p14="http://schemas.microsoft.com/office/powerpoint/2010/main" val="3297529819"/>
+        <p14:creationId xmlns:p14="http://schemas.microsoft.com/office/powerpoint/2010/main" val="3923225214"/>
       </p:ext>
     </p:extLst>
   </p:cSld>
@@ -12719,7 +12697,7 @@
           <p:cNvPr id="2" name="Title 1">
             <a:extLst>
               <a:ext uri="{FF2B5EF4-FFF2-40B4-BE49-F238E27FC236}">
-                <a16:creationId xmlns:a16="http://schemas.microsoft.com/office/drawing/2014/main" id="{0EEB1026-2E4A-42A6-1DF7-AC4BE530BF7C}"/>
+                <a16:creationId xmlns:a16="http://schemas.microsoft.com/office/drawing/2014/main" id="{1DF1954B-F70C-9454-17F6-B21FDC00970D}"/>
               </a:ext>
             </a:extLst>
           </p:cNvPr>
@@ -12737,7 +12715,7 @@
           <a:p>
             <a:r>
               <a:rPr lang="en-US" dirty="0"/>
-              <a:t>Persona Spectrums (Microsoft Research)</a:t>
+              <a:t>Goal-Setting</a:t>
             </a:r>
           </a:p>
         </p:txBody>
@@ -12747,7 +12725,7 @@
           <p:cNvPr id="3" name="Content Placeholder 2">
             <a:extLst>
               <a:ext uri="{FF2B5EF4-FFF2-40B4-BE49-F238E27FC236}">
-                <a16:creationId xmlns:a16="http://schemas.microsoft.com/office/drawing/2014/main" id="{2D41FE4E-A6DA-D4FA-F899-1B93AC4627CC}"/>
+                <a16:creationId xmlns:a16="http://schemas.microsoft.com/office/drawing/2014/main" id="{09B9CE4E-BDD2-5D92-0DDD-6A8FFA310948}"/>
               </a:ext>
             </a:extLst>
           </p:cNvPr>
@@ -12764,74 +12742,52 @@
           <a:lstStyle/>
           <a:p>
             <a:r>
+              <a:rPr lang="en-US" dirty="0"/>
+              <a:t>What are programmers’ goals? </a:t>
+            </a:r>
+            <a:r>
               <a:rPr lang="en-US" b="1" dirty="0"/>
-              <a:t>Core Idea:</a:t>
-            </a:r>
-            <a:r>
-              <a:rPr lang="en-US" dirty="0"/>
-              <a:t> Average people do not exist</a:t>
-            </a:r>
+              <a:t>Requirements-gathering</a:t>
+            </a:r>
+            <a:r>
+              <a:rPr lang="en-US" dirty="0"/>
+              <a:t> = find out</a:t>
+            </a:r>
+          </a:p>
+          <a:p>
+            <a:r>
+              <a:rPr lang="en-US" dirty="0"/>
+              <a:t>We just scratch surface, focus on one of several groups of people:</a:t>
+            </a:r>
+          </a:p>
+          <a:p>
+            <a:pPr lvl="1"/>
+            <a:r>
+              <a:rPr lang="en-US" dirty="0"/>
+              <a:t>Professional programmers</a:t>
+            </a:r>
+          </a:p>
+          <a:p>
+            <a:pPr lvl="1"/>
+            <a:r>
+              <a:rPr lang="en-US" dirty="0"/>
+              <a:t>Student programmers</a:t>
+            </a:r>
+          </a:p>
+          <a:p>
+            <a:pPr lvl="1"/>
+            <a:r>
+              <a:rPr lang="en-US" dirty="0"/>
+              <a:t>The language designer</a:t>
+            </a:r>
+          </a:p>
+          <a:p>
+            <a:pPr marL="201168" lvl="1" indent="0">
+              <a:buNone/>
+            </a:pPr>
             <a:r>
               <a:rPr lang="en-US" b="1" dirty="0"/>
-              <a:t>, </a:t>
-            </a:r>
-            <a:r>
-              <a:rPr lang="en-US" dirty="0"/>
-              <a:t>design for ranges</a:t>
-            </a:r>
-          </a:p>
-          <a:p>
-            <a:r>
-              <a:rPr lang="en-US" dirty="0"/>
-              <a:t>A persona spectrum defines:</a:t>
-            </a:r>
-          </a:p>
-          <a:p>
-            <a:pPr lvl="1"/>
-            <a:r>
-              <a:rPr lang="en-US" dirty="0"/>
-              <a:t>Motivations: Why does the audience want to do what they want to do?</a:t>
-            </a:r>
-          </a:p>
-          <a:p>
-            <a:pPr lvl="1"/>
-            <a:r>
-              <a:rPr lang="en-US" dirty="0"/>
-              <a:t>Contexts: Where are they physically? Socially?</a:t>
-            </a:r>
-          </a:p>
-          <a:p>
-            <a:pPr lvl="1"/>
-            <a:r>
-              <a:rPr lang="en-US" dirty="0"/>
-              <a:t>Abilities: What abilities, disabilities, and assets do they have?</a:t>
-            </a:r>
-          </a:p>
-          <a:p>
-            <a:pPr lvl="1"/>
-            <a:r>
-              <a:rPr lang="en-US" dirty="0"/>
-              <a:t>Circumstances: What are their societal (e.g. socioeconomic) circumstances?</a:t>
-            </a:r>
-          </a:p>
-          <a:p>
-            <a:r>
-              <a:rPr lang="en-US" dirty="0"/>
-              <a:t>Explore multiple possibilities for each dimension</a:t>
-            </a:r>
-            <a:br>
-              <a:rPr lang="en-US" dirty="0"/>
-            </a:br>
-            <a:r>
-              <a:rPr lang="en-US" dirty="0"/>
-              <a:t>Recognize the potential for change</a:t>
-            </a:r>
-            <a:br>
-              <a:rPr lang="en-US" dirty="0"/>
-            </a:br>
-            <a:r>
-              <a:rPr lang="en-US" dirty="0"/>
-              <a:t>Design for the whole range</a:t>
+              <a:t>What are tradeoffs of focusing on given groups?</a:t>
             </a:r>
           </a:p>
         </p:txBody>
@@ -12841,7 +12797,7 @@
           <p:cNvPr id="4" name="Slide Number Placeholder 3">
             <a:extLst>
               <a:ext uri="{FF2B5EF4-FFF2-40B4-BE49-F238E27FC236}">
-                <a16:creationId xmlns:a16="http://schemas.microsoft.com/office/drawing/2014/main" id="{B2A6E7A2-C6EF-3CAA-D55D-6AD13827B813}"/>
+                <a16:creationId xmlns:a16="http://schemas.microsoft.com/office/drawing/2014/main" id="{FD112396-0092-0CD1-8807-14F4AA11CC86}"/>
               </a:ext>
             </a:extLst>
           </p:cNvPr>
@@ -12868,7 +12824,7 @@
     </p:spTree>
     <p:extLst>
       <p:ext uri="{BB962C8B-B14F-4D97-AF65-F5344CB8AC3E}">
-        <p14:creationId xmlns:p14="http://schemas.microsoft.com/office/powerpoint/2010/main" val="3923225214"/>
+        <p14:creationId xmlns:p14="http://schemas.microsoft.com/office/powerpoint/2010/main" val="448983052"/>
       </p:ext>
     </p:extLst>
   </p:cSld>
@@ -13015,7 +12971,7 @@
           <p:cNvPr id="2" name="Title 1">
             <a:extLst>
               <a:ext uri="{FF2B5EF4-FFF2-40B4-BE49-F238E27FC236}">
-                <a16:creationId xmlns:a16="http://schemas.microsoft.com/office/drawing/2014/main" id="{1DF1954B-F70C-9454-17F6-B21FDC00970D}"/>
+                <a16:creationId xmlns:a16="http://schemas.microsoft.com/office/drawing/2014/main" id="{8AE6B460-437F-FFE8-D12C-629D7ACA5445}"/>
               </a:ext>
             </a:extLst>
           </p:cNvPr>
@@ -13028,12 +12984,14 @@
         </p:nvSpPr>
         <p:spPr/>
         <p:txBody>
-          <a:bodyPr/>
-          <a:lstStyle/>
-          <a:p>
-            <a:r>
-              <a:rPr lang="en-US" dirty="0"/>
-              <a:t>Goal-Setting</a:t>
+          <a:bodyPr>
+            <a:normAutofit/>
+          </a:bodyPr>
+          <a:lstStyle/>
+          <a:p>
+            <a:r>
+              <a:rPr lang="en-US" sz="4600" dirty="0"/>
+              <a:t>Goal-Setting for Professional Programmers</a:t>
             </a:r>
           </a:p>
         </p:txBody>
@@ -13043,7 +13001,7 @@
           <p:cNvPr id="3" name="Content Placeholder 2">
             <a:extLst>
               <a:ext uri="{FF2B5EF4-FFF2-40B4-BE49-F238E27FC236}">
-                <a16:creationId xmlns:a16="http://schemas.microsoft.com/office/drawing/2014/main" id="{09B9CE4E-BDD2-5D92-0DDD-6A8FFA310948}"/>
+                <a16:creationId xmlns:a16="http://schemas.microsoft.com/office/drawing/2014/main" id="{F6C37C0A-4044-EE8A-E479-81C643889ADA}"/>
               </a:ext>
             </a:extLst>
           </p:cNvPr>
@@ -13056,56 +13014,26 @@
         </p:nvSpPr>
         <p:spPr/>
         <p:txBody>
-          <a:bodyPr/>
-          <a:lstStyle/>
-          <a:p>
-            <a:r>
-              <a:rPr lang="en-US" dirty="0"/>
-              <a:t>What are programmers’ goals? </a:t>
-            </a:r>
-            <a:r>
-              <a:rPr lang="en-US" b="1" dirty="0"/>
-              <a:t>Requirements-gathering</a:t>
-            </a:r>
-            <a:r>
-              <a:rPr lang="en-US" dirty="0"/>
-              <a:t> = find out</a:t>
-            </a:r>
-          </a:p>
-          <a:p>
-            <a:r>
-              <a:rPr lang="en-US" dirty="0"/>
-              <a:t>We just scratch surface, focus on one of several groups of people:</a:t>
-            </a:r>
-          </a:p>
-          <a:p>
-            <a:pPr lvl="1"/>
-            <a:r>
-              <a:rPr lang="en-US" dirty="0"/>
-              <a:t>Professional programmers</a:t>
-            </a:r>
-          </a:p>
-          <a:p>
-            <a:pPr lvl="1"/>
-            <a:r>
-              <a:rPr lang="en-US" dirty="0"/>
-              <a:t>Student programmers</a:t>
-            </a:r>
-          </a:p>
-          <a:p>
-            <a:pPr lvl="1"/>
-            <a:r>
-              <a:rPr lang="en-US" dirty="0"/>
-              <a:t>The language designer</a:t>
-            </a:r>
-          </a:p>
-          <a:p>
-            <a:pPr marL="201168" lvl="1" indent="0">
-              <a:buNone/>
-            </a:pPr>
-            <a:r>
-              <a:rPr lang="en-US" b="1" dirty="0"/>
-              <a:t>What are tradeoffs of focusing on given groups?</a:t>
+          <a:bodyPr>
+            <a:normAutofit/>
+          </a:bodyPr>
+          <a:lstStyle/>
+          <a:p>
+            <a:r>
+              <a:rPr lang="en-US" dirty="0"/>
+              <a:t>Who: People who program for a living</a:t>
+            </a:r>
+          </a:p>
+          <a:p>
+            <a:r>
+              <a:rPr lang="en-US" dirty="0"/>
+              <a:t>Benefits: Potential for outsized impact, because professionals spend a large fraction of their time programming</a:t>
+            </a:r>
+          </a:p>
+          <a:p>
+            <a:r>
+              <a:rPr lang="en-US" dirty="0"/>
+              <a:t>Limitations: Professionals have significant experience with existing languages and tools. Their stated goals could be biased toward existing technology</a:t>
             </a:r>
           </a:p>
         </p:txBody>
@@ -13115,7 +13043,7 @@
           <p:cNvPr id="4" name="Slide Number Placeholder 3">
             <a:extLst>
               <a:ext uri="{FF2B5EF4-FFF2-40B4-BE49-F238E27FC236}">
-                <a16:creationId xmlns:a16="http://schemas.microsoft.com/office/drawing/2014/main" id="{FD112396-0092-0CD1-8807-14F4AA11CC86}"/>
+                <a16:creationId xmlns:a16="http://schemas.microsoft.com/office/drawing/2014/main" id="{4E6118E6-F48D-4F18-2A9F-2297871C019D}"/>
               </a:ext>
             </a:extLst>
           </p:cNvPr>
@@ -13142,7 +13070,7 @@
     </p:spTree>
     <p:extLst>
       <p:ext uri="{BB962C8B-B14F-4D97-AF65-F5344CB8AC3E}">
-        <p14:creationId xmlns:p14="http://schemas.microsoft.com/office/powerpoint/2010/main" val="448983052"/>
+        <p14:creationId xmlns:p14="http://schemas.microsoft.com/office/powerpoint/2010/main" val="1051214588"/>
       </p:ext>
     </p:extLst>
   </p:cSld>
@@ -13174,7 +13102,7 @@
           <p:cNvPr id="2" name="Title 1">
             <a:extLst>
               <a:ext uri="{FF2B5EF4-FFF2-40B4-BE49-F238E27FC236}">
-                <a16:creationId xmlns:a16="http://schemas.microsoft.com/office/drawing/2014/main" id="{8AE6B460-437F-FFE8-D12C-629D7ACA5445}"/>
+                <a16:creationId xmlns:a16="http://schemas.microsoft.com/office/drawing/2014/main" id="{34883BE2-511B-491D-C350-0250C113365F}"/>
               </a:ext>
             </a:extLst>
           </p:cNvPr>
@@ -13187,14 +13115,12 @@
         </p:nvSpPr>
         <p:spPr/>
         <p:txBody>
-          <a:bodyPr>
-            <a:normAutofit/>
-          </a:bodyPr>
-          <a:lstStyle/>
-          <a:p>
-            <a:r>
-              <a:rPr lang="en-US" sz="4600" dirty="0"/>
-              <a:t>Goal-Setting for Professional Programmers</a:t>
+          <a:bodyPr/>
+          <a:lstStyle/>
+          <a:p>
+            <a:r>
+              <a:rPr lang="en-US" dirty="0"/>
+              <a:t>Goal-Setting for Students</a:t>
             </a:r>
           </a:p>
         </p:txBody>
@@ -13204,7 +13130,7 @@
           <p:cNvPr id="3" name="Content Placeholder 2">
             <a:extLst>
               <a:ext uri="{FF2B5EF4-FFF2-40B4-BE49-F238E27FC236}">
-                <a16:creationId xmlns:a16="http://schemas.microsoft.com/office/drawing/2014/main" id="{F6C37C0A-4044-EE8A-E479-81C643889ADA}"/>
+                <a16:creationId xmlns:a16="http://schemas.microsoft.com/office/drawing/2014/main" id="{FF692C72-790E-2A77-8777-5B83F70C459C}"/>
               </a:ext>
             </a:extLst>
           </p:cNvPr>
@@ -13217,26 +13143,24 @@
         </p:nvSpPr>
         <p:spPr/>
         <p:txBody>
-          <a:bodyPr>
-            <a:normAutofit/>
-          </a:bodyPr>
-          <a:lstStyle/>
-          <a:p>
-            <a:r>
-              <a:rPr lang="en-US" dirty="0"/>
-              <a:t>Who: People who program for a living</a:t>
-            </a:r>
-          </a:p>
-          <a:p>
-            <a:r>
-              <a:rPr lang="en-US" dirty="0"/>
-              <a:t>Benefits: Potential for outsized impact, because professionals spend a large fraction of their time programming</a:t>
-            </a:r>
-          </a:p>
-          <a:p>
-            <a:r>
-              <a:rPr lang="en-US" dirty="0"/>
-              <a:t>Limitations: Professionals have significant experience with existing languages and tools. Their stated goals could be biased toward existing technology</a:t>
+          <a:bodyPr/>
+          <a:lstStyle/>
+          <a:p>
+            <a:r>
+              <a:rPr lang="en-US" dirty="0"/>
+              <a:t>Who: Anyone who is studying PLs in a formal educational setting prior to starting full-time permanent employment</a:t>
+            </a:r>
+          </a:p>
+          <a:p>
+            <a:r>
+              <a:rPr lang="en-US" dirty="0"/>
+              <a:t>Strengths: May be more open to creative, radical designs, due to shorter term of experience with previous tools</a:t>
+            </a:r>
+          </a:p>
+          <a:p>
+            <a:r>
+              <a:rPr lang="en-US" dirty="0"/>
+              <a:t>Limitations: Classroom programming emphasizes small programs over large programs, and student experience may over-represent small programs</a:t>
             </a:r>
           </a:p>
         </p:txBody>
@@ -13246,7 +13170,7 @@
           <p:cNvPr id="4" name="Slide Number Placeholder 3">
             <a:extLst>
               <a:ext uri="{FF2B5EF4-FFF2-40B4-BE49-F238E27FC236}">
-                <a16:creationId xmlns:a16="http://schemas.microsoft.com/office/drawing/2014/main" id="{4E6118E6-F48D-4F18-2A9F-2297871C019D}"/>
+                <a16:creationId xmlns:a16="http://schemas.microsoft.com/office/drawing/2014/main" id="{4C82B3B4-5546-3F4E-AC69-63726F67FD00}"/>
               </a:ext>
             </a:extLst>
           </p:cNvPr>
@@ -13273,7 +13197,7 @@
     </p:spTree>
     <p:extLst>
       <p:ext uri="{BB962C8B-B14F-4D97-AF65-F5344CB8AC3E}">
-        <p14:creationId xmlns:p14="http://schemas.microsoft.com/office/powerpoint/2010/main" val="1051214588"/>
+        <p14:creationId xmlns:p14="http://schemas.microsoft.com/office/powerpoint/2010/main" val="1581919216"/>
       </p:ext>
     </p:extLst>
   </p:cSld>
@@ -13305,7 +13229,7 @@
           <p:cNvPr id="2" name="Title 1">
             <a:extLst>
               <a:ext uri="{FF2B5EF4-FFF2-40B4-BE49-F238E27FC236}">
-                <a16:creationId xmlns:a16="http://schemas.microsoft.com/office/drawing/2014/main" id="{34883BE2-511B-491D-C350-0250C113365F}"/>
+                <a16:creationId xmlns:a16="http://schemas.microsoft.com/office/drawing/2014/main" id="{4C25DAEC-809F-6EAF-6A42-7CAC6372CCD8}"/>
               </a:ext>
             </a:extLst>
           </p:cNvPr>
@@ -13323,7 +13247,7 @@
           <a:p>
             <a:r>
               <a:rPr lang="en-US" dirty="0"/>
-              <a:t>Goal-Setting for Students</a:t>
+              <a:t>PL Designers Have Personal Goals</a:t>
             </a:r>
           </a:p>
         </p:txBody>
@@ -13333,7 +13257,7 @@
           <p:cNvPr id="3" name="Content Placeholder 2">
             <a:extLst>
               <a:ext uri="{FF2B5EF4-FFF2-40B4-BE49-F238E27FC236}">
-                <a16:creationId xmlns:a16="http://schemas.microsoft.com/office/drawing/2014/main" id="{FF692C72-790E-2A77-8777-5B83F70C459C}"/>
+                <a16:creationId xmlns:a16="http://schemas.microsoft.com/office/drawing/2014/main" id="{43EF282E-046B-59E9-22DE-B28996E35453}"/>
               </a:ext>
             </a:extLst>
           </p:cNvPr>
@@ -13351,19 +13275,25 @@
           <a:p>
             <a:r>
               <a:rPr lang="en-US" dirty="0"/>
-              <a:t>Who: Anyone who is studying PLs in a formal educational setting prior to starting full-time permanent employment</a:t>
-            </a:r>
-          </a:p>
-          <a:p>
-            <a:r>
-              <a:rPr lang="en-US" dirty="0"/>
-              <a:t>Strengths: May be more open to creative, radical designs, due to shorter term of experience with previous tools</a:t>
-            </a:r>
-          </a:p>
-          <a:p>
-            <a:r>
-              <a:rPr lang="en-US" dirty="0"/>
-              <a:t>Limitations: Classroom programming emphasizes small programs over large programs, and student experience may over-represent small programs</a:t>
+              <a:t>Should PL designers embrace their own personal goals?</a:t>
+            </a:r>
+          </a:p>
+          <a:p>
+            <a:r>
+              <a:rPr lang="en-US" dirty="0"/>
+              <a:t>Who: People who design a PL, for any reason</a:t>
+            </a:r>
+          </a:p>
+          <a:p>
+            <a:r>
+              <a:rPr lang="en-US" dirty="0"/>
+              <a:t>Strengths: Increase designer motivation. Increase variety of proposed designs.</a:t>
+            </a:r>
+          </a:p>
+          <a:p>
+            <a:r>
+              <a:rPr lang="en-US" dirty="0"/>
+              <a:t>Limitations: May significantly limit audience</a:t>
             </a:r>
           </a:p>
         </p:txBody>
@@ -13373,7 +13303,7 @@
           <p:cNvPr id="4" name="Slide Number Placeholder 3">
             <a:extLst>
               <a:ext uri="{FF2B5EF4-FFF2-40B4-BE49-F238E27FC236}">
-                <a16:creationId xmlns:a16="http://schemas.microsoft.com/office/drawing/2014/main" id="{4C82B3B4-5546-3F4E-AC69-63726F67FD00}"/>
+                <a16:creationId xmlns:a16="http://schemas.microsoft.com/office/drawing/2014/main" id="{5079360D-C424-C768-0C34-D7DB537B7B77}"/>
               </a:ext>
             </a:extLst>
           </p:cNvPr>
@@ -13400,7 +13330,7 @@
     </p:spTree>
     <p:extLst>
       <p:ext uri="{BB962C8B-B14F-4D97-AF65-F5344CB8AC3E}">
-        <p14:creationId xmlns:p14="http://schemas.microsoft.com/office/powerpoint/2010/main" val="1581919216"/>
+        <p14:creationId xmlns:p14="http://schemas.microsoft.com/office/powerpoint/2010/main" val="419086183"/>
       </p:ext>
     </p:extLst>
   </p:cSld>
@@ -13432,7 +13362,7 @@
           <p:cNvPr id="2" name="Title 1">
             <a:extLst>
               <a:ext uri="{FF2B5EF4-FFF2-40B4-BE49-F238E27FC236}">
-                <a16:creationId xmlns:a16="http://schemas.microsoft.com/office/drawing/2014/main" id="{4C25DAEC-809F-6EAF-6A42-7CAC6372CCD8}"/>
+                <a16:creationId xmlns:a16="http://schemas.microsoft.com/office/drawing/2014/main" id="{E3C4C7F6-9062-F49C-2F6A-5CE8D72C87A6}"/>
               </a:ext>
             </a:extLst>
           </p:cNvPr>
@@ -13450,7 +13380,7 @@
           <a:p>
             <a:r>
               <a:rPr lang="en-US" dirty="0"/>
-              <a:t>PL Designers Have Personal Goals</a:t>
+              <a:t>Example Statement of Goals:</a:t>
             </a:r>
           </a:p>
         </p:txBody>
@@ -13460,7 +13390,7 @@
           <p:cNvPr id="3" name="Content Placeholder 2">
             <a:extLst>
               <a:ext uri="{FF2B5EF4-FFF2-40B4-BE49-F238E27FC236}">
-                <a16:creationId xmlns:a16="http://schemas.microsoft.com/office/drawing/2014/main" id="{43EF282E-046B-59E9-22DE-B28996E35453}"/>
+                <a16:creationId xmlns:a16="http://schemas.microsoft.com/office/drawing/2014/main" id="{85341CF4-1726-EC24-DED8-45C3B85EC611}"/>
               </a:ext>
             </a:extLst>
           </p:cNvPr>
@@ -13473,30 +13403,32 @@
         </p:nvSpPr>
         <p:spPr/>
         <p:txBody>
-          <a:bodyPr/>
-          <a:lstStyle/>
-          <a:p>
-            <a:r>
-              <a:rPr lang="en-US" dirty="0"/>
-              <a:t>Should PL designers embrace their own personal goals?</a:t>
-            </a:r>
-          </a:p>
-          <a:p>
-            <a:r>
-              <a:rPr lang="en-US" dirty="0"/>
-              <a:t>Who: People who design a PL, for any reason</a:t>
-            </a:r>
-          </a:p>
-          <a:p>
-            <a:r>
-              <a:rPr lang="en-US" dirty="0"/>
-              <a:t>Strengths: Increase designer motivation. Increase variety of proposed designs.</a:t>
-            </a:r>
-          </a:p>
-          <a:p>
-            <a:r>
-              <a:rPr lang="en-US" dirty="0"/>
-              <a:t>Limitations: May significantly limit audience</a:t>
+          <a:bodyPr>
+            <a:normAutofit fontScale="92500" lnSpcReduction="10000"/>
+          </a:bodyPr>
+          <a:lstStyle/>
+          <a:p>
+            <a:r>
+              <a:rPr lang="en-US" dirty="0"/>
+              <a:t>Who: Professional programmers working on low-level systems software, e.g., software which must interface directly with hardware or operating system functionality</a:t>
+            </a:r>
+          </a:p>
+          <a:p>
+            <a:r>
+              <a:rPr lang="en-US" dirty="0"/>
+              <a:t>Tasks: Eliminate memory errors such as double frees, use-after-frees, and memory leaks from their code</a:t>
+            </a:r>
+          </a:p>
+          <a:p>
+            <a:r>
+              <a:rPr lang="en-US" dirty="0"/>
+              <a:t>Context: The programmers are paid contributors of an open-source programming project with decentralized project planning among a globally-distributed mixture of paid and volunteer programmers of different experience levels</a:t>
+            </a:r>
+          </a:p>
+          <a:p>
+            <a:r>
+              <a:rPr lang="en-US" b="1" dirty="0"/>
+              <a:t>More examples in textbook</a:t>
             </a:r>
           </a:p>
         </p:txBody>
@@ -13506,7 +13438,7 @@
           <p:cNvPr id="4" name="Slide Number Placeholder 3">
             <a:extLst>
               <a:ext uri="{FF2B5EF4-FFF2-40B4-BE49-F238E27FC236}">
-                <a16:creationId xmlns:a16="http://schemas.microsoft.com/office/drawing/2014/main" id="{5079360D-C424-C768-0C34-D7DB537B7B77}"/>
+                <a16:creationId xmlns:a16="http://schemas.microsoft.com/office/drawing/2014/main" id="{616D00DD-C15F-1A2F-9BC6-0EA1007CF732}"/>
               </a:ext>
             </a:extLst>
           </p:cNvPr>
@@ -13533,7 +13465,7 @@
     </p:spTree>
     <p:extLst>
       <p:ext uri="{BB962C8B-B14F-4D97-AF65-F5344CB8AC3E}">
-        <p14:creationId xmlns:p14="http://schemas.microsoft.com/office/powerpoint/2010/main" val="419086183"/>
+        <p14:creationId xmlns:p14="http://schemas.microsoft.com/office/powerpoint/2010/main" val="2667541621"/>
       </p:ext>
     </p:extLst>
   </p:cSld>
@@ -13565,7 +13497,7 @@
           <p:cNvPr id="2" name="Title 1">
             <a:extLst>
               <a:ext uri="{FF2B5EF4-FFF2-40B4-BE49-F238E27FC236}">
-                <a16:creationId xmlns:a16="http://schemas.microsoft.com/office/drawing/2014/main" id="{E3C4C7F6-9062-F49C-2F6A-5CE8D72C87A6}"/>
+                <a16:creationId xmlns:a16="http://schemas.microsoft.com/office/drawing/2014/main" id="{CB0E626F-FADC-4679-6D4A-0EDADD8EE8AE}"/>
               </a:ext>
             </a:extLst>
           </p:cNvPr>
@@ -13583,7 +13515,7 @@
           <a:p>
             <a:r>
               <a:rPr lang="en-US" dirty="0"/>
-              <a:t>Example Statement of Goals:</a:t>
+              <a:t>Satisfaction</a:t>
             </a:r>
           </a:p>
         </p:txBody>
@@ -13593,7 +13525,7 @@
           <p:cNvPr id="3" name="Content Placeholder 2">
             <a:extLst>
               <a:ext uri="{FF2B5EF4-FFF2-40B4-BE49-F238E27FC236}">
-                <a16:creationId xmlns:a16="http://schemas.microsoft.com/office/drawing/2014/main" id="{85341CF4-1726-EC24-DED8-45C3B85EC611}"/>
+                <a16:creationId xmlns:a16="http://schemas.microsoft.com/office/drawing/2014/main" id="{D75EAC9D-060E-31FC-FFAC-F46D7CF6EE66}"/>
               </a:ext>
             </a:extLst>
           </p:cNvPr>
@@ -13606,33 +13538,73 @@
         </p:nvSpPr>
         <p:spPr/>
         <p:txBody>
-          <a:bodyPr>
-            <a:normAutofit fontScale="92500" lnSpcReduction="10000"/>
-          </a:bodyPr>
-          <a:lstStyle/>
-          <a:p>
-            <a:r>
-              <a:rPr lang="en-US" dirty="0"/>
-              <a:t>Who: Professional programmers working on low-level systems software, e.g., software which must interface directly with hardware or operating system functionality</a:t>
-            </a:r>
-          </a:p>
-          <a:p>
-            <a:r>
-              <a:rPr lang="en-US" dirty="0"/>
-              <a:t>Tasks: Eliminate memory errors such as double frees, use-after-frees, and memory leaks from their code</a:t>
-            </a:r>
-          </a:p>
-          <a:p>
-            <a:r>
-              <a:rPr lang="en-US" dirty="0"/>
-              <a:t>Context: The programmers are paid contributors of an open-source programming project with decentralized project planning among a globally-distributed mixture of paid and volunteer programmers of different experience levels</a:t>
-            </a:r>
-          </a:p>
-          <a:p>
+          <a:bodyPr/>
+          <a:lstStyle/>
+          <a:p>
+            <a:r>
+              <a:rPr lang="en-US" dirty="0"/>
+              <a:t>Satisfaction is a key part of usability – ISO Standard</a:t>
+            </a:r>
+          </a:p>
+          <a:p>
+            <a:r>
+              <a:rPr lang="en-US" dirty="0"/>
+              <a:t>How do we know? We ask people. But this has limitations</a:t>
+            </a:r>
+          </a:p>
+          <a:p>
+            <a:pPr lvl="1"/>
+            <a:r>
+              <a:rPr lang="en-US" dirty="0"/>
+              <a:t>If you ask face-to-face and they think you are the designer, number goes up</a:t>
+            </a:r>
+          </a:p>
+          <a:p>
+            <a:pPr lvl="1"/>
+            <a:r>
+              <a:rPr lang="en-US" dirty="0"/>
+              <a:t>If you ask using an interpreter/translator, number goes up</a:t>
+            </a:r>
+          </a:p>
+          <a:p>
+            <a:r>
+              <a:rPr lang="en-US" dirty="0"/>
+              <a:t>Numeric ratings are limited</a:t>
+            </a:r>
+          </a:p>
+          <a:p>
+            <a:pPr lvl="1"/>
+            <a:r>
+              <a:rPr lang="en-US" dirty="0"/>
+              <a:t>Often used for </a:t>
+            </a:r>
             <a:r>
               <a:rPr lang="en-US" b="1" dirty="0"/>
-              <a:t>More examples in textbook</a:t>
-            </a:r>
+              <a:t>summative </a:t>
+            </a:r>
+            <a:r>
+              <a:rPr lang="en-US" dirty="0"/>
+              <a:t>feedback (“did we succeed?”)</a:t>
+            </a:r>
+          </a:p>
+          <a:p>
+            <a:pPr lvl="1"/>
+            <a:r>
+              <a:rPr lang="en-US" dirty="0"/>
+              <a:t>Often lacks </a:t>
+            </a:r>
+            <a:r>
+              <a:rPr lang="en-US" b="1" dirty="0"/>
+              <a:t>formative </a:t>
+            </a:r>
+            <a:r>
+              <a:rPr lang="en-US" dirty="0"/>
+              <a:t>feedback (“what should we do?”)</a:t>
+            </a:r>
+          </a:p>
+          <a:p>
+            <a:pPr lvl="1"/>
+            <a:endParaRPr lang="en-US" dirty="0"/>
           </a:p>
         </p:txBody>
       </p:sp>
@@ -13641,7 +13613,7 @@
           <p:cNvPr id="4" name="Slide Number Placeholder 3">
             <a:extLst>
               <a:ext uri="{FF2B5EF4-FFF2-40B4-BE49-F238E27FC236}">
-                <a16:creationId xmlns:a16="http://schemas.microsoft.com/office/drawing/2014/main" id="{616D00DD-C15F-1A2F-9BC6-0EA1007CF732}"/>
+                <a16:creationId xmlns:a16="http://schemas.microsoft.com/office/drawing/2014/main" id="{F5F7E5D2-A944-8315-DB3F-F5F1F906F8C8}"/>
               </a:ext>
             </a:extLst>
           </p:cNvPr>
@@ -13668,7 +13640,7 @@
     </p:spTree>
     <p:extLst>
       <p:ext uri="{BB962C8B-B14F-4D97-AF65-F5344CB8AC3E}">
-        <p14:creationId xmlns:p14="http://schemas.microsoft.com/office/powerpoint/2010/main" val="2667541621"/>
+        <p14:creationId xmlns:p14="http://schemas.microsoft.com/office/powerpoint/2010/main" val="2541924924"/>
       </p:ext>
     </p:extLst>
   </p:cSld>
@@ -13700,7 +13672,7 @@
           <p:cNvPr id="2" name="Title 1">
             <a:extLst>
               <a:ext uri="{FF2B5EF4-FFF2-40B4-BE49-F238E27FC236}">
-                <a16:creationId xmlns:a16="http://schemas.microsoft.com/office/drawing/2014/main" id="{CB0E626F-FADC-4679-6D4A-0EDADD8EE8AE}"/>
+                <a16:creationId xmlns:a16="http://schemas.microsoft.com/office/drawing/2014/main" id="{F2868215-7536-F989-B5B7-943198FA5299}"/>
               </a:ext>
             </a:extLst>
           </p:cNvPr>
@@ -13718,7 +13690,7 @@
           <a:p>
             <a:r>
               <a:rPr lang="en-US" dirty="0"/>
-              <a:t>Satisfaction</a:t>
+              <a:t>Section: Methodologies + Paradigms</a:t>
             </a:r>
           </a:p>
         </p:txBody>
@@ -13728,7 +13700,7 @@
           <p:cNvPr id="3" name="Content Placeholder 2">
             <a:extLst>
               <a:ext uri="{FF2B5EF4-FFF2-40B4-BE49-F238E27FC236}">
-                <a16:creationId xmlns:a16="http://schemas.microsoft.com/office/drawing/2014/main" id="{D75EAC9D-060E-31FC-FFAC-F46D7CF6EE66}"/>
+                <a16:creationId xmlns:a16="http://schemas.microsoft.com/office/drawing/2014/main" id="{61A84960-1DF6-8E6D-8EF6-E4DE0015B8BC}"/>
               </a:ext>
             </a:extLst>
           </p:cNvPr>
@@ -13746,68 +13718,8 @@
           <a:p>
             <a:r>
               <a:rPr lang="en-US" dirty="0"/>
-              <a:t>Satisfaction is a key part of usability – ISO Standard</a:t>
-            </a:r>
-          </a:p>
-          <a:p>
-            <a:r>
-              <a:rPr lang="en-US" dirty="0"/>
-              <a:t>How do we know? We ask people. But this has limitations</a:t>
-            </a:r>
-          </a:p>
-          <a:p>
-            <a:pPr lvl="1"/>
-            <a:r>
-              <a:rPr lang="en-US" dirty="0"/>
-              <a:t>If you ask face-to-face and they think you are the designer, number goes up</a:t>
-            </a:r>
-          </a:p>
-          <a:p>
-            <a:pPr lvl="1"/>
-            <a:r>
-              <a:rPr lang="en-US" dirty="0"/>
-              <a:t>If you ask using an interpreter/translator, number goes up</a:t>
-            </a:r>
-          </a:p>
-          <a:p>
-            <a:r>
-              <a:rPr lang="en-US" dirty="0"/>
-              <a:t>Numeric ratings are limited</a:t>
-            </a:r>
-          </a:p>
-          <a:p>
-            <a:pPr lvl="1"/>
-            <a:r>
-              <a:rPr lang="en-US" dirty="0"/>
-              <a:t>Often used for </a:t>
-            </a:r>
-            <a:r>
-              <a:rPr lang="en-US" b="1" dirty="0"/>
-              <a:t>summative </a:t>
-            </a:r>
-            <a:r>
-              <a:rPr lang="en-US" dirty="0"/>
-              <a:t>feedback (“did we succeed?”)</a:t>
-            </a:r>
-          </a:p>
-          <a:p>
-            <a:pPr lvl="1"/>
-            <a:r>
-              <a:rPr lang="en-US" dirty="0"/>
-              <a:t>Often lacks </a:t>
-            </a:r>
-            <a:r>
-              <a:rPr lang="en-US" b="1" dirty="0"/>
-              <a:t>formative </a:t>
-            </a:r>
-            <a:r>
-              <a:rPr lang="en-US" dirty="0"/>
-              <a:t>feedback (“what should we do?”)</a:t>
-            </a:r>
-          </a:p>
-          <a:p>
-            <a:pPr lvl="1"/>
-            <a:endParaRPr lang="en-US" dirty="0"/>
+              <a:t>Let’s outline major techniques for studying users</a:t>
+            </a:r>
           </a:p>
         </p:txBody>
       </p:sp>
@@ -13816,7 +13728,7 @@
           <p:cNvPr id="4" name="Slide Number Placeholder 3">
             <a:extLst>
               <a:ext uri="{FF2B5EF4-FFF2-40B4-BE49-F238E27FC236}">
-                <a16:creationId xmlns:a16="http://schemas.microsoft.com/office/drawing/2014/main" id="{F5F7E5D2-A944-8315-DB3F-F5F1F906F8C8}"/>
+                <a16:creationId xmlns:a16="http://schemas.microsoft.com/office/drawing/2014/main" id="{F85E33CA-C632-6741-617C-8F94E26AA4B1}"/>
               </a:ext>
             </a:extLst>
           </p:cNvPr>
@@ -13843,7 +13755,7 @@
     </p:spTree>
     <p:extLst>
       <p:ext uri="{BB962C8B-B14F-4D97-AF65-F5344CB8AC3E}">
-        <p14:creationId xmlns:p14="http://schemas.microsoft.com/office/powerpoint/2010/main" val="2541924924"/>
+        <p14:creationId xmlns:p14="http://schemas.microsoft.com/office/powerpoint/2010/main" val="3527546795"/>
       </p:ext>
     </p:extLst>
   </p:cSld>
@@ -13875,7 +13787,7 @@
           <p:cNvPr id="2" name="Title 1">
             <a:extLst>
               <a:ext uri="{FF2B5EF4-FFF2-40B4-BE49-F238E27FC236}">
-                <a16:creationId xmlns:a16="http://schemas.microsoft.com/office/drawing/2014/main" id="{F2868215-7536-F989-B5B7-943198FA5299}"/>
+                <a16:creationId xmlns:a16="http://schemas.microsoft.com/office/drawing/2014/main" id="{4A9CBD95-7906-C329-33BA-0CAE6F2F907D}"/>
               </a:ext>
             </a:extLst>
           </p:cNvPr>
@@ -13893,7 +13805,7 @@
           <a:p>
             <a:r>
               <a:rPr lang="en-US" dirty="0"/>
-              <a:t>Section: Methodologies + Paradigms</a:t>
+              <a:t>Quantitative Paradigm</a:t>
             </a:r>
           </a:p>
         </p:txBody>
@@ -13903,7 +13815,7 @@
           <p:cNvPr id="3" name="Content Placeholder 2">
             <a:extLst>
               <a:ext uri="{FF2B5EF4-FFF2-40B4-BE49-F238E27FC236}">
-                <a16:creationId xmlns:a16="http://schemas.microsoft.com/office/drawing/2014/main" id="{61A84960-1DF6-8E6D-8EF6-E4DE0015B8BC}"/>
+                <a16:creationId xmlns:a16="http://schemas.microsoft.com/office/drawing/2014/main" id="{2300187A-C415-B385-8FA3-CDF591C03964}"/>
               </a:ext>
             </a:extLst>
           </p:cNvPr>
@@ -13921,8 +13833,61 @@
           <a:p>
             <a:r>
               <a:rPr lang="en-US" dirty="0"/>
-              <a:t>Let’s outline major techniques for studying users</a:t>
-            </a:r>
+              <a:t>Emphasis on numeric (i.e., quantitative data)</a:t>
+            </a:r>
+          </a:p>
+          <a:p>
+            <a:r>
+              <a:rPr lang="en-US" dirty="0"/>
+              <a:t>Uses statistics to interpret data </a:t>
+            </a:r>
+          </a:p>
+          <a:p>
+            <a:r>
+              <a:rPr lang="en-US" dirty="0"/>
+              <a:t>Size and diversity of data samples are emphasized</a:t>
+            </a:r>
+          </a:p>
+          <a:p>
+            <a:r>
+              <a:rPr lang="en-US" dirty="0"/>
+              <a:t>Example methods:</a:t>
+            </a:r>
+          </a:p>
+          <a:p>
+            <a:pPr lvl="1"/>
+            <a:r>
+              <a:rPr lang="en-US" dirty="0"/>
+              <a:t>Numeric questions on surveys</a:t>
+            </a:r>
+          </a:p>
+          <a:p>
+            <a:pPr lvl="1"/>
+            <a:r>
+              <a:rPr lang="en-US" dirty="0"/>
+              <a:t>Count how long tasks take</a:t>
+            </a:r>
+          </a:p>
+          <a:p>
+            <a:pPr lvl="1"/>
+            <a:r>
+              <a:rPr lang="en-US" dirty="0"/>
+              <a:t>Count how many tasks are completely correctly</a:t>
+            </a:r>
+          </a:p>
+          <a:p>
+            <a:pPr marL="201168" lvl="1" indent="0">
+              <a:buNone/>
+            </a:pPr>
+            <a:r>
+              <a:rPr lang="en-US" b="1" dirty="0"/>
+              <a:t>Question: </a:t>
+            </a:r>
+            <a:r>
+              <a:rPr lang="en-US" dirty="0"/>
+              <a:t>Which of these measures efficiency, which for effectiveness?</a:t>
+            </a:r>
+            <a:endParaRPr lang="en-US" b="1" dirty="0"/>
           </a:p>
         </p:txBody>
       </p:sp>
@@ -13931,7 +13896,7 @@
           <p:cNvPr id="4" name="Slide Number Placeholder 3">
             <a:extLst>
               <a:ext uri="{FF2B5EF4-FFF2-40B4-BE49-F238E27FC236}">
-                <a16:creationId xmlns:a16="http://schemas.microsoft.com/office/drawing/2014/main" id="{F85E33CA-C632-6741-617C-8F94E26AA4B1}"/>
+                <a16:creationId xmlns:a16="http://schemas.microsoft.com/office/drawing/2014/main" id="{4975D96A-94D9-5045-5391-8C3CEE6BC48B}"/>
               </a:ext>
             </a:extLst>
           </p:cNvPr>
@@ -13958,7 +13923,7 @@
     </p:spTree>
     <p:extLst>
       <p:ext uri="{BB962C8B-B14F-4D97-AF65-F5344CB8AC3E}">
-        <p14:creationId xmlns:p14="http://schemas.microsoft.com/office/powerpoint/2010/main" val="3527546795"/>
+        <p14:creationId xmlns:p14="http://schemas.microsoft.com/office/powerpoint/2010/main" val="2453170968"/>
       </p:ext>
     </p:extLst>
   </p:cSld>
@@ -13990,7 +13955,7 @@
           <p:cNvPr id="2" name="Title 1">
             <a:extLst>
               <a:ext uri="{FF2B5EF4-FFF2-40B4-BE49-F238E27FC236}">
-                <a16:creationId xmlns:a16="http://schemas.microsoft.com/office/drawing/2014/main" id="{4A9CBD95-7906-C329-33BA-0CAE6F2F907D}"/>
+                <a16:creationId xmlns:a16="http://schemas.microsoft.com/office/drawing/2014/main" id="{62D3163D-7E1A-2934-C990-56B1B11316BE}"/>
               </a:ext>
             </a:extLst>
           </p:cNvPr>
@@ -14008,7 +13973,7 @@
           <a:p>
             <a:r>
               <a:rPr lang="en-US" dirty="0"/>
-              <a:t>Quantitative Paradigm</a:t>
+              <a:t>Qualitative Paradigm</a:t>
             </a:r>
           </a:p>
         </p:txBody>
@@ -14018,7 +13983,7 @@
           <p:cNvPr id="3" name="Content Placeholder 2">
             <a:extLst>
               <a:ext uri="{FF2B5EF4-FFF2-40B4-BE49-F238E27FC236}">
-                <a16:creationId xmlns:a16="http://schemas.microsoft.com/office/drawing/2014/main" id="{2300187A-C415-B385-8FA3-CDF591C03964}"/>
+                <a16:creationId xmlns:a16="http://schemas.microsoft.com/office/drawing/2014/main" id="{CFAFA70B-EB3B-C523-18CB-446CDA3752F1}"/>
               </a:ext>
             </a:extLst>
           </p:cNvPr>
@@ -14036,19 +14001,13 @@
           <a:p>
             <a:r>
               <a:rPr lang="en-US" dirty="0"/>
-              <a:t>Emphasis on numeric (i.e., quantitative data)</a:t>
-            </a:r>
-          </a:p>
-          <a:p>
-            <a:r>
-              <a:rPr lang="en-US" dirty="0"/>
-              <a:t>Uses statistics to interpret data </a:t>
-            </a:r>
-          </a:p>
-          <a:p>
-            <a:r>
-              <a:rPr lang="en-US" dirty="0"/>
-              <a:t>Size and diversity of data samples are emphasized</a:t>
+              <a:t>Emphasize the depth and quality of data, often at the expense of quantity of data</a:t>
+            </a:r>
+          </a:p>
+          <a:p>
+            <a:r>
+              <a:rPr lang="en-US" dirty="0"/>
+              <a:t>Often emphasize data which cannot be reduced to numbers</a:t>
             </a:r>
           </a:p>
           <a:p>
@@ -14061,36 +14020,36 @@
             <a:pPr lvl="1"/>
             <a:r>
               <a:rPr lang="en-US" dirty="0"/>
-              <a:t>Numeric questions on surveys</a:t>
+              <a:t>Written survey questions</a:t>
             </a:r>
           </a:p>
           <a:p>
             <a:pPr lvl="1"/>
             <a:r>
               <a:rPr lang="en-US" dirty="0"/>
-              <a:t>Count how long tasks take</a:t>
+              <a:t>Interviews</a:t>
             </a:r>
           </a:p>
           <a:p>
             <a:pPr lvl="1"/>
             <a:r>
               <a:rPr lang="en-US" dirty="0"/>
-              <a:t>Count how many tasks are completely correctly</a:t>
-            </a:r>
-          </a:p>
-          <a:p>
-            <a:pPr marL="201168" lvl="1" indent="0">
-              <a:buNone/>
-            </a:pPr>
-            <a:r>
-              <a:rPr lang="en-US" b="1" dirty="0"/>
-              <a:t>Question: </a:t>
-            </a:r>
-            <a:r>
-              <a:rPr lang="en-US" dirty="0"/>
-              <a:t>Which of these measures efficiency, which for effectiveness?</a:t>
-            </a:r>
-            <a:endParaRPr lang="en-US" b="1" dirty="0"/>
+              <a:t>Think-aloud exercises</a:t>
+            </a:r>
+          </a:p>
+          <a:p>
+            <a:pPr lvl="1"/>
+            <a:r>
+              <a:rPr lang="en-US" dirty="0"/>
+              <a:t>Focus groups</a:t>
+            </a:r>
+          </a:p>
+          <a:p>
+            <a:pPr lvl="1"/>
+            <a:r>
+              <a:rPr lang="en-US" dirty="0"/>
+              <a:t>Thematic analysis + grounded theory (interpreting qualitative data)</a:t>
+            </a:r>
           </a:p>
         </p:txBody>
       </p:sp>
@@ -14099,7 +14058,7 @@
           <p:cNvPr id="4" name="Slide Number Placeholder 3">
             <a:extLst>
               <a:ext uri="{FF2B5EF4-FFF2-40B4-BE49-F238E27FC236}">
-                <a16:creationId xmlns:a16="http://schemas.microsoft.com/office/drawing/2014/main" id="{4975D96A-94D9-5045-5391-8C3CEE6BC48B}"/>
+                <a16:creationId xmlns:a16="http://schemas.microsoft.com/office/drawing/2014/main" id="{07A1FF02-DB59-BE3E-56E4-0C628A9A3D28}"/>
               </a:ext>
             </a:extLst>
           </p:cNvPr>
@@ -14126,7 +14085,7 @@
     </p:spTree>
     <p:extLst>
       <p:ext uri="{BB962C8B-B14F-4D97-AF65-F5344CB8AC3E}">
-        <p14:creationId xmlns:p14="http://schemas.microsoft.com/office/powerpoint/2010/main" val="2453170968"/>
+        <p14:creationId xmlns:p14="http://schemas.microsoft.com/office/powerpoint/2010/main" val="724045798"/>
       </p:ext>
     </p:extLst>
   </p:cSld>
@@ -14158,7 +14117,7 @@
           <p:cNvPr id="2" name="Title 1">
             <a:extLst>
               <a:ext uri="{FF2B5EF4-FFF2-40B4-BE49-F238E27FC236}">
-                <a16:creationId xmlns:a16="http://schemas.microsoft.com/office/drawing/2014/main" id="{62D3163D-7E1A-2934-C990-56B1B11316BE}"/>
+                <a16:creationId xmlns:a16="http://schemas.microsoft.com/office/drawing/2014/main" id="{6AE6F19A-C929-8524-0C7D-22C32685BE8C}"/>
               </a:ext>
             </a:extLst>
           </p:cNvPr>
@@ -14176,7 +14135,7 @@
           <a:p>
             <a:r>
               <a:rPr lang="en-US" dirty="0"/>
-              <a:t>Qualitative Paradigm</a:t>
+              <a:t>Qualitative vs. Quantitative?</a:t>
             </a:r>
           </a:p>
         </p:txBody>
@@ -14186,7 +14145,7 @@
           <p:cNvPr id="3" name="Content Placeholder 2">
             <a:extLst>
               <a:ext uri="{FF2B5EF4-FFF2-40B4-BE49-F238E27FC236}">
-                <a16:creationId xmlns:a16="http://schemas.microsoft.com/office/drawing/2014/main" id="{CFAFA70B-EB3B-C523-18CB-446CDA3752F1}"/>
+                <a16:creationId xmlns:a16="http://schemas.microsoft.com/office/drawing/2014/main" id="{63BB9B23-0BE1-A309-F43D-12FB1D7902FA}"/>
               </a:ext>
             </a:extLst>
           </p:cNvPr>
@@ -14204,54 +14163,42 @@
           <a:p>
             <a:r>
               <a:rPr lang="en-US" dirty="0"/>
-              <a:t>Emphasize the depth and quality of data, often at the expense of quantity of data</a:t>
-            </a:r>
-          </a:p>
-          <a:p>
-            <a:r>
-              <a:rPr lang="en-US" dirty="0"/>
-              <a:t>Often emphasize data which cannot be reduced to numbers</a:t>
-            </a:r>
-          </a:p>
-          <a:p>
-            <a:r>
-              <a:rPr lang="en-US" dirty="0"/>
-              <a:t>Example methods:</a:t>
+              <a:t>Qualitive data </a:t>
+            </a:r>
+            <a:r>
+              <a:rPr lang="en-US"/>
+              <a:t>deserve attention because </a:t>
+            </a:r>
+            <a:r>
+              <a:rPr lang="en-US" dirty="0"/>
+              <a:t>of their strength at addressing open-ended questions, e.g.:</a:t>
             </a:r>
           </a:p>
           <a:p>
             <a:pPr lvl="1"/>
             <a:r>
               <a:rPr lang="en-US" dirty="0"/>
-              <a:t>Written survey questions</a:t>
+              <a:t>What aspects of a programming language produce the most joy or excitement in the programmers?</a:t>
             </a:r>
           </a:p>
           <a:p>
             <a:pPr lvl="1"/>
             <a:r>
               <a:rPr lang="en-US" dirty="0"/>
-              <a:t>Interviews</a:t>
+              <a:t>What aspects of a programming language produce the most frustration or discouragement in the programmers?</a:t>
             </a:r>
           </a:p>
           <a:p>
             <a:pPr lvl="1"/>
             <a:r>
               <a:rPr lang="en-US" dirty="0"/>
-              <a:t>Think-aloud exercises</a:t>
-            </a:r>
-          </a:p>
-          <a:p>
-            <a:pPr lvl="1"/>
-            <a:r>
-              <a:rPr lang="en-US" dirty="0"/>
-              <a:t>Focus groups</a:t>
-            </a:r>
-          </a:p>
-          <a:p>
-            <a:pPr lvl="1"/>
-            <a:r>
-              <a:rPr lang="en-US" dirty="0"/>
-              <a:t>Thematic analysis + grounded theory (interpreting qualitative data)</a:t>
+              <a:t>How effectively did the design documentation for the programming language communicate the designer’s intentions to the programmers?</a:t>
+            </a:r>
+          </a:p>
+          <a:p>
+            <a:r>
+              <a:rPr lang="en-US" dirty="0"/>
+              <a:t>These methods are often most helpful during design</a:t>
             </a:r>
           </a:p>
         </p:txBody>
@@ -14261,7 +14208,7 @@
           <p:cNvPr id="4" name="Slide Number Placeholder 3">
             <a:extLst>
               <a:ext uri="{FF2B5EF4-FFF2-40B4-BE49-F238E27FC236}">
-                <a16:creationId xmlns:a16="http://schemas.microsoft.com/office/drawing/2014/main" id="{07A1FF02-DB59-BE3E-56E4-0C628A9A3D28}"/>
+                <a16:creationId xmlns:a16="http://schemas.microsoft.com/office/drawing/2014/main" id="{A7727F3D-91C5-27F4-F654-12570533B4DD}"/>
               </a:ext>
             </a:extLst>
           </p:cNvPr>
@@ -14288,7 +14235,7 @@
     </p:spTree>
     <p:extLst>
       <p:ext uri="{BB962C8B-B14F-4D97-AF65-F5344CB8AC3E}">
-        <p14:creationId xmlns:p14="http://schemas.microsoft.com/office/powerpoint/2010/main" val="724045798"/>
+        <p14:creationId xmlns:p14="http://schemas.microsoft.com/office/powerpoint/2010/main" val="4037779743"/>
       </p:ext>
     </p:extLst>
   </p:cSld>
@@ -14320,7 +14267,7 @@
           <p:cNvPr id="2" name="Title 1">
             <a:extLst>
               <a:ext uri="{FF2B5EF4-FFF2-40B4-BE49-F238E27FC236}">
-                <a16:creationId xmlns:a16="http://schemas.microsoft.com/office/drawing/2014/main" id="{6AE6F19A-C929-8524-0C7D-22C32685BE8C}"/>
+                <a16:creationId xmlns:a16="http://schemas.microsoft.com/office/drawing/2014/main" id="{2DCBC40D-C7CB-4B6C-4E66-8C365038AA87}"/>
               </a:ext>
             </a:extLst>
           </p:cNvPr>
@@ -14338,7 +14285,7 @@
           <a:p>
             <a:r>
               <a:rPr lang="en-US" dirty="0"/>
-              <a:t>Qualitative vs. Quantitative?</a:t>
+              <a:t>Generalizability</a:t>
             </a:r>
           </a:p>
         </p:txBody>
@@ -14348,7 +14295,7 @@
           <p:cNvPr id="3" name="Content Placeholder 2">
             <a:extLst>
               <a:ext uri="{FF2B5EF4-FFF2-40B4-BE49-F238E27FC236}">
-                <a16:creationId xmlns:a16="http://schemas.microsoft.com/office/drawing/2014/main" id="{63BB9B23-0BE1-A309-F43D-12FB1D7902FA}"/>
+                <a16:creationId xmlns:a16="http://schemas.microsoft.com/office/drawing/2014/main" id="{B15A3E89-D15A-D73A-2D58-8641E49A0C1C}"/>
               </a:ext>
             </a:extLst>
           </p:cNvPr>
@@ -14361,39 +14308,68 @@
         </p:nvSpPr>
         <p:spPr/>
         <p:txBody>
-          <a:bodyPr/>
-          <a:lstStyle/>
-          <a:p>
-            <a:r>
-              <a:rPr lang="en-US" dirty="0"/>
-              <a:t>This course emphasizes qualitative data because of their strength at addressing open-ended questions, e.g.:</a:t>
+          <a:bodyPr>
+            <a:normAutofit lnSpcReduction="10000"/>
+          </a:bodyPr>
+          <a:lstStyle/>
+          <a:p>
+            <a:r>
+              <a:rPr lang="en-US" dirty="0"/>
+              <a:t>Studies (both qualitative + quantitative) only consider some limited, finite group of people (e.g. in your homework)</a:t>
+            </a:r>
+          </a:p>
+          <a:p>
+            <a:r>
+              <a:rPr lang="en-US" dirty="0"/>
+              <a:t>Recognize the challenges of generalizing results to larger group</a:t>
+            </a:r>
+          </a:p>
+          <a:p>
+            <a:r>
+              <a:rPr lang="en-US" dirty="0"/>
+              <a:t>Strategies for dealing with the challenge:</a:t>
             </a:r>
           </a:p>
           <a:p>
             <a:pPr lvl="1"/>
             <a:r>
               <a:rPr lang="en-US" dirty="0"/>
-              <a:t>What aspects of a programming language produce the most joy or excitement in the programmers?</a:t>
+              <a:t>Don’t claim that results generalize, unless separate evaluation used</a:t>
             </a:r>
           </a:p>
           <a:p>
             <a:pPr lvl="1"/>
             <a:r>
               <a:rPr lang="en-US" dirty="0"/>
-              <a:t>What aspects of a programming language produce the most frustration or discouragement in the programmers?</a:t>
+              <a:t>Increase the number of people</a:t>
+            </a:r>
+          </a:p>
+          <a:p>
+            <a:pPr lvl="2"/>
+            <a:r>
+              <a:rPr lang="en-US" dirty="0"/>
+              <a:t>Challenging if study is time-consuming</a:t>
             </a:r>
           </a:p>
           <a:p>
             <a:pPr lvl="1"/>
             <a:r>
               <a:rPr lang="en-US" dirty="0"/>
-              <a:t>How effectively did the design documentation for the programming language communicate the designer’s intentions to the programmers?</a:t>
-            </a:r>
-          </a:p>
-          <a:p>
-            <a:r>
-              <a:rPr lang="en-US" dirty="0"/>
-              <a:t>These methods are often most helpful during design</a:t>
+              <a:t>Ensure the people belong to the population you care about</a:t>
+            </a:r>
+          </a:p>
+          <a:p>
+            <a:pPr lvl="1"/>
+            <a:r>
+              <a:rPr lang="en-US" dirty="0"/>
+              <a:t>Argue that the people are similar to the population you care about</a:t>
+            </a:r>
+          </a:p>
+          <a:p>
+            <a:pPr lvl="2"/>
+            <a:r>
+              <a:rPr lang="en-US" dirty="0"/>
+              <a:t>Risky</a:t>
             </a:r>
           </a:p>
         </p:txBody>
@@ -14403,7 +14379,7 @@
           <p:cNvPr id="4" name="Slide Number Placeholder 3">
             <a:extLst>
               <a:ext uri="{FF2B5EF4-FFF2-40B4-BE49-F238E27FC236}">
-                <a16:creationId xmlns:a16="http://schemas.microsoft.com/office/drawing/2014/main" id="{A7727F3D-91C5-27F4-F654-12570533B4DD}"/>
+                <a16:creationId xmlns:a16="http://schemas.microsoft.com/office/drawing/2014/main" id="{8D0DA278-D427-AF38-9281-E367B4CD6EDC}"/>
               </a:ext>
             </a:extLst>
           </p:cNvPr>
@@ -14430,7 +14406,7 @@
     </p:spTree>
     <p:extLst>
       <p:ext uri="{BB962C8B-B14F-4D97-AF65-F5344CB8AC3E}">
-        <p14:creationId xmlns:p14="http://schemas.microsoft.com/office/powerpoint/2010/main" val="4037779743"/>
+        <p14:creationId xmlns:p14="http://schemas.microsoft.com/office/powerpoint/2010/main" val="2042440065"/>
       </p:ext>
     </p:extLst>
   </p:cSld>
@@ -14613,7 +14589,7 @@
           <p:cNvPr id="2" name="Title 1">
             <a:extLst>
               <a:ext uri="{FF2B5EF4-FFF2-40B4-BE49-F238E27FC236}">
-                <a16:creationId xmlns:a16="http://schemas.microsoft.com/office/drawing/2014/main" id="{2DCBC40D-C7CB-4B6C-4E66-8C365038AA87}"/>
+                <a16:creationId xmlns:a16="http://schemas.microsoft.com/office/drawing/2014/main" id="{658BB60E-D946-F491-EA03-132B88FD4CB6}"/>
               </a:ext>
             </a:extLst>
           </p:cNvPr>
@@ -14631,7 +14607,7 @@
           <a:p>
             <a:r>
               <a:rPr lang="en-US" dirty="0"/>
-              <a:t>Generalizability</a:t>
+              <a:t>Section: Rhetoric + Aesthetics</a:t>
             </a:r>
           </a:p>
         </p:txBody>
@@ -14641,7 +14617,7 @@
           <p:cNvPr id="3" name="Content Placeholder 2">
             <a:extLst>
               <a:ext uri="{FF2B5EF4-FFF2-40B4-BE49-F238E27FC236}">
-                <a16:creationId xmlns:a16="http://schemas.microsoft.com/office/drawing/2014/main" id="{B15A3E89-D15A-D73A-2D58-8641E49A0C1C}"/>
+                <a16:creationId xmlns:a16="http://schemas.microsoft.com/office/drawing/2014/main" id="{F2BD1838-C078-6D04-9A64-B7B7CA5B8EE7}"/>
               </a:ext>
             </a:extLst>
           </p:cNvPr>
@@ -14654,69 +14630,10 @@
         </p:nvSpPr>
         <p:spPr/>
         <p:txBody>
-          <a:bodyPr>
-            <a:normAutofit lnSpcReduction="10000"/>
-          </a:bodyPr>
-          <a:lstStyle/>
-          <a:p>
-            <a:r>
-              <a:rPr lang="en-US" dirty="0"/>
-              <a:t>Studies (both qualitative + quantitative) only consider some limited, finite group of people (e.g. in your homework)</a:t>
-            </a:r>
-          </a:p>
-          <a:p>
-            <a:r>
-              <a:rPr lang="en-US" dirty="0"/>
-              <a:t>Recognize the challenges of generalizing results to larger group</a:t>
-            </a:r>
-          </a:p>
-          <a:p>
-            <a:r>
-              <a:rPr lang="en-US" dirty="0"/>
-              <a:t>Strategies for dealing with the challenge:</a:t>
-            </a:r>
-          </a:p>
-          <a:p>
-            <a:pPr lvl="1"/>
-            <a:r>
-              <a:rPr lang="en-US" dirty="0"/>
-              <a:t>Don’t claim that results generalize, unless separate evaluation used</a:t>
-            </a:r>
-          </a:p>
-          <a:p>
-            <a:pPr lvl="1"/>
-            <a:r>
-              <a:rPr lang="en-US" dirty="0"/>
-              <a:t>Increase the number of people</a:t>
-            </a:r>
-          </a:p>
-          <a:p>
-            <a:pPr lvl="2"/>
-            <a:r>
-              <a:rPr lang="en-US" dirty="0"/>
-              <a:t>Challenging if study is time-consuming</a:t>
-            </a:r>
-          </a:p>
-          <a:p>
-            <a:pPr lvl="1"/>
-            <a:r>
-              <a:rPr lang="en-US" dirty="0"/>
-              <a:t>Ensure the people belong to the population you care about</a:t>
-            </a:r>
-          </a:p>
-          <a:p>
-            <a:pPr lvl="1"/>
-            <a:r>
-              <a:rPr lang="en-US" dirty="0"/>
-              <a:t>Argue that the people are similar to the population you care about</a:t>
-            </a:r>
-          </a:p>
-          <a:p>
-            <a:pPr lvl="2"/>
-            <a:r>
-              <a:rPr lang="en-US" dirty="0"/>
-              <a:t>Risky</a:t>
-            </a:r>
+          <a:bodyPr/>
+          <a:lstStyle/>
+          <a:p>
+            <a:endParaRPr lang="en-US"/>
           </a:p>
         </p:txBody>
       </p:sp>
@@ -14725,7 +14642,7 @@
           <p:cNvPr id="4" name="Slide Number Placeholder 3">
             <a:extLst>
               <a:ext uri="{FF2B5EF4-FFF2-40B4-BE49-F238E27FC236}">
-                <a16:creationId xmlns:a16="http://schemas.microsoft.com/office/drawing/2014/main" id="{8D0DA278-D427-AF38-9281-E367B4CD6EDC}"/>
+                <a16:creationId xmlns:a16="http://schemas.microsoft.com/office/drawing/2014/main" id="{784A0908-ADD3-10F9-1A11-CE9A4D0195B9}"/>
               </a:ext>
             </a:extLst>
           </p:cNvPr>
@@ -14752,7 +14669,7 @@
     </p:spTree>
     <p:extLst>
       <p:ext uri="{BB962C8B-B14F-4D97-AF65-F5344CB8AC3E}">
-        <p14:creationId xmlns:p14="http://schemas.microsoft.com/office/powerpoint/2010/main" val="2042440065"/>
+        <p14:creationId xmlns:p14="http://schemas.microsoft.com/office/powerpoint/2010/main" val="917840777"/>
       </p:ext>
     </p:extLst>
   </p:cSld>
@@ -14784,7 +14701,7 @@
           <p:cNvPr id="2" name="Title 1">
             <a:extLst>
               <a:ext uri="{FF2B5EF4-FFF2-40B4-BE49-F238E27FC236}">
-                <a16:creationId xmlns:a16="http://schemas.microsoft.com/office/drawing/2014/main" id="{658BB60E-D946-F491-EA03-132B88FD4CB6}"/>
+                <a16:creationId xmlns:a16="http://schemas.microsoft.com/office/drawing/2014/main" id="{BC3D4786-3F42-1BB8-F596-71FCEC16290F}"/>
               </a:ext>
             </a:extLst>
           </p:cNvPr>
@@ -14801,8 +14718,12 @@
           <a:lstStyle/>
           <a:p>
             <a:r>
-              <a:rPr lang="en-US" dirty="0"/>
-              <a:t>Section: Rhetoric + Aesthetics</a:t>
+              <a:rPr lang="en-US" dirty="0" err="1"/>
+              <a:t>Rhetoric+Aesthetics</a:t>
+            </a:r>
+            <a:r>
+              <a:rPr lang="en-US" dirty="0"/>
+              <a:t> in  PL Design</a:t>
             </a:r>
           </a:p>
         </p:txBody>
@@ -14812,7 +14733,7 @@
           <p:cNvPr id="3" name="Content Placeholder 2">
             <a:extLst>
               <a:ext uri="{FF2B5EF4-FFF2-40B4-BE49-F238E27FC236}">
-                <a16:creationId xmlns:a16="http://schemas.microsoft.com/office/drawing/2014/main" id="{F2BD1838-C078-6D04-9A64-B7B7CA5B8EE7}"/>
+                <a16:creationId xmlns:a16="http://schemas.microsoft.com/office/drawing/2014/main" id="{59581848-2CF2-1934-5FCE-E8D870599415}"/>
               </a:ext>
             </a:extLst>
           </p:cNvPr>
@@ -14828,7 +14749,49 @@
           <a:bodyPr/>
           <a:lstStyle/>
           <a:p>
-            <a:endParaRPr lang="en-US"/>
+            <a:r>
+              <a:rPr lang="en-US" b="1" dirty="0"/>
+              <a:t>Idea:</a:t>
+            </a:r>
+            <a:r>
+              <a:rPr lang="en-US" dirty="0"/>
+              <a:t> Designers (incl. Theorists) have their own tastes and justifications, which are core part of design and discussion</a:t>
+            </a:r>
+          </a:p>
+          <a:p>
+            <a:r>
+              <a:rPr lang="en-US" b="1" dirty="0"/>
+              <a:t>Aesthetics:</a:t>
+            </a:r>
+            <a:r>
+              <a:rPr lang="en-US" dirty="0"/>
+              <a:t> How does a specific designer decide whether a PL is appealing to them?</a:t>
+            </a:r>
+          </a:p>
+          <a:p>
+            <a:r>
+              <a:rPr lang="en-US" b="1" dirty="0"/>
+              <a:t>Rhetoric:</a:t>
+            </a:r>
+            <a:r>
+              <a:rPr lang="en-US" dirty="0"/>
+              <a:t> How does a specific designer argue the merits of a specific PL to a specific audience?</a:t>
+            </a:r>
+          </a:p>
+          <a:p>
+            <a:r>
+              <a:rPr lang="en-US" b="1" dirty="0"/>
+              <a:t>Goal:</a:t>
+            </a:r>
+            <a:r>
+              <a:rPr lang="en-US" dirty="0"/>
+              <a:t> Strengthen </a:t>
+            </a:r>
+            <a:r>
+              <a:rPr lang="en-US"/>
+              <a:t>communication skills</a:t>
+            </a:r>
+            <a:endParaRPr lang="en-US" b="1" dirty="0"/>
           </a:p>
         </p:txBody>
       </p:sp>
@@ -14837,7 +14800,7 @@
           <p:cNvPr id="4" name="Slide Number Placeholder 3">
             <a:extLst>
               <a:ext uri="{FF2B5EF4-FFF2-40B4-BE49-F238E27FC236}">
-                <a16:creationId xmlns:a16="http://schemas.microsoft.com/office/drawing/2014/main" id="{784A0908-ADD3-10F9-1A11-CE9A4D0195B9}"/>
+                <a16:creationId xmlns:a16="http://schemas.microsoft.com/office/drawing/2014/main" id="{E82A1A77-AE60-1DDB-0C21-97225A017EAB}"/>
               </a:ext>
             </a:extLst>
           </p:cNvPr>
@@ -14864,7 +14827,7 @@
     </p:spTree>
     <p:extLst>
       <p:ext uri="{BB962C8B-B14F-4D97-AF65-F5344CB8AC3E}">
-        <p14:creationId xmlns:p14="http://schemas.microsoft.com/office/powerpoint/2010/main" val="917840777"/>
+        <p14:creationId xmlns:p14="http://schemas.microsoft.com/office/powerpoint/2010/main" val="3522256982"/>
       </p:ext>
     </p:extLst>
   </p:cSld>
@@ -14896,7 +14859,7 @@
           <p:cNvPr id="2" name="Title 1">
             <a:extLst>
               <a:ext uri="{FF2B5EF4-FFF2-40B4-BE49-F238E27FC236}">
-                <a16:creationId xmlns:a16="http://schemas.microsoft.com/office/drawing/2014/main" id="{BC3D4786-3F42-1BB8-F596-71FCEC16290F}"/>
+                <a16:creationId xmlns:a16="http://schemas.microsoft.com/office/drawing/2014/main" id="{8BA56FD6-73AD-04C1-1351-C27ED6E7AC57}"/>
               </a:ext>
             </a:extLst>
           </p:cNvPr>
@@ -14913,12 +14876,8 @@
           <a:lstStyle/>
           <a:p>
             <a:r>
-              <a:rPr lang="en-US" dirty="0" err="1"/>
-              <a:t>Rhetoric+Aesthetics</a:t>
-            </a:r>
-            <a:r>
-              <a:rPr lang="en-US" dirty="0"/>
-              <a:t> in  PL Design</a:t>
+              <a:rPr lang="en-US" dirty="0"/>
+              <a:t>Defining Aesthetics</a:t>
             </a:r>
           </a:p>
         </p:txBody>
@@ -14928,7 +14887,7 @@
           <p:cNvPr id="3" name="Content Placeholder 2">
             <a:extLst>
               <a:ext uri="{FF2B5EF4-FFF2-40B4-BE49-F238E27FC236}">
-                <a16:creationId xmlns:a16="http://schemas.microsoft.com/office/drawing/2014/main" id="{59581848-2CF2-1934-5FCE-E8D870599415}"/>
+                <a16:creationId xmlns:a16="http://schemas.microsoft.com/office/drawing/2014/main" id="{5CA79C92-2036-794B-5396-A47C7C005FA2}"/>
               </a:ext>
             </a:extLst>
           </p:cNvPr>
@@ -14941,52 +14900,28 @@
         </p:nvSpPr>
         <p:spPr/>
         <p:txBody>
-          <a:bodyPr/>
-          <a:lstStyle/>
-          <a:p>
-            <a:r>
-              <a:rPr lang="en-US" b="1" dirty="0"/>
-              <a:t>Idea:</a:t>
-            </a:r>
-            <a:r>
-              <a:rPr lang="en-US" dirty="0"/>
-              <a:t> Designers (incl. Theorists) have their own tastes and justifications, which are core part of design and discussion</a:t>
-            </a:r>
-          </a:p>
-          <a:p>
-            <a:r>
-              <a:rPr lang="en-US" b="1" dirty="0"/>
-              <a:t>Aesthetics:</a:t>
-            </a:r>
-            <a:r>
-              <a:rPr lang="en-US" dirty="0"/>
-              <a:t> How does a specific designer decide whether a PL is appealing to them?</a:t>
-            </a:r>
-          </a:p>
-          <a:p>
-            <a:r>
-              <a:rPr lang="en-US" b="1" dirty="0"/>
-              <a:t>Rhetoric:</a:t>
-            </a:r>
-            <a:r>
-              <a:rPr lang="en-US" dirty="0"/>
-              <a:t> How does a specific designer argue the merits of a specific PL to a specific audience?</a:t>
-            </a:r>
-          </a:p>
-          <a:p>
-            <a:r>
-              <a:rPr lang="en-US" b="1" dirty="0"/>
-              <a:t>Goal:</a:t>
-            </a:r>
-            <a:r>
-              <a:rPr lang="en-US" dirty="0"/>
-              <a:t> Strengthen </a:t>
-            </a:r>
-            <a:r>
-              <a:rPr lang="en-US"/>
-              <a:t>communication skills</a:t>
-            </a:r>
-            <a:endParaRPr lang="en-US" b="1" dirty="0"/>
+          <a:bodyPr>
+            <a:normAutofit/>
+          </a:bodyPr>
+          <a:lstStyle/>
+          <a:p>
+            <a:r>
+              <a:rPr lang="en-US" i="1" dirty="0"/>
+              <a:t>Aesthetic properties include those that are related to the human-centered aesthetic appeal of a language, formalism or technique but which are not directly concerned with ease of (re)use by others.</a:t>
+            </a:r>
+          </a:p>
+          <a:p>
+            <a:r>
+              <a:rPr lang="en-US" i="1" dirty="0"/>
+              <a:t>Examples include “elegant”, “natural” and “intuitive”, although this category is perhaps better defined in part by the oft-used(in programming language writing) antonym of the above terms, “ad-hoc”.</a:t>
+            </a:r>
+          </a:p>
+          <a:p>
+            <a:pPr lvl="1"/>
+            <a:r>
+              <a:rPr lang="en-US" i="1" dirty="0"/>
+              <a:t>Muller and Ringler, Onward!’2020</a:t>
+            </a:r>
           </a:p>
         </p:txBody>
       </p:sp>
@@ -14995,7 +14930,7 @@
           <p:cNvPr id="4" name="Slide Number Placeholder 3">
             <a:extLst>
               <a:ext uri="{FF2B5EF4-FFF2-40B4-BE49-F238E27FC236}">
-                <a16:creationId xmlns:a16="http://schemas.microsoft.com/office/drawing/2014/main" id="{E82A1A77-AE60-1DDB-0C21-97225A017EAB}"/>
+                <a16:creationId xmlns:a16="http://schemas.microsoft.com/office/drawing/2014/main" id="{B7ABDB53-3528-D7C4-B4CA-8FF932C44CAF}"/>
               </a:ext>
             </a:extLst>
           </p:cNvPr>
@@ -15022,7 +14957,7 @@
     </p:spTree>
     <p:extLst>
       <p:ext uri="{BB962C8B-B14F-4D97-AF65-F5344CB8AC3E}">
-        <p14:creationId xmlns:p14="http://schemas.microsoft.com/office/powerpoint/2010/main" val="3522256982"/>
+        <p14:creationId xmlns:p14="http://schemas.microsoft.com/office/powerpoint/2010/main" val="4105386349"/>
       </p:ext>
     </p:extLst>
   </p:cSld>
@@ -15054,7 +14989,7 @@
           <p:cNvPr id="2" name="Title 1">
             <a:extLst>
               <a:ext uri="{FF2B5EF4-FFF2-40B4-BE49-F238E27FC236}">
-                <a16:creationId xmlns:a16="http://schemas.microsoft.com/office/drawing/2014/main" id="{8BA56FD6-73AD-04C1-1351-C27ED6E7AC57}"/>
+                <a16:creationId xmlns:a16="http://schemas.microsoft.com/office/drawing/2014/main" id="{FA462913-0C04-D26B-AA74-6FCD0CB9AA70}"/>
               </a:ext>
             </a:extLst>
           </p:cNvPr>
@@ -15072,7 +15007,7 @@
           <a:p>
             <a:r>
               <a:rPr lang="en-US" dirty="0"/>
-              <a:t>Defining Aesthetics</a:t>
+              <a:t>Defining Arguments</a:t>
             </a:r>
           </a:p>
         </p:txBody>
@@ -15082,7 +15017,7 @@
           <p:cNvPr id="3" name="Content Placeholder 2">
             <a:extLst>
               <a:ext uri="{FF2B5EF4-FFF2-40B4-BE49-F238E27FC236}">
-                <a16:creationId xmlns:a16="http://schemas.microsoft.com/office/drawing/2014/main" id="{5CA79C92-2036-794B-5396-A47C7C005FA2}"/>
+                <a16:creationId xmlns:a16="http://schemas.microsoft.com/office/drawing/2014/main" id="{1DAFCCF9-F9C7-AAD0-E256-AABD61B08456}"/>
               </a:ext>
             </a:extLst>
           </p:cNvPr>
@@ -15095,28 +15030,56 @@
         </p:nvSpPr>
         <p:spPr/>
         <p:txBody>
-          <a:bodyPr>
-            <a:normAutofit/>
-          </a:bodyPr>
-          <a:lstStyle/>
-          <a:p>
-            <a:r>
-              <a:rPr lang="en-US" i="1" dirty="0"/>
-              <a:t>Aesthetic properties include those that are related to the human-centered aesthetic appeal of a language, formalism or technique but which are not directly concerned with ease of (re)use by others.</a:t>
-            </a:r>
-          </a:p>
-          <a:p>
-            <a:r>
-              <a:rPr lang="en-US" i="1" dirty="0"/>
-              <a:t>Examples include “elegant”, “natural” and “intuitive”, although this category is perhaps better defined in part by the oft-used(in programming language writing) antonym of the above terms, “ad-hoc”.</a:t>
-            </a:r>
-          </a:p>
-          <a:p>
-            <a:pPr lvl="1"/>
-            <a:r>
-              <a:rPr lang="en-US" i="1" dirty="0"/>
-              <a:t>Muller and Ringler, Onward!’2020</a:t>
-            </a:r>
+          <a:bodyPr/>
+          <a:lstStyle/>
+          <a:p>
+            <a:r>
+              <a:rPr lang="en-US" b="1" dirty="0"/>
+              <a:t>Claim =</a:t>
+            </a:r>
+            <a:r>
+              <a:rPr lang="en-US" dirty="0"/>
+              <a:t> The assertion for which you are arguing</a:t>
+            </a:r>
+          </a:p>
+          <a:p>
+            <a:r>
+              <a:rPr lang="en-US" b="1" dirty="0"/>
+              <a:t>Reason =</a:t>
+            </a:r>
+            <a:r>
+              <a:rPr lang="en-US" dirty="0"/>
+              <a:t> Individual justifications which combine to argue the claim</a:t>
+            </a:r>
+          </a:p>
+          <a:p>
+            <a:r>
+              <a:rPr lang="en-US" b="1" dirty="0"/>
+              <a:t>Evidence</a:t>
+            </a:r>
+            <a:r>
+              <a:rPr lang="en-US" dirty="0"/>
+              <a:t> =</a:t>
+            </a:r>
+            <a:r>
+              <a:rPr lang="en-US" b="1" dirty="0"/>
+              <a:t> </a:t>
+            </a:r>
+            <a:r>
+              <a:rPr lang="en-US" dirty="0"/>
+              <a:t>Facts and other assertions which support a given reason</a:t>
+            </a:r>
+          </a:p>
+          <a:p>
+            <a:r>
+              <a:rPr lang="en-US" b="1" dirty="0"/>
+              <a:t>Audience </a:t>
+            </a:r>
+            <a:r>
+              <a:rPr lang="en-US" dirty="0"/>
+              <a:t>matters: if the audience is less familiar with your reason, then you need to give more evidence</a:t>
+            </a:r>
+            <a:endParaRPr lang="en-US" b="1" dirty="0"/>
           </a:p>
         </p:txBody>
       </p:sp>
@@ -15125,7 +15088,7 @@
           <p:cNvPr id="4" name="Slide Number Placeholder 3">
             <a:extLst>
               <a:ext uri="{FF2B5EF4-FFF2-40B4-BE49-F238E27FC236}">
-                <a16:creationId xmlns:a16="http://schemas.microsoft.com/office/drawing/2014/main" id="{B7ABDB53-3528-D7C4-B4CA-8FF932C44CAF}"/>
+                <a16:creationId xmlns:a16="http://schemas.microsoft.com/office/drawing/2014/main" id="{0F667C0E-28FC-A199-323C-428650F9608A}"/>
               </a:ext>
             </a:extLst>
           </p:cNvPr>
@@ -15152,7 +15115,7 @@
     </p:spTree>
     <p:extLst>
       <p:ext uri="{BB962C8B-B14F-4D97-AF65-F5344CB8AC3E}">
-        <p14:creationId xmlns:p14="http://schemas.microsoft.com/office/powerpoint/2010/main" val="4105386349"/>
+        <p14:creationId xmlns:p14="http://schemas.microsoft.com/office/powerpoint/2010/main" val="3112134687"/>
       </p:ext>
     </p:extLst>
   </p:cSld>
@@ -15184,7 +15147,7 @@
           <p:cNvPr id="2" name="Title 1">
             <a:extLst>
               <a:ext uri="{FF2B5EF4-FFF2-40B4-BE49-F238E27FC236}">
-                <a16:creationId xmlns:a16="http://schemas.microsoft.com/office/drawing/2014/main" id="{FA462913-0C04-D26B-AA74-6FCD0CB9AA70}"/>
+                <a16:creationId xmlns:a16="http://schemas.microsoft.com/office/drawing/2014/main" id="{B54994FC-83B8-59E0-233B-5BF814B16280}"/>
               </a:ext>
             </a:extLst>
           </p:cNvPr>
@@ -15202,7 +15165,7 @@
           <a:p>
             <a:r>
               <a:rPr lang="en-US" dirty="0"/>
-              <a:t>Defining Arguments</a:t>
+              <a:t>How to Make an Argument</a:t>
             </a:r>
           </a:p>
         </p:txBody>
@@ -15212,7 +15175,7 @@
           <p:cNvPr id="3" name="Content Placeholder 2">
             <a:extLst>
               <a:ext uri="{FF2B5EF4-FFF2-40B4-BE49-F238E27FC236}">
-                <a16:creationId xmlns:a16="http://schemas.microsoft.com/office/drawing/2014/main" id="{1DAFCCF9-F9C7-AAD0-E256-AABD61B08456}"/>
+                <a16:creationId xmlns:a16="http://schemas.microsoft.com/office/drawing/2014/main" id="{C65999BE-6FEC-F5CD-7CD5-0B47D8A2011C}"/>
               </a:ext>
             </a:extLst>
           </p:cNvPr>
@@ -15228,53 +15191,54 @@
           <a:bodyPr/>
           <a:lstStyle/>
           <a:p>
-            <a:r>
-              <a:rPr lang="en-US" b="1" dirty="0"/>
-              <a:t>Claim =</a:t>
-            </a:r>
-            <a:r>
-              <a:rPr lang="en-US" dirty="0"/>
-              <a:t> The assertion for which you are arguing</a:t>
-            </a:r>
-          </a:p>
-          <a:p>
-            <a:r>
-              <a:rPr lang="en-US" b="1" dirty="0"/>
-              <a:t>Reason =</a:t>
-            </a:r>
-            <a:r>
-              <a:rPr lang="en-US" dirty="0"/>
-              <a:t> Individual justifications which combine to argue the claim</a:t>
-            </a:r>
-          </a:p>
-          <a:p>
-            <a:r>
-              <a:rPr lang="en-US" b="1" dirty="0"/>
-              <a:t>Evidence</a:t>
-            </a:r>
-            <a:r>
-              <a:rPr lang="en-US" dirty="0"/>
-              <a:t> =</a:t>
-            </a:r>
-            <a:r>
-              <a:rPr lang="en-US" b="1" dirty="0"/>
-              <a:t> </a:t>
-            </a:r>
-            <a:r>
-              <a:rPr lang="en-US" dirty="0"/>
-              <a:t>Facts and other assertions which support a given reason</a:t>
-            </a:r>
-          </a:p>
-          <a:p>
-            <a:r>
-              <a:rPr lang="en-US" b="1" dirty="0"/>
-              <a:t>Audience </a:t>
-            </a:r>
-            <a:r>
-              <a:rPr lang="en-US" dirty="0"/>
-              <a:t>matters: if the audience is less familiar with your reason, then you need to give more evidence</a:t>
-            </a:r>
-            <a:endParaRPr lang="en-US" b="1" dirty="0"/>
+            <a:pPr marL="658368" lvl="1" indent="-457200">
+              <a:buFont typeface="+mj-lt"/>
+              <a:buAutoNum type="arabicPeriod"/>
+            </a:pPr>
+            <a:r>
+              <a:rPr lang="en-US" dirty="0"/>
+              <a:t>Identify the claim you want to make</a:t>
+            </a:r>
+          </a:p>
+          <a:p>
+            <a:pPr marL="658368" lvl="1" indent="-457200">
+              <a:buFont typeface="+mj-lt"/>
+              <a:buAutoNum type="arabicPeriod"/>
+            </a:pPr>
+            <a:r>
+              <a:rPr lang="en-US" dirty="0"/>
+              <a:t>Identify the audience</a:t>
+            </a:r>
+          </a:p>
+          <a:p>
+            <a:pPr marL="658368" lvl="1" indent="-457200">
+              <a:buFont typeface="+mj-lt"/>
+              <a:buAutoNum type="arabicPeriod"/>
+            </a:pPr>
+            <a:r>
+              <a:rPr lang="en-US" dirty="0"/>
+              <a:t>List out reasons that justify the claim</a:t>
+            </a:r>
+          </a:p>
+          <a:p>
+            <a:pPr marL="658368" lvl="1" indent="-457200">
+              <a:buFont typeface="+mj-lt"/>
+              <a:buAutoNum type="arabicPeriod"/>
+            </a:pPr>
+            <a:r>
+              <a:rPr lang="en-US" dirty="0"/>
+              <a:t>Identify which reasons demand additional evidence for this particular audience</a:t>
+            </a:r>
+          </a:p>
+          <a:p>
+            <a:pPr marL="658368" lvl="1" indent="-457200">
+              <a:buFont typeface="+mj-lt"/>
+              <a:buAutoNum type="arabicPeriod"/>
+            </a:pPr>
+            <a:r>
+              <a:rPr lang="en-US" dirty="0"/>
+              <a:t>Provide the evidence</a:t>
+            </a:r>
           </a:p>
         </p:txBody>
       </p:sp>
@@ -15283,7 +15247,7 @@
           <p:cNvPr id="4" name="Slide Number Placeholder 3">
             <a:extLst>
               <a:ext uri="{FF2B5EF4-FFF2-40B4-BE49-F238E27FC236}">
-                <a16:creationId xmlns:a16="http://schemas.microsoft.com/office/drawing/2014/main" id="{0F667C0E-28FC-A199-323C-428650F9608A}"/>
+                <a16:creationId xmlns:a16="http://schemas.microsoft.com/office/drawing/2014/main" id="{975A28CA-AF24-BD7D-A0D3-A23AD3BADB73}"/>
               </a:ext>
             </a:extLst>
           </p:cNvPr>
@@ -15310,7 +15274,7 @@
     </p:spTree>
     <p:extLst>
       <p:ext uri="{BB962C8B-B14F-4D97-AF65-F5344CB8AC3E}">
-        <p14:creationId xmlns:p14="http://schemas.microsoft.com/office/powerpoint/2010/main" val="3112134687"/>
+        <p14:creationId xmlns:p14="http://schemas.microsoft.com/office/powerpoint/2010/main" val="1087993983"/>
       </p:ext>
     </p:extLst>
   </p:cSld>
@@ -15342,7 +15306,7 @@
           <p:cNvPr id="2" name="Title 1">
             <a:extLst>
               <a:ext uri="{FF2B5EF4-FFF2-40B4-BE49-F238E27FC236}">
-                <a16:creationId xmlns:a16="http://schemas.microsoft.com/office/drawing/2014/main" id="{B54994FC-83B8-59E0-233B-5BF814B16280}"/>
+                <a16:creationId xmlns:a16="http://schemas.microsoft.com/office/drawing/2014/main" id="{438C9F55-FDB4-6BF4-69BA-D679773E7440}"/>
               </a:ext>
             </a:extLst>
           </p:cNvPr>
@@ -15360,7 +15324,7 @@
           <a:p>
             <a:r>
               <a:rPr lang="en-US" dirty="0"/>
-              <a:t>How to Make an Argument</a:t>
+              <a:t>Example Argument	: Rust </a:t>
             </a:r>
           </a:p>
         </p:txBody>
@@ -15370,7 +15334,7 @@
           <p:cNvPr id="3" name="Content Placeholder 2">
             <a:extLst>
               <a:ext uri="{FF2B5EF4-FFF2-40B4-BE49-F238E27FC236}">
-                <a16:creationId xmlns:a16="http://schemas.microsoft.com/office/drawing/2014/main" id="{C65999BE-6FEC-F5CD-7CD5-0B47D8A2011C}"/>
+                <a16:creationId xmlns:a16="http://schemas.microsoft.com/office/drawing/2014/main" id="{BCCD7D5F-68B7-57CE-4C62-A4678A505E64}"/>
               </a:ext>
             </a:extLst>
           </p:cNvPr>
@@ -15383,56 +15347,82 @@
         </p:nvSpPr>
         <p:spPr/>
         <p:txBody>
-          <a:bodyPr/>
-          <a:lstStyle/>
-          <a:p>
-            <a:pPr marL="658368" lvl="1" indent="-457200">
+          <a:bodyPr>
+            <a:normAutofit fontScale="92500" lnSpcReduction="10000"/>
+          </a:bodyPr>
+          <a:lstStyle/>
+          <a:p>
+            <a:r>
+              <a:rPr lang="en-US" dirty="0"/>
+              <a:t>“Rust is an elegant language”</a:t>
+            </a:r>
+          </a:p>
+          <a:p>
+            <a:pPr marL="514350" indent="-514350">
               <a:buFont typeface="+mj-lt"/>
               <a:buAutoNum type="arabicPeriod"/>
             </a:pPr>
             <a:r>
               <a:rPr lang="en-US" dirty="0"/>
-              <a:t>Identify the claim you want to make</a:t>
-            </a:r>
-          </a:p>
-          <a:p>
-            <a:pPr marL="658368" lvl="1" indent="-457200">
+              <a:t>If a core PL feature supports multiple key design goals, the language is elegant</a:t>
+            </a:r>
+          </a:p>
+          <a:p>
+            <a:pPr marL="514350" indent="-514350">
               <a:buFont typeface="+mj-lt"/>
               <a:buAutoNum type="arabicPeriod"/>
             </a:pPr>
             <a:r>
               <a:rPr lang="en-US" dirty="0"/>
-              <a:t>Identify the audience</a:t>
-            </a:r>
-          </a:p>
-          <a:p>
-            <a:pPr marL="658368" lvl="1" indent="-457200">
+              <a:t>Rust’s core feature is ownership</a:t>
+            </a:r>
+          </a:p>
+          <a:p>
+            <a:pPr marL="292608" lvl="1" indent="0">
+              <a:buNone/>
+            </a:pPr>
+            <a:r>
+              <a:rPr lang="en-US" b="1" dirty="0"/>
+              <a:t>Evidence: </a:t>
+            </a:r>
+            <a:r>
+              <a:rPr lang="en-US" dirty="0"/>
+              <a:t>In research papers about Rust’s theory, ownership is key</a:t>
+            </a:r>
+            <a:endParaRPr lang="en-US" b="1" dirty="0"/>
+          </a:p>
+          <a:p>
+            <a:pPr marL="514350" indent="-514350">
               <a:buFont typeface="+mj-lt"/>
               <a:buAutoNum type="arabicPeriod"/>
             </a:pPr>
             <a:r>
               <a:rPr lang="en-US" dirty="0"/>
-              <a:t>List out reasons that justify the claim</a:t>
-            </a:r>
-          </a:p>
-          <a:p>
-            <a:pPr marL="658368" lvl="1" indent="-457200">
+              <a:t>Rust’s key design goals include memory safety, deadlock-freedom, and efficient memory management</a:t>
+            </a:r>
+          </a:p>
+          <a:p>
+            <a:pPr marL="292608" lvl="1" indent="0">
+              <a:buNone/>
+            </a:pPr>
+            <a:r>
+              <a:rPr lang="en-US" b="1" dirty="0"/>
+              <a:t>Evidence:</a:t>
+            </a:r>
+            <a:r>
+              <a:rPr lang="en-US" dirty="0"/>
+              <a:t> The Rust book appeals to these goals to motivate readers</a:t>
+            </a:r>
+            <a:endParaRPr lang="en-US" b="1" dirty="0"/>
+          </a:p>
+          <a:p>
+            <a:pPr marL="514350" indent="-514350">
               <a:buFont typeface="+mj-lt"/>
               <a:buAutoNum type="arabicPeriod"/>
             </a:pPr>
             <a:r>
               <a:rPr lang="en-US" dirty="0"/>
-              <a:t>Identify which reasons demand additional evidence for this particular audience</a:t>
-            </a:r>
-          </a:p>
-          <a:p>
-            <a:pPr marL="658368" lvl="1" indent="-457200">
-              <a:buFont typeface="+mj-lt"/>
-              <a:buAutoNum type="arabicPeriod"/>
-            </a:pPr>
-            <a:r>
-              <a:rPr lang="en-US" dirty="0"/>
-              <a:t>Provide the evidence</a:t>
+              <a:t>Ownership supports the above three goals</a:t>
             </a:r>
           </a:p>
         </p:txBody>
@@ -15442,7 +15432,7 @@
           <p:cNvPr id="4" name="Slide Number Placeholder 3">
             <a:extLst>
               <a:ext uri="{FF2B5EF4-FFF2-40B4-BE49-F238E27FC236}">
-                <a16:creationId xmlns:a16="http://schemas.microsoft.com/office/drawing/2014/main" id="{975A28CA-AF24-BD7D-A0D3-A23AD3BADB73}"/>
+                <a16:creationId xmlns:a16="http://schemas.microsoft.com/office/drawing/2014/main" id="{FABC2974-C3C1-86CD-8181-7C4781506492}"/>
               </a:ext>
             </a:extLst>
           </p:cNvPr>
@@ -15469,7 +15459,7 @@
     </p:spTree>
     <p:extLst>
       <p:ext uri="{BB962C8B-B14F-4D97-AF65-F5344CB8AC3E}">
-        <p14:creationId xmlns:p14="http://schemas.microsoft.com/office/powerpoint/2010/main" val="1087993983"/>
+        <p14:creationId xmlns:p14="http://schemas.microsoft.com/office/powerpoint/2010/main" val="1267619612"/>
       </p:ext>
     </p:extLst>
   </p:cSld>
@@ -15501,7 +15491,7 @@
           <p:cNvPr id="2" name="Title 1">
             <a:extLst>
               <a:ext uri="{FF2B5EF4-FFF2-40B4-BE49-F238E27FC236}">
-                <a16:creationId xmlns:a16="http://schemas.microsoft.com/office/drawing/2014/main" id="{438C9F55-FDB4-6BF4-69BA-D679773E7440}"/>
+                <a16:creationId xmlns:a16="http://schemas.microsoft.com/office/drawing/2014/main" id="{F117CB5D-A0E3-7BCD-5240-51B4E9440A63}"/>
               </a:ext>
             </a:extLst>
           </p:cNvPr>
@@ -15519,7 +15509,7 @@
           <a:p>
             <a:r>
               <a:rPr lang="en-US" dirty="0"/>
-              <a:t>Example Argument	: Rust </a:t>
+              <a:t>Conclusion: Why Rhetoric?</a:t>
             </a:r>
           </a:p>
         </p:txBody>
@@ -15529,7 +15519,7 @@
           <p:cNvPr id="3" name="Content Placeholder 2">
             <a:extLst>
               <a:ext uri="{FF2B5EF4-FFF2-40B4-BE49-F238E27FC236}">
-                <a16:creationId xmlns:a16="http://schemas.microsoft.com/office/drawing/2014/main" id="{BCCD7D5F-68B7-57CE-4C62-A4678A505E64}"/>
+                <a16:creationId xmlns:a16="http://schemas.microsoft.com/office/drawing/2014/main" id="{B2EBBC83-A093-61F8-6CA7-B75D67BF1E7B}"/>
               </a:ext>
             </a:extLst>
           </p:cNvPr>
@@ -15543,81 +15533,78 @@
         <p:spPr/>
         <p:txBody>
           <a:bodyPr>
-            <a:normAutofit fontScale="92500" lnSpcReduction="10000"/>
+            <a:normAutofit lnSpcReduction="10000"/>
           </a:bodyPr>
           <a:lstStyle/>
           <a:p>
             <a:r>
               <a:rPr lang="en-US" dirty="0"/>
-              <a:t>“Rust is an elegant language”</a:t>
-            </a:r>
-          </a:p>
-          <a:p>
-            <a:pPr marL="514350" indent="-514350">
-              <a:buFont typeface="+mj-lt"/>
-              <a:buAutoNum type="arabicPeriod"/>
-            </a:pPr>
-            <a:r>
-              <a:rPr lang="en-US" dirty="0"/>
-              <a:t>If a core PL feature supports multiple key design goals, the language is elegant</a:t>
-            </a:r>
-          </a:p>
-          <a:p>
-            <a:pPr marL="514350" indent="-514350">
-              <a:buFont typeface="+mj-lt"/>
-              <a:buAutoNum type="arabicPeriod"/>
-            </a:pPr>
-            <a:r>
-              <a:rPr lang="en-US" dirty="0"/>
-              <a:t>Rust’s core feature is ownership</a:t>
-            </a:r>
-          </a:p>
-          <a:p>
-            <a:pPr marL="292608" lvl="1" indent="0">
-              <a:buNone/>
-            </a:pPr>
+              <a:t>Many people love to argue about programming languages</a:t>
+            </a:r>
+          </a:p>
+          <a:p>
             <a:r>
               <a:rPr lang="en-US" b="1" dirty="0"/>
-              <a:t>Evidence: </a:t>
-            </a:r>
-            <a:r>
-              <a:rPr lang="en-US" dirty="0"/>
-              <a:t>In research papers about Rust’s theory, ownership is key</a:t>
-            </a:r>
-            <a:endParaRPr lang="en-US" b="1" dirty="0"/>
-          </a:p>
-          <a:p>
-            <a:pPr marL="514350" indent="-514350">
-              <a:buFont typeface="+mj-lt"/>
-              <a:buAutoNum type="arabicPeriod"/>
-            </a:pPr>
-            <a:r>
-              <a:rPr lang="en-US" dirty="0"/>
-              <a:t>Rust’s key design goals include memory safety, deadlock-freedom, and efficient memory management</a:t>
-            </a:r>
-          </a:p>
-          <a:p>
-            <a:pPr marL="292608" lvl="1" indent="0">
-              <a:buNone/>
-            </a:pPr>
+              <a:t>Don’t want:</a:t>
+            </a:r>
+            <a:r>
+              <a:rPr lang="en-US" dirty="0"/>
+              <a:t> Hostility, personal attacks, untrue justifications</a:t>
+            </a:r>
+          </a:p>
+          <a:p>
             <a:r>
               <a:rPr lang="en-US" b="1" dirty="0"/>
-              <a:t>Evidence:</a:t>
-            </a:r>
-            <a:r>
-              <a:rPr lang="en-US" dirty="0"/>
-              <a:t> The Rust book appeals to these goals to motivate readers</a:t>
-            </a:r>
-            <a:endParaRPr lang="en-US" b="1" dirty="0"/>
-          </a:p>
-          <a:p>
-            <a:pPr marL="514350" indent="-514350">
-              <a:buFont typeface="+mj-lt"/>
-              <a:buAutoNum type="arabicPeriod"/>
-            </a:pPr>
-            <a:r>
-              <a:rPr lang="en-US" dirty="0"/>
-              <a:t>Ownership supports the above three goals</a:t>
+              <a:t>Want:</a:t>
+            </a:r>
+            <a:r>
+              <a:rPr lang="en-US" dirty="0"/>
+              <a:t> Learning, effectively expressing yourself</a:t>
+            </a:r>
+          </a:p>
+          <a:p>
+            <a:r>
+              <a:rPr lang="en-US" dirty="0"/>
+              <a:t>A formal argument is:</a:t>
+            </a:r>
+          </a:p>
+          <a:p>
+            <a:pPr lvl="1"/>
+            <a:r>
+              <a:rPr lang="en-US" b="1" dirty="0"/>
+              <a:t>Not</a:t>
+            </a:r>
+            <a:r>
+              <a:rPr lang="en-US" dirty="0"/>
+              <a:t> a rigorous proof</a:t>
+            </a:r>
+          </a:p>
+          <a:p>
+            <a:pPr lvl="1"/>
+            <a:r>
+              <a:rPr lang="en-US" dirty="0"/>
+              <a:t>A tool for inspecting why we believe what we believe</a:t>
+            </a:r>
+          </a:p>
+          <a:p>
+            <a:pPr lvl="2"/>
+            <a:r>
+              <a:rPr lang="en-US" dirty="0"/>
+              <a:t>Sometimes, convince the other person</a:t>
+            </a:r>
+          </a:p>
+          <a:p>
+            <a:pPr lvl="2"/>
+            <a:r>
+              <a:rPr lang="en-US" dirty="0"/>
+              <a:t>Sometimes, let them argue against your reason</a:t>
+            </a:r>
+          </a:p>
+          <a:p>
+            <a:pPr lvl="2"/>
+            <a:r>
+              <a:rPr lang="en-US" dirty="0"/>
+              <a:t>Sometimes, identify why you agree to disagree</a:t>
             </a:r>
           </a:p>
         </p:txBody>
@@ -15627,7 +15614,7 @@
           <p:cNvPr id="4" name="Slide Number Placeholder 3">
             <a:extLst>
               <a:ext uri="{FF2B5EF4-FFF2-40B4-BE49-F238E27FC236}">
-                <a16:creationId xmlns:a16="http://schemas.microsoft.com/office/drawing/2014/main" id="{FABC2974-C3C1-86CD-8181-7C4781506492}"/>
+                <a16:creationId xmlns:a16="http://schemas.microsoft.com/office/drawing/2014/main" id="{197ABA96-9618-36BB-F36A-B588B2404B34}"/>
               </a:ext>
             </a:extLst>
           </p:cNvPr>
@@ -15654,7 +15641,7 @@
     </p:spTree>
     <p:extLst>
       <p:ext uri="{BB962C8B-B14F-4D97-AF65-F5344CB8AC3E}">
-        <p14:creationId xmlns:p14="http://schemas.microsoft.com/office/powerpoint/2010/main" val="1267619612"/>
+        <p14:creationId xmlns:p14="http://schemas.microsoft.com/office/powerpoint/2010/main" val="1653804879"/>
       </p:ext>
     </p:extLst>
   </p:cSld>
@@ -15686,7 +15673,7 @@
           <p:cNvPr id="2" name="Title 1">
             <a:extLst>
               <a:ext uri="{FF2B5EF4-FFF2-40B4-BE49-F238E27FC236}">
-                <a16:creationId xmlns:a16="http://schemas.microsoft.com/office/drawing/2014/main" id="{F117CB5D-A0E3-7BCD-5240-51B4E9440A63}"/>
+                <a16:creationId xmlns:a16="http://schemas.microsoft.com/office/drawing/2014/main" id="{857964A1-B7CB-24EE-2960-5AF614C5CB04}"/>
               </a:ext>
             </a:extLst>
           </p:cNvPr>
@@ -15704,7 +15691,7 @@
           <a:p>
             <a:r>
               <a:rPr lang="en-US" dirty="0"/>
-              <a:t>Conclusion: Why Rhetoric?</a:t>
+              <a:t>Conclusion: Why Usability + HCI-for-PL?</a:t>
             </a:r>
           </a:p>
         </p:txBody>
@@ -15714,7 +15701,7 @@
           <p:cNvPr id="3" name="Content Placeholder 2">
             <a:extLst>
               <a:ext uri="{FF2B5EF4-FFF2-40B4-BE49-F238E27FC236}">
-                <a16:creationId xmlns:a16="http://schemas.microsoft.com/office/drawing/2014/main" id="{B2EBBC83-A093-61F8-6CA7-B75D67BF1E7B}"/>
+                <a16:creationId xmlns:a16="http://schemas.microsoft.com/office/drawing/2014/main" id="{5740E34E-EF40-38B1-EE41-129EE195919A}"/>
               </a:ext>
             </a:extLst>
           </p:cNvPr>
@@ -15727,79 +15714,38 @@
         </p:nvSpPr>
         <p:spPr/>
         <p:txBody>
-          <a:bodyPr>
-            <a:normAutofit lnSpcReduction="10000"/>
-          </a:bodyPr>
-          <a:lstStyle/>
-          <a:p>
-            <a:r>
-              <a:rPr lang="en-US" dirty="0"/>
-              <a:t>Many people love to argue about programming languages</a:t>
-            </a:r>
-          </a:p>
-          <a:p>
-            <a:r>
-              <a:rPr lang="en-US" b="1" dirty="0"/>
-              <a:t>Don’t want:</a:t>
-            </a:r>
-            <a:r>
-              <a:rPr lang="en-US" dirty="0"/>
-              <a:t> Hostility, personal attacks, untrue justifications</a:t>
-            </a:r>
-          </a:p>
-          <a:p>
-            <a:r>
-              <a:rPr lang="en-US" b="1" dirty="0"/>
-              <a:t>Want:</a:t>
-            </a:r>
-            <a:r>
-              <a:rPr lang="en-US" dirty="0"/>
-              <a:t> Learning, effectively expressing yourself</a:t>
-            </a:r>
-          </a:p>
-          <a:p>
-            <a:r>
-              <a:rPr lang="en-US" dirty="0"/>
-              <a:t>A formal argument is:</a:t>
+          <a:bodyPr/>
+          <a:lstStyle/>
+          <a:p>
+            <a:r>
+              <a:rPr lang="en-US" dirty="0"/>
+              <a:t>Rhetoric only addresses the perspective of the people arguing</a:t>
+            </a:r>
+          </a:p>
+          <a:p>
+            <a:r>
+              <a:rPr lang="en-US" dirty="0"/>
+              <a:t>As designers, we are often called on to address needs of others</a:t>
             </a:r>
           </a:p>
           <a:p>
             <a:pPr lvl="1"/>
             <a:r>
-              <a:rPr lang="en-US" b="1" dirty="0"/>
-              <a:t>Not</a:t>
-            </a:r>
-            <a:r>
-              <a:rPr lang="en-US" dirty="0"/>
-              <a:t> a rigorous proof</a:t>
+              <a:rPr lang="en-US" dirty="0"/>
+              <a:t>We are rigorous thinkers, must not use mere guess-work</a:t>
             </a:r>
           </a:p>
           <a:p>
             <a:pPr lvl="1"/>
             <a:r>
               <a:rPr lang="en-US" dirty="0"/>
-              <a:t>A tool for inspecting why we believe what we believe</a:t>
-            </a:r>
-          </a:p>
-          <a:p>
-            <a:pPr lvl="2"/>
-            <a:r>
-              <a:rPr lang="en-US" dirty="0"/>
-              <a:t>Sometimes, convince the other person</a:t>
-            </a:r>
-          </a:p>
-          <a:p>
-            <a:pPr lvl="2"/>
-            <a:r>
-              <a:rPr lang="en-US" dirty="0"/>
-              <a:t>Sometimes, let them argue against your reason</a:t>
-            </a:r>
-          </a:p>
-          <a:p>
-            <a:pPr lvl="2"/>
-            <a:r>
-              <a:rPr lang="en-US" dirty="0"/>
-              <a:t>Sometimes, identify why you agree to disagree</a:t>
+              <a:t>HCI, especially using Social Science methods, provides a rigorous framework for addressing the priorities of your programmers (users)</a:t>
+            </a:r>
+          </a:p>
+          <a:p>
+            <a:r>
+              <a:rPr lang="en-US" dirty="0"/>
+              <a:t>For first lecture: identifying the right question is half the battle</a:t>
             </a:r>
           </a:p>
         </p:txBody>
@@ -15809,7 +15755,7 @@
           <p:cNvPr id="4" name="Slide Number Placeholder 3">
             <a:extLst>
               <a:ext uri="{FF2B5EF4-FFF2-40B4-BE49-F238E27FC236}">
-                <a16:creationId xmlns:a16="http://schemas.microsoft.com/office/drawing/2014/main" id="{197ABA96-9618-36BB-F36A-B588B2404B34}"/>
+                <a16:creationId xmlns:a16="http://schemas.microsoft.com/office/drawing/2014/main" id="{5086EA1B-AB11-2CD4-66AF-06F98968259E}"/>
               </a:ext>
             </a:extLst>
           </p:cNvPr>
@@ -15836,7 +15782,7 @@
     </p:spTree>
     <p:extLst>
       <p:ext uri="{BB962C8B-B14F-4D97-AF65-F5344CB8AC3E}">
-        <p14:creationId xmlns:p14="http://schemas.microsoft.com/office/powerpoint/2010/main" val="1653804879"/>
+        <p14:creationId xmlns:p14="http://schemas.microsoft.com/office/powerpoint/2010/main" val="1050353515"/>
       </p:ext>
     </p:extLst>
   </p:cSld>
@@ -15868,147 +15814,6 @@
           <p:cNvPr id="2" name="Title 1">
             <a:extLst>
               <a:ext uri="{FF2B5EF4-FFF2-40B4-BE49-F238E27FC236}">
-                <a16:creationId xmlns:a16="http://schemas.microsoft.com/office/drawing/2014/main" id="{857964A1-B7CB-24EE-2960-5AF614C5CB04}"/>
-              </a:ext>
-            </a:extLst>
-          </p:cNvPr>
-          <p:cNvSpPr>
-            <a:spLocks noGrp="1"/>
-          </p:cNvSpPr>
-          <p:nvPr>
-            <p:ph type="title"/>
-          </p:nvPr>
-        </p:nvSpPr>
-        <p:spPr/>
-        <p:txBody>
-          <a:bodyPr/>
-          <a:lstStyle/>
-          <a:p>
-            <a:r>
-              <a:rPr lang="en-US" dirty="0"/>
-              <a:t>Conclusion: Why Usability + HCI-for-PL?</a:t>
-            </a:r>
-          </a:p>
-        </p:txBody>
-      </p:sp>
-      <p:sp>
-        <p:nvSpPr>
-          <p:cNvPr id="3" name="Content Placeholder 2">
-            <a:extLst>
-              <a:ext uri="{FF2B5EF4-FFF2-40B4-BE49-F238E27FC236}">
-                <a16:creationId xmlns:a16="http://schemas.microsoft.com/office/drawing/2014/main" id="{5740E34E-EF40-38B1-EE41-129EE195919A}"/>
-              </a:ext>
-            </a:extLst>
-          </p:cNvPr>
-          <p:cNvSpPr>
-            <a:spLocks noGrp="1"/>
-          </p:cNvSpPr>
-          <p:nvPr>
-            <p:ph idx="1"/>
-          </p:nvPr>
-        </p:nvSpPr>
-        <p:spPr/>
-        <p:txBody>
-          <a:bodyPr/>
-          <a:lstStyle/>
-          <a:p>
-            <a:r>
-              <a:rPr lang="en-US" dirty="0"/>
-              <a:t>Rhetoric only addresses the perspective of the people arguing</a:t>
-            </a:r>
-          </a:p>
-          <a:p>
-            <a:r>
-              <a:rPr lang="en-US" dirty="0"/>
-              <a:t>As designers, we are often called on to address needs of others</a:t>
-            </a:r>
-          </a:p>
-          <a:p>
-            <a:pPr lvl="1"/>
-            <a:r>
-              <a:rPr lang="en-US" dirty="0"/>
-              <a:t>We are rigorous thinkers, must not use mere guess-work</a:t>
-            </a:r>
-          </a:p>
-          <a:p>
-            <a:pPr lvl="1"/>
-            <a:r>
-              <a:rPr lang="en-US" dirty="0"/>
-              <a:t>HCI, especially using Social Science methods, provides a rigorous framework for addressing the priorities of your programmers (users)</a:t>
-            </a:r>
-          </a:p>
-          <a:p>
-            <a:r>
-              <a:rPr lang="en-US" dirty="0"/>
-              <a:t>For first lecture: identifying the right question is half the battle</a:t>
-            </a:r>
-          </a:p>
-        </p:txBody>
-      </p:sp>
-      <p:sp>
-        <p:nvSpPr>
-          <p:cNvPr id="4" name="Slide Number Placeholder 3">
-            <a:extLst>
-              <a:ext uri="{FF2B5EF4-FFF2-40B4-BE49-F238E27FC236}">
-                <a16:creationId xmlns:a16="http://schemas.microsoft.com/office/drawing/2014/main" id="{5086EA1B-AB11-2CD4-66AF-06F98968259E}"/>
-              </a:ext>
-            </a:extLst>
-          </p:cNvPr>
-          <p:cNvSpPr>
-            <a:spLocks noGrp="1"/>
-          </p:cNvSpPr>
-          <p:nvPr>
-            <p:ph type="sldNum" sz="quarter" idx="12"/>
-          </p:nvPr>
-        </p:nvSpPr>
-        <p:spPr/>
-        <p:txBody>
-          <a:bodyPr/>
-          <a:lstStyle/>
-          <a:p>
-            <a:fld id="{9BF27F29-4B64-4A24-936A-FF41C34C242B}" type="slidenum">
-              <a:rPr lang="en-US" smtClean="0"/>
-              <a:t>58</a:t>
-            </a:fld>
-            <a:endParaRPr lang="en-US"/>
-          </a:p>
-        </p:txBody>
-      </p:sp>
-    </p:spTree>
-    <p:extLst>
-      <p:ext uri="{BB962C8B-B14F-4D97-AF65-F5344CB8AC3E}">
-        <p14:creationId xmlns:p14="http://schemas.microsoft.com/office/powerpoint/2010/main" val="1050353515"/>
-      </p:ext>
-    </p:extLst>
-  </p:cSld>
-  <p:clrMapOvr>
-    <a:masterClrMapping/>
-  </p:clrMapOvr>
-</p:sld>
-</file>
-
-<file path=ppt/slides/slide59.xml><?xml version="1.0" encoding="utf-8"?>
-<p:sld xmlns:a="http://schemas.openxmlformats.org/drawingml/2006/main" xmlns:r="http://schemas.openxmlformats.org/officeDocument/2006/relationships" xmlns:p="http://schemas.openxmlformats.org/presentationml/2006/main">
-  <p:cSld>
-    <p:spTree>
-      <p:nvGrpSpPr>
-        <p:cNvPr id="1" name=""/>
-        <p:cNvGrpSpPr/>
-        <p:nvPr/>
-      </p:nvGrpSpPr>
-      <p:grpSpPr>
-        <a:xfrm>
-          <a:off x="0" y="0"/>
-          <a:ext cx="0" cy="0"/>
-          <a:chOff x="0" y="0"/>
-          <a:chExt cx="0" cy="0"/>
-        </a:xfrm>
-      </p:grpSpPr>
-      <p:sp>
-        <p:nvSpPr>
-          <p:cNvPr id="2" name="Title 1">
-            <a:extLst>
-              <a:ext uri="{FF2B5EF4-FFF2-40B4-BE49-F238E27FC236}">
                 <a16:creationId xmlns:a16="http://schemas.microsoft.com/office/drawing/2014/main" id="{79840214-D367-9524-B6CD-2D125AA907A2}"/>
               </a:ext>
             </a:extLst>
@@ -16277,7 +16082,7 @@
           <a:p>
             <a:fld id="{9BF27F29-4B64-4A24-936A-FF41C34C242B}" type="slidenum">
               <a:rPr lang="en-US" smtClean="0"/>
-              <a:t>59</a:t>
+              <a:t>58</a:t>
             </a:fld>
             <a:endParaRPr lang="en-US"/>
           </a:p>

--- a/LectureSlides/08Design1.pptx
+++ b/LectureSlides/08Design1.pptx
@@ -254,7 +254,7 @@
           <a:p>
             <a:fld id="{798376BB-0133-4A1F-AB50-8F7418DC3C7A}" type="datetimeFigureOut">
               <a:rPr lang="en-US" smtClean="0"/>
-              <a:t>10/25/2023</a:t>
+              <a:t>10/14/2024</a:t>
             </a:fld>
             <a:endParaRPr lang="en-US"/>
           </a:p>
@@ -919,7 +919,7 @@
           <a:p>
             <a:fld id="{3B4A0DFC-F603-49B3-92DC-4314F9B70182}" type="datetime1">
               <a:rPr lang="en-US" smtClean="0"/>
-              <a:t>10/25/2023</a:t>
+              <a:t>10/14/2024</a:t>
             </a:fld>
             <a:endParaRPr lang="en-US"/>
           </a:p>
@@ -1127,7 +1127,7 @@
           <a:p>
             <a:fld id="{44E07FCE-B1C6-4B40-8646-92A79898B5AD}" type="datetime1">
               <a:rPr lang="en-US" smtClean="0"/>
-              <a:t>10/25/2023</a:t>
+              <a:t>10/14/2024</a:t>
             </a:fld>
             <a:endParaRPr lang="en-US"/>
           </a:p>
@@ -1383,7 +1383,7 @@
           <a:p>
             <a:fld id="{DF7BA5AD-B0F8-4503-ABE5-3131372F5E41}" type="datetime1">
               <a:rPr lang="en-US" smtClean="0"/>
-              <a:t>10/25/2023</a:t>
+              <a:t>10/14/2024</a:t>
             </a:fld>
             <a:endParaRPr lang="en-US"/>
           </a:p>
@@ -1568,7 +1568,7 @@
           <a:p>
             <a:fld id="{311EB06D-26A6-4C43-8277-99F31CD5B1B5}" type="datetime1">
               <a:rPr lang="en-US" smtClean="0"/>
-              <a:t>10/25/2023</a:t>
+              <a:t>10/14/2024</a:t>
             </a:fld>
             <a:endParaRPr lang="en-US"/>
           </a:p>
@@ -1911,7 +1911,7 @@
           <a:p>
             <a:fld id="{7251C776-B46C-4540-9846-946AC493C078}" type="datetime1">
               <a:rPr lang="en-US" smtClean="0"/>
-              <a:t>10/25/2023</a:t>
+              <a:t>10/14/2024</a:t>
             </a:fld>
             <a:endParaRPr lang="en-US"/>
           </a:p>
@@ -2216,7 +2216,7 @@
           <a:p>
             <a:fld id="{BB782773-779E-4E5F-BE65-5C82215AC1C2}" type="datetime1">
               <a:rPr lang="en-US" smtClean="0"/>
-              <a:t>10/25/2023</a:t>
+              <a:t>10/14/2024</a:t>
             </a:fld>
             <a:endParaRPr lang="en-US"/>
           </a:p>
@@ -2625,7 +2625,7 @@
           <a:p>
             <a:fld id="{8BBF6F25-7BA3-486F-9F1E-3E151C128E18}" type="datetime1">
               <a:rPr lang="en-US" smtClean="0"/>
-              <a:t>10/25/2023</a:t>
+              <a:t>10/14/2024</a:t>
             </a:fld>
             <a:endParaRPr lang="en-US"/>
           </a:p>
@@ -2743,7 +2743,7 @@
           <a:p>
             <a:fld id="{2EDED3F0-DC71-40A6-8BD5-999A523EF1D6}" type="datetime1">
               <a:rPr lang="en-US" smtClean="0"/>
-              <a:t>10/25/2023</a:t>
+              <a:t>10/14/2024</a:t>
             </a:fld>
             <a:endParaRPr lang="en-US"/>
           </a:p>
@@ -2914,7 +2914,7 @@
           <a:p>
             <a:fld id="{ABBC6905-E1EF-4604-BE16-17126F6AF6F5}" type="datetime1">
               <a:rPr lang="en-US" smtClean="0"/>
-              <a:t>10/25/2023</a:t>
+              <a:t>10/14/2024</a:t>
             </a:fld>
             <a:endParaRPr lang="en-US"/>
           </a:p>
@@ -3283,7 +3283,7 @@
           <a:p>
             <a:fld id="{B42FE70B-855B-456C-8055-272A72415E6A}" type="datetime1">
               <a:rPr lang="en-US" smtClean="0"/>
-              <a:t>10/25/2023</a:t>
+              <a:t>10/14/2024</a:t>
             </a:fld>
             <a:endParaRPr lang="en-US"/>
           </a:p>
@@ -3660,7 +3660,7 @@
           <a:p>
             <a:fld id="{6C99EF0D-AE8A-467F-B3AA-2668B4F8126E}" type="datetime1">
               <a:rPr lang="en-US" smtClean="0"/>
-              <a:t>10/25/2023</a:t>
+              <a:t>10/14/2024</a:t>
             </a:fld>
             <a:endParaRPr lang="en-US"/>
           </a:p>
@@ -3947,7 +3947,7 @@
           <a:p>
             <a:fld id="{4CC437C6-6CA9-4A4C-9CAF-87DD1B8E03E5}" type="datetime1">
               <a:rPr lang="en-US" smtClean="0"/>
-              <a:t>10/25/2023</a:t>
+              <a:t>10/14/2024</a:t>
             </a:fld>
             <a:endParaRPr lang="en-US"/>
           </a:p>
@@ -4523,15 +4523,23 @@
           <a:p>
             <a:r>
               <a:rPr lang="en-US" dirty="0"/>
-              <a:t>Slides  ©2023 Rose </a:t>
+              <a:t>Slides  </a:t>
+            </a:r>
+            <a:r>
+              <a:rPr lang="en-US"/>
+              <a:t>©2024 </a:t>
+            </a:r>
+            <a:r>
+              <a:rPr lang="en-US" dirty="0"/>
+              <a:t>Rose </a:t>
             </a:r>
             <a:r>
               <a:rPr lang="en-US" dirty="0" err="1"/>
-              <a:t>bohrer</a:t>
-            </a:r>
-            <a:r>
-              <a:rPr lang="en-US" dirty="0"/>
-              <a:t>, used for cs 4536/536 at </a:t>
+              <a:t>bohrer,</a:t>
+            </a:r>
+            <a:r>
+              <a:rPr lang="en-US" dirty="0"/>
+              <a:t> used for cs 4536/536 at </a:t>
             </a:r>
             <a:r>
               <a:rPr lang="en-US" dirty="0" err="1"/>

--- a/LectureSlides/08Design1.pptx
+++ b/LectureSlides/08Design1.pptx
@@ -41,7 +41,7 @@
     <p:sldId id="287" r:id="rId32"/>
     <p:sldId id="284" r:id="rId33"/>
     <p:sldId id="289" r:id="rId34"/>
-    <p:sldId id="317" r:id="rId35"/>
+    <p:sldId id="318" r:id="rId35"/>
     <p:sldId id="291" r:id="rId36"/>
     <p:sldId id="292" r:id="rId37"/>
     <p:sldId id="296" r:id="rId38"/>
@@ -254,7 +254,7 @@
           <a:p>
             <a:fld id="{798376BB-0133-4A1F-AB50-8F7418DC3C7A}" type="datetimeFigureOut">
               <a:rPr lang="en-US" smtClean="0"/>
-              <a:t>10/14/2024</a:t>
+              <a:t>11/19/2024</a:t>
             </a:fld>
             <a:endParaRPr lang="en-US"/>
           </a:p>
@@ -919,7 +919,7 @@
           <a:p>
             <a:fld id="{3B4A0DFC-F603-49B3-92DC-4314F9B70182}" type="datetime1">
               <a:rPr lang="en-US" smtClean="0"/>
-              <a:t>10/14/2024</a:t>
+              <a:t>11/19/2024</a:t>
             </a:fld>
             <a:endParaRPr lang="en-US"/>
           </a:p>
@@ -1127,7 +1127,7 @@
           <a:p>
             <a:fld id="{44E07FCE-B1C6-4B40-8646-92A79898B5AD}" type="datetime1">
               <a:rPr lang="en-US" smtClean="0"/>
-              <a:t>10/14/2024</a:t>
+              <a:t>11/19/2024</a:t>
             </a:fld>
             <a:endParaRPr lang="en-US"/>
           </a:p>
@@ -1383,7 +1383,7 @@
           <a:p>
             <a:fld id="{DF7BA5AD-B0F8-4503-ABE5-3131372F5E41}" type="datetime1">
               <a:rPr lang="en-US" smtClean="0"/>
-              <a:t>10/14/2024</a:t>
+              <a:t>11/19/2024</a:t>
             </a:fld>
             <a:endParaRPr lang="en-US"/>
           </a:p>
@@ -1568,7 +1568,7 @@
           <a:p>
             <a:fld id="{311EB06D-26A6-4C43-8277-99F31CD5B1B5}" type="datetime1">
               <a:rPr lang="en-US" smtClean="0"/>
-              <a:t>10/14/2024</a:t>
+              <a:t>11/19/2024</a:t>
             </a:fld>
             <a:endParaRPr lang="en-US"/>
           </a:p>
@@ -1911,7 +1911,7 @@
           <a:p>
             <a:fld id="{7251C776-B46C-4540-9846-946AC493C078}" type="datetime1">
               <a:rPr lang="en-US" smtClean="0"/>
-              <a:t>10/14/2024</a:t>
+              <a:t>11/19/2024</a:t>
             </a:fld>
             <a:endParaRPr lang="en-US"/>
           </a:p>
@@ -2216,7 +2216,7 @@
           <a:p>
             <a:fld id="{BB782773-779E-4E5F-BE65-5C82215AC1C2}" type="datetime1">
               <a:rPr lang="en-US" smtClean="0"/>
-              <a:t>10/14/2024</a:t>
+              <a:t>11/19/2024</a:t>
             </a:fld>
             <a:endParaRPr lang="en-US"/>
           </a:p>
@@ -2625,7 +2625,7 @@
           <a:p>
             <a:fld id="{8BBF6F25-7BA3-486F-9F1E-3E151C128E18}" type="datetime1">
               <a:rPr lang="en-US" smtClean="0"/>
-              <a:t>10/14/2024</a:t>
+              <a:t>11/19/2024</a:t>
             </a:fld>
             <a:endParaRPr lang="en-US"/>
           </a:p>
@@ -2743,7 +2743,7 @@
           <a:p>
             <a:fld id="{2EDED3F0-DC71-40A6-8BD5-999A523EF1D6}" type="datetime1">
               <a:rPr lang="en-US" smtClean="0"/>
-              <a:t>10/14/2024</a:t>
+              <a:t>11/19/2024</a:t>
             </a:fld>
             <a:endParaRPr lang="en-US"/>
           </a:p>
@@ -2914,7 +2914,7 @@
           <a:p>
             <a:fld id="{ABBC6905-E1EF-4604-BE16-17126F6AF6F5}" type="datetime1">
               <a:rPr lang="en-US" smtClean="0"/>
-              <a:t>10/14/2024</a:t>
+              <a:t>11/19/2024</a:t>
             </a:fld>
             <a:endParaRPr lang="en-US"/>
           </a:p>
@@ -3283,7 +3283,7 @@
           <a:p>
             <a:fld id="{B42FE70B-855B-456C-8055-272A72415E6A}" type="datetime1">
               <a:rPr lang="en-US" smtClean="0"/>
-              <a:t>10/14/2024</a:t>
+              <a:t>11/19/2024</a:t>
             </a:fld>
             <a:endParaRPr lang="en-US"/>
           </a:p>
@@ -3660,7 +3660,7 @@
           <a:p>
             <a:fld id="{6C99EF0D-AE8A-467F-B3AA-2668B4F8126E}" type="datetime1">
               <a:rPr lang="en-US" smtClean="0"/>
-              <a:t>10/14/2024</a:t>
+              <a:t>11/19/2024</a:t>
             </a:fld>
             <a:endParaRPr lang="en-US"/>
           </a:p>
@@ -3947,7 +3947,7 @@
           <a:p>
             <a:fld id="{4CC437C6-6CA9-4A4C-9CAF-87DD1B8E03E5}" type="datetime1">
               <a:rPr lang="en-US" smtClean="0"/>
-              <a:t>10/14/2024</a:t>
+              <a:t>11/19/2024</a:t>
             </a:fld>
             <a:endParaRPr lang="en-US"/>
           </a:p>
@@ -7696,13 +7696,7 @@
           <a:p>
             <a:r>
               <a:rPr lang="en-US" dirty="0"/>
-              <a:t>2. I may continue to edit book + slides throughout term</a:t>
-            </a:r>
-          </a:p>
-          <a:p>
-            <a:r>
-              <a:rPr lang="en-US" dirty="0"/>
-              <a:t>3. User studies: Nov 8, in-class (+ half-lecture)</a:t>
+              <a:t>2. User studies: Dec 3, in-class (+ half-lecture)</a:t>
             </a:r>
           </a:p>
         </p:txBody>
@@ -11292,7 +11286,7 @@
         </p:spPr>
         <p:txBody>
           <a:bodyPr>
-            <a:normAutofit fontScale="77500" lnSpcReduction="20000"/>
+            <a:normAutofit fontScale="85000" lnSpcReduction="20000"/>
           </a:bodyPr>
           <a:lstStyle/>
           <a:p>
@@ -11303,7 +11297,6 @@
                   <a:srgbClr val="000000"/>
                 </a:solidFill>
                 <a:effectLst/>
-                <a:latin typeface="Noto Serif" panose="02020600060500020200" pitchFamily="18" charset="0"/>
               </a:rPr>
               <a:t>Ax is highly educated with a PhD in experimental physics. At age 35, they lead a small team of physicists and primarily write software  to interpret experimental data. In this role, they often mentor physicists-in-training on how to write similar code. </a:t>
             </a:r>
@@ -11316,7 +11309,6 @@
                   <a:srgbClr val="000000"/>
                 </a:solidFill>
                 <a:effectLst/>
-                <a:latin typeface="Noto Serif" panose="02020600060500020200" pitchFamily="18" charset="0"/>
               </a:rPr>
               <a:t>Ax’s approach to programming is likewise experimental. On the one hand, they are always willing to try something out, but care about being able to reproduce it and like to take detailed notes. Ax cares about being able to understand the code well enough to teach it to a mentee, but maintainability doesn’t matter to them at all. In experimental work, code might not last longer than the next research publication deadline.</a:t>
             </a:r>
@@ -11329,7 +11321,6 @@
                   <a:srgbClr val="000000"/>
                 </a:solidFill>
                 <a:effectLst/>
-                <a:latin typeface="Noto Serif" panose="02020600060500020200" pitchFamily="18" charset="0"/>
               </a:rPr>
               <a:t>Working as a physicist means there’s no real pressure to pick any one specific programming language - there’s a lot of freedom. Ax’s biggest constraint is that they have two kids at home so making good use of time is essential - it would not be acceptable to spend all night debugging a simple error.</a:t>
             </a:r>
@@ -11453,7 +11444,7 @@
         </p:nvSpPr>
         <p:spPr>
           <a:xfrm>
-            <a:off x="826168" y="5478922"/>
+            <a:off x="826168" y="5317046"/>
             <a:ext cx="10539663" cy="1110976"/>
           </a:xfrm>
         </p:spPr>
@@ -11492,7 +11483,7 @@
         <p:spPr>
           <a:xfrm>
             <a:off x="1" y="1839171"/>
-            <a:ext cx="12110224" cy="4093428"/>
+            <a:ext cx="12110224" cy="3477875"/>
           </a:xfrm>
           <a:prstGeom prst="rect">
             <a:avLst/>
@@ -11512,7 +11503,8 @@
                   <a:srgbClr val="000000"/>
                 </a:solidFill>
                 <a:effectLst/>
-                <a:latin typeface="Noto Serif" panose="02020600060500020200" pitchFamily="18" charset="0"/>
+                <a:latin typeface="Calibri" panose="020F0502020204030204" pitchFamily="34" charset="0"/>
+                <a:cs typeface="Calibri" panose="020F0502020204030204" pitchFamily="34" charset="0"/>
               </a:rPr>
               <a:t>Carlos, age 21, is in the last year of his bachelor’s degree, majoring in Computer Science with a minor in Music. Carlos is a creative at heart: if he could play piano for a living, he would, but he has decided to let his code be his art instead.</a:t>
             </a:r>
@@ -11525,7 +11517,8 @@
                   <a:srgbClr val="000000"/>
                 </a:solidFill>
                 <a:effectLst/>
-                <a:latin typeface="Noto Serif" panose="02020600060500020200" pitchFamily="18" charset="0"/>
+                <a:latin typeface="Calibri" panose="020F0502020204030204" pitchFamily="34" charset="0"/>
+                <a:cs typeface="Calibri" panose="020F0502020204030204" pitchFamily="34" charset="0"/>
               </a:rPr>
               <a:t>Carlos treats programming like he treats the piano: perfection is essential, and it comes from constant practice. He wants to leave no stone unturned and understand every detail. To him, a good program means each function works together in harmony like the instruments of an orchestra.</a:t>
             </a:r>
@@ -11538,7 +11531,8 @@
                   <a:srgbClr val="000000"/>
                 </a:solidFill>
                 <a:effectLst/>
-                <a:latin typeface="Noto Serif" panose="02020600060500020200" pitchFamily="18" charset="0"/>
+                <a:latin typeface="Calibri" panose="020F0502020204030204" pitchFamily="34" charset="0"/>
+                <a:cs typeface="Calibri" panose="020F0502020204030204" pitchFamily="34" charset="0"/>
               </a:rPr>
               <a:t>Carlos has no hard constraints on his language choice, only soft constraints. He refused his parents’ offer to help pay for a new laptop, so he needs something that runs well on old hardware. Moreover, he’s still learning what applications he wants to work on, so he prefers a generalist language. For example, his friends invited him to write some automated trading bots as part of a financial technology competition and he enjoyed it, but he also loved his classes on computer graphics and game development.</a:t>
             </a:r>
@@ -11592,7 +11586,13 @@
   <p:cSld>
     <p:spTree>
       <p:nvGrpSpPr>
-        <p:cNvPr id="1" name=""/>
+        <p:cNvPr id="1" name="">
+          <a:extLst>
+            <a:ext uri="{FF2B5EF4-FFF2-40B4-BE49-F238E27FC236}">
+              <a16:creationId xmlns:a16="http://schemas.microsoft.com/office/drawing/2014/main" id="{1F1F4A5E-FE92-6883-1332-5CAAC8997EB5}"/>
+            </a:ext>
+          </a:extLst>
+        </p:cNvPr>
         <p:cNvGrpSpPr/>
         <p:nvPr/>
       </p:nvGrpSpPr>
@@ -11609,7 +11609,7 @@
           <p:cNvPr id="2" name="Title 1">
             <a:extLst>
               <a:ext uri="{FF2B5EF4-FFF2-40B4-BE49-F238E27FC236}">
-                <a16:creationId xmlns:a16="http://schemas.microsoft.com/office/drawing/2014/main" id="{FBBF1482-2DBC-52CD-CB46-BDEA23FBE33B}"/>
+                <a16:creationId xmlns:a16="http://schemas.microsoft.com/office/drawing/2014/main" id="{E79B15BD-12A2-4644-9913-04187D1803B4}"/>
               </a:ext>
             </a:extLst>
           </p:cNvPr>
@@ -11637,7 +11637,7 @@
           <p:cNvPr id="5" name="TextBox 4">
             <a:extLst>
               <a:ext uri="{FF2B5EF4-FFF2-40B4-BE49-F238E27FC236}">
-                <a16:creationId xmlns:a16="http://schemas.microsoft.com/office/drawing/2014/main" id="{58374D2B-D9D2-A895-C603-AAA21485EDFA}"/>
+                <a16:creationId xmlns:a16="http://schemas.microsoft.com/office/drawing/2014/main" id="{8F4F68C4-118B-CAA1-60D2-7161864C669D}"/>
               </a:ext>
             </a:extLst>
           </p:cNvPr>
@@ -11647,7 +11647,7 @@
         <p:spPr>
           <a:xfrm>
             <a:off x="1" y="1839171"/>
-            <a:ext cx="12110224" cy="4093428"/>
+            <a:ext cx="12110224" cy="3477875"/>
           </a:xfrm>
           <a:prstGeom prst="rect">
             <a:avLst/>
@@ -11667,7 +11667,8 @@
                   <a:srgbClr val="000000"/>
                 </a:solidFill>
                 <a:effectLst/>
-                <a:latin typeface="Noto Serif" panose="02020600060500020200" pitchFamily="18" charset="0"/>
+                <a:latin typeface="Calibri" panose="020F0502020204030204" pitchFamily="34" charset="0"/>
+                <a:cs typeface="Calibri" panose="020F0502020204030204" pitchFamily="34" charset="0"/>
               </a:rPr>
               <a:t>Carlos, age 21, is in the last year of his bachelor’s degree, majoring in Computer Science with a minor in Music. Carlos is a creative at heart: if he could play piano for a living, he would, but he has decided to let his code be his art instead.</a:t>
             </a:r>
@@ -11680,7 +11681,8 @@
                   <a:srgbClr val="000000"/>
                 </a:solidFill>
                 <a:effectLst/>
-                <a:latin typeface="Noto Serif" panose="02020600060500020200" pitchFamily="18" charset="0"/>
+                <a:latin typeface="Calibri" panose="020F0502020204030204" pitchFamily="34" charset="0"/>
+                <a:cs typeface="Calibri" panose="020F0502020204030204" pitchFamily="34" charset="0"/>
               </a:rPr>
               <a:t>Carlos treats programming like he treats the piano: perfection is essential, and it comes from constant practice. He wants to leave no stone unturned and understand every detail. To him, a good program means each function works together in harmony like the instruments of an orchestra.</a:t>
             </a:r>
@@ -11693,7 +11695,8 @@
                   <a:srgbClr val="000000"/>
                 </a:solidFill>
                 <a:effectLst/>
-                <a:latin typeface="Noto Serif" panose="02020600060500020200" pitchFamily="18" charset="0"/>
+                <a:latin typeface="Calibri" panose="020F0502020204030204" pitchFamily="34" charset="0"/>
+                <a:cs typeface="Calibri" panose="020F0502020204030204" pitchFamily="34" charset="0"/>
               </a:rPr>
               <a:t>Carlos has no hard constraints on his language choice, only soft constraints. He refused his parents’ offer to help pay for a new laptop, so he needs something that runs well on old hardware. Moreover, he’s still learning what applications he wants to work on, so he prefers a generalist language. For example, his friends invited him to write some automated trading bots as part of a financial technology competition and he enjoyed it, but he also loved his classes on computer graphics and game development.</a:t>
             </a:r>
@@ -11705,7 +11708,7 @@
           <p:cNvPr id="4" name="Slide Number Placeholder 3">
             <a:extLst>
               <a:ext uri="{FF2B5EF4-FFF2-40B4-BE49-F238E27FC236}">
-                <a16:creationId xmlns:a16="http://schemas.microsoft.com/office/drawing/2014/main" id="{044173B8-8CE6-88F0-E92A-B81797092EE8}"/>
+                <a16:creationId xmlns:a16="http://schemas.microsoft.com/office/drawing/2014/main" id="{3456779E-2289-04A6-B452-24FA231D934B}"/>
               </a:ext>
             </a:extLst>
           </p:cNvPr>
@@ -11731,10 +11734,10 @@
       </p:sp>
       <p:sp>
         <p:nvSpPr>
-          <p:cNvPr id="8" name="Content Placeholder 2">
-            <a:extLst>
-              <a:ext uri="{FF2B5EF4-FFF2-40B4-BE49-F238E27FC236}">
-                <a16:creationId xmlns:a16="http://schemas.microsoft.com/office/drawing/2014/main" id="{1435DF51-A614-4E74-42B6-1D09F8282527}"/>
+          <p:cNvPr id="6" name="Content Placeholder 2">
+            <a:extLst>
+              <a:ext uri="{FF2B5EF4-FFF2-40B4-BE49-F238E27FC236}">
+                <a16:creationId xmlns:a16="http://schemas.microsoft.com/office/drawing/2014/main" id="{F247DA48-B4B1-085C-9A76-E457CE551CEF}"/>
               </a:ext>
             </a:extLst>
           </p:cNvPr>
@@ -12003,25 +12006,49 @@
             </a:lvl9pPr>
           </a:lstStyle>
           <a:p>
+            <a:endParaRPr lang="en-US" dirty="0"/>
+          </a:p>
+          <a:p>
+            <a:r>
+              <a:rPr lang="en-US" b="1" dirty="0"/>
+              <a:t>Answer: </a:t>
+            </a:r>
+            <a:r>
+              <a:rPr lang="en-US" dirty="0"/>
+              <a:t>Gender, Age, Education, Career + Personal Goals</a:t>
+            </a:r>
+          </a:p>
+        </p:txBody>
+      </p:sp>
+      <p:sp>
+        <p:nvSpPr>
+          <p:cNvPr id="8" name="Content Placeholder 7">
+            <a:extLst>
+              <a:ext uri="{FF2B5EF4-FFF2-40B4-BE49-F238E27FC236}">
+                <a16:creationId xmlns:a16="http://schemas.microsoft.com/office/drawing/2014/main" id="{8DA764B1-1F5E-FF7E-9684-7C53C86A8286}"/>
+              </a:ext>
+            </a:extLst>
+          </p:cNvPr>
+          <p:cNvSpPr>
+            <a:spLocks noGrp="1"/>
+          </p:cNvSpPr>
+          <p:nvPr>
+            <p:ph idx="1"/>
+          </p:nvPr>
+        </p:nvSpPr>
+        <p:spPr/>
+        <p:txBody>
+          <a:bodyPr/>
+          <a:lstStyle/>
+          <a:p>
             <a:endParaRPr lang="en-US"/>
-          </a:p>
-          <a:p>
-            <a:r>
-              <a:rPr lang="en-US" b="1"/>
-              <a:t>Answer: </a:t>
-            </a:r>
-            <a:r>
-              <a:rPr lang="en-US"/>
-              <a:t>Gender, Age, Education, Career + Personal Goals</a:t>
-            </a:r>
-            <a:endParaRPr lang="en-US" dirty="0"/>
           </a:p>
         </p:txBody>
       </p:sp>
     </p:spTree>
     <p:extLst>
       <p:ext uri="{BB962C8B-B14F-4D97-AF65-F5344CB8AC3E}">
-        <p14:creationId xmlns:p14="http://schemas.microsoft.com/office/powerpoint/2010/main" val="1553874713"/>
+        <p14:creationId xmlns:p14="http://schemas.microsoft.com/office/powerpoint/2010/main" val="3844966900"/>
       </p:ext>
     </p:extLst>
   </p:cSld>

--- a/LectureSlides/08Design1.pptx
+++ b/LectureSlides/08Design1.pptx
@@ -254,7 +254,7 @@
           <a:p>
             <a:fld id="{798376BB-0133-4A1F-AB50-8F7418DC3C7A}" type="datetimeFigureOut">
               <a:rPr lang="en-US" smtClean="0"/>
-              <a:t>10/14/2024</a:t>
+              <a:t>11/19/2024</a:t>
             </a:fld>
             <a:endParaRPr lang="en-US"/>
           </a:p>
@@ -919,7 +919,7 @@
           <a:p>
             <a:fld id="{3B4A0DFC-F603-49B3-92DC-4314F9B70182}" type="datetime1">
               <a:rPr lang="en-US" smtClean="0"/>
-              <a:t>10/14/2024</a:t>
+              <a:t>11/19/2024</a:t>
             </a:fld>
             <a:endParaRPr lang="en-US"/>
           </a:p>
@@ -1127,7 +1127,7 @@
           <a:p>
             <a:fld id="{44E07FCE-B1C6-4B40-8646-92A79898B5AD}" type="datetime1">
               <a:rPr lang="en-US" smtClean="0"/>
-              <a:t>10/14/2024</a:t>
+              <a:t>11/19/2024</a:t>
             </a:fld>
             <a:endParaRPr lang="en-US"/>
           </a:p>
@@ -1383,7 +1383,7 @@
           <a:p>
             <a:fld id="{DF7BA5AD-B0F8-4503-ABE5-3131372F5E41}" type="datetime1">
               <a:rPr lang="en-US" smtClean="0"/>
-              <a:t>10/14/2024</a:t>
+              <a:t>11/19/2024</a:t>
             </a:fld>
             <a:endParaRPr lang="en-US"/>
           </a:p>
@@ -1568,7 +1568,7 @@
           <a:p>
             <a:fld id="{311EB06D-26A6-4C43-8277-99F31CD5B1B5}" type="datetime1">
               <a:rPr lang="en-US" smtClean="0"/>
-              <a:t>10/14/2024</a:t>
+              <a:t>11/19/2024</a:t>
             </a:fld>
             <a:endParaRPr lang="en-US"/>
           </a:p>
@@ -1911,7 +1911,7 @@
           <a:p>
             <a:fld id="{7251C776-B46C-4540-9846-946AC493C078}" type="datetime1">
               <a:rPr lang="en-US" smtClean="0"/>
-              <a:t>10/14/2024</a:t>
+              <a:t>11/19/2024</a:t>
             </a:fld>
             <a:endParaRPr lang="en-US"/>
           </a:p>
@@ -2216,7 +2216,7 @@
           <a:p>
             <a:fld id="{BB782773-779E-4E5F-BE65-5C82215AC1C2}" type="datetime1">
               <a:rPr lang="en-US" smtClean="0"/>
-              <a:t>10/14/2024</a:t>
+              <a:t>11/19/2024</a:t>
             </a:fld>
             <a:endParaRPr lang="en-US"/>
           </a:p>
@@ -2625,7 +2625,7 @@
           <a:p>
             <a:fld id="{8BBF6F25-7BA3-486F-9F1E-3E151C128E18}" type="datetime1">
               <a:rPr lang="en-US" smtClean="0"/>
-              <a:t>10/14/2024</a:t>
+              <a:t>11/19/2024</a:t>
             </a:fld>
             <a:endParaRPr lang="en-US"/>
           </a:p>
@@ -2743,7 +2743,7 @@
           <a:p>
             <a:fld id="{2EDED3F0-DC71-40A6-8BD5-999A523EF1D6}" type="datetime1">
               <a:rPr lang="en-US" smtClean="0"/>
-              <a:t>10/14/2024</a:t>
+              <a:t>11/19/2024</a:t>
             </a:fld>
             <a:endParaRPr lang="en-US"/>
           </a:p>
@@ -2914,7 +2914,7 @@
           <a:p>
             <a:fld id="{ABBC6905-E1EF-4604-BE16-17126F6AF6F5}" type="datetime1">
               <a:rPr lang="en-US" smtClean="0"/>
-              <a:t>10/14/2024</a:t>
+              <a:t>11/19/2024</a:t>
             </a:fld>
             <a:endParaRPr lang="en-US"/>
           </a:p>
@@ -3283,7 +3283,7 @@
           <a:p>
             <a:fld id="{B42FE70B-855B-456C-8055-272A72415E6A}" type="datetime1">
               <a:rPr lang="en-US" smtClean="0"/>
-              <a:t>10/14/2024</a:t>
+              <a:t>11/19/2024</a:t>
             </a:fld>
             <a:endParaRPr lang="en-US"/>
           </a:p>
@@ -3660,7 +3660,7 @@
           <a:p>
             <a:fld id="{6C99EF0D-AE8A-467F-B3AA-2668B4F8126E}" type="datetime1">
               <a:rPr lang="en-US" smtClean="0"/>
-              <a:t>10/14/2024</a:t>
+              <a:t>11/19/2024</a:t>
             </a:fld>
             <a:endParaRPr lang="en-US"/>
           </a:p>
@@ -3947,7 +3947,7 @@
           <a:p>
             <a:fld id="{4CC437C6-6CA9-4A4C-9CAF-87DD1B8E03E5}" type="datetime1">
               <a:rPr lang="en-US" smtClean="0"/>
-              <a:t>10/14/2024</a:t>
+              <a:t>11/19/2024</a:t>
             </a:fld>
             <a:endParaRPr lang="en-US"/>
           </a:p>
@@ -7696,13 +7696,7 @@
           <a:p>
             <a:r>
               <a:rPr lang="en-US" dirty="0"/>
-              <a:t>2. I may continue to edit book + slides throughout term</a:t>
-            </a:r>
-          </a:p>
-          <a:p>
-            <a:r>
-              <a:rPr lang="en-US" dirty="0"/>
-              <a:t>3. User studies: Nov 8, in-class (+ half-lecture)</a:t>
+              <a:t>2. User studies: Dec 3, in-class (+ half-lecture)</a:t>
             </a:r>
           </a:p>
         </p:txBody>
